--- a/reference_content/Slides/007_Basis_and_Regularization.pptx
+++ b/reference_content/Slides/007_Basis_and_Regularization.pptx
@@ -5,24 +5,43 @@
     <p:sldMasterId id="2147483660" r:id="rId1"/>
   </p:sldMasterIdLst>
   <p:sldIdLst>
-    <p:sldId id="256" r:id="rId2"/>
-    <p:sldId id="259" r:id="rId3"/>
-    <p:sldId id="260" r:id="rId4"/>
-    <p:sldId id="261" r:id="rId5"/>
-    <p:sldId id="262" r:id="rId6"/>
-    <p:sldId id="263" r:id="rId7"/>
-    <p:sldId id="264" r:id="rId8"/>
-    <p:sldId id="258" r:id="rId9"/>
-    <p:sldId id="266" r:id="rId10"/>
-    <p:sldId id="267" r:id="rId11"/>
-    <p:sldId id="268" r:id="rId12"/>
-    <p:sldId id="269" r:id="rId13"/>
-    <p:sldId id="257" r:id="rId14"/>
-    <p:sldId id="265" r:id="rId15"/>
-    <p:sldId id="270" r:id="rId16"/>
-    <p:sldId id="271" r:id="rId17"/>
-    <p:sldId id="272" r:id="rId18"/>
-    <p:sldId id="273" r:id="rId19"/>
+    <p:sldId id="274" r:id="rId2"/>
+    <p:sldId id="275" r:id="rId3"/>
+    <p:sldId id="276" r:id="rId4"/>
+    <p:sldId id="277" r:id="rId5"/>
+    <p:sldId id="278" r:id="rId6"/>
+    <p:sldId id="279" r:id="rId7"/>
+    <p:sldId id="280" r:id="rId8"/>
+    <p:sldId id="281" r:id="rId9"/>
+    <p:sldId id="282" r:id="rId10"/>
+    <p:sldId id="289" r:id="rId11"/>
+    <p:sldId id="290" r:id="rId12"/>
+    <p:sldId id="291" r:id="rId13"/>
+    <p:sldId id="292" r:id="rId14"/>
+    <p:sldId id="293" r:id="rId15"/>
+    <p:sldId id="256" r:id="rId16"/>
+    <p:sldId id="259" r:id="rId17"/>
+    <p:sldId id="260" r:id="rId18"/>
+    <p:sldId id="261" r:id="rId19"/>
+    <p:sldId id="262" r:id="rId20"/>
+    <p:sldId id="263" r:id="rId21"/>
+    <p:sldId id="264" r:id="rId22"/>
+    <p:sldId id="258" r:id="rId23"/>
+    <p:sldId id="266" r:id="rId24"/>
+    <p:sldId id="267" r:id="rId25"/>
+    <p:sldId id="268" r:id="rId26"/>
+    <p:sldId id="269" r:id="rId27"/>
+    <p:sldId id="283" r:id="rId28"/>
+    <p:sldId id="284" r:id="rId29"/>
+    <p:sldId id="257" r:id="rId30"/>
+    <p:sldId id="265" r:id="rId31"/>
+    <p:sldId id="270" r:id="rId32"/>
+    <p:sldId id="285" r:id="rId33"/>
+    <p:sldId id="287" r:id="rId34"/>
+    <p:sldId id="271" r:id="rId35"/>
+    <p:sldId id="288" r:id="rId36"/>
+    <p:sldId id="272" r:id="rId37"/>
+    <p:sldId id="273" r:id="rId38"/>
   </p:sldIdLst>
   <p:sldSz cx="12192000" cy="6858000"/>
   <p:notesSz cx="6858000" cy="9144000"/>
@@ -268,7 +287,7 @@
           <a:p>
             <a:fld id="{6A2C5A9B-CA1C-EF43-AB33-17909BB2FF74}" type="datetimeFigureOut">
               <a:rPr lang="en-US" smtClean="0"/>
-              <a:t>12/13/24</a:t>
+              <a:t>1/22/25</a:t>
             </a:fld>
             <a:endParaRPr lang="en-US"/>
           </a:p>
@@ -479,7 +498,7 @@
           <a:p>
             <a:fld id="{6A2C5A9B-CA1C-EF43-AB33-17909BB2FF74}" type="datetimeFigureOut">
               <a:rPr lang="en-US" smtClean="0"/>
-              <a:t>12/13/24</a:t>
+              <a:t>1/22/25</a:t>
             </a:fld>
             <a:endParaRPr lang="en-US"/>
           </a:p>
@@ -694,7 +713,7 @@
           <a:p>
             <a:fld id="{6A2C5A9B-CA1C-EF43-AB33-17909BB2FF74}" type="datetimeFigureOut">
               <a:rPr lang="en-US" smtClean="0"/>
-              <a:t>12/13/24</a:t>
+              <a:t>1/22/25</a:t>
             </a:fld>
             <a:endParaRPr lang="en-US"/>
           </a:p>
@@ -895,7 +914,7 @@
           <a:p>
             <a:fld id="{6A2C5A9B-CA1C-EF43-AB33-17909BB2FF74}" type="datetimeFigureOut">
               <a:rPr lang="en-US" smtClean="0"/>
-              <a:t>12/13/24</a:t>
+              <a:t>1/22/25</a:t>
             </a:fld>
             <a:endParaRPr lang="en-US"/>
           </a:p>
@@ -1174,7 +1193,7 @@
           <a:p>
             <a:fld id="{6A2C5A9B-CA1C-EF43-AB33-17909BB2FF74}" type="datetimeFigureOut">
               <a:rPr lang="en-US" smtClean="0"/>
-              <a:t>12/13/24</a:t>
+              <a:t>1/22/25</a:t>
             </a:fld>
             <a:endParaRPr lang="en-US"/>
           </a:p>
@@ -1442,7 +1461,7 @@
           <a:p>
             <a:fld id="{6A2C5A9B-CA1C-EF43-AB33-17909BB2FF74}" type="datetimeFigureOut">
               <a:rPr lang="en-US" smtClean="0"/>
-              <a:t>12/13/24</a:t>
+              <a:t>1/22/25</a:t>
             </a:fld>
             <a:endParaRPr lang="en-US"/>
           </a:p>
@@ -1858,7 +1877,7 @@
           <a:p>
             <a:fld id="{6A2C5A9B-CA1C-EF43-AB33-17909BB2FF74}" type="datetimeFigureOut">
               <a:rPr lang="en-US" smtClean="0"/>
-              <a:t>12/13/24</a:t>
+              <a:t>1/22/25</a:t>
             </a:fld>
             <a:endParaRPr lang="en-US"/>
           </a:p>
@@ -2007,7 +2026,7 @@
           <a:p>
             <a:fld id="{6A2C5A9B-CA1C-EF43-AB33-17909BB2FF74}" type="datetimeFigureOut">
               <a:rPr lang="en-US" smtClean="0"/>
-              <a:t>12/13/24</a:t>
+              <a:t>1/22/25</a:t>
             </a:fld>
             <a:endParaRPr lang="en-US"/>
           </a:p>
@@ -2133,7 +2152,7 @@
           <a:p>
             <a:fld id="{6A2C5A9B-CA1C-EF43-AB33-17909BB2FF74}" type="datetimeFigureOut">
               <a:rPr lang="en-US" smtClean="0"/>
-              <a:t>12/13/24</a:t>
+              <a:t>1/22/25</a:t>
             </a:fld>
             <a:endParaRPr lang="en-US"/>
           </a:p>
@@ -2384,7 +2403,7 @@
           <a:p>
             <a:fld id="{6A2C5A9B-CA1C-EF43-AB33-17909BB2FF74}" type="datetimeFigureOut">
               <a:rPr lang="en-US" smtClean="0"/>
-              <a:t>12/13/24</a:t>
+              <a:t>1/22/25</a:t>
             </a:fld>
             <a:endParaRPr lang="en-US"/>
           </a:p>
@@ -2829,7 +2848,7 @@
           <a:p>
             <a:fld id="{6A2C5A9B-CA1C-EF43-AB33-17909BB2FF74}" type="datetimeFigureOut">
               <a:rPr lang="en-US" smtClean="0"/>
-              <a:t>12/13/24</a:t>
+              <a:t>1/22/25</a:t>
             </a:fld>
             <a:endParaRPr lang="en-US"/>
           </a:p>
@@ -3156,7 +3175,7 @@
           <a:p>
             <a:fld id="{6A2C5A9B-CA1C-EF43-AB33-17909BB2FF74}" type="datetimeFigureOut">
               <a:rPr lang="en-US" smtClean="0"/>
-              <a:t>12/13/24</a:t>
+              <a:t>1/22/25</a:t>
             </a:fld>
             <a:endParaRPr lang="en-US"/>
           </a:p>
@@ -3647,7 +3666,7 @@
           <p:cNvPr id="2" name="Title 1">
             <a:extLst>
               <a:ext uri="{FF2B5EF4-FFF2-40B4-BE49-F238E27FC236}">
-                <a16:creationId xmlns:a16="http://schemas.microsoft.com/office/drawing/2014/main" id="{3A641502-66C4-9F47-9818-FC9477B18DF0}"/>
+                <a16:creationId xmlns:a16="http://schemas.microsoft.com/office/drawing/2014/main" id="{EFCCC0E5-E4D1-14DD-30BC-91C49E12FEDC}"/>
               </a:ext>
             </a:extLst>
           </p:cNvPr>
@@ -3655,57 +3674,104 @@
             <a:spLocks noGrp="1"/>
           </p:cNvSpPr>
           <p:nvPr>
-            <p:ph type="ctrTitle"/>
+            <p:ph type="title"/>
+          </p:nvPr>
+        </p:nvSpPr>
+        <p:spPr/>
+        <p:txBody>
+          <a:bodyPr/>
+          <a:lstStyle/>
+          <a:p>
+            <a:r>
+              <a:rPr lang="en-US" dirty="0"/>
+              <a:t>Detour - Imputation</a:t>
+            </a:r>
+          </a:p>
+        </p:txBody>
+      </p:sp>
+      <p:sp>
+        <p:nvSpPr>
+          <p:cNvPr id="3" name="Content Placeholder 2">
+            <a:extLst>
+              <a:ext uri="{FF2B5EF4-FFF2-40B4-BE49-F238E27FC236}">
+                <a16:creationId xmlns:a16="http://schemas.microsoft.com/office/drawing/2014/main" id="{026F216C-695B-1B75-9F73-9C9C76990D9C}"/>
+              </a:ext>
+            </a:extLst>
+          </p:cNvPr>
+          <p:cNvSpPr>
+            <a:spLocks noGrp="1"/>
+          </p:cNvSpPr>
+          <p:nvPr>
+            <p:ph idx="1"/>
           </p:nvPr>
         </p:nvSpPr>
         <p:spPr>
           <a:xfrm>
-            <a:off x="1639957" y="802298"/>
-            <a:ext cx="9414896" cy="2541431"/>
-          </a:xfrm>
-        </p:spPr>
-        <p:txBody>
-          <a:bodyPr>
-            <a:normAutofit fontScale="90000"/>
-          </a:bodyPr>
-          <a:lstStyle/>
-          <a:p>
-            <a:r>
-              <a:rPr lang="en-US" dirty="0"/>
-              <a:t>Linear Regression with non-Linear Data and Regularization</a:t>
-            </a:r>
-          </a:p>
-        </p:txBody>
-      </p:sp>
-      <p:sp>
-        <p:nvSpPr>
-          <p:cNvPr id="3" name="Subtitle 2">
-            <a:extLst>
-              <a:ext uri="{FF2B5EF4-FFF2-40B4-BE49-F238E27FC236}">
-                <a16:creationId xmlns:a16="http://schemas.microsoft.com/office/drawing/2014/main" id="{B95C6A61-2478-0649-A251-5AA8272DE261}"/>
-              </a:ext>
-            </a:extLst>
-          </p:cNvPr>
-          <p:cNvSpPr>
-            <a:spLocks noGrp="1"/>
-          </p:cNvSpPr>
-          <p:nvPr>
-            <p:ph type="subTitle" idx="1"/>
-          </p:nvPr>
-        </p:nvSpPr>
-        <p:spPr/>
+            <a:off x="1451579" y="1958009"/>
+            <a:ext cx="9603275" cy="4095472"/>
+          </a:xfrm>
+        </p:spPr>
         <p:txBody>
           <a:bodyPr/>
           <a:lstStyle/>
           <a:p>
-            <a:endParaRPr lang="en-US"/>
+            <a:r>
+              <a:rPr lang="en-US" dirty="0"/>
+              <a:t>Generally, models can’t handle missing data – they’ll fail. </a:t>
+            </a:r>
+          </a:p>
+          <a:p>
+            <a:r>
+              <a:rPr lang="en-US" dirty="0"/>
+              <a:t>If we have missing data, we need to do something with it:</a:t>
+            </a:r>
+          </a:p>
+          <a:p>
+            <a:pPr lvl="1"/>
+            <a:r>
+              <a:rPr lang="en-US" dirty="0"/>
+              <a:t>Delete it. </a:t>
+            </a:r>
+          </a:p>
+          <a:p>
+            <a:pPr lvl="1"/>
+            <a:r>
+              <a:rPr lang="en-US" dirty="0"/>
+              <a:t>Impute it – fill in a placeholder value for the missing spot. </a:t>
+            </a:r>
+          </a:p>
+          <a:p>
+            <a:r>
+              <a:rPr lang="en-US" dirty="0"/>
+              <a:t>Doing either of these is both a simple requirement and potentially complex decision. </a:t>
+            </a:r>
+          </a:p>
+          <a:p>
+            <a:pPr lvl="1"/>
+            <a:r>
+              <a:rPr lang="en-US" dirty="0"/>
+              <a:t>We need to do something to make it work, and doing imputation/deletion is simple. </a:t>
+            </a:r>
+          </a:p>
+          <a:p>
+            <a:pPr lvl="1"/>
+            <a:r>
+              <a:rPr lang="en-US" dirty="0"/>
+              <a:t>We need some real knowledge, including domain knowledge, to do it well. </a:t>
+            </a:r>
+          </a:p>
+          <a:p>
+            <a:r>
+              <a:rPr lang="en-US" dirty="0"/>
+              <a:t>We are leaning more towards the former – we need imputation but don’t dig into it. </a:t>
+            </a:r>
           </a:p>
         </p:txBody>
       </p:sp>
     </p:spTree>
     <p:extLst>
       <p:ext uri="{BB962C8B-B14F-4D97-AF65-F5344CB8AC3E}">
-        <p14:creationId xmlns:p14="http://schemas.microsoft.com/office/powerpoint/2010/main" val="776981215"/>
+        <p14:creationId xmlns:p14="http://schemas.microsoft.com/office/powerpoint/2010/main" val="309553878"/>
       </p:ext>
     </p:extLst>
   </p:cSld>
@@ -3737,7 +3803,7 @@
           <p:cNvPr id="2" name="Title 1">
             <a:extLst>
               <a:ext uri="{FF2B5EF4-FFF2-40B4-BE49-F238E27FC236}">
-                <a16:creationId xmlns:a16="http://schemas.microsoft.com/office/drawing/2014/main" id="{1E414968-5704-3D45-99C5-A24DAA164455}"/>
+                <a16:creationId xmlns:a16="http://schemas.microsoft.com/office/drawing/2014/main" id="{3CAE0C32-FEA6-8211-AB14-F349D363AC8A}"/>
               </a:ext>
             </a:extLst>
           </p:cNvPr>
@@ -3748,136 +3814,118 @@
             <p:ph type="title"/>
           </p:nvPr>
         </p:nvSpPr>
+        <p:spPr/>
+        <p:txBody>
+          <a:bodyPr/>
+          <a:lstStyle/>
+          <a:p>
+            <a:r>
+              <a:rPr lang="en-US" dirty="0"/>
+              <a:t>A thing Happened!</a:t>
+            </a:r>
+          </a:p>
+        </p:txBody>
+      </p:sp>
+      <p:sp>
+        <p:nvSpPr>
+          <p:cNvPr id="3" name="Content Placeholder 2">
+            <a:extLst>
+              <a:ext uri="{FF2B5EF4-FFF2-40B4-BE49-F238E27FC236}">
+                <a16:creationId xmlns:a16="http://schemas.microsoft.com/office/drawing/2014/main" id="{6281FDF7-2F2A-D3C7-5E2D-95D8551DDAB8}"/>
+              </a:ext>
+            </a:extLst>
+          </p:cNvPr>
+          <p:cNvSpPr>
+            <a:spLocks noGrp="1"/>
+          </p:cNvSpPr>
+          <p:nvPr>
+            <p:ph idx="1"/>
+          </p:nvPr>
+        </p:nvSpPr>
         <p:spPr>
           <a:xfrm>
-            <a:off x="1451579" y="804519"/>
-            <a:ext cx="9603275" cy="1049235"/>
-          </a:xfrm>
-        </p:spPr>
-        <p:txBody>
-          <a:bodyPr>
-            <a:normAutofit/>
-          </a:bodyPr>
-          <a:lstStyle/>
-          <a:p>
-            <a:r>
-              <a:rPr lang="en-US" dirty="0"/>
-              <a:t>Balancing Act</a:t>
-            </a:r>
-          </a:p>
-        </p:txBody>
-      </p:sp>
-      <p:sp>
-        <p:nvSpPr>
-          <p:cNvPr id="3" name="Content Placeholder 2">
-            <a:extLst>
-              <a:ext uri="{FF2B5EF4-FFF2-40B4-BE49-F238E27FC236}">
-                <a16:creationId xmlns:a16="http://schemas.microsoft.com/office/drawing/2014/main" id="{80226497-CD43-634A-832F-9797A721769A}"/>
-              </a:ext>
-            </a:extLst>
-          </p:cNvPr>
-          <p:cNvSpPr>
-            <a:spLocks noGrp="1"/>
-          </p:cNvSpPr>
-          <p:nvPr>
-            <p:ph idx="1"/>
-          </p:nvPr>
-        </p:nvSpPr>
-        <p:spPr>
-          <a:xfrm>
-            <a:off x="1451579" y="2015734"/>
-            <a:ext cx="6195784" cy="4126649"/>
-          </a:xfrm>
-        </p:spPr>
-        <p:txBody>
-          <a:bodyPr>
-            <a:normAutofit/>
-          </a:bodyPr>
-          <a:lstStyle/>
-          <a:p>
-            <a:r>
-              <a:rPr lang="en-US" dirty="0"/>
-              <a:t>A good model requires a balance between Bias and Variance. </a:t>
-            </a:r>
-          </a:p>
-          <a:p>
-            <a:r>
-              <a:rPr lang="en-US" dirty="0"/>
-              <a:t>If we have too much bias our model won’t be adequately tailored to the data. </a:t>
-            </a:r>
-          </a:p>
-          <a:p>
-            <a:pPr lvl="1"/>
-            <a:r>
-              <a:rPr lang="en-US" dirty="0"/>
-              <a:t>Simple models have high bias.</a:t>
-            </a:r>
-          </a:p>
-          <a:p>
-            <a:r>
-              <a:rPr lang="en-US" dirty="0"/>
-              <a:t>If we have too much variance, the specific training sample data would impact the model’s predictions too much, and it may be wrong with different data. </a:t>
-            </a:r>
-          </a:p>
-          <a:p>
-            <a:pPr lvl="1"/>
-            <a:r>
-              <a:rPr lang="en-US" dirty="0"/>
-              <a:t>Complex models have high variance. </a:t>
-            </a:r>
-          </a:p>
-        </p:txBody>
-      </p:sp>
-      <p:pic>
-        <p:nvPicPr>
-          <p:cNvPr id="3074" name="Picture 2" descr="Red Panda, The NBA&amp;#39;s Legendary Acrobatic Halftime Act, Has No Plans To Hang  Up Her Unicycle | Complex">
-            <a:extLst>
-              <a:ext uri="{FF2B5EF4-FFF2-40B4-BE49-F238E27FC236}">
-                <a16:creationId xmlns:a16="http://schemas.microsoft.com/office/drawing/2014/main" id="{8494740D-4008-2544-AF9B-86667DC941E4}"/>
-              </a:ext>
-            </a:extLst>
-          </p:cNvPr>
-          <p:cNvPicPr>
-            <a:picLocks noChangeAspect="1" noChangeArrowheads="1"/>
-          </p:cNvPicPr>
-          <p:nvPr/>
-        </p:nvPicPr>
-        <p:blipFill>
-          <a:blip r:embed="rId2">
-            <a:extLst>
-              <a:ext uri="{28A0092B-C50C-407E-A947-70E740481C1C}">
-                <a14:useLocalDpi xmlns:a14="http://schemas.microsoft.com/office/drawing/2010/main" val="0"/>
-              </a:ext>
-            </a:extLst>
-          </a:blip>
-          <a:stretch>
-            <a:fillRect/>
-          </a:stretch>
-        </p:blipFill>
-        <p:spPr bwMode="auto">
-          <a:xfrm>
-            <a:off x="8543914" y="1853754"/>
-            <a:ext cx="3126918" cy="4755769"/>
-          </a:xfrm>
-          <a:prstGeom prst="rect">
-            <a:avLst/>
-          </a:prstGeom>
-          <a:noFill/>
-          <a:extLst>
-            <a:ext uri="{909E8E84-426E-40DD-AFC4-6F175D3DCCD1}">
-              <a14:hiddenFill xmlns:a14="http://schemas.microsoft.com/office/drawing/2010/main">
-                <a:solidFill>
-                  <a:srgbClr val="FFFFFF"/>
-                </a:solidFill>
-              </a14:hiddenFill>
-            </a:ext>
-          </a:extLst>
-        </p:spPr>
-      </p:pic>
+            <a:off x="1451579" y="1853754"/>
+            <a:ext cx="9603275" cy="4199727"/>
+          </a:xfrm>
+        </p:spPr>
+        <p:txBody>
+          <a:bodyPr/>
+          <a:lstStyle/>
+          <a:p>
+            <a:r>
+              <a:rPr lang="en-US" dirty="0"/>
+              <a:t>There’s been new news on machine learning in the past week or so. </a:t>
+            </a:r>
+          </a:p>
+          <a:p>
+            <a:r>
+              <a:rPr lang="en-US" dirty="0"/>
+              <a:t>Existing large models are basically mega-</a:t>
+            </a:r>
+            <a:r>
+              <a:rPr lang="en-US" dirty="0" err="1"/>
+              <a:t>corp</a:t>
+            </a:r>
+            <a:r>
+              <a:rPr lang="en-US" dirty="0"/>
+              <a:t> only due to needed resources. </a:t>
+            </a:r>
+          </a:p>
+          <a:p>
+            <a:pPr lvl="1"/>
+            <a:r>
+              <a:rPr lang="en-US" dirty="0"/>
+              <a:t>10s of thousands of GPUs, each costing 10s of thousands of dollars, to train. </a:t>
+            </a:r>
+          </a:p>
+          <a:p>
+            <a:pPr lvl="1"/>
+            <a:r>
+              <a:rPr lang="en-US" dirty="0"/>
+              <a:t>Companies are literally looking at nuclear reactors to power the data centers. </a:t>
+            </a:r>
+          </a:p>
+          <a:p>
+            <a:pPr lvl="1"/>
+            <a:r>
+              <a:rPr lang="en-US" dirty="0"/>
+              <a:t>Costs can be in the hundreds of millions, next-gen models may cost billions to train. </a:t>
+            </a:r>
+          </a:p>
+          <a:p>
+            <a:pPr lvl="1"/>
+            <a:r>
+              <a:rPr lang="en-US" dirty="0"/>
+              <a:t>Only Google, FB, MS invested OpenAI can really do this, no one else has the resources. </a:t>
+            </a:r>
+          </a:p>
+          <a:p>
+            <a:r>
+              <a:rPr lang="en-US" dirty="0"/>
+              <a:t>A Chinese company </a:t>
+            </a:r>
+            <a:r>
+              <a:rPr lang="en-US" dirty="0" err="1"/>
+              <a:t>Deepseek</a:t>
+            </a:r>
+            <a:r>
+              <a:rPr lang="en-US" dirty="0"/>
+              <a:t> released a new model that is supposedly much more efficient on HW and training time than competitors like ChatGPT. </a:t>
+            </a:r>
+          </a:p>
+          <a:p>
+            <a:pPr lvl="1"/>
+            <a:r>
+              <a:rPr lang="en-US" dirty="0"/>
+              <a:t>This was apparently a side project of some hedge fund guys? They had spare GPU time. </a:t>
+            </a:r>
+          </a:p>
+        </p:txBody>
+      </p:sp>
     </p:spTree>
     <p:extLst>
       <p:ext uri="{BB962C8B-B14F-4D97-AF65-F5344CB8AC3E}">
-        <p14:creationId xmlns:p14="http://schemas.microsoft.com/office/powerpoint/2010/main" val="2373458218"/>
+        <p14:creationId xmlns:p14="http://schemas.microsoft.com/office/powerpoint/2010/main" val="4096302586"/>
       </p:ext>
     </p:extLst>
   </p:cSld>
@@ -3909,7 +3957,7 @@
           <p:cNvPr id="2" name="Title 1">
             <a:extLst>
               <a:ext uri="{FF2B5EF4-FFF2-40B4-BE49-F238E27FC236}">
-                <a16:creationId xmlns:a16="http://schemas.microsoft.com/office/drawing/2014/main" id="{044B3C14-0A48-E34F-AB78-E75B9592D8AA}"/>
+                <a16:creationId xmlns:a16="http://schemas.microsoft.com/office/drawing/2014/main" id="{9987640C-6ECC-32F9-9863-7211AC0E0725}"/>
               </a:ext>
             </a:extLst>
           </p:cNvPr>
@@ -3927,7 +3975,7 @@
           <a:p>
             <a:r>
               <a:rPr lang="en-US" dirty="0"/>
-              <a:t>Bias Variance Tradeoff</a:t>
+              <a:t>This Could be Really Big!</a:t>
             </a:r>
           </a:p>
         </p:txBody>
@@ -3937,7 +3985,7 @@
           <p:cNvPr id="3" name="Content Placeholder 2">
             <a:extLst>
               <a:ext uri="{FF2B5EF4-FFF2-40B4-BE49-F238E27FC236}">
-                <a16:creationId xmlns:a16="http://schemas.microsoft.com/office/drawing/2014/main" id="{BE60FE15-B605-AC42-93FE-B5C6E3844D6A}"/>
+                <a16:creationId xmlns:a16="http://schemas.microsoft.com/office/drawing/2014/main" id="{568A17D5-4BEE-85AF-285A-1C02DCB36DC3}"/>
               </a:ext>
             </a:extLst>
           </p:cNvPr>
@@ -3948,64 +3996,92 @@
             <p:ph idx="1"/>
           </p:nvPr>
         </p:nvSpPr>
-        <p:spPr/>
-        <p:txBody>
-          <a:bodyPr/>
-          <a:lstStyle/>
-          <a:p>
-            <a:endParaRPr lang="en-US"/>
-          </a:p>
-        </p:txBody>
-      </p:sp>
-      <p:pic>
-        <p:nvPicPr>
-          <p:cNvPr id="4098" name="Picture 2" descr="Bias-Variance Tradeoff in Machine Learning">
-            <a:extLst>
-              <a:ext uri="{FF2B5EF4-FFF2-40B4-BE49-F238E27FC236}">
-                <a16:creationId xmlns:a16="http://schemas.microsoft.com/office/drawing/2014/main" id="{F47D1370-D60E-E143-A3F6-B04390585842}"/>
-              </a:ext>
-            </a:extLst>
-          </p:cNvPr>
-          <p:cNvPicPr>
-            <a:picLocks noChangeAspect="1" noChangeArrowheads="1"/>
-          </p:cNvPicPr>
-          <p:nvPr/>
-        </p:nvPicPr>
-        <p:blipFill rotWithShape="1">
-          <a:blip r:embed="rId2">
-            <a:extLst>
-              <a:ext uri="{28A0092B-C50C-407E-A947-70E740481C1C}">
-                <a14:useLocalDpi xmlns:a14="http://schemas.microsoft.com/office/drawing/2010/main" val="0"/>
-              </a:ext>
-            </a:extLst>
-          </a:blip>
-          <a:srcRect t="4147"/>
-          <a:stretch/>
-        </p:blipFill>
-        <p:spPr bwMode="auto">
-          <a:xfrm>
-            <a:off x="2354316" y="1569308"/>
-            <a:ext cx="7797800" cy="5551028"/>
-          </a:xfrm>
-          <a:prstGeom prst="rect">
-            <a:avLst/>
-          </a:prstGeom>
-          <a:noFill/>
-          <a:extLst>
-            <a:ext uri="{909E8E84-426E-40DD-AFC4-6F175D3DCCD1}">
-              <a14:hiddenFill xmlns:a14="http://schemas.microsoft.com/office/drawing/2010/main">
-                <a:solidFill>
-                  <a:srgbClr val="FFFFFF"/>
-                </a:solidFill>
-              </a14:hiddenFill>
-            </a:ext>
-          </a:extLst>
-        </p:spPr>
-      </p:pic>
+        <p:spPr>
+          <a:xfrm>
+            <a:off x="1346885" y="1853754"/>
+            <a:ext cx="9934833" cy="4199727"/>
+          </a:xfrm>
+        </p:spPr>
+        <p:txBody>
+          <a:bodyPr>
+            <a:normAutofit/>
+          </a:bodyPr>
+          <a:lstStyle/>
+          <a:p>
+            <a:r>
+              <a:rPr lang="en-US" dirty="0"/>
+              <a:t>The </a:t>
+            </a:r>
+            <a:r>
+              <a:rPr lang="en-US" dirty="0" err="1"/>
+              <a:t>DeepSeek</a:t>
+            </a:r>
+            <a:r>
+              <a:rPr lang="en-US" dirty="0"/>
+              <a:t> people made the training process more efficient, keeping performance. </a:t>
+            </a:r>
+          </a:p>
+          <a:p>
+            <a:pPr lvl="1"/>
+            <a:r>
+              <a:rPr lang="en-US" dirty="0"/>
+              <a:t>A bunch of optimizations – lower precision values, multi-token predictions (later). </a:t>
+            </a:r>
+          </a:p>
+          <a:p>
+            <a:pPr lvl="1"/>
+            <a:r>
+              <a:rPr lang="en-US" dirty="0"/>
+              <a:t>Mixture of Experts – basically a combination of smaller specialized models vs one massive. </a:t>
+            </a:r>
+          </a:p>
+          <a:p>
+            <a:pPr lvl="1"/>
+            <a:r>
+              <a:rPr lang="en-US" dirty="0"/>
+              <a:t>Other optimizations to maximize utilization and minimize moving data. </a:t>
+            </a:r>
+          </a:p>
+          <a:p>
+            <a:pPr lvl="1"/>
+            <a:r>
+              <a:rPr lang="en-US" dirty="0"/>
+              <a:t>This stuff already exists, so it might also have some private stuff or a weird combo. </a:t>
+            </a:r>
+          </a:p>
+          <a:p>
+            <a:pPr lvl="1"/>
+            <a:r>
+              <a:rPr lang="en-US" dirty="0"/>
+              <a:t>Much more achievable on consumer grade hardware, or lower end enterprise. </a:t>
+            </a:r>
+          </a:p>
+          <a:p>
+            <a:r>
+              <a:rPr lang="en-US" dirty="0"/>
+              <a:t>If these techniques work well in general, we should see smaller (universities, hobbyists, small companies) orgs able to develop models that are more competitive with the large players. </a:t>
+            </a:r>
+          </a:p>
+          <a:p>
+            <a:pPr lvl="1"/>
+            <a:r>
+              <a:rPr lang="en-US" dirty="0"/>
+              <a:t>~$5 million vs ~$100 million training costs for similar performance. (Rumored)</a:t>
+            </a:r>
+          </a:p>
+          <a:p>
+            <a:pPr lvl="1"/>
+            <a:r>
+              <a:rPr lang="en-US" dirty="0"/>
+              <a:t>China is under US export restrictions stopping them from getting state of the art GPUs. </a:t>
+            </a:r>
+          </a:p>
+        </p:txBody>
+      </p:sp>
     </p:spTree>
     <p:extLst>
       <p:ext uri="{BB962C8B-B14F-4D97-AF65-F5344CB8AC3E}">
-        <p14:creationId xmlns:p14="http://schemas.microsoft.com/office/powerpoint/2010/main" val="870501339"/>
+        <p14:creationId xmlns:p14="http://schemas.microsoft.com/office/powerpoint/2010/main" val="1293684338"/>
       </p:ext>
     </p:extLst>
   </p:cSld>
@@ -4037,7 +4113,7 @@
           <p:cNvPr id="2" name="Title 1">
             <a:extLst>
               <a:ext uri="{FF2B5EF4-FFF2-40B4-BE49-F238E27FC236}">
-                <a16:creationId xmlns:a16="http://schemas.microsoft.com/office/drawing/2014/main" id="{619C92F5-D063-594F-BED8-C9F8E5523234}"/>
+                <a16:creationId xmlns:a16="http://schemas.microsoft.com/office/drawing/2014/main" id="{DC99E821-FDD0-AE9E-9903-2BD26964CDB7}"/>
               </a:ext>
             </a:extLst>
           </p:cNvPr>
@@ -4055,7 +4131,7 @@
           <a:p>
             <a:r>
               <a:rPr lang="en-US" dirty="0"/>
-              <a:t>Finding the balance</a:t>
+              <a:t>Changes May be Underfoot</a:t>
             </a:r>
           </a:p>
         </p:txBody>
@@ -4065,7 +4141,7 @@
           <p:cNvPr id="3" name="Content Placeholder 2">
             <a:extLst>
               <a:ext uri="{FF2B5EF4-FFF2-40B4-BE49-F238E27FC236}">
-                <a16:creationId xmlns:a16="http://schemas.microsoft.com/office/drawing/2014/main" id="{9834105C-1D55-8846-B8C2-3478547EF8F1}"/>
+                <a16:creationId xmlns:a16="http://schemas.microsoft.com/office/drawing/2014/main" id="{FA979DD7-0791-A1C2-E059-8A29DB0B10F0}"/>
               </a:ext>
             </a:extLst>
           </p:cNvPr>
@@ -4078,72 +4154,74 @@
         </p:nvSpPr>
         <p:spPr>
           <a:xfrm>
-            <a:off x="1451579" y="1938130"/>
-            <a:ext cx="9603275" cy="4115351"/>
+            <a:off x="1334530" y="1853754"/>
+            <a:ext cx="10058399" cy="4199727"/>
           </a:xfrm>
         </p:spPr>
         <p:txBody>
           <a:bodyPr>
-            <a:normAutofit fontScale="92500" lnSpcReduction="20000"/>
+            <a:normAutofit/>
           </a:bodyPr>
           <a:lstStyle/>
           <a:p>
             <a:r>
               <a:rPr lang="en-US" dirty="0"/>
-              <a:t>ML algorithms are generally “greedy” – they’ll try to get as accurate as possible. </a:t>
-            </a:r>
-          </a:p>
-          <a:p>
-            <a:pPr lvl="1"/>
-            <a:r>
-              <a:rPr lang="en-US" dirty="0"/>
-              <a:t>E.g. a tree, without any limits, will try to make a model that perfectly fits training data. </a:t>
-            </a:r>
-          </a:p>
-          <a:p>
-            <a:r>
-              <a:rPr lang="en-US" dirty="0"/>
-              <a:t>Our goal is a model that is both accurate and generalizable. </a:t>
-            </a:r>
-          </a:p>
-          <a:p>
-            <a:r>
-              <a:rPr lang="en-US" dirty="0"/>
-              <a:t>We want this accuracy, but limit it to try to achieve the sweet spot.</a:t>
-            </a:r>
-          </a:p>
-          <a:p>
-            <a:r>
-              <a:rPr lang="en-US" dirty="0"/>
-              <a:t>How?</a:t>
-            </a:r>
-          </a:p>
-          <a:p>
-            <a:pPr lvl="1"/>
-            <a:r>
-              <a:rPr lang="en-US" dirty="0"/>
-              <a:t>Cross validation. </a:t>
-            </a:r>
-          </a:p>
-          <a:p>
-            <a:pPr lvl="1"/>
-            <a:r>
-              <a:rPr lang="en-US" dirty="0"/>
-              <a:t>Hyperparameter values with grid searching. </a:t>
-            </a:r>
-          </a:p>
-          <a:p>
-            <a:pPr lvl="1"/>
-            <a:r>
-              <a:rPr lang="en-US" dirty="0"/>
-              <a:t>Early stopping (big in neural networks).</a:t>
-            </a:r>
-          </a:p>
-          <a:p>
-            <a:pPr lvl="1"/>
-            <a:r>
-              <a:rPr lang="en-US" sz="3500" b="1" dirty="0"/>
-              <a:t>Regularization. (E.g. tree pruning and regularization in linear regression)…</a:t>
+              <a:t>This may potentially cause serious changes in the industry soon. </a:t>
+            </a:r>
+          </a:p>
+          <a:p>
+            <a:pPr lvl="1"/>
+            <a:r>
+              <a:rPr lang="en-US" dirty="0"/>
+              <a:t>NVDA lost $600 billion in one day of trading. </a:t>
+            </a:r>
+          </a:p>
+          <a:p>
+            <a:pPr lvl="1"/>
+            <a:r>
+              <a:rPr lang="en-US" dirty="0"/>
+              <a:t>Facebook is said to be readying “multiple war rooms” (which sounds appropriately stupid) to figure out the details of how it works. </a:t>
+            </a:r>
+          </a:p>
+          <a:p>
+            <a:r>
+              <a:rPr lang="en-US" dirty="0"/>
+              <a:t>GPU market might change drastically – NVDA was really juicing their monopoly position. </a:t>
+            </a:r>
+          </a:p>
+          <a:p>
+            <a:pPr lvl="1"/>
+            <a:r>
+              <a:rPr lang="en-US" dirty="0"/>
+              <a:t>The GPUs needed for this are </a:t>
+            </a:r>
+            <a:r>
+              <a:rPr lang="en-US" dirty="0" err="1"/>
+              <a:t>nVidia</a:t>
+            </a:r>
+            <a:r>
+              <a:rPr lang="en-US" dirty="0"/>
+              <a:t> only, expensive, and limited – the company controlled this. </a:t>
+            </a:r>
+          </a:p>
+          <a:p>
+            <a:r>
+              <a:rPr lang="en-US" dirty="0"/>
+              <a:t>The ability to run inference (generate data) on smaller devices may be huge. (Reading needed)</a:t>
+            </a:r>
+          </a:p>
+          <a:p>
+            <a:pPr lvl="1"/>
+            <a:r>
+              <a:rPr lang="en-US" dirty="0"/>
+              <a:t>Smarter Siri-like AI models able to run offline. On-device things like self driving cars may be better. </a:t>
+            </a:r>
+          </a:p>
+          <a:p>
+            <a:pPr lvl="1"/>
+            <a:r>
+              <a:rPr lang="en-US" dirty="0"/>
+              <a:t>For data sensitive clients, this may matter a lot – a bank won’t provide their data to OAI for customized models, creating a large custom one from scratch is too expensive, this may bridge. </a:t>
             </a:r>
           </a:p>
         </p:txBody>
@@ -4151,7 +4229,7 @@
     </p:spTree>
     <p:extLst>
       <p:ext uri="{BB962C8B-B14F-4D97-AF65-F5344CB8AC3E}">
-        <p14:creationId xmlns:p14="http://schemas.microsoft.com/office/powerpoint/2010/main" val="3087082306"/>
+        <p14:creationId xmlns:p14="http://schemas.microsoft.com/office/powerpoint/2010/main" val="1928250268"/>
       </p:ext>
     </p:extLst>
   </p:cSld>
@@ -4183,7 +4261,7 @@
           <p:cNvPr id="2" name="Title 1">
             <a:extLst>
               <a:ext uri="{FF2B5EF4-FFF2-40B4-BE49-F238E27FC236}">
-                <a16:creationId xmlns:a16="http://schemas.microsoft.com/office/drawing/2014/main" id="{66042784-5EB5-CB47-AFD4-16602CE0D9F8}"/>
+                <a16:creationId xmlns:a16="http://schemas.microsoft.com/office/drawing/2014/main" id="{86955CAA-CEDC-AB0D-A911-3C28EC9E15DF}"/>
               </a:ext>
             </a:extLst>
           </p:cNvPr>
@@ -4201,7 +4279,7 @@
           <a:p>
             <a:r>
               <a:rPr lang="en-US" dirty="0"/>
-              <a:t>Regression Coefficients</a:t>
+              <a:t>Farther Out</a:t>
             </a:r>
           </a:p>
         </p:txBody>
@@ -4211,7 +4289,7 @@
           <p:cNvPr id="3" name="Content Placeholder 2">
             <a:extLst>
               <a:ext uri="{FF2B5EF4-FFF2-40B4-BE49-F238E27FC236}">
-                <a16:creationId xmlns:a16="http://schemas.microsoft.com/office/drawing/2014/main" id="{7B39445E-A84C-BA43-9326-CF3597F5158B}"/>
+                <a16:creationId xmlns:a16="http://schemas.microsoft.com/office/drawing/2014/main" id="{EE8DDC6A-0B70-33B0-2DB3-66BD191CA269}"/>
               </a:ext>
             </a:extLst>
           </p:cNvPr>
@@ -4222,41 +4300,75 @@
             <p:ph idx="1"/>
           </p:nvPr>
         </p:nvSpPr>
-        <p:spPr/>
-        <p:txBody>
-          <a:bodyPr/>
-          <a:lstStyle/>
-          <a:p>
-            <a:r>
-              <a:rPr lang="en-US" dirty="0"/>
-              <a:t>The regression process, closed form or gradient descent, finds coefficients. </a:t>
-            </a:r>
-          </a:p>
-          <a:p>
-            <a:pPr lvl="1"/>
-            <a:r>
-              <a:rPr lang="en-US" dirty="0"/>
-              <a:t>E.g. y = m1*x1 + m2*x2 +…. B</a:t>
-            </a:r>
-          </a:p>
-          <a:p>
-            <a:pPr lvl="1"/>
-            <a:r>
-              <a:rPr lang="en-US" dirty="0"/>
-              <a:t>The process determines those m values, and the b. </a:t>
-            </a:r>
-          </a:p>
-          <a:p>
-            <a:r>
-              <a:rPr lang="en-US" dirty="0"/>
-              <a:t>The algorithm finds these coefficients by determining what set of them minimizes the squared residuals. </a:t>
-            </a:r>
-          </a:p>
-          <a:p>
-            <a:pPr lvl="1"/>
-            <a:r>
-              <a:rPr lang="en-US" dirty="0"/>
-              <a:t>Our new friend the cost function!</a:t>
+        <p:spPr>
+          <a:xfrm>
+            <a:off x="1309816" y="1853754"/>
+            <a:ext cx="10169611" cy="4199727"/>
+          </a:xfrm>
+        </p:spPr>
+        <p:txBody>
+          <a:bodyPr>
+            <a:normAutofit/>
+          </a:bodyPr>
+          <a:lstStyle/>
+          <a:p>
+            <a:r>
+              <a:rPr lang="en-US" dirty="0"/>
+              <a:t>Adapting something like this to image/video models could be even more impactful. </a:t>
+            </a:r>
+          </a:p>
+          <a:p>
+            <a:pPr lvl="1"/>
+            <a:r>
+              <a:rPr lang="en-US" dirty="0"/>
+              <a:t>Could reduce massive video needs ‘down to’ the current expensive GPU specs. </a:t>
+            </a:r>
+          </a:p>
+          <a:p>
+            <a:pPr lvl="1"/>
+            <a:r>
+              <a:rPr lang="en-US" dirty="0"/>
+              <a:t>Training image/video (or 4k) models is even more intensive than text, so benefits may be greater. </a:t>
+            </a:r>
+          </a:p>
+          <a:p>
+            <a:r>
+              <a:rPr lang="en-US" dirty="0"/>
+              <a:t>Could help speed development in things like self driving cars. </a:t>
+            </a:r>
+          </a:p>
+          <a:p>
+            <a:r>
+              <a:rPr lang="en-US" dirty="0"/>
+              <a:t>Will probably spur a bunch of grad students and smart AI researchers to expand on what the </a:t>
+            </a:r>
+            <a:r>
+              <a:rPr lang="en-US" dirty="0" err="1"/>
+              <a:t>deepseek</a:t>
+            </a:r>
+            <a:r>
+              <a:rPr lang="en-US" dirty="0"/>
+              <a:t> people found, expand it, ‘test it’, adapt it, and document it for us normal folk. </a:t>
+            </a:r>
+          </a:p>
+          <a:p>
+            <a:pPr lvl="1"/>
+            <a:r>
+              <a:rPr lang="en-US" dirty="0"/>
+              <a:t>People will try similar things in all type of scenarios and see what works. </a:t>
+            </a:r>
+          </a:p>
+          <a:p>
+            <a:pPr lvl="1"/>
+            <a:r>
+              <a:rPr lang="en-US" dirty="0"/>
+              <a:t>HW demands are still huge for cutting edge things, but universities, companies, gov’ts have that. </a:t>
+            </a:r>
+          </a:p>
+          <a:p>
+            <a:r>
+              <a:rPr lang="en-US" dirty="0"/>
+              <a:t>Current LLMs train for 1 or 2 epochs, could these techniques make multiple epochs practical? </a:t>
             </a:r>
           </a:p>
         </p:txBody>
@@ -4264,7 +4376,7 @@
     </p:spTree>
     <p:extLst>
       <p:ext uri="{BB962C8B-B14F-4D97-AF65-F5344CB8AC3E}">
-        <p14:creationId xmlns:p14="http://schemas.microsoft.com/office/powerpoint/2010/main" val="1375418648"/>
+        <p14:creationId xmlns:p14="http://schemas.microsoft.com/office/powerpoint/2010/main" val="3627926532"/>
       </p:ext>
     </p:extLst>
   </p:cSld>
@@ -4296,6 +4408,3016 @@
           <p:cNvPr id="2" name="Title 1">
             <a:extLst>
               <a:ext uri="{FF2B5EF4-FFF2-40B4-BE49-F238E27FC236}">
+                <a16:creationId xmlns:a16="http://schemas.microsoft.com/office/drawing/2014/main" id="{51E911B6-CB2C-C4B7-372D-C135CD0A5112}"/>
+              </a:ext>
+            </a:extLst>
+          </p:cNvPr>
+          <p:cNvSpPr>
+            <a:spLocks noGrp="1"/>
+          </p:cNvSpPr>
+          <p:nvPr>
+            <p:ph type="title"/>
+          </p:nvPr>
+        </p:nvSpPr>
+        <p:spPr/>
+        <p:txBody>
+          <a:bodyPr/>
+          <a:lstStyle/>
+          <a:p>
+            <a:r>
+              <a:rPr lang="en-US" dirty="0"/>
+              <a:t>Geopolitical Fun!</a:t>
+            </a:r>
+          </a:p>
+        </p:txBody>
+      </p:sp>
+      <p:sp>
+        <p:nvSpPr>
+          <p:cNvPr id="3" name="Content Placeholder 2">
+            <a:extLst>
+              <a:ext uri="{FF2B5EF4-FFF2-40B4-BE49-F238E27FC236}">
+                <a16:creationId xmlns:a16="http://schemas.microsoft.com/office/drawing/2014/main" id="{68D9BD7E-44EE-7401-3321-AE5FE47A28F6}"/>
+              </a:ext>
+            </a:extLst>
+          </p:cNvPr>
+          <p:cNvSpPr>
+            <a:spLocks noGrp="1"/>
+          </p:cNvSpPr>
+          <p:nvPr>
+            <p:ph idx="1"/>
+          </p:nvPr>
+        </p:nvSpPr>
+        <p:spPr>
+          <a:xfrm>
+            <a:off x="0" y="1853754"/>
+            <a:ext cx="8441277" cy="4312268"/>
+          </a:xfrm>
+        </p:spPr>
+        <p:txBody>
+          <a:bodyPr>
+            <a:normAutofit fontScale="92500"/>
+          </a:bodyPr>
+          <a:lstStyle/>
+          <a:p>
+            <a:r>
+              <a:rPr lang="en-US" dirty="0"/>
+              <a:t>Thankfully, this is happening at a time of global tranquility, where rational leaders will carefully consider the impacts and act in the good of humanity. </a:t>
+            </a:r>
+          </a:p>
+          <a:p>
+            <a:r>
+              <a:rPr lang="en-US" dirty="0"/>
+              <a:t>Said leaders would also never resort to protectionist tactics like tariffs.</a:t>
+            </a:r>
+          </a:p>
+          <a:p>
+            <a:r>
+              <a:rPr lang="en-US" dirty="0"/>
+              <a:t>Some tech bros genuinely think their AI is the most important thing to humanity. </a:t>
+            </a:r>
+          </a:p>
+          <a:p>
+            <a:r>
+              <a:rPr lang="en-US" dirty="0"/>
+              <a:t>It is massive to Taiwan and China/US interest there for </a:t>
+            </a:r>
+            <a:r>
+              <a:rPr lang="en-US"/>
+              <a:t>chip making. </a:t>
+            </a:r>
+            <a:endParaRPr lang="en-US" dirty="0"/>
+          </a:p>
+          <a:p>
+            <a:r>
+              <a:rPr lang="en-US" dirty="0"/>
+              <a:t>AI investments have been massive – under certain assumptions. </a:t>
+            </a:r>
+          </a:p>
+          <a:p>
+            <a:pPr lvl="1"/>
+            <a:r>
+              <a:rPr lang="en-US" dirty="0"/>
+              <a:t>Biggest wins and easy to monopolize – barrier to entry is massive. </a:t>
+            </a:r>
+          </a:p>
+          <a:p>
+            <a:r>
+              <a:rPr lang="en-US" dirty="0"/>
+              <a:t>These massive investments look less awesome now. How much? </a:t>
+            </a:r>
+          </a:p>
+          <a:p>
+            <a:pPr lvl="1"/>
+            <a:r>
+              <a:rPr lang="en-US" dirty="0"/>
+              <a:t>DS has kind of commoditized the pricing of LLMs now. </a:t>
+            </a:r>
+          </a:p>
+          <a:p>
+            <a:pPr lvl="1"/>
+            <a:r>
+              <a:rPr lang="en-US" dirty="0"/>
+              <a:t>Lower entry barriers means mass competitors vs a handful. </a:t>
+            </a:r>
+          </a:p>
+        </p:txBody>
+      </p:sp>
+      <p:pic>
+        <p:nvPicPr>
+          <p:cNvPr id="9220" name="Picture 4" descr="UT/TT Poll: Support for Trump Increases, Divisiveness Remains - UT News">
+            <a:extLst>
+              <a:ext uri="{FF2B5EF4-FFF2-40B4-BE49-F238E27FC236}">
+                <a16:creationId xmlns:a16="http://schemas.microsoft.com/office/drawing/2014/main" id="{36E204D5-DEF8-5498-CA08-E6300CBB497C}"/>
+              </a:ext>
+            </a:extLst>
+          </p:cNvPr>
+          <p:cNvPicPr>
+            <a:picLocks noChangeAspect="1" noChangeArrowheads="1"/>
+          </p:cNvPicPr>
+          <p:nvPr/>
+        </p:nvPicPr>
+        <p:blipFill>
+          <a:blip r:embed="rId2">
+            <a:extLst>
+              <a:ext uri="{28A0092B-C50C-407E-A947-70E740481C1C}">
+                <a14:useLocalDpi xmlns:a14="http://schemas.microsoft.com/office/drawing/2010/main" val="0"/>
+              </a:ext>
+            </a:extLst>
+          </a:blip>
+          <a:srcRect/>
+          <a:stretch>
+            <a:fillRect/>
+          </a:stretch>
+        </p:blipFill>
+        <p:spPr bwMode="auto">
+          <a:xfrm>
+            <a:off x="8441277" y="1123985"/>
+            <a:ext cx="3616943" cy="2409808"/>
+          </a:xfrm>
+          <a:prstGeom prst="rect">
+            <a:avLst/>
+          </a:prstGeom>
+          <a:noFill/>
+          <a:extLst>
+            <a:ext uri="{909E8E84-426E-40DD-AFC4-6F175D3DCCD1}">
+              <a14:hiddenFill xmlns:a14="http://schemas.microsoft.com/office/drawing/2010/main">
+                <a:solidFill>
+                  <a:srgbClr val="FFFFFF"/>
+                </a:solidFill>
+              </a14:hiddenFill>
+            </a:ext>
+          </a:extLst>
+        </p:spPr>
+      </p:pic>
+      <p:pic>
+        <p:nvPicPr>
+          <p:cNvPr id="9222" name="Picture 6" descr="Trump critics say inauguration optics show oligarchy in action | Technology  News | Al Jazeera">
+            <a:extLst>
+              <a:ext uri="{FF2B5EF4-FFF2-40B4-BE49-F238E27FC236}">
+                <a16:creationId xmlns:a16="http://schemas.microsoft.com/office/drawing/2014/main" id="{4CB9BAA4-8B93-42D0-1CC0-282D3A21905E}"/>
+              </a:ext>
+            </a:extLst>
+          </p:cNvPr>
+          <p:cNvPicPr>
+            <a:picLocks noChangeAspect="1" noChangeArrowheads="1"/>
+          </p:cNvPicPr>
+          <p:nvPr/>
+        </p:nvPicPr>
+        <p:blipFill>
+          <a:blip r:embed="rId3">
+            <a:extLst>
+              <a:ext uri="{28A0092B-C50C-407E-A947-70E740481C1C}">
+                <a14:useLocalDpi xmlns:a14="http://schemas.microsoft.com/office/drawing/2010/main" val="0"/>
+              </a:ext>
+            </a:extLst>
+          </a:blip>
+          <a:srcRect/>
+          <a:stretch>
+            <a:fillRect/>
+          </a:stretch>
+        </p:blipFill>
+        <p:spPr bwMode="auto">
+          <a:xfrm>
+            <a:off x="7262617" y="3533793"/>
+            <a:ext cx="4795603" cy="3194993"/>
+          </a:xfrm>
+          <a:prstGeom prst="rect">
+            <a:avLst/>
+          </a:prstGeom>
+          <a:noFill/>
+          <a:extLst>
+            <a:ext uri="{909E8E84-426E-40DD-AFC4-6F175D3DCCD1}">
+              <a14:hiddenFill xmlns:a14="http://schemas.microsoft.com/office/drawing/2010/main">
+                <a:solidFill>
+                  <a:srgbClr val="FFFFFF"/>
+                </a:solidFill>
+              </a14:hiddenFill>
+            </a:ext>
+          </a:extLst>
+        </p:spPr>
+      </p:pic>
+    </p:spTree>
+    <p:extLst>
+      <p:ext uri="{BB962C8B-B14F-4D97-AF65-F5344CB8AC3E}">
+        <p14:creationId xmlns:p14="http://schemas.microsoft.com/office/powerpoint/2010/main" val="1158712084"/>
+      </p:ext>
+    </p:extLst>
+  </p:cSld>
+  <p:clrMapOvr>
+    <a:masterClrMapping/>
+  </p:clrMapOvr>
+</p:sld>
+</file>
+
+<file path=ppt/slides/slide15.xml><?xml version="1.0" encoding="utf-8"?>
+<p:sld xmlns:a="http://schemas.openxmlformats.org/drawingml/2006/main" xmlns:r="http://schemas.openxmlformats.org/officeDocument/2006/relationships" xmlns:p="http://schemas.openxmlformats.org/presentationml/2006/main">
+  <p:cSld>
+    <p:spTree>
+      <p:nvGrpSpPr>
+        <p:cNvPr id="1" name=""/>
+        <p:cNvGrpSpPr/>
+        <p:nvPr/>
+      </p:nvGrpSpPr>
+      <p:grpSpPr>
+        <a:xfrm>
+          <a:off x="0" y="0"/>
+          <a:ext cx="0" cy="0"/>
+          <a:chOff x="0" y="0"/>
+          <a:chExt cx="0" cy="0"/>
+        </a:xfrm>
+      </p:grpSpPr>
+      <p:sp>
+        <p:nvSpPr>
+          <p:cNvPr id="2" name="Title 1">
+            <a:extLst>
+              <a:ext uri="{FF2B5EF4-FFF2-40B4-BE49-F238E27FC236}">
+                <a16:creationId xmlns:a16="http://schemas.microsoft.com/office/drawing/2014/main" id="{3A641502-66C4-9F47-9818-FC9477B18DF0}"/>
+              </a:ext>
+            </a:extLst>
+          </p:cNvPr>
+          <p:cNvSpPr>
+            <a:spLocks noGrp="1"/>
+          </p:cNvSpPr>
+          <p:nvPr>
+            <p:ph type="ctrTitle"/>
+          </p:nvPr>
+        </p:nvSpPr>
+        <p:spPr>
+          <a:xfrm>
+            <a:off x="1639957" y="802298"/>
+            <a:ext cx="9414896" cy="2541431"/>
+          </a:xfrm>
+        </p:spPr>
+        <p:txBody>
+          <a:bodyPr>
+            <a:normAutofit fontScale="90000"/>
+          </a:bodyPr>
+          <a:lstStyle/>
+          <a:p>
+            <a:r>
+              <a:rPr lang="en-US" dirty="0"/>
+              <a:t>Linear Regression with non-Linear Data and Regularization</a:t>
+            </a:r>
+          </a:p>
+        </p:txBody>
+      </p:sp>
+      <p:sp>
+        <p:nvSpPr>
+          <p:cNvPr id="3" name="Subtitle 2">
+            <a:extLst>
+              <a:ext uri="{FF2B5EF4-FFF2-40B4-BE49-F238E27FC236}">
+                <a16:creationId xmlns:a16="http://schemas.microsoft.com/office/drawing/2014/main" id="{B95C6A61-2478-0649-A251-5AA8272DE261}"/>
+              </a:ext>
+            </a:extLst>
+          </p:cNvPr>
+          <p:cNvSpPr>
+            <a:spLocks noGrp="1"/>
+          </p:cNvSpPr>
+          <p:nvPr>
+            <p:ph type="subTitle" idx="1"/>
+          </p:nvPr>
+        </p:nvSpPr>
+        <p:spPr/>
+        <p:txBody>
+          <a:bodyPr/>
+          <a:lstStyle/>
+          <a:p>
+            <a:endParaRPr lang="en-US"/>
+          </a:p>
+        </p:txBody>
+      </p:sp>
+    </p:spTree>
+    <p:extLst>
+      <p:ext uri="{BB962C8B-B14F-4D97-AF65-F5344CB8AC3E}">
+        <p14:creationId xmlns:p14="http://schemas.microsoft.com/office/powerpoint/2010/main" val="776981215"/>
+      </p:ext>
+    </p:extLst>
+  </p:cSld>
+  <p:clrMapOvr>
+    <a:masterClrMapping/>
+  </p:clrMapOvr>
+</p:sld>
+</file>
+
+<file path=ppt/slides/slide16.xml><?xml version="1.0" encoding="utf-8"?>
+<p:sld xmlns:a="http://schemas.openxmlformats.org/drawingml/2006/main" xmlns:r="http://schemas.openxmlformats.org/officeDocument/2006/relationships" xmlns:p="http://schemas.openxmlformats.org/presentationml/2006/main">
+  <p:cSld>
+    <p:spTree>
+      <p:nvGrpSpPr>
+        <p:cNvPr id="1" name=""/>
+        <p:cNvGrpSpPr/>
+        <p:nvPr/>
+      </p:nvGrpSpPr>
+      <p:grpSpPr>
+        <a:xfrm>
+          <a:off x="0" y="0"/>
+          <a:ext cx="0" cy="0"/>
+          <a:chOff x="0" y="0"/>
+          <a:chExt cx="0" cy="0"/>
+        </a:xfrm>
+      </p:grpSpPr>
+      <p:sp>
+        <p:nvSpPr>
+          <p:cNvPr id="2" name="Title 1">
+            <a:extLst>
+              <a:ext uri="{FF2B5EF4-FFF2-40B4-BE49-F238E27FC236}">
+                <a16:creationId xmlns:a16="http://schemas.microsoft.com/office/drawing/2014/main" id="{26090414-D605-0F44-8CB9-D56F82CDE902}"/>
+              </a:ext>
+            </a:extLst>
+          </p:cNvPr>
+          <p:cNvSpPr>
+            <a:spLocks noGrp="1"/>
+          </p:cNvSpPr>
+          <p:nvPr>
+            <p:ph type="title"/>
+          </p:nvPr>
+        </p:nvSpPr>
+        <p:spPr/>
+        <p:txBody>
+          <a:bodyPr/>
+          <a:lstStyle/>
+          <a:p>
+            <a:r>
+              <a:rPr lang="en-US" dirty="0"/>
+              <a:t>Linear and non-Linear</a:t>
+            </a:r>
+          </a:p>
+        </p:txBody>
+      </p:sp>
+      <p:sp>
+        <p:nvSpPr>
+          <p:cNvPr id="3" name="Content Placeholder 2">
+            <a:extLst>
+              <a:ext uri="{FF2B5EF4-FFF2-40B4-BE49-F238E27FC236}">
+                <a16:creationId xmlns:a16="http://schemas.microsoft.com/office/drawing/2014/main" id="{45557618-72E4-7342-81F2-61B66A6C3D47}"/>
+              </a:ext>
+            </a:extLst>
+          </p:cNvPr>
+          <p:cNvSpPr>
+            <a:spLocks noGrp="1"/>
+          </p:cNvSpPr>
+          <p:nvPr>
+            <p:ph idx="1"/>
+          </p:nvPr>
+        </p:nvSpPr>
+        <p:spPr>
+          <a:xfrm>
+            <a:off x="1451579" y="1928192"/>
+            <a:ext cx="9603275" cy="2216426"/>
+          </a:xfrm>
+        </p:spPr>
+        <p:txBody>
+          <a:bodyPr/>
+          <a:lstStyle/>
+          <a:p>
+            <a:r>
+              <a:rPr lang="en-US" dirty="0"/>
+              <a:t>Linear models are excellent….</a:t>
+            </a:r>
+          </a:p>
+          <a:p>
+            <a:r>
+              <a:rPr lang="en-US" dirty="0"/>
+              <a:t>… If there’s a linear relationship in the data. </a:t>
+            </a:r>
+          </a:p>
+          <a:p>
+            <a:r>
+              <a:rPr lang="en-US" dirty="0"/>
+              <a:t>For non-linear relationships, linear regressions can struggle – they can’t ‘capture’ curves.</a:t>
+            </a:r>
+          </a:p>
+          <a:p>
+            <a:r>
+              <a:rPr lang="en-US" dirty="0"/>
+              <a:t>We first saw this with Anscombe’s Quartet:</a:t>
+            </a:r>
+          </a:p>
+        </p:txBody>
+      </p:sp>
+      <p:pic>
+        <p:nvPicPr>
+          <p:cNvPr id="1026" name="Picture 2" descr="Anscombe&amp;#39;s Quartet">
+            <a:extLst>
+              <a:ext uri="{FF2B5EF4-FFF2-40B4-BE49-F238E27FC236}">
+                <a16:creationId xmlns:a16="http://schemas.microsoft.com/office/drawing/2014/main" id="{D8A53165-2B7B-9547-B702-37669EED7E73}"/>
+              </a:ext>
+            </a:extLst>
+          </p:cNvPr>
+          <p:cNvPicPr>
+            <a:picLocks noChangeAspect="1" noChangeArrowheads="1"/>
+          </p:cNvPicPr>
+          <p:nvPr/>
+        </p:nvPicPr>
+        <p:blipFill>
+          <a:blip r:embed="rId2">
+            <a:extLst>
+              <a:ext uri="{28A0092B-C50C-407E-A947-70E740481C1C}">
+                <a14:useLocalDpi xmlns:a14="http://schemas.microsoft.com/office/drawing/2010/main" val="0"/>
+              </a:ext>
+            </a:extLst>
+          </a:blip>
+          <a:srcRect/>
+          <a:stretch>
+            <a:fillRect/>
+          </a:stretch>
+        </p:blipFill>
+        <p:spPr bwMode="auto">
+          <a:xfrm>
+            <a:off x="2443216" y="4042473"/>
+            <a:ext cx="7620000" cy="2628900"/>
+          </a:xfrm>
+          <a:prstGeom prst="rect">
+            <a:avLst/>
+          </a:prstGeom>
+          <a:noFill/>
+          <a:extLst>
+            <a:ext uri="{909E8E84-426E-40DD-AFC4-6F175D3DCCD1}">
+              <a14:hiddenFill xmlns:a14="http://schemas.microsoft.com/office/drawing/2010/main">
+                <a:solidFill>
+                  <a:srgbClr val="FFFFFF"/>
+                </a:solidFill>
+              </a14:hiddenFill>
+            </a:ext>
+          </a:extLst>
+        </p:spPr>
+      </p:pic>
+    </p:spTree>
+    <p:extLst>
+      <p:ext uri="{BB962C8B-B14F-4D97-AF65-F5344CB8AC3E}">
+        <p14:creationId xmlns:p14="http://schemas.microsoft.com/office/powerpoint/2010/main" val="1606411571"/>
+      </p:ext>
+    </p:extLst>
+  </p:cSld>
+  <p:clrMapOvr>
+    <a:masterClrMapping/>
+  </p:clrMapOvr>
+</p:sld>
+</file>
+
+<file path=ppt/slides/slide17.xml><?xml version="1.0" encoding="utf-8"?>
+<p:sld xmlns:a="http://schemas.openxmlformats.org/drawingml/2006/main" xmlns:r="http://schemas.openxmlformats.org/officeDocument/2006/relationships" xmlns:p="http://schemas.openxmlformats.org/presentationml/2006/main">
+  <p:cSld>
+    <p:spTree>
+      <p:nvGrpSpPr>
+        <p:cNvPr id="1" name=""/>
+        <p:cNvGrpSpPr/>
+        <p:nvPr/>
+      </p:nvGrpSpPr>
+      <p:grpSpPr>
+        <a:xfrm>
+          <a:off x="0" y="0"/>
+          <a:ext cx="0" cy="0"/>
+          <a:chOff x="0" y="0"/>
+          <a:chExt cx="0" cy="0"/>
+        </a:xfrm>
+      </p:grpSpPr>
+      <p:sp>
+        <p:nvSpPr>
+          <p:cNvPr id="2" name="Title 1">
+            <a:extLst>
+              <a:ext uri="{FF2B5EF4-FFF2-40B4-BE49-F238E27FC236}">
+                <a16:creationId xmlns:a16="http://schemas.microsoft.com/office/drawing/2014/main" id="{F839BB0C-59CF-E749-BF0C-351B78CB728A}"/>
+              </a:ext>
+            </a:extLst>
+          </p:cNvPr>
+          <p:cNvSpPr>
+            <a:spLocks noGrp="1"/>
+          </p:cNvSpPr>
+          <p:nvPr>
+            <p:ph type="title"/>
+          </p:nvPr>
+        </p:nvSpPr>
+        <p:spPr/>
+        <p:txBody>
+          <a:bodyPr/>
+          <a:lstStyle/>
+          <a:p>
+            <a:r>
+              <a:rPr lang="en-US" dirty="0"/>
+              <a:t>Basis Function</a:t>
+            </a:r>
+          </a:p>
+        </p:txBody>
+      </p:sp>
+      <p:sp>
+        <p:nvSpPr>
+          <p:cNvPr id="3" name="Content Placeholder 2">
+            <a:extLst>
+              <a:ext uri="{FF2B5EF4-FFF2-40B4-BE49-F238E27FC236}">
+                <a16:creationId xmlns:a16="http://schemas.microsoft.com/office/drawing/2014/main" id="{EF09189E-5EDD-CB40-A30D-A98C3B78E700}"/>
+              </a:ext>
+            </a:extLst>
+          </p:cNvPr>
+          <p:cNvSpPr>
+            <a:spLocks noGrp="1"/>
+          </p:cNvSpPr>
+          <p:nvPr>
+            <p:ph idx="1"/>
+          </p:nvPr>
+        </p:nvSpPr>
+        <p:spPr>
+          <a:xfrm>
+            <a:off x="1451579" y="2015732"/>
+            <a:ext cx="9603275" cy="4037749"/>
+          </a:xfrm>
+        </p:spPr>
+        <p:txBody>
+          <a:bodyPr/>
+          <a:lstStyle/>
+          <a:p>
+            <a:r>
+              <a:rPr lang="en-US" dirty="0"/>
+              <a:t>We can adapt linear regression to non-linear relationships by using a basis function. </a:t>
+            </a:r>
+          </a:p>
+          <a:p>
+            <a:r>
+              <a:rPr lang="en-US" dirty="0"/>
+              <a:t>Basis functions are a transformation that changes the x to a function of x.</a:t>
+            </a:r>
+          </a:p>
+          <a:p>
+            <a:r>
+              <a:rPr lang="en-CA" dirty="0"/>
+              <a:t>If we have a basis function: 𝜙</a:t>
+            </a:r>
+            <a:r>
+              <a:rPr lang="en-CA" baseline="-25000" dirty="0"/>
+              <a:t>𝑗</a:t>
+            </a:r>
+            <a:r>
+              <a:rPr lang="en-CA" dirty="0"/>
+              <a:t>()</a:t>
+            </a:r>
+            <a:endParaRPr lang="en-CA" baseline="-25000" dirty="0"/>
+          </a:p>
+          <a:p>
+            <a:r>
+              <a:rPr lang="en-CA" dirty="0"/>
+              <a:t>Each x value then becomes: 𝜙</a:t>
+            </a:r>
+            <a:r>
+              <a:rPr lang="en-CA" baseline="-25000" dirty="0"/>
+              <a:t>𝑗</a:t>
+            </a:r>
+            <a:r>
+              <a:rPr lang="en-CA" dirty="0"/>
+              <a:t>(𝑥</a:t>
+            </a:r>
+            <a:r>
+              <a:rPr lang="en-CA" baseline="-25000" dirty="0"/>
+              <a:t>𝑖</a:t>
+            </a:r>
+            <a:r>
+              <a:rPr lang="en-CA" dirty="0"/>
+              <a:t>)</a:t>
+            </a:r>
+          </a:p>
+          <a:p>
+            <a:r>
+              <a:rPr lang="en-CA" dirty="0"/>
+              <a:t>Similar to something like a log-transformation in stats – we can transform the data, make it more normal (or linear), then use things that work with the transformed form. </a:t>
+            </a:r>
+            <a:br>
+              <a:rPr lang="en-CA" dirty="0"/>
+            </a:br>
+            <a:endParaRPr lang="en-US" dirty="0"/>
+          </a:p>
+        </p:txBody>
+      </p:sp>
+    </p:spTree>
+    <p:extLst>
+      <p:ext uri="{BB962C8B-B14F-4D97-AF65-F5344CB8AC3E}">
+        <p14:creationId xmlns:p14="http://schemas.microsoft.com/office/powerpoint/2010/main" val="3273952773"/>
+      </p:ext>
+    </p:extLst>
+  </p:cSld>
+  <p:clrMapOvr>
+    <a:masterClrMapping/>
+  </p:clrMapOvr>
+</p:sld>
+</file>
+
+<file path=ppt/slides/slide18.xml><?xml version="1.0" encoding="utf-8"?>
+<p:sld xmlns:a="http://schemas.openxmlformats.org/drawingml/2006/main" xmlns:r="http://schemas.openxmlformats.org/officeDocument/2006/relationships" xmlns:p="http://schemas.openxmlformats.org/presentationml/2006/main">
+  <p:cSld>
+    <p:spTree>
+      <p:nvGrpSpPr>
+        <p:cNvPr id="1" name=""/>
+        <p:cNvGrpSpPr/>
+        <p:nvPr/>
+      </p:nvGrpSpPr>
+      <p:grpSpPr>
+        <a:xfrm>
+          <a:off x="0" y="0"/>
+          <a:ext cx="0" cy="0"/>
+          <a:chOff x="0" y="0"/>
+          <a:chExt cx="0" cy="0"/>
+        </a:xfrm>
+      </p:grpSpPr>
+      <p:sp>
+        <p:nvSpPr>
+          <p:cNvPr id="2" name="Title 1">
+            <a:extLst>
+              <a:ext uri="{FF2B5EF4-FFF2-40B4-BE49-F238E27FC236}">
+                <a16:creationId xmlns:a16="http://schemas.microsoft.com/office/drawing/2014/main" id="{1DA8FEA7-478B-0843-A547-5692158F5324}"/>
+              </a:ext>
+            </a:extLst>
+          </p:cNvPr>
+          <p:cNvSpPr>
+            <a:spLocks noGrp="1"/>
+          </p:cNvSpPr>
+          <p:nvPr>
+            <p:ph type="title"/>
+          </p:nvPr>
+        </p:nvSpPr>
+        <p:spPr/>
+        <p:txBody>
+          <a:bodyPr/>
+          <a:lstStyle/>
+          <a:p>
+            <a:r>
+              <a:rPr lang="en-US" dirty="0"/>
+              <a:t>Polynomial Functions</a:t>
+            </a:r>
+          </a:p>
+        </p:txBody>
+      </p:sp>
+      <p:sp>
+        <p:nvSpPr>
+          <p:cNvPr id="3" name="Content Placeholder 2">
+            <a:extLst>
+              <a:ext uri="{FF2B5EF4-FFF2-40B4-BE49-F238E27FC236}">
+                <a16:creationId xmlns:a16="http://schemas.microsoft.com/office/drawing/2014/main" id="{86AFBC82-E12D-2C4A-A1C0-B4EC394FC5CB}"/>
+              </a:ext>
+            </a:extLst>
+          </p:cNvPr>
+          <p:cNvSpPr>
+            <a:spLocks noGrp="1"/>
+          </p:cNvSpPr>
+          <p:nvPr>
+            <p:ph idx="1"/>
+          </p:nvPr>
+        </p:nvSpPr>
+        <p:spPr>
+          <a:xfrm>
+            <a:off x="1451579" y="1938130"/>
+            <a:ext cx="9603275" cy="4194313"/>
+          </a:xfrm>
+        </p:spPr>
+        <p:txBody>
+          <a:bodyPr>
+            <a:normAutofit/>
+          </a:bodyPr>
+          <a:lstStyle/>
+          <a:p>
+            <a:r>
+              <a:rPr lang="en-US" dirty="0"/>
+              <a:t>Maybe the most common example is a polynomial function. </a:t>
+            </a:r>
+          </a:p>
+          <a:p>
+            <a:r>
+              <a:rPr lang="en-US" dirty="0"/>
+              <a:t>We can replace each x in a linear regression with a polynomial function of </a:t>
+            </a:r>
+            <a:r>
+              <a:rPr lang="en-US" dirty="0" err="1"/>
+              <a:t>x</a:t>
+            </a:r>
+            <a:r>
+              <a:rPr lang="en-US" baseline="30000" dirty="0" err="1"/>
+              <a:t>n</a:t>
+            </a:r>
+            <a:r>
+              <a:rPr lang="en-US" dirty="0"/>
+              <a:t>.</a:t>
+            </a:r>
+          </a:p>
+          <a:p>
+            <a:pPr lvl="1"/>
+            <a:r>
+              <a:rPr lang="en-CA" dirty="0"/>
+              <a:t>y=b+m</a:t>
+            </a:r>
+            <a:r>
+              <a:rPr lang="en-CA" baseline="-25000" dirty="0"/>
+              <a:t>1</a:t>
+            </a:r>
+            <a:r>
+              <a:rPr lang="en-CA" dirty="0"/>
+              <a:t>x+m</a:t>
+            </a:r>
+            <a:r>
+              <a:rPr lang="en-CA" baseline="-25000" dirty="0"/>
+              <a:t>2</a:t>
+            </a:r>
+            <a:r>
+              <a:rPr lang="en-CA" dirty="0"/>
+              <a:t>x</a:t>
+            </a:r>
+            <a:r>
+              <a:rPr lang="en-CA" baseline="30000" dirty="0"/>
+              <a:t>2</a:t>
+            </a:r>
+            <a:r>
+              <a:rPr lang="en-CA" dirty="0"/>
+              <a:t>+m</a:t>
+            </a:r>
+            <a:r>
+              <a:rPr lang="en-CA" baseline="-25000" dirty="0"/>
+              <a:t>3</a:t>
+            </a:r>
+            <a:r>
+              <a:rPr lang="en-CA" dirty="0"/>
+              <a:t>x</a:t>
+            </a:r>
+            <a:r>
+              <a:rPr lang="en-CA" baseline="30000" dirty="0"/>
+              <a:t>3</a:t>
+            </a:r>
+            <a:r>
+              <a:rPr lang="en-CA" dirty="0"/>
+              <a:t>…..</a:t>
+            </a:r>
+          </a:p>
+          <a:p>
+            <a:r>
+              <a:rPr lang="en-CA" dirty="0"/>
+              <a:t>This is still a linear model, but one of polynomial functions.</a:t>
+            </a:r>
+          </a:p>
+          <a:p>
+            <a:pPr lvl="1"/>
+            <a:r>
+              <a:rPr lang="en-CA" dirty="0"/>
+              <a:t>The linear part refers to the coefficients never interact. </a:t>
+            </a:r>
+          </a:p>
+          <a:p>
+            <a:r>
+              <a:rPr lang="en-CA" dirty="0"/>
+              <a:t>In </a:t>
+            </a:r>
+            <a:r>
+              <a:rPr lang="en-CA" dirty="0" err="1"/>
+              <a:t>sklearn</a:t>
+            </a:r>
+            <a:r>
+              <a:rPr lang="en-CA" dirty="0"/>
+              <a:t>, this is done with the </a:t>
+            </a:r>
+            <a:r>
+              <a:rPr lang="en-CA" dirty="0" err="1"/>
+              <a:t>PolynomialFeature</a:t>
+            </a:r>
+            <a:r>
+              <a:rPr lang="en-CA" dirty="0"/>
+              <a:t> transformation. </a:t>
+            </a:r>
+          </a:p>
+          <a:p>
+            <a:pPr lvl="1"/>
+            <a:r>
+              <a:rPr lang="en-CA" dirty="0"/>
+              <a:t>We can add it in a pipe. </a:t>
+            </a:r>
+          </a:p>
+          <a:p>
+            <a:pPr lvl="1"/>
+            <a:r>
+              <a:rPr lang="en-CA" dirty="0"/>
+              <a:t>Note: This increases complexity of the model – more dimensions are generated!</a:t>
+            </a:r>
+          </a:p>
+          <a:p>
+            <a:pPr lvl="1"/>
+            <a:r>
+              <a:rPr lang="en-US" dirty="0"/>
+              <a:t>E.g. linear regression is in 1D on the example, after basis it is in 2D. </a:t>
+            </a:r>
+          </a:p>
+        </p:txBody>
+      </p:sp>
+    </p:spTree>
+    <p:extLst>
+      <p:ext uri="{BB962C8B-B14F-4D97-AF65-F5344CB8AC3E}">
+        <p14:creationId xmlns:p14="http://schemas.microsoft.com/office/powerpoint/2010/main" val="180297820"/>
+      </p:ext>
+    </p:extLst>
+  </p:cSld>
+  <p:clrMapOvr>
+    <a:masterClrMapping/>
+  </p:clrMapOvr>
+</p:sld>
+</file>
+
+<file path=ppt/slides/slide19.xml><?xml version="1.0" encoding="utf-8"?>
+<p:sld xmlns:a="http://schemas.openxmlformats.org/drawingml/2006/main" xmlns:r="http://schemas.openxmlformats.org/officeDocument/2006/relationships" xmlns:p="http://schemas.openxmlformats.org/presentationml/2006/main">
+  <p:cSld>
+    <p:spTree>
+      <p:nvGrpSpPr>
+        <p:cNvPr id="1" name=""/>
+        <p:cNvGrpSpPr/>
+        <p:nvPr/>
+      </p:nvGrpSpPr>
+      <p:grpSpPr>
+        <a:xfrm>
+          <a:off x="0" y="0"/>
+          <a:ext cx="0" cy="0"/>
+          <a:chOff x="0" y="0"/>
+          <a:chExt cx="0" cy="0"/>
+        </a:xfrm>
+      </p:grpSpPr>
+      <p:sp>
+        <p:nvSpPr>
+          <p:cNvPr id="2" name="Title 1">
+            <a:extLst>
+              <a:ext uri="{FF2B5EF4-FFF2-40B4-BE49-F238E27FC236}">
+                <a16:creationId xmlns:a16="http://schemas.microsoft.com/office/drawing/2014/main" id="{4E01F2D8-5C64-1846-89C5-CF86F872FB0C}"/>
+              </a:ext>
+            </a:extLst>
+          </p:cNvPr>
+          <p:cNvSpPr>
+            <a:spLocks noGrp="1"/>
+          </p:cNvSpPr>
+          <p:nvPr>
+            <p:ph type="title"/>
+          </p:nvPr>
+        </p:nvSpPr>
+        <p:spPr>
+          <a:xfrm>
+            <a:off x="1451578" y="140090"/>
+            <a:ext cx="9603275" cy="1049235"/>
+          </a:xfrm>
+        </p:spPr>
+        <p:txBody>
+          <a:bodyPr/>
+          <a:lstStyle/>
+          <a:p>
+            <a:r>
+              <a:rPr lang="en-US" dirty="0"/>
+              <a:t>Result of Polynomial Feature Transformation</a:t>
+            </a:r>
+          </a:p>
+        </p:txBody>
+      </p:sp>
+      <p:sp>
+        <p:nvSpPr>
+          <p:cNvPr id="3" name="Content Placeholder 2">
+            <a:extLst>
+              <a:ext uri="{FF2B5EF4-FFF2-40B4-BE49-F238E27FC236}">
+                <a16:creationId xmlns:a16="http://schemas.microsoft.com/office/drawing/2014/main" id="{D4D0FCD3-96A8-D44B-B7F8-91AD746151EF}"/>
+              </a:ext>
+            </a:extLst>
+          </p:cNvPr>
+          <p:cNvSpPr>
+            <a:spLocks noGrp="1"/>
+          </p:cNvSpPr>
+          <p:nvPr>
+            <p:ph idx="1"/>
+          </p:nvPr>
+        </p:nvSpPr>
+        <p:spPr/>
+        <p:txBody>
+          <a:bodyPr/>
+          <a:lstStyle/>
+          <a:p>
+            <a:endParaRPr lang="en-US" dirty="0"/>
+          </a:p>
+        </p:txBody>
+      </p:sp>
+      <p:pic>
+        <p:nvPicPr>
+          <p:cNvPr id="4" name="Picture 3">
+            <a:extLst>
+              <a:ext uri="{FF2B5EF4-FFF2-40B4-BE49-F238E27FC236}">
+                <a16:creationId xmlns:a16="http://schemas.microsoft.com/office/drawing/2014/main" id="{24B0EA68-7AA2-5245-BB7F-8A1C13420E88}"/>
+              </a:ext>
+            </a:extLst>
+          </p:cNvPr>
+          <p:cNvPicPr>
+            <a:picLocks noChangeAspect="1"/>
+          </p:cNvPicPr>
+          <p:nvPr/>
+        </p:nvPicPr>
+        <p:blipFill>
+          <a:blip r:embed="rId2"/>
+          <a:stretch>
+            <a:fillRect/>
+          </a:stretch>
+        </p:blipFill>
+        <p:spPr>
+          <a:xfrm>
+            <a:off x="1451579" y="1144001"/>
+            <a:ext cx="9084616" cy="5713999"/>
+          </a:xfrm>
+          <a:prstGeom prst="rect">
+            <a:avLst/>
+          </a:prstGeom>
+        </p:spPr>
+      </p:pic>
+      <p:pic>
+        <p:nvPicPr>
+          <p:cNvPr id="2058" name="Picture 10" descr="Emoticon Thumb Up transparent PNG - StickPNG">
+            <a:extLst>
+              <a:ext uri="{FF2B5EF4-FFF2-40B4-BE49-F238E27FC236}">
+                <a16:creationId xmlns:a16="http://schemas.microsoft.com/office/drawing/2014/main" id="{20909E10-1304-104D-9060-312F49F22E64}"/>
+              </a:ext>
+            </a:extLst>
+          </p:cNvPr>
+          <p:cNvPicPr>
+            <a:picLocks noChangeAspect="1" noChangeArrowheads="1"/>
+          </p:cNvPicPr>
+          <p:nvPr/>
+        </p:nvPicPr>
+        <p:blipFill>
+          <a:blip r:embed="rId3">
+            <a:extLst>
+              <a:ext uri="{28A0092B-C50C-407E-A947-70E740481C1C}">
+                <a14:useLocalDpi xmlns:a14="http://schemas.microsoft.com/office/drawing/2010/main" val="0"/>
+              </a:ext>
+            </a:extLst>
+          </a:blip>
+          <a:srcRect/>
+          <a:stretch>
+            <a:fillRect/>
+          </a:stretch>
+        </p:blipFill>
+        <p:spPr bwMode="auto">
+          <a:xfrm>
+            <a:off x="4725087" y="3429000"/>
+            <a:ext cx="2741826" cy="2602593"/>
+          </a:xfrm>
+          <a:prstGeom prst="rect">
+            <a:avLst/>
+          </a:prstGeom>
+          <a:noFill/>
+          <a:extLst>
+            <a:ext uri="{909E8E84-426E-40DD-AFC4-6F175D3DCCD1}">
+              <a14:hiddenFill xmlns:a14="http://schemas.microsoft.com/office/drawing/2010/main">
+                <a:solidFill>
+                  <a:srgbClr val="FFFFFF"/>
+                </a:solidFill>
+              </a14:hiddenFill>
+            </a:ext>
+          </a:extLst>
+        </p:spPr>
+      </p:pic>
+    </p:spTree>
+    <p:extLst>
+      <p:ext uri="{BB962C8B-B14F-4D97-AF65-F5344CB8AC3E}">
+        <p14:creationId xmlns:p14="http://schemas.microsoft.com/office/powerpoint/2010/main" val="560166713"/>
+      </p:ext>
+    </p:extLst>
+  </p:cSld>
+  <p:clrMapOvr>
+    <a:masterClrMapping/>
+  </p:clrMapOvr>
+</p:sld>
+</file>
+
+<file path=ppt/slides/slide2.xml><?xml version="1.0" encoding="utf-8"?>
+<p:sld xmlns:a="http://schemas.openxmlformats.org/drawingml/2006/main" xmlns:r="http://schemas.openxmlformats.org/officeDocument/2006/relationships" xmlns:p="http://schemas.openxmlformats.org/presentationml/2006/main">
+  <p:cSld>
+    <p:spTree>
+      <p:nvGrpSpPr>
+        <p:cNvPr id="1" name=""/>
+        <p:cNvGrpSpPr/>
+        <p:nvPr/>
+      </p:nvGrpSpPr>
+      <p:grpSpPr>
+        <a:xfrm>
+          <a:off x="0" y="0"/>
+          <a:ext cx="0" cy="0"/>
+          <a:chOff x="0" y="0"/>
+          <a:chExt cx="0" cy="0"/>
+        </a:xfrm>
+      </p:grpSpPr>
+      <p:sp>
+        <p:nvSpPr>
+          <p:cNvPr id="2" name="Title 1">
+            <a:extLst>
+              <a:ext uri="{FF2B5EF4-FFF2-40B4-BE49-F238E27FC236}">
+                <a16:creationId xmlns:a16="http://schemas.microsoft.com/office/drawing/2014/main" id="{DAA87AE3-8B7A-731D-9AF2-7D6A6BE806EE}"/>
+              </a:ext>
+            </a:extLst>
+          </p:cNvPr>
+          <p:cNvSpPr>
+            <a:spLocks noGrp="1"/>
+          </p:cNvSpPr>
+          <p:nvPr>
+            <p:ph type="title"/>
+          </p:nvPr>
+        </p:nvSpPr>
+        <p:spPr/>
+        <p:txBody>
+          <a:bodyPr/>
+          <a:lstStyle/>
+          <a:p>
+            <a:r>
+              <a:rPr lang="en-US" dirty="0"/>
+              <a:t>Impute or Delete</a:t>
+            </a:r>
+          </a:p>
+        </p:txBody>
+      </p:sp>
+      <p:sp>
+        <p:nvSpPr>
+          <p:cNvPr id="3" name="Content Placeholder 2">
+            <a:extLst>
+              <a:ext uri="{FF2B5EF4-FFF2-40B4-BE49-F238E27FC236}">
+                <a16:creationId xmlns:a16="http://schemas.microsoft.com/office/drawing/2014/main" id="{F2C497EC-F264-475A-DD90-E4A919E1C987}"/>
+              </a:ext>
+            </a:extLst>
+          </p:cNvPr>
+          <p:cNvSpPr>
+            <a:spLocks noGrp="1"/>
+          </p:cNvSpPr>
+          <p:nvPr>
+            <p:ph idx="1"/>
+          </p:nvPr>
+        </p:nvSpPr>
+        <p:spPr/>
+        <p:txBody>
+          <a:bodyPr/>
+          <a:lstStyle/>
+          <a:p>
+            <a:r>
+              <a:rPr lang="en-US" dirty="0"/>
+              <a:t>The first decision is to choose to remove data if we have missing values, or impute them.</a:t>
+            </a:r>
+          </a:p>
+          <a:p>
+            <a:r>
+              <a:rPr lang="en-US" dirty="0"/>
+              <a:t>This is situation dependent – the real-world impact of the values matters. </a:t>
+            </a:r>
+          </a:p>
+          <a:p>
+            <a:r>
+              <a:rPr lang="en-US" dirty="0"/>
+              <a:t>We can also analyze the data to help make better decisions. </a:t>
+            </a:r>
+          </a:p>
+          <a:p>
+            <a:pPr lvl="1"/>
+            <a:endParaRPr lang="en-US" dirty="0"/>
+          </a:p>
+        </p:txBody>
+      </p:sp>
+    </p:spTree>
+    <p:extLst>
+      <p:ext uri="{BB962C8B-B14F-4D97-AF65-F5344CB8AC3E}">
+        <p14:creationId xmlns:p14="http://schemas.microsoft.com/office/powerpoint/2010/main" val="1645387443"/>
+      </p:ext>
+    </p:extLst>
+  </p:cSld>
+  <p:clrMapOvr>
+    <a:masterClrMapping/>
+  </p:clrMapOvr>
+</p:sld>
+</file>
+
+<file path=ppt/slides/slide20.xml><?xml version="1.0" encoding="utf-8"?>
+<p:sld xmlns:a="http://schemas.openxmlformats.org/drawingml/2006/main" xmlns:r="http://schemas.openxmlformats.org/officeDocument/2006/relationships" xmlns:p="http://schemas.openxmlformats.org/presentationml/2006/main">
+  <p:cSld>
+    <p:spTree>
+      <p:nvGrpSpPr>
+        <p:cNvPr id="1" name=""/>
+        <p:cNvGrpSpPr/>
+        <p:nvPr/>
+      </p:nvGrpSpPr>
+      <p:grpSpPr>
+        <a:xfrm>
+          <a:off x="0" y="0"/>
+          <a:ext cx="0" cy="0"/>
+          <a:chOff x="0" y="0"/>
+          <a:chExt cx="0" cy="0"/>
+        </a:xfrm>
+      </p:grpSpPr>
+      <p:sp>
+        <p:nvSpPr>
+          <p:cNvPr id="2" name="Title 1">
+            <a:extLst>
+              <a:ext uri="{FF2B5EF4-FFF2-40B4-BE49-F238E27FC236}">
+                <a16:creationId xmlns:a16="http://schemas.microsoft.com/office/drawing/2014/main" id="{9353C631-41E5-D948-9121-6A7827C79532}"/>
+              </a:ext>
+            </a:extLst>
+          </p:cNvPr>
+          <p:cNvSpPr>
+            <a:spLocks noGrp="1"/>
+          </p:cNvSpPr>
+          <p:nvPr>
+            <p:ph type="title"/>
+          </p:nvPr>
+        </p:nvSpPr>
+        <p:spPr/>
+        <p:txBody>
+          <a:bodyPr/>
+          <a:lstStyle/>
+          <a:p>
+            <a:r>
+              <a:rPr lang="en-US" dirty="0"/>
+              <a:t>Basis Success </a:t>
+            </a:r>
+          </a:p>
+        </p:txBody>
+      </p:sp>
+      <p:sp>
+        <p:nvSpPr>
+          <p:cNvPr id="3" name="Content Placeholder 2">
+            <a:extLst>
+              <a:ext uri="{FF2B5EF4-FFF2-40B4-BE49-F238E27FC236}">
+                <a16:creationId xmlns:a16="http://schemas.microsoft.com/office/drawing/2014/main" id="{7ABBDE20-53A6-9D44-BA81-836F059B784B}"/>
+              </a:ext>
+            </a:extLst>
+          </p:cNvPr>
+          <p:cNvSpPr>
+            <a:spLocks noGrp="1"/>
+          </p:cNvSpPr>
+          <p:nvPr>
+            <p:ph idx="1"/>
+          </p:nvPr>
+        </p:nvSpPr>
+        <p:spPr>
+          <a:xfrm>
+            <a:off x="1451579" y="1853754"/>
+            <a:ext cx="9603275" cy="4278689"/>
+          </a:xfrm>
+        </p:spPr>
+        <p:txBody>
+          <a:bodyPr/>
+          <a:lstStyle/>
+          <a:p>
+            <a:r>
+              <a:rPr lang="en-US" dirty="0"/>
+              <a:t>What a victory! We can model a non-linear relationship with a linear regression. </a:t>
+            </a:r>
+          </a:p>
+          <a:p>
+            <a:pPr lvl="1"/>
+            <a:r>
+              <a:rPr lang="en-US" dirty="0"/>
+              <a:t>More flexible and applicable simple models. </a:t>
+            </a:r>
+          </a:p>
+          <a:p>
+            <a:r>
+              <a:rPr lang="en-US" dirty="0"/>
+              <a:t>Basis functions aren’t only polynomial, it could be anything:</a:t>
+            </a:r>
+          </a:p>
+          <a:p>
+            <a:pPr lvl="1"/>
+            <a:r>
+              <a:rPr lang="en-US" dirty="0"/>
+              <a:t>Gaussian – example in 5.06 PDSH</a:t>
+            </a:r>
+          </a:p>
+          <a:p>
+            <a:pPr lvl="1"/>
+            <a:r>
+              <a:rPr lang="en-CA" dirty="0"/>
+              <a:t>Rectified Linear Units</a:t>
+            </a:r>
+            <a:r>
+              <a:rPr lang="en-US" dirty="0"/>
+              <a:t> (</a:t>
+            </a:r>
+            <a:r>
+              <a:rPr lang="en-US" dirty="0" err="1"/>
+              <a:t>Relu</a:t>
+            </a:r>
+            <a:r>
+              <a:rPr lang="en-US" dirty="0"/>
+              <a:t>) – will come up again in neural networks. </a:t>
+            </a:r>
+          </a:p>
+          <a:p>
+            <a:pPr lvl="1"/>
+            <a:r>
+              <a:rPr lang="en-US" dirty="0"/>
+              <a:t>Radial - revisit in SVM and clustering. </a:t>
+            </a:r>
+          </a:p>
+          <a:p>
+            <a:r>
+              <a:rPr lang="en-CA" dirty="0"/>
+              <a:t>Why?</a:t>
+            </a:r>
+          </a:p>
+          <a:p>
+            <a:pPr lvl="1"/>
+            <a:r>
+              <a:rPr lang="en-CA" dirty="0"/>
+              <a:t>Really useful in applying linear regression to any random scenario. (Good for old math)</a:t>
+            </a:r>
+          </a:p>
+          <a:p>
+            <a:pPr lvl="1"/>
+            <a:r>
+              <a:rPr lang="en-CA" dirty="0"/>
+              <a:t>Helps classification with “weird” borders (~1.5 - 2 weeks from now). Linear </a:t>
+            </a:r>
+            <a:r>
+              <a:rPr lang="en-CA" dirty="0" err="1"/>
+              <a:t>seperability</a:t>
+            </a:r>
+            <a:r>
+              <a:rPr lang="en-CA" dirty="0"/>
+              <a:t>. </a:t>
+            </a:r>
+          </a:p>
+        </p:txBody>
+      </p:sp>
+    </p:spTree>
+    <p:extLst>
+      <p:ext uri="{BB962C8B-B14F-4D97-AF65-F5344CB8AC3E}">
+        <p14:creationId xmlns:p14="http://schemas.microsoft.com/office/powerpoint/2010/main" val="1919427985"/>
+      </p:ext>
+    </p:extLst>
+  </p:cSld>
+  <p:clrMapOvr>
+    <a:masterClrMapping/>
+  </p:clrMapOvr>
+</p:sld>
+</file>
+
+<file path=ppt/slides/slide21.xml><?xml version="1.0" encoding="utf-8"?>
+<p:sld xmlns:a="http://schemas.openxmlformats.org/drawingml/2006/main" xmlns:r="http://schemas.openxmlformats.org/officeDocument/2006/relationships" xmlns:p="http://schemas.openxmlformats.org/presentationml/2006/main">
+  <p:cSld>
+    <p:spTree>
+      <p:nvGrpSpPr>
+        <p:cNvPr id="1" name=""/>
+        <p:cNvGrpSpPr/>
+        <p:nvPr/>
+      </p:nvGrpSpPr>
+      <p:grpSpPr>
+        <a:xfrm>
+          <a:off x="0" y="0"/>
+          <a:ext cx="0" cy="0"/>
+          <a:chOff x="0" y="0"/>
+          <a:chExt cx="0" cy="0"/>
+        </a:xfrm>
+      </p:grpSpPr>
+      <p:sp>
+        <p:nvSpPr>
+          <p:cNvPr id="2" name="Title 1">
+            <a:extLst>
+              <a:ext uri="{FF2B5EF4-FFF2-40B4-BE49-F238E27FC236}">
+                <a16:creationId xmlns:a16="http://schemas.microsoft.com/office/drawing/2014/main" id="{91B21253-26B1-E449-A90A-47F25F2E9916}"/>
+              </a:ext>
+            </a:extLst>
+          </p:cNvPr>
+          <p:cNvSpPr>
+            <a:spLocks noGrp="1"/>
+          </p:cNvSpPr>
+          <p:nvPr>
+            <p:ph type="title"/>
+          </p:nvPr>
+        </p:nvSpPr>
+        <p:spPr/>
+        <p:txBody>
+          <a:bodyPr/>
+          <a:lstStyle/>
+          <a:p>
+            <a:r>
+              <a:rPr lang="en-US" dirty="0"/>
+              <a:t>Errors in Modelling</a:t>
+            </a:r>
+          </a:p>
+        </p:txBody>
+      </p:sp>
+      <p:sp>
+        <p:nvSpPr>
+          <p:cNvPr id="3" name="Content Placeholder 2">
+            <a:extLst>
+              <a:ext uri="{FF2B5EF4-FFF2-40B4-BE49-F238E27FC236}">
+                <a16:creationId xmlns:a16="http://schemas.microsoft.com/office/drawing/2014/main" id="{CF32E779-0813-8346-8DD9-96C68B6215F0}"/>
+              </a:ext>
+            </a:extLst>
+          </p:cNvPr>
+          <p:cNvSpPr>
+            <a:spLocks noGrp="1"/>
+          </p:cNvSpPr>
+          <p:nvPr>
+            <p:ph idx="1"/>
+          </p:nvPr>
+        </p:nvSpPr>
+        <p:spPr>
+          <a:xfrm>
+            <a:off x="1451579" y="2015732"/>
+            <a:ext cx="9603275" cy="4037749"/>
+          </a:xfrm>
+        </p:spPr>
+        <p:txBody>
+          <a:bodyPr>
+            <a:normAutofit fontScale="92500" lnSpcReduction="20000"/>
+          </a:bodyPr>
+          <a:lstStyle/>
+          <a:p>
+            <a:r>
+              <a:rPr lang="en-US" dirty="0"/>
+              <a:t>Bias Error:</a:t>
+            </a:r>
+          </a:p>
+          <a:p>
+            <a:pPr lvl="1"/>
+            <a:r>
+              <a:rPr lang="en-US" dirty="0"/>
+              <a:t>Error due to assumptions made in the modelling process. </a:t>
+            </a:r>
+          </a:p>
+          <a:p>
+            <a:pPr lvl="1"/>
+            <a:r>
+              <a:rPr lang="en-US" dirty="0"/>
+              <a:t>Generally results in underfitting. </a:t>
+            </a:r>
+          </a:p>
+          <a:p>
+            <a:pPr lvl="1"/>
+            <a:r>
+              <a:rPr lang="en-US" dirty="0"/>
+              <a:t>E.g. assuming a linear relationship. </a:t>
+            </a:r>
+          </a:p>
+          <a:p>
+            <a:r>
+              <a:rPr lang="en-US" dirty="0"/>
+              <a:t>Variance Error:</a:t>
+            </a:r>
+          </a:p>
+          <a:p>
+            <a:pPr lvl="1"/>
+            <a:r>
+              <a:rPr lang="en-US" dirty="0"/>
+              <a:t>Error due to variations in the training data.</a:t>
+            </a:r>
+          </a:p>
+          <a:p>
+            <a:pPr lvl="1"/>
+            <a:r>
+              <a:rPr lang="en-US" dirty="0"/>
+              <a:t>Generally results in overfitting. </a:t>
+            </a:r>
+          </a:p>
+          <a:p>
+            <a:pPr lvl="1"/>
+            <a:r>
+              <a:rPr lang="en-US" dirty="0"/>
+              <a:t>E.g. different training sets for trees generate very different models. </a:t>
+            </a:r>
+          </a:p>
+          <a:p>
+            <a:r>
+              <a:rPr lang="en-US" dirty="0"/>
+              <a:t>Irreducible Error:</a:t>
+            </a:r>
+          </a:p>
+          <a:p>
+            <a:pPr lvl="1"/>
+            <a:r>
+              <a:rPr lang="en-US" dirty="0"/>
+              <a:t>Error that we can’t fix through modeling, it in inherent in the data. </a:t>
+            </a:r>
+          </a:p>
+          <a:p>
+            <a:pPr lvl="1"/>
+            <a:r>
+              <a:rPr lang="en-US" dirty="0"/>
+              <a:t>May be able to fix it by cleaning data (removing outliers, correcting missing data, </a:t>
+            </a:r>
+            <a:r>
+              <a:rPr lang="en-US" dirty="0" err="1"/>
+              <a:t>etc</a:t>
+            </a:r>
+            <a:r>
+              <a:rPr lang="en-US" dirty="0"/>
+              <a:t>…)</a:t>
+            </a:r>
+          </a:p>
+          <a:p>
+            <a:endParaRPr lang="en-US" dirty="0"/>
+          </a:p>
+        </p:txBody>
+      </p:sp>
+    </p:spTree>
+    <p:extLst>
+      <p:ext uri="{BB962C8B-B14F-4D97-AF65-F5344CB8AC3E}">
+        <p14:creationId xmlns:p14="http://schemas.microsoft.com/office/powerpoint/2010/main" val="3133314296"/>
+      </p:ext>
+    </p:extLst>
+  </p:cSld>
+  <p:clrMapOvr>
+    <a:masterClrMapping/>
+  </p:clrMapOvr>
+</p:sld>
+</file>
+
+<file path=ppt/slides/slide22.xml><?xml version="1.0" encoding="utf-8"?>
+<p:sld xmlns:a="http://schemas.openxmlformats.org/drawingml/2006/main" xmlns:r="http://schemas.openxmlformats.org/officeDocument/2006/relationships" xmlns:p="http://schemas.openxmlformats.org/presentationml/2006/main">
+  <p:cSld>
+    <p:bg>
+      <p:bgPr>
+        <a:gradFill rotWithShape="1">
+          <a:gsLst>
+            <a:gs pos="0">
+              <a:schemeClr val="bg2">
+                <a:tint val="94000"/>
+                <a:satMod val="80000"/>
+                <a:lumMod val="106000"/>
+              </a:schemeClr>
+            </a:gs>
+            <a:gs pos="100000">
+              <a:schemeClr val="bg2">
+                <a:shade val="80000"/>
+              </a:schemeClr>
+            </a:gs>
+          </a:gsLst>
+          <a:path path="circle">
+            <a:fillToRect l="43000" r="43000" b="100000"/>
+          </a:path>
+        </a:gradFill>
+        <a:effectLst/>
+      </p:bgPr>
+    </p:bg>
+    <p:spTree>
+      <p:nvGrpSpPr>
+        <p:cNvPr id="1" name=""/>
+        <p:cNvGrpSpPr/>
+        <p:nvPr/>
+      </p:nvGrpSpPr>
+      <p:grpSpPr>
+        <a:xfrm>
+          <a:off x="0" y="0"/>
+          <a:ext cx="0" cy="0"/>
+          <a:chOff x="0" y="0"/>
+          <a:chExt cx="0" cy="0"/>
+        </a:xfrm>
+      </p:grpSpPr>
+      <p:sp>
+        <p:nvSpPr>
+          <p:cNvPr id="71" name="Rectangle 70">
+            <a:extLst>
+              <a:ext uri="{FF2B5EF4-FFF2-40B4-BE49-F238E27FC236}">
+                <a16:creationId xmlns:a16="http://schemas.microsoft.com/office/drawing/2014/main" id="{CDDE5CDF-1512-4CDA-B956-23D223F8DE44}"/>
+              </a:ext>
+              <a:ext uri="{C183D7F6-B498-43B3-948B-1728B52AA6E4}">
+                <adec:decorative xmlns:adec="http://schemas.microsoft.com/office/drawing/2017/decorative" val="1"/>
+              </a:ext>
+            </a:extLst>
+          </p:cNvPr>
+          <p:cNvSpPr>
+            <a:spLocks noGrp="1" noRot="1" noChangeAspect="1" noMove="1" noResize="1" noEditPoints="1" noAdjustHandles="1" noChangeArrowheads="1" noChangeShapeType="1" noTextEdit="1"/>
+          </p:cNvSpPr>
+          <p:nvPr>
+            <p:extLst>
+              <p:ext uri="{386F3935-93C4-4BCD-93E2-E3B085C9AB24}">
+                <p16:designElem xmlns:p16="http://schemas.microsoft.com/office/powerpoint/2015/main" val="1"/>
+              </p:ext>
+            </p:extLst>
+          </p:nvPr>
+        </p:nvSpPr>
+        <p:spPr>
+          <a:xfrm>
+            <a:off x="0" y="2019476"/>
+            <a:ext cx="12192000" cy="4105941"/>
+          </a:xfrm>
+          <a:prstGeom prst="rect">
+            <a:avLst/>
+          </a:prstGeom>
+          <a:gradFill flip="none" rotWithShape="1">
+            <a:gsLst>
+              <a:gs pos="0">
+                <a:schemeClr val="bg2">
+                  <a:alpha val="0"/>
+                </a:schemeClr>
+              </a:gs>
+              <a:gs pos="100000">
+                <a:schemeClr val="bg2"/>
+              </a:gs>
+            </a:gsLst>
+            <a:lin ang="5400000" scaled="0"/>
+            <a:tileRect/>
+          </a:gradFill>
+          <a:ln>
+            <a:noFill/>
+          </a:ln>
+        </p:spPr>
+        <p:style>
+          <a:lnRef idx="2">
+            <a:schemeClr val="accent1">
+              <a:shade val="50000"/>
+            </a:schemeClr>
+          </a:lnRef>
+          <a:fillRef idx="1">
+            <a:schemeClr val="accent1"/>
+          </a:fillRef>
+          <a:effectRef idx="0">
+            <a:schemeClr val="accent1"/>
+          </a:effectRef>
+          <a:fontRef idx="minor">
+            <a:schemeClr val="lt1"/>
+          </a:fontRef>
+        </p:style>
+        <p:txBody>
+          <a:bodyPr/>
+          <a:lstStyle/>
+          <a:p>
+            <a:endParaRPr lang="en-US"/>
+          </a:p>
+        </p:txBody>
+      </p:sp>
+      <p:pic>
+        <p:nvPicPr>
+          <p:cNvPr id="73" name="Picture 72">
+            <a:extLst>
+              <a:ext uri="{FF2B5EF4-FFF2-40B4-BE49-F238E27FC236}">
+                <a16:creationId xmlns:a16="http://schemas.microsoft.com/office/drawing/2014/main" id="{B029D7D8-5A6B-4C76-94C8-15798C6C5ADB}"/>
+              </a:ext>
+              <a:ext uri="{C183D7F6-B498-43B3-948B-1728B52AA6E4}">
+                <adec:decorative xmlns:adec="http://schemas.microsoft.com/office/drawing/2017/decorative" val="1"/>
+              </a:ext>
+            </a:extLst>
+          </p:cNvPr>
+          <p:cNvPicPr>
+            <a:picLocks noGrp="1" noRot="1" noChangeAspect="1" noMove="1" noResize="1" noEditPoints="1" noAdjustHandles="1" noChangeArrowheads="1" noChangeShapeType="1" noCrop="1"/>
+          </p:cNvPicPr>
+          <p:nvPr>
+            <p:extLst>
+              <p:ext uri="{386F3935-93C4-4BCD-93E2-E3B085C9AB24}">
+                <p16:designElem xmlns:p16="http://schemas.microsoft.com/office/powerpoint/2015/main" val="1"/>
+              </p:ext>
+            </p:extLst>
+          </p:nvPr>
+        </p:nvPicPr>
+        <p:blipFill rotWithShape="1">
+          <a:blip r:embed="rId2">
+            <a:extLst>
+              <a:ext uri="{28A0092B-C50C-407E-A947-70E740481C1C}">
+                <a14:useLocalDpi xmlns:a14="http://schemas.microsoft.com/office/drawing/2010/main" val="0"/>
+              </a:ext>
+            </a:extLst>
+          </a:blip>
+          <a:srcRect t="1538" b="-1538"/>
+          <a:stretch/>
+        </p:blipFill>
+        <p:spPr bwMode="black">
+          <a:xfrm>
+            <a:off x="0" y="6126480"/>
+            <a:ext cx="12192000" cy="742950"/>
+          </a:xfrm>
+          <a:prstGeom prst="rect">
+            <a:avLst/>
+          </a:prstGeom>
+        </p:spPr>
+      </p:pic>
+      <p:cxnSp>
+        <p:nvCxnSpPr>
+          <p:cNvPr id="75" name="Straight Connector 74">
+            <a:extLst>
+              <a:ext uri="{FF2B5EF4-FFF2-40B4-BE49-F238E27FC236}">
+                <a16:creationId xmlns:a16="http://schemas.microsoft.com/office/drawing/2014/main" id="{A5C9319C-E20D-4884-952F-60B6A58C3E34}"/>
+              </a:ext>
+              <a:ext uri="{C183D7F6-B498-43B3-948B-1728B52AA6E4}">
+                <adec:decorative xmlns:adec="http://schemas.microsoft.com/office/drawing/2017/decorative" val="1"/>
+              </a:ext>
+            </a:extLst>
+          </p:cNvPr>
+          <p:cNvCxnSpPr>
+            <a:cxnSpLocks noGrp="1" noRot="1" noChangeAspect="1" noMove="1" noResize="1" noEditPoints="1" noAdjustHandles="1" noChangeArrowheads="1" noChangeShapeType="1"/>
+          </p:cNvCxnSpPr>
+          <p:nvPr>
+            <p:extLst>
+              <p:ext uri="{386F3935-93C4-4BCD-93E2-E3B085C9AB24}">
+                <p16:designElem xmlns:p16="http://schemas.microsoft.com/office/powerpoint/2015/main" val="1"/>
+              </p:ext>
+            </p:extLst>
+          </p:nvPr>
+        </p:nvCxnSpPr>
+        <p:spPr>
+          <a:xfrm>
+            <a:off x="0" y="6128413"/>
+            <a:ext cx="12192000" cy="0"/>
+          </a:xfrm>
+          <a:prstGeom prst="line">
+            <a:avLst/>
+          </a:prstGeom>
+          <a:ln w="12700">
+            <a:solidFill>
+              <a:srgbClr val="000001">
+                <a:alpha val="20000"/>
+              </a:srgbClr>
+            </a:solidFill>
+          </a:ln>
+        </p:spPr>
+        <p:style>
+          <a:lnRef idx="1">
+            <a:schemeClr val="accent1"/>
+          </a:lnRef>
+          <a:fillRef idx="0">
+            <a:schemeClr val="accent1"/>
+          </a:fillRef>
+          <a:effectRef idx="0">
+            <a:schemeClr val="accent1"/>
+          </a:effectRef>
+          <a:fontRef idx="minor">
+            <a:schemeClr val="tx1"/>
+          </a:fontRef>
+        </p:style>
+      </p:cxnSp>
+      <p:sp useBgFill="1">
+        <p:nvSpPr>
+          <p:cNvPr id="77" name="Rectangle 76">
+            <a:extLst>
+              <a:ext uri="{FF2B5EF4-FFF2-40B4-BE49-F238E27FC236}">
+                <a16:creationId xmlns:a16="http://schemas.microsoft.com/office/drawing/2014/main" id="{62C9703D-C8F9-44AD-A7C0-C2F3871F8C1B}"/>
+              </a:ext>
+              <a:ext uri="{C183D7F6-B498-43B3-948B-1728B52AA6E4}">
+                <adec:decorative xmlns:adec="http://schemas.microsoft.com/office/drawing/2017/decorative" val="1"/>
+              </a:ext>
+            </a:extLst>
+          </p:cNvPr>
+          <p:cNvSpPr>
+            <a:spLocks noGrp="1" noRot="1" noChangeAspect="1" noMove="1" noResize="1" noEditPoints="1" noAdjustHandles="1" noChangeArrowheads="1" noChangeShapeType="1" noTextEdit="1"/>
+          </p:cNvSpPr>
+          <p:nvPr>
+            <p:extLst>
+              <p:ext uri="{386F3935-93C4-4BCD-93E2-E3B085C9AB24}">
+                <p16:designElem xmlns:p16="http://schemas.microsoft.com/office/powerpoint/2015/main" val="1"/>
+              </p:ext>
+            </p:extLst>
+          </p:nvPr>
+        </p:nvSpPr>
+        <p:spPr>
+          <a:xfrm>
+            <a:off x="0" y="0"/>
+            <a:ext cx="12192000" cy="6160168"/>
+          </a:xfrm>
+          <a:prstGeom prst="rect">
+            <a:avLst/>
+          </a:prstGeom>
+          <a:ln>
+            <a:noFill/>
+          </a:ln>
+        </p:spPr>
+        <p:style>
+          <a:lnRef idx="2">
+            <a:schemeClr val="accent1">
+              <a:shade val="50000"/>
+            </a:schemeClr>
+          </a:lnRef>
+          <a:fillRef idx="1">
+            <a:schemeClr val="accent1"/>
+          </a:fillRef>
+          <a:effectRef idx="0">
+            <a:schemeClr val="accent1"/>
+          </a:effectRef>
+          <a:fontRef idx="minor">
+            <a:schemeClr val="lt1"/>
+          </a:fontRef>
+        </p:style>
+        <p:txBody>
+          <a:bodyPr rtlCol="0" anchor="ctr"/>
+          <a:lstStyle/>
+          <a:p>
+            <a:pPr algn="ctr"/>
+            <a:endParaRPr lang="en-US"/>
+          </a:p>
+        </p:txBody>
+      </p:sp>
+      <p:pic>
+        <p:nvPicPr>
+          <p:cNvPr id="3074" name="Picture 2" descr="3.6.10.16. Bias and variance of polynomial fit — Scipy lecture notes">
+            <a:extLst>
+              <a:ext uri="{FF2B5EF4-FFF2-40B4-BE49-F238E27FC236}">
+                <a16:creationId xmlns:a16="http://schemas.microsoft.com/office/drawing/2014/main" id="{C790E6D7-7508-EF40-B99A-33851F3E99CE}"/>
+              </a:ext>
+            </a:extLst>
+          </p:cNvPr>
+          <p:cNvPicPr>
+            <a:picLocks noGrp="1" noChangeAspect="1" noChangeArrowheads="1"/>
+          </p:cNvPicPr>
+          <p:nvPr>
+            <p:ph idx="1"/>
+          </p:nvPr>
+        </p:nvPicPr>
+        <p:blipFill>
+          <a:blip r:embed="rId3">
+            <a:extLst>
+              <a:ext uri="{28A0092B-C50C-407E-A947-70E740481C1C}">
+                <a14:useLocalDpi xmlns:a14="http://schemas.microsoft.com/office/drawing/2010/main" val="0"/>
+              </a:ext>
+            </a:extLst>
+          </a:blip>
+          <a:stretch>
+            <a:fillRect/>
+          </a:stretch>
+        </p:blipFill>
+        <p:spPr bwMode="auto">
+          <a:xfrm>
+            <a:off x="643467" y="953596"/>
+            <a:ext cx="10905066" cy="4252976"/>
+          </a:xfrm>
+          <a:prstGeom prst="rect">
+            <a:avLst/>
+          </a:prstGeom>
+          <a:noFill/>
+          <a:extLst>
+            <a:ext uri="{909E8E84-426E-40DD-AFC4-6F175D3DCCD1}">
+              <a14:hiddenFill xmlns:a14="http://schemas.microsoft.com/office/drawing/2010/main">
+                <a:solidFill>
+                  <a:srgbClr val="FFFFFF"/>
+                </a:solidFill>
+              </a14:hiddenFill>
+            </a:ext>
+          </a:extLst>
+        </p:spPr>
+      </p:pic>
+    </p:spTree>
+    <p:extLst>
+      <p:ext uri="{BB962C8B-B14F-4D97-AF65-F5344CB8AC3E}">
+        <p14:creationId xmlns:p14="http://schemas.microsoft.com/office/powerpoint/2010/main" val="824830062"/>
+      </p:ext>
+    </p:extLst>
+  </p:cSld>
+  <p:clrMapOvr>
+    <a:masterClrMapping/>
+  </p:clrMapOvr>
+</p:sld>
+</file>
+
+<file path=ppt/slides/slide23.xml><?xml version="1.0" encoding="utf-8"?>
+<p:sld xmlns:a="http://schemas.openxmlformats.org/drawingml/2006/main" xmlns:r="http://schemas.openxmlformats.org/officeDocument/2006/relationships" xmlns:p="http://schemas.openxmlformats.org/presentationml/2006/main">
+  <p:cSld>
+    <p:spTree>
+      <p:nvGrpSpPr>
+        <p:cNvPr id="1" name=""/>
+        <p:cNvGrpSpPr/>
+        <p:nvPr/>
+      </p:nvGrpSpPr>
+      <p:grpSpPr>
+        <a:xfrm>
+          <a:off x="0" y="0"/>
+          <a:ext cx="0" cy="0"/>
+          <a:chOff x="0" y="0"/>
+          <a:chExt cx="0" cy="0"/>
+        </a:xfrm>
+      </p:grpSpPr>
+      <p:sp>
+        <p:nvSpPr>
+          <p:cNvPr id="2" name="Title 1">
+            <a:extLst>
+              <a:ext uri="{FF2B5EF4-FFF2-40B4-BE49-F238E27FC236}">
+                <a16:creationId xmlns:a16="http://schemas.microsoft.com/office/drawing/2014/main" id="{0AE415C9-018F-6541-851A-C9C642CA6264}"/>
+              </a:ext>
+            </a:extLst>
+          </p:cNvPr>
+          <p:cNvSpPr>
+            <a:spLocks noGrp="1"/>
+          </p:cNvSpPr>
+          <p:nvPr>
+            <p:ph type="title"/>
+          </p:nvPr>
+        </p:nvSpPr>
+        <p:spPr/>
+        <p:txBody>
+          <a:bodyPr/>
+          <a:lstStyle/>
+          <a:p>
+            <a:r>
+              <a:rPr lang="en-US" dirty="0"/>
+              <a:t>Variance Error – Tree that is Overfitted </a:t>
+            </a:r>
+          </a:p>
+        </p:txBody>
+      </p:sp>
+      <p:sp>
+        <p:nvSpPr>
+          <p:cNvPr id="3" name="Content Placeholder 2">
+            <a:extLst>
+              <a:ext uri="{FF2B5EF4-FFF2-40B4-BE49-F238E27FC236}">
+                <a16:creationId xmlns:a16="http://schemas.microsoft.com/office/drawing/2014/main" id="{8ABFF36D-B6F5-B040-9518-D4A55ACA81AC}"/>
+              </a:ext>
+            </a:extLst>
+          </p:cNvPr>
+          <p:cNvSpPr>
+            <a:spLocks noGrp="1"/>
+          </p:cNvSpPr>
+          <p:nvPr>
+            <p:ph idx="1"/>
+          </p:nvPr>
+        </p:nvSpPr>
+        <p:spPr/>
+        <p:txBody>
+          <a:bodyPr/>
+          <a:lstStyle/>
+          <a:p>
+            <a:endParaRPr lang="en-US"/>
+          </a:p>
+        </p:txBody>
+      </p:sp>
+      <p:pic>
+        <p:nvPicPr>
+          <p:cNvPr id="2050" name="Picture 2" descr="Exercise 2 Evaluating Overfitting Risk of a | Chegg.com">
+            <a:extLst>
+              <a:ext uri="{FF2B5EF4-FFF2-40B4-BE49-F238E27FC236}">
+                <a16:creationId xmlns:a16="http://schemas.microsoft.com/office/drawing/2014/main" id="{46B7ABF7-5F76-694B-A31D-282AFD539DBD}"/>
+              </a:ext>
+            </a:extLst>
+          </p:cNvPr>
+          <p:cNvPicPr>
+            <a:picLocks noChangeAspect="1" noChangeArrowheads="1"/>
+          </p:cNvPicPr>
+          <p:nvPr/>
+        </p:nvPicPr>
+        <p:blipFill rotWithShape="1">
+          <a:blip r:embed="rId2">
+            <a:extLst>
+              <a:ext uri="{28A0092B-C50C-407E-A947-70E740481C1C}">
+                <a14:useLocalDpi xmlns:a14="http://schemas.microsoft.com/office/drawing/2010/main" val="0"/>
+              </a:ext>
+            </a:extLst>
+          </a:blip>
+          <a:srcRect l="23478" r="36655"/>
+          <a:stretch/>
+        </p:blipFill>
+        <p:spPr bwMode="auto">
+          <a:xfrm>
+            <a:off x="3895567" y="1391655"/>
+            <a:ext cx="4400866" cy="5466345"/>
+          </a:xfrm>
+          <a:prstGeom prst="rect">
+            <a:avLst/>
+          </a:prstGeom>
+          <a:noFill/>
+          <a:extLst>
+            <a:ext uri="{909E8E84-426E-40DD-AFC4-6F175D3DCCD1}">
+              <a14:hiddenFill xmlns:a14="http://schemas.microsoft.com/office/drawing/2010/main">
+                <a:solidFill>
+                  <a:srgbClr val="FFFFFF"/>
+                </a:solidFill>
+              </a14:hiddenFill>
+            </a:ext>
+          </a:extLst>
+        </p:spPr>
+      </p:pic>
+    </p:spTree>
+    <p:extLst>
+      <p:ext uri="{BB962C8B-B14F-4D97-AF65-F5344CB8AC3E}">
+        <p14:creationId xmlns:p14="http://schemas.microsoft.com/office/powerpoint/2010/main" val="2769628144"/>
+      </p:ext>
+    </p:extLst>
+  </p:cSld>
+  <p:clrMapOvr>
+    <a:masterClrMapping/>
+  </p:clrMapOvr>
+</p:sld>
+</file>
+
+<file path=ppt/slides/slide24.xml><?xml version="1.0" encoding="utf-8"?>
+<p:sld xmlns:a="http://schemas.openxmlformats.org/drawingml/2006/main" xmlns:r="http://schemas.openxmlformats.org/officeDocument/2006/relationships" xmlns:p="http://schemas.openxmlformats.org/presentationml/2006/main">
+  <p:cSld>
+    <p:spTree>
+      <p:nvGrpSpPr>
+        <p:cNvPr id="1" name=""/>
+        <p:cNvGrpSpPr/>
+        <p:nvPr/>
+      </p:nvGrpSpPr>
+      <p:grpSpPr>
+        <a:xfrm>
+          <a:off x="0" y="0"/>
+          <a:ext cx="0" cy="0"/>
+          <a:chOff x="0" y="0"/>
+          <a:chExt cx="0" cy="0"/>
+        </a:xfrm>
+      </p:grpSpPr>
+      <p:sp>
+        <p:nvSpPr>
+          <p:cNvPr id="2" name="Title 1">
+            <a:extLst>
+              <a:ext uri="{FF2B5EF4-FFF2-40B4-BE49-F238E27FC236}">
+                <a16:creationId xmlns:a16="http://schemas.microsoft.com/office/drawing/2014/main" id="{1E414968-5704-3D45-99C5-A24DAA164455}"/>
+              </a:ext>
+            </a:extLst>
+          </p:cNvPr>
+          <p:cNvSpPr>
+            <a:spLocks noGrp="1"/>
+          </p:cNvSpPr>
+          <p:nvPr>
+            <p:ph type="title"/>
+          </p:nvPr>
+        </p:nvSpPr>
+        <p:spPr>
+          <a:xfrm>
+            <a:off x="1451579" y="804519"/>
+            <a:ext cx="9603275" cy="1049235"/>
+          </a:xfrm>
+        </p:spPr>
+        <p:txBody>
+          <a:bodyPr>
+            <a:normAutofit/>
+          </a:bodyPr>
+          <a:lstStyle/>
+          <a:p>
+            <a:r>
+              <a:rPr lang="en-US" dirty="0"/>
+              <a:t>Balancing Act</a:t>
+            </a:r>
+          </a:p>
+        </p:txBody>
+      </p:sp>
+      <p:sp>
+        <p:nvSpPr>
+          <p:cNvPr id="3" name="Content Placeholder 2">
+            <a:extLst>
+              <a:ext uri="{FF2B5EF4-FFF2-40B4-BE49-F238E27FC236}">
+                <a16:creationId xmlns:a16="http://schemas.microsoft.com/office/drawing/2014/main" id="{80226497-CD43-634A-832F-9797A721769A}"/>
+              </a:ext>
+            </a:extLst>
+          </p:cNvPr>
+          <p:cNvSpPr>
+            <a:spLocks noGrp="1"/>
+          </p:cNvSpPr>
+          <p:nvPr>
+            <p:ph idx="1"/>
+          </p:nvPr>
+        </p:nvSpPr>
+        <p:spPr>
+          <a:xfrm>
+            <a:off x="1451579" y="2015734"/>
+            <a:ext cx="6195784" cy="4126649"/>
+          </a:xfrm>
+        </p:spPr>
+        <p:txBody>
+          <a:bodyPr>
+            <a:normAutofit/>
+          </a:bodyPr>
+          <a:lstStyle/>
+          <a:p>
+            <a:r>
+              <a:rPr lang="en-US" dirty="0"/>
+              <a:t>A good model requires a balance between Bias and Variance. </a:t>
+            </a:r>
+          </a:p>
+          <a:p>
+            <a:r>
+              <a:rPr lang="en-US" dirty="0"/>
+              <a:t>If we have too much bias our model won’t be adequately tailored to the data. </a:t>
+            </a:r>
+          </a:p>
+          <a:p>
+            <a:pPr lvl="1"/>
+            <a:r>
+              <a:rPr lang="en-US" dirty="0"/>
+              <a:t>Simple models have high bias.</a:t>
+            </a:r>
+          </a:p>
+          <a:p>
+            <a:r>
+              <a:rPr lang="en-US" dirty="0"/>
+              <a:t>If we have too much variance, the specific training sample data would impact the model’s predictions too much, and it may be wrong with different data. </a:t>
+            </a:r>
+          </a:p>
+          <a:p>
+            <a:pPr lvl="1"/>
+            <a:r>
+              <a:rPr lang="en-US" dirty="0"/>
+              <a:t>Complex models have high variance. </a:t>
+            </a:r>
+          </a:p>
+        </p:txBody>
+      </p:sp>
+      <p:pic>
+        <p:nvPicPr>
+          <p:cNvPr id="3074" name="Picture 2" descr="Red Panda, The NBA&amp;#39;s Legendary Acrobatic Halftime Act, Has No Plans To Hang  Up Her Unicycle | Complex">
+            <a:extLst>
+              <a:ext uri="{FF2B5EF4-FFF2-40B4-BE49-F238E27FC236}">
+                <a16:creationId xmlns:a16="http://schemas.microsoft.com/office/drawing/2014/main" id="{8494740D-4008-2544-AF9B-86667DC941E4}"/>
+              </a:ext>
+            </a:extLst>
+          </p:cNvPr>
+          <p:cNvPicPr>
+            <a:picLocks noChangeAspect="1" noChangeArrowheads="1"/>
+          </p:cNvPicPr>
+          <p:nvPr/>
+        </p:nvPicPr>
+        <p:blipFill>
+          <a:blip r:embed="rId2">
+            <a:extLst>
+              <a:ext uri="{28A0092B-C50C-407E-A947-70E740481C1C}">
+                <a14:useLocalDpi xmlns:a14="http://schemas.microsoft.com/office/drawing/2010/main" val="0"/>
+              </a:ext>
+            </a:extLst>
+          </a:blip>
+          <a:stretch>
+            <a:fillRect/>
+          </a:stretch>
+        </p:blipFill>
+        <p:spPr bwMode="auto">
+          <a:xfrm>
+            <a:off x="8543914" y="1853754"/>
+            <a:ext cx="3126918" cy="4755769"/>
+          </a:xfrm>
+          <a:prstGeom prst="rect">
+            <a:avLst/>
+          </a:prstGeom>
+          <a:noFill/>
+          <a:extLst>
+            <a:ext uri="{909E8E84-426E-40DD-AFC4-6F175D3DCCD1}">
+              <a14:hiddenFill xmlns:a14="http://schemas.microsoft.com/office/drawing/2010/main">
+                <a:solidFill>
+                  <a:srgbClr val="FFFFFF"/>
+                </a:solidFill>
+              </a14:hiddenFill>
+            </a:ext>
+          </a:extLst>
+        </p:spPr>
+      </p:pic>
+    </p:spTree>
+    <p:extLst>
+      <p:ext uri="{BB962C8B-B14F-4D97-AF65-F5344CB8AC3E}">
+        <p14:creationId xmlns:p14="http://schemas.microsoft.com/office/powerpoint/2010/main" val="2373458218"/>
+      </p:ext>
+    </p:extLst>
+  </p:cSld>
+  <p:clrMapOvr>
+    <a:masterClrMapping/>
+  </p:clrMapOvr>
+</p:sld>
+</file>
+
+<file path=ppt/slides/slide25.xml><?xml version="1.0" encoding="utf-8"?>
+<p:sld xmlns:a="http://schemas.openxmlformats.org/drawingml/2006/main" xmlns:r="http://schemas.openxmlformats.org/officeDocument/2006/relationships" xmlns:p="http://schemas.openxmlformats.org/presentationml/2006/main">
+  <p:cSld>
+    <p:spTree>
+      <p:nvGrpSpPr>
+        <p:cNvPr id="1" name=""/>
+        <p:cNvGrpSpPr/>
+        <p:nvPr/>
+      </p:nvGrpSpPr>
+      <p:grpSpPr>
+        <a:xfrm>
+          <a:off x="0" y="0"/>
+          <a:ext cx="0" cy="0"/>
+          <a:chOff x="0" y="0"/>
+          <a:chExt cx="0" cy="0"/>
+        </a:xfrm>
+      </p:grpSpPr>
+      <p:sp>
+        <p:nvSpPr>
+          <p:cNvPr id="2" name="Title 1">
+            <a:extLst>
+              <a:ext uri="{FF2B5EF4-FFF2-40B4-BE49-F238E27FC236}">
+                <a16:creationId xmlns:a16="http://schemas.microsoft.com/office/drawing/2014/main" id="{044B3C14-0A48-E34F-AB78-E75B9592D8AA}"/>
+              </a:ext>
+            </a:extLst>
+          </p:cNvPr>
+          <p:cNvSpPr>
+            <a:spLocks noGrp="1"/>
+          </p:cNvSpPr>
+          <p:nvPr>
+            <p:ph type="title"/>
+          </p:nvPr>
+        </p:nvSpPr>
+        <p:spPr/>
+        <p:txBody>
+          <a:bodyPr/>
+          <a:lstStyle/>
+          <a:p>
+            <a:r>
+              <a:rPr lang="en-US" dirty="0"/>
+              <a:t>Bias Variance Tradeoff</a:t>
+            </a:r>
+          </a:p>
+        </p:txBody>
+      </p:sp>
+      <p:sp>
+        <p:nvSpPr>
+          <p:cNvPr id="3" name="Content Placeholder 2">
+            <a:extLst>
+              <a:ext uri="{FF2B5EF4-FFF2-40B4-BE49-F238E27FC236}">
+                <a16:creationId xmlns:a16="http://schemas.microsoft.com/office/drawing/2014/main" id="{BE60FE15-B605-AC42-93FE-B5C6E3844D6A}"/>
+              </a:ext>
+            </a:extLst>
+          </p:cNvPr>
+          <p:cNvSpPr>
+            <a:spLocks noGrp="1"/>
+          </p:cNvSpPr>
+          <p:nvPr>
+            <p:ph idx="1"/>
+          </p:nvPr>
+        </p:nvSpPr>
+        <p:spPr/>
+        <p:txBody>
+          <a:bodyPr/>
+          <a:lstStyle/>
+          <a:p>
+            <a:endParaRPr lang="en-US"/>
+          </a:p>
+        </p:txBody>
+      </p:sp>
+      <p:pic>
+        <p:nvPicPr>
+          <p:cNvPr id="4098" name="Picture 2" descr="Bias-Variance Tradeoff in Machine Learning">
+            <a:extLst>
+              <a:ext uri="{FF2B5EF4-FFF2-40B4-BE49-F238E27FC236}">
+                <a16:creationId xmlns:a16="http://schemas.microsoft.com/office/drawing/2014/main" id="{F47D1370-D60E-E143-A3F6-B04390585842}"/>
+              </a:ext>
+            </a:extLst>
+          </p:cNvPr>
+          <p:cNvPicPr>
+            <a:picLocks noChangeAspect="1" noChangeArrowheads="1"/>
+          </p:cNvPicPr>
+          <p:nvPr/>
+        </p:nvPicPr>
+        <p:blipFill rotWithShape="1">
+          <a:blip r:embed="rId2">
+            <a:extLst>
+              <a:ext uri="{28A0092B-C50C-407E-A947-70E740481C1C}">
+                <a14:useLocalDpi xmlns:a14="http://schemas.microsoft.com/office/drawing/2010/main" val="0"/>
+              </a:ext>
+            </a:extLst>
+          </a:blip>
+          <a:srcRect t="4147"/>
+          <a:stretch/>
+        </p:blipFill>
+        <p:spPr bwMode="auto">
+          <a:xfrm>
+            <a:off x="2354316" y="1569308"/>
+            <a:ext cx="7797800" cy="5551028"/>
+          </a:xfrm>
+          <a:prstGeom prst="rect">
+            <a:avLst/>
+          </a:prstGeom>
+          <a:noFill/>
+          <a:extLst>
+            <a:ext uri="{909E8E84-426E-40DD-AFC4-6F175D3DCCD1}">
+              <a14:hiddenFill xmlns:a14="http://schemas.microsoft.com/office/drawing/2010/main">
+                <a:solidFill>
+                  <a:srgbClr val="FFFFFF"/>
+                </a:solidFill>
+              </a14:hiddenFill>
+            </a:ext>
+          </a:extLst>
+        </p:spPr>
+      </p:pic>
+    </p:spTree>
+    <p:extLst>
+      <p:ext uri="{BB962C8B-B14F-4D97-AF65-F5344CB8AC3E}">
+        <p14:creationId xmlns:p14="http://schemas.microsoft.com/office/powerpoint/2010/main" val="870501339"/>
+      </p:ext>
+    </p:extLst>
+  </p:cSld>
+  <p:clrMapOvr>
+    <a:masterClrMapping/>
+  </p:clrMapOvr>
+</p:sld>
+</file>
+
+<file path=ppt/slides/slide26.xml><?xml version="1.0" encoding="utf-8"?>
+<p:sld xmlns:a="http://schemas.openxmlformats.org/drawingml/2006/main" xmlns:r="http://schemas.openxmlformats.org/officeDocument/2006/relationships" xmlns:p="http://schemas.openxmlformats.org/presentationml/2006/main">
+  <p:cSld>
+    <p:spTree>
+      <p:nvGrpSpPr>
+        <p:cNvPr id="1" name=""/>
+        <p:cNvGrpSpPr/>
+        <p:nvPr/>
+      </p:nvGrpSpPr>
+      <p:grpSpPr>
+        <a:xfrm>
+          <a:off x="0" y="0"/>
+          <a:ext cx="0" cy="0"/>
+          <a:chOff x="0" y="0"/>
+          <a:chExt cx="0" cy="0"/>
+        </a:xfrm>
+      </p:grpSpPr>
+      <p:sp>
+        <p:nvSpPr>
+          <p:cNvPr id="2" name="Title 1">
+            <a:extLst>
+              <a:ext uri="{FF2B5EF4-FFF2-40B4-BE49-F238E27FC236}">
+                <a16:creationId xmlns:a16="http://schemas.microsoft.com/office/drawing/2014/main" id="{619C92F5-D063-594F-BED8-C9F8E5523234}"/>
+              </a:ext>
+            </a:extLst>
+          </p:cNvPr>
+          <p:cNvSpPr>
+            <a:spLocks noGrp="1"/>
+          </p:cNvSpPr>
+          <p:nvPr>
+            <p:ph type="title"/>
+          </p:nvPr>
+        </p:nvSpPr>
+        <p:spPr/>
+        <p:txBody>
+          <a:bodyPr/>
+          <a:lstStyle/>
+          <a:p>
+            <a:r>
+              <a:rPr lang="en-US" dirty="0"/>
+              <a:t>Finding the balance</a:t>
+            </a:r>
+          </a:p>
+        </p:txBody>
+      </p:sp>
+      <p:sp>
+        <p:nvSpPr>
+          <p:cNvPr id="3" name="Content Placeholder 2">
+            <a:extLst>
+              <a:ext uri="{FF2B5EF4-FFF2-40B4-BE49-F238E27FC236}">
+                <a16:creationId xmlns:a16="http://schemas.microsoft.com/office/drawing/2014/main" id="{9834105C-1D55-8846-B8C2-3478547EF8F1}"/>
+              </a:ext>
+            </a:extLst>
+          </p:cNvPr>
+          <p:cNvSpPr>
+            <a:spLocks noGrp="1"/>
+          </p:cNvSpPr>
+          <p:nvPr>
+            <p:ph idx="1"/>
+          </p:nvPr>
+        </p:nvSpPr>
+        <p:spPr>
+          <a:xfrm>
+            <a:off x="1451579" y="1938130"/>
+            <a:ext cx="9603275" cy="4115351"/>
+          </a:xfrm>
+        </p:spPr>
+        <p:txBody>
+          <a:bodyPr>
+            <a:normAutofit fontScale="92500" lnSpcReduction="20000"/>
+          </a:bodyPr>
+          <a:lstStyle/>
+          <a:p>
+            <a:r>
+              <a:rPr lang="en-US" dirty="0"/>
+              <a:t>ML algorithms are generally “greedy” – they’ll try to get as accurate as possible. </a:t>
+            </a:r>
+          </a:p>
+          <a:p>
+            <a:pPr lvl="1"/>
+            <a:r>
+              <a:rPr lang="en-US" dirty="0"/>
+              <a:t>E.g. a tree, without any limits, will try to make a model that perfectly fits training data. </a:t>
+            </a:r>
+          </a:p>
+          <a:p>
+            <a:r>
+              <a:rPr lang="en-US" dirty="0"/>
+              <a:t>Our goal is a model that is both accurate and generalizable. </a:t>
+            </a:r>
+          </a:p>
+          <a:p>
+            <a:r>
+              <a:rPr lang="en-US" dirty="0"/>
+              <a:t>We want this accuracy, but limit it to try to achieve the sweet spot.</a:t>
+            </a:r>
+          </a:p>
+          <a:p>
+            <a:r>
+              <a:rPr lang="en-US" dirty="0"/>
+              <a:t>How?</a:t>
+            </a:r>
+          </a:p>
+          <a:p>
+            <a:pPr lvl="1"/>
+            <a:r>
+              <a:rPr lang="en-US" dirty="0"/>
+              <a:t>Cross validation. </a:t>
+            </a:r>
+          </a:p>
+          <a:p>
+            <a:pPr lvl="1"/>
+            <a:r>
+              <a:rPr lang="en-US" dirty="0"/>
+              <a:t>Hyperparameter values with grid searching. </a:t>
+            </a:r>
+          </a:p>
+          <a:p>
+            <a:pPr lvl="1"/>
+            <a:r>
+              <a:rPr lang="en-US" dirty="0"/>
+              <a:t>Early stopping (big in neural networks).</a:t>
+            </a:r>
+          </a:p>
+          <a:p>
+            <a:pPr lvl="1"/>
+            <a:r>
+              <a:rPr lang="en-US" sz="3500" b="1" dirty="0"/>
+              <a:t>Regularization. (E.g. tree pruning and regularization in linear regression)…</a:t>
+            </a:r>
+          </a:p>
+        </p:txBody>
+      </p:sp>
+    </p:spTree>
+    <p:extLst>
+      <p:ext uri="{BB962C8B-B14F-4D97-AF65-F5344CB8AC3E}">
+        <p14:creationId xmlns:p14="http://schemas.microsoft.com/office/powerpoint/2010/main" val="3087082306"/>
+      </p:ext>
+    </p:extLst>
+  </p:cSld>
+  <p:clrMapOvr>
+    <a:masterClrMapping/>
+  </p:clrMapOvr>
+</p:sld>
+</file>
+
+<file path=ppt/slides/slide27.xml><?xml version="1.0" encoding="utf-8"?>
+<p:sld xmlns:a="http://schemas.openxmlformats.org/drawingml/2006/main" xmlns:r="http://schemas.openxmlformats.org/officeDocument/2006/relationships" xmlns:p="http://schemas.openxmlformats.org/presentationml/2006/main">
+  <p:cSld>
+    <p:spTree>
+      <p:nvGrpSpPr>
+        <p:cNvPr id="1" name=""/>
+        <p:cNvGrpSpPr/>
+        <p:nvPr/>
+      </p:nvGrpSpPr>
+      <p:grpSpPr>
+        <a:xfrm>
+          <a:off x="0" y="0"/>
+          <a:ext cx="0" cy="0"/>
+          <a:chOff x="0" y="0"/>
+          <a:chExt cx="0" cy="0"/>
+        </a:xfrm>
+      </p:grpSpPr>
+      <p:sp>
+        <p:nvSpPr>
+          <p:cNvPr id="2" name="Title 1">
+            <a:extLst>
+              <a:ext uri="{FF2B5EF4-FFF2-40B4-BE49-F238E27FC236}">
+                <a16:creationId xmlns:a16="http://schemas.microsoft.com/office/drawing/2014/main" id="{6BE05F88-1549-33BA-CC96-A487DA773841}"/>
+              </a:ext>
+            </a:extLst>
+          </p:cNvPr>
+          <p:cNvSpPr>
+            <a:spLocks noGrp="1"/>
+          </p:cNvSpPr>
+          <p:nvPr>
+            <p:ph type="title"/>
+          </p:nvPr>
+        </p:nvSpPr>
+        <p:spPr/>
+        <p:txBody>
+          <a:bodyPr/>
+          <a:lstStyle/>
+          <a:p>
+            <a:r>
+              <a:rPr lang="en-US" dirty="0"/>
+              <a:t>Regularization</a:t>
+            </a:r>
+          </a:p>
+        </p:txBody>
+      </p:sp>
+      <p:sp>
+        <p:nvSpPr>
+          <p:cNvPr id="3" name="Content Placeholder 2">
+            <a:extLst>
+              <a:ext uri="{FF2B5EF4-FFF2-40B4-BE49-F238E27FC236}">
+                <a16:creationId xmlns:a16="http://schemas.microsoft.com/office/drawing/2014/main" id="{B0F5B101-1F57-1A7E-8CD3-99C62AFC5961}"/>
+              </a:ext>
+            </a:extLst>
+          </p:cNvPr>
+          <p:cNvSpPr>
+            <a:spLocks noGrp="1"/>
+          </p:cNvSpPr>
+          <p:nvPr>
+            <p:ph idx="1"/>
+          </p:nvPr>
+        </p:nvSpPr>
+        <p:spPr/>
+        <p:txBody>
+          <a:bodyPr/>
+          <a:lstStyle/>
+          <a:p>
+            <a:endParaRPr lang="en-US"/>
+          </a:p>
+        </p:txBody>
+      </p:sp>
+      <p:pic>
+        <p:nvPicPr>
+          <p:cNvPr id="4098" name="Picture 2" descr="Metamucil Sugar Free Psyllium Fiber Powder, Orange, 36.8 oz. | Rite Aid">
+            <a:extLst>
+              <a:ext uri="{FF2B5EF4-FFF2-40B4-BE49-F238E27FC236}">
+                <a16:creationId xmlns:a16="http://schemas.microsoft.com/office/drawing/2014/main" id="{C68713DC-9F05-AA5F-D978-7E615EEEA681}"/>
+              </a:ext>
+            </a:extLst>
+          </p:cNvPr>
+          <p:cNvPicPr>
+            <a:picLocks noChangeAspect="1" noChangeArrowheads="1"/>
+          </p:cNvPicPr>
+          <p:nvPr/>
+        </p:nvPicPr>
+        <p:blipFill>
+          <a:blip r:embed="rId2">
+            <a:extLst>
+              <a:ext uri="{28A0092B-C50C-407E-A947-70E740481C1C}">
+                <a14:useLocalDpi xmlns:a14="http://schemas.microsoft.com/office/drawing/2010/main" val="0"/>
+              </a:ext>
+            </a:extLst>
+          </a:blip>
+          <a:srcRect/>
+          <a:stretch>
+            <a:fillRect/>
+          </a:stretch>
+        </p:blipFill>
+        <p:spPr bwMode="auto">
+          <a:xfrm>
+            <a:off x="4570466" y="2262823"/>
+            <a:ext cx="3365500" cy="3365500"/>
+          </a:xfrm>
+          <a:prstGeom prst="rect">
+            <a:avLst/>
+          </a:prstGeom>
+          <a:noFill/>
+          <a:extLst>
+            <a:ext uri="{909E8E84-426E-40DD-AFC4-6F175D3DCCD1}">
+              <a14:hiddenFill xmlns:a14="http://schemas.microsoft.com/office/drawing/2010/main">
+                <a:solidFill>
+                  <a:srgbClr val="FFFFFF"/>
+                </a:solidFill>
+              </a14:hiddenFill>
+            </a:ext>
+          </a:extLst>
+        </p:spPr>
+      </p:pic>
+    </p:spTree>
+    <p:extLst>
+      <p:ext uri="{BB962C8B-B14F-4D97-AF65-F5344CB8AC3E}">
+        <p14:creationId xmlns:p14="http://schemas.microsoft.com/office/powerpoint/2010/main" val="3600530791"/>
+      </p:ext>
+    </p:extLst>
+  </p:cSld>
+  <p:clrMapOvr>
+    <a:masterClrMapping/>
+  </p:clrMapOvr>
+</p:sld>
+</file>
+
+<file path=ppt/slides/slide28.xml><?xml version="1.0" encoding="utf-8"?>
+<p:sld xmlns:a="http://schemas.openxmlformats.org/drawingml/2006/main" xmlns:r="http://schemas.openxmlformats.org/officeDocument/2006/relationships" xmlns:p="http://schemas.openxmlformats.org/presentationml/2006/main">
+  <p:cSld>
+    <p:spTree>
+      <p:nvGrpSpPr>
+        <p:cNvPr id="1" name=""/>
+        <p:cNvGrpSpPr/>
+        <p:nvPr/>
+      </p:nvGrpSpPr>
+      <p:grpSpPr>
+        <a:xfrm>
+          <a:off x="0" y="0"/>
+          <a:ext cx="0" cy="0"/>
+          <a:chOff x="0" y="0"/>
+          <a:chExt cx="0" cy="0"/>
+        </a:xfrm>
+      </p:grpSpPr>
+      <p:sp>
+        <p:nvSpPr>
+          <p:cNvPr id="2" name="Title 1">
+            <a:extLst>
+              <a:ext uri="{FF2B5EF4-FFF2-40B4-BE49-F238E27FC236}">
+                <a16:creationId xmlns:a16="http://schemas.microsoft.com/office/drawing/2014/main" id="{3E33F207-3EBA-DF10-FB51-9255AD8A0FD0}"/>
+              </a:ext>
+            </a:extLst>
+          </p:cNvPr>
+          <p:cNvSpPr>
+            <a:spLocks noGrp="1"/>
+          </p:cNvSpPr>
+          <p:nvPr>
+            <p:ph type="title"/>
+          </p:nvPr>
+        </p:nvSpPr>
+        <p:spPr/>
+        <p:txBody>
+          <a:bodyPr/>
+          <a:lstStyle/>
+          <a:p>
+            <a:r>
+              <a:rPr lang="en-US" dirty="0"/>
+              <a:t>Regularization - CCP Alpha Pruning</a:t>
+            </a:r>
+          </a:p>
+        </p:txBody>
+      </p:sp>
+      <p:sp>
+        <p:nvSpPr>
+          <p:cNvPr id="3" name="Content Placeholder 2">
+            <a:extLst>
+              <a:ext uri="{FF2B5EF4-FFF2-40B4-BE49-F238E27FC236}">
+                <a16:creationId xmlns:a16="http://schemas.microsoft.com/office/drawing/2014/main" id="{093DEA8B-A838-1ED1-32AF-84910C136C6B}"/>
+              </a:ext>
+            </a:extLst>
+          </p:cNvPr>
+          <p:cNvSpPr>
+            <a:spLocks noGrp="1"/>
+          </p:cNvSpPr>
+          <p:nvPr>
+            <p:ph idx="1"/>
+          </p:nvPr>
+        </p:nvSpPr>
+        <p:spPr>
+          <a:xfrm>
+            <a:off x="5066271" y="1853754"/>
+            <a:ext cx="6956854" cy="4199727"/>
+          </a:xfrm>
+        </p:spPr>
+        <p:txBody>
+          <a:bodyPr>
+            <a:normAutofit/>
+          </a:bodyPr>
+          <a:lstStyle/>
+          <a:p>
+            <a:r>
+              <a:rPr lang="en-US" sz="2400" dirty="0"/>
+              <a:t>We saw regularization with trees – CCP Alpha pruning. </a:t>
+            </a:r>
+          </a:p>
+          <a:p>
+            <a:r>
+              <a:rPr lang="en-US" sz="2400" dirty="0"/>
+              <a:t>This worked by adding a penalty to the calculation of if the tree should split a node. </a:t>
+            </a:r>
+          </a:p>
+          <a:p>
+            <a:pPr lvl="1"/>
+            <a:r>
+              <a:rPr lang="en-US" sz="2000" dirty="0"/>
+              <a:t>The “error” increases as the model grows. (The penalty part of the error). </a:t>
+            </a:r>
+          </a:p>
+          <a:p>
+            <a:pPr lvl="1"/>
+            <a:r>
+              <a:rPr lang="en-US" sz="2000" dirty="0"/>
+              <a:t>A tree is better by being smaller, or more accurate. </a:t>
+            </a:r>
+          </a:p>
+          <a:p>
+            <a:r>
+              <a:rPr lang="en-US" sz="2200" dirty="0"/>
+              <a:t>Any growth must be ‘justified’ by overcoming the penalty for making the model larger. </a:t>
+            </a:r>
+          </a:p>
+        </p:txBody>
+      </p:sp>
+      <p:pic>
+        <p:nvPicPr>
+          <p:cNvPr id="5122" name="Picture 2" descr="Understanding Decision Trees and Cost Complexity Pruning | by Sumiran |  Medium">
+            <a:extLst>
+              <a:ext uri="{FF2B5EF4-FFF2-40B4-BE49-F238E27FC236}">
+                <a16:creationId xmlns:a16="http://schemas.microsoft.com/office/drawing/2014/main" id="{4296D870-A564-DE30-8E59-1CDFAAB10183}"/>
+              </a:ext>
+            </a:extLst>
+          </p:cNvPr>
+          <p:cNvPicPr>
+            <a:picLocks noChangeAspect="1" noChangeArrowheads="1"/>
+          </p:cNvPicPr>
+          <p:nvPr/>
+        </p:nvPicPr>
+        <p:blipFill>
+          <a:blip r:embed="rId2">
+            <a:extLst>
+              <a:ext uri="{28A0092B-C50C-407E-A947-70E740481C1C}">
+                <a14:useLocalDpi xmlns:a14="http://schemas.microsoft.com/office/drawing/2010/main" val="0"/>
+              </a:ext>
+            </a:extLst>
+          </a:blip>
+          <a:srcRect/>
+          <a:stretch>
+            <a:fillRect/>
+          </a:stretch>
+        </p:blipFill>
+        <p:spPr bwMode="auto">
+          <a:xfrm>
+            <a:off x="112587" y="2286240"/>
+            <a:ext cx="4953683" cy="2384537"/>
+          </a:xfrm>
+          <a:prstGeom prst="rect">
+            <a:avLst/>
+          </a:prstGeom>
+          <a:noFill/>
+          <a:extLst>
+            <a:ext uri="{909E8E84-426E-40DD-AFC4-6F175D3DCCD1}">
+              <a14:hiddenFill xmlns:a14="http://schemas.microsoft.com/office/drawing/2010/main">
+                <a:solidFill>
+                  <a:srgbClr val="FFFFFF"/>
+                </a:solidFill>
+              </a14:hiddenFill>
+            </a:ext>
+          </a:extLst>
+        </p:spPr>
+      </p:pic>
+    </p:spTree>
+    <p:extLst>
+      <p:ext uri="{BB962C8B-B14F-4D97-AF65-F5344CB8AC3E}">
+        <p14:creationId xmlns:p14="http://schemas.microsoft.com/office/powerpoint/2010/main" val="1097993042"/>
+      </p:ext>
+    </p:extLst>
+  </p:cSld>
+  <p:clrMapOvr>
+    <a:masterClrMapping/>
+  </p:clrMapOvr>
+</p:sld>
+</file>
+
+<file path=ppt/slides/slide29.xml><?xml version="1.0" encoding="utf-8"?>
+<p:sld xmlns:a="http://schemas.openxmlformats.org/drawingml/2006/main" xmlns:r="http://schemas.openxmlformats.org/officeDocument/2006/relationships" xmlns:p="http://schemas.openxmlformats.org/presentationml/2006/main">
+  <p:cSld>
+    <p:spTree>
+      <p:nvGrpSpPr>
+        <p:cNvPr id="1" name=""/>
+        <p:cNvGrpSpPr/>
+        <p:nvPr/>
+      </p:nvGrpSpPr>
+      <p:grpSpPr>
+        <a:xfrm>
+          <a:off x="0" y="0"/>
+          <a:ext cx="0" cy="0"/>
+          <a:chOff x="0" y="0"/>
+          <a:chExt cx="0" cy="0"/>
+        </a:xfrm>
+      </p:grpSpPr>
+      <p:sp>
+        <p:nvSpPr>
+          <p:cNvPr id="2" name="Title 1">
+            <a:extLst>
+              <a:ext uri="{FF2B5EF4-FFF2-40B4-BE49-F238E27FC236}">
+                <a16:creationId xmlns:a16="http://schemas.microsoft.com/office/drawing/2014/main" id="{66042784-5EB5-CB47-AFD4-16602CE0D9F8}"/>
+              </a:ext>
+            </a:extLst>
+          </p:cNvPr>
+          <p:cNvSpPr>
+            <a:spLocks noGrp="1"/>
+          </p:cNvSpPr>
+          <p:nvPr>
+            <p:ph type="title"/>
+          </p:nvPr>
+        </p:nvSpPr>
+        <p:spPr/>
+        <p:txBody>
+          <a:bodyPr/>
+          <a:lstStyle/>
+          <a:p>
+            <a:r>
+              <a:rPr lang="en-US" dirty="0"/>
+              <a:t>Recall - Regression Coefficients</a:t>
+            </a:r>
+          </a:p>
+        </p:txBody>
+      </p:sp>
+      <p:sp>
+        <p:nvSpPr>
+          <p:cNvPr id="3" name="Content Placeholder 2">
+            <a:extLst>
+              <a:ext uri="{FF2B5EF4-FFF2-40B4-BE49-F238E27FC236}">
+                <a16:creationId xmlns:a16="http://schemas.microsoft.com/office/drawing/2014/main" id="{7B39445E-A84C-BA43-9326-CF3597F5158B}"/>
+              </a:ext>
+            </a:extLst>
+          </p:cNvPr>
+          <p:cNvSpPr>
+            <a:spLocks noGrp="1"/>
+          </p:cNvSpPr>
+          <p:nvPr>
+            <p:ph idx="1"/>
+          </p:nvPr>
+        </p:nvSpPr>
+        <p:spPr>
+          <a:xfrm>
+            <a:off x="1451579" y="2015732"/>
+            <a:ext cx="9603275" cy="3957685"/>
+          </a:xfrm>
+        </p:spPr>
+        <p:txBody>
+          <a:bodyPr/>
+          <a:lstStyle/>
+          <a:p>
+            <a:r>
+              <a:rPr lang="en-US" dirty="0"/>
+              <a:t>The regression process, closed form or gradient descent, finds coefficients. </a:t>
+            </a:r>
+          </a:p>
+          <a:p>
+            <a:pPr lvl="1"/>
+            <a:r>
+              <a:rPr lang="en-US" dirty="0"/>
+              <a:t>E.g. y = m1*x1 + m2*x2 +…. B</a:t>
+            </a:r>
+          </a:p>
+          <a:p>
+            <a:pPr lvl="1"/>
+            <a:r>
+              <a:rPr lang="en-US" dirty="0"/>
+              <a:t>The process determines those m values, and the b. </a:t>
+            </a:r>
+          </a:p>
+          <a:p>
+            <a:r>
+              <a:rPr lang="en-US" dirty="0"/>
+              <a:t>The larger a coefficient is, the more impact that term has in the prediction. </a:t>
+            </a:r>
+          </a:p>
+          <a:p>
+            <a:r>
+              <a:rPr lang="en-US" dirty="0"/>
+              <a:t>The algorithm finds these coefficients by determining what set of them minimizes the squared residuals. </a:t>
+            </a:r>
+          </a:p>
+          <a:p>
+            <a:pPr lvl="1"/>
+            <a:r>
+              <a:rPr lang="en-US" dirty="0"/>
+              <a:t>Our new friend the cost function!</a:t>
+            </a:r>
+          </a:p>
+          <a:p>
+            <a:pPr lvl="1"/>
+            <a:r>
+              <a:rPr lang="en-US" dirty="0"/>
+              <a:t>Gradient descent looks for the best set of coefficients it can find. </a:t>
+            </a:r>
+          </a:p>
+        </p:txBody>
+      </p:sp>
+    </p:spTree>
+    <p:extLst>
+      <p:ext uri="{BB962C8B-B14F-4D97-AF65-F5344CB8AC3E}">
+        <p14:creationId xmlns:p14="http://schemas.microsoft.com/office/powerpoint/2010/main" val="1375418648"/>
+      </p:ext>
+    </p:extLst>
+  </p:cSld>
+  <p:clrMapOvr>
+    <a:masterClrMapping/>
+  </p:clrMapOvr>
+</p:sld>
+</file>
+
+<file path=ppt/slides/slide3.xml><?xml version="1.0" encoding="utf-8"?>
+<p:sld xmlns:a="http://schemas.openxmlformats.org/drawingml/2006/main" xmlns:r="http://schemas.openxmlformats.org/officeDocument/2006/relationships" xmlns:p="http://schemas.openxmlformats.org/presentationml/2006/main" show="0">
+  <p:cSld>
+    <p:bg>
+      <p:bgPr>
+        <a:gradFill rotWithShape="1">
+          <a:gsLst>
+            <a:gs pos="0">
+              <a:schemeClr val="bg2">
+                <a:tint val="94000"/>
+                <a:satMod val="80000"/>
+                <a:lumMod val="106000"/>
+              </a:schemeClr>
+            </a:gs>
+            <a:gs pos="100000">
+              <a:schemeClr val="bg2">
+                <a:shade val="80000"/>
+              </a:schemeClr>
+            </a:gs>
+          </a:gsLst>
+          <a:path path="circle">
+            <a:fillToRect l="43000" r="43000" b="100000"/>
+          </a:path>
+        </a:gradFill>
+        <a:effectLst/>
+      </p:bgPr>
+    </p:bg>
+    <p:spTree>
+      <p:nvGrpSpPr>
+        <p:cNvPr id="1" name=""/>
+        <p:cNvGrpSpPr/>
+        <p:nvPr/>
+      </p:nvGrpSpPr>
+      <p:grpSpPr>
+        <a:xfrm>
+          <a:off x="0" y="0"/>
+          <a:ext cx="0" cy="0"/>
+          <a:chOff x="0" y="0"/>
+          <a:chExt cx="0" cy="0"/>
+        </a:xfrm>
+      </p:grpSpPr>
+      <p:sp>
+        <p:nvSpPr>
+          <p:cNvPr id="2" name="Title 1">
+            <a:extLst>
+              <a:ext uri="{FF2B5EF4-FFF2-40B4-BE49-F238E27FC236}">
+                <a16:creationId xmlns:a16="http://schemas.microsoft.com/office/drawing/2014/main" id="{69BAE932-6866-9A4C-4407-7B7F14EE00DB}"/>
+              </a:ext>
+            </a:extLst>
+          </p:cNvPr>
+          <p:cNvSpPr>
+            <a:spLocks noGrp="1"/>
+          </p:cNvSpPr>
+          <p:nvPr>
+            <p:ph type="title"/>
+          </p:nvPr>
+        </p:nvSpPr>
+        <p:spPr>
+          <a:xfrm>
+            <a:off x="1451579" y="804519"/>
+            <a:ext cx="9603275" cy="1049235"/>
+          </a:xfrm>
+        </p:spPr>
+        <p:txBody>
+          <a:bodyPr>
+            <a:normAutofit/>
+          </a:bodyPr>
+          <a:lstStyle/>
+          <a:p>
+            <a:r>
+              <a:rPr lang="en-US" dirty="0"/>
+              <a:t>Why is Data missing?</a:t>
+            </a:r>
+          </a:p>
+        </p:txBody>
+      </p:sp>
+      <p:sp>
+        <p:nvSpPr>
+          <p:cNvPr id="3" name="Content Placeholder 2">
+            <a:extLst>
+              <a:ext uri="{FF2B5EF4-FFF2-40B4-BE49-F238E27FC236}">
+                <a16:creationId xmlns:a16="http://schemas.microsoft.com/office/drawing/2014/main" id="{6EB78903-89B7-A156-F376-92EF71F34FC3}"/>
+              </a:ext>
+            </a:extLst>
+          </p:cNvPr>
+          <p:cNvSpPr>
+            <a:spLocks noGrp="1"/>
+          </p:cNvSpPr>
+          <p:nvPr>
+            <p:ph idx="1"/>
+          </p:nvPr>
+        </p:nvSpPr>
+        <p:spPr>
+          <a:xfrm>
+            <a:off x="1451579" y="1928192"/>
+            <a:ext cx="5622284" cy="4125290"/>
+          </a:xfrm>
+        </p:spPr>
+        <p:txBody>
+          <a:bodyPr>
+            <a:normAutofit/>
+          </a:bodyPr>
+          <a:lstStyle/>
+          <a:p>
+            <a:r>
+              <a:rPr lang="en-US" dirty="0"/>
+              <a:t>Data can be missing for several reasons.</a:t>
+            </a:r>
+          </a:p>
+          <a:p>
+            <a:r>
+              <a:rPr lang="en-US" dirty="0"/>
+              <a:t>Missing at Random:</a:t>
+            </a:r>
+          </a:p>
+          <a:p>
+            <a:pPr lvl="1"/>
+            <a:r>
+              <a:rPr lang="en-US" dirty="0"/>
+              <a:t>Things missing are partially dependent on </a:t>
+            </a:r>
+            <a:r>
+              <a:rPr lang="en-US" i="1" dirty="0"/>
+              <a:t>other</a:t>
+            </a:r>
+            <a:r>
+              <a:rPr lang="en-US" dirty="0"/>
+              <a:t> values in the data. </a:t>
+            </a:r>
+          </a:p>
+          <a:p>
+            <a:r>
+              <a:rPr lang="en-US" dirty="0"/>
+              <a:t>Missing Completely at Random:</a:t>
+            </a:r>
+          </a:p>
+          <a:p>
+            <a:pPr lvl="1"/>
+            <a:r>
+              <a:rPr lang="en-US" dirty="0"/>
+              <a:t>This is totally random missing values. </a:t>
+            </a:r>
+          </a:p>
+          <a:p>
+            <a:r>
+              <a:rPr lang="en-US" dirty="0"/>
+              <a:t>Missing not at Random:</a:t>
+            </a:r>
+          </a:p>
+          <a:p>
+            <a:pPr lvl="1"/>
+            <a:r>
+              <a:rPr lang="en-US" dirty="0"/>
+              <a:t>Things missing are depending on </a:t>
+            </a:r>
+            <a:r>
+              <a:rPr lang="en-US" i="1" dirty="0"/>
+              <a:t>their</a:t>
+            </a:r>
+            <a:r>
+              <a:rPr lang="en-US" dirty="0"/>
+              <a:t> values in the data. </a:t>
+            </a:r>
+          </a:p>
+        </p:txBody>
+      </p:sp>
+      <p:pic>
+        <p:nvPicPr>
+          <p:cNvPr id="1026" name="Picture 2">
+            <a:extLst>
+              <a:ext uri="{FF2B5EF4-FFF2-40B4-BE49-F238E27FC236}">
+                <a16:creationId xmlns:a16="http://schemas.microsoft.com/office/drawing/2014/main" id="{5EF0C328-96A8-21C0-A11F-A6D9676282B6}"/>
+              </a:ext>
+            </a:extLst>
+          </p:cNvPr>
+          <p:cNvPicPr>
+            <a:picLocks noChangeAspect="1" noChangeArrowheads="1"/>
+          </p:cNvPicPr>
+          <p:nvPr/>
+        </p:nvPicPr>
+        <p:blipFill>
+          <a:blip r:embed="rId2">
+            <a:extLst>
+              <a:ext uri="{28A0092B-C50C-407E-A947-70E740481C1C}">
+                <a14:useLocalDpi xmlns:a14="http://schemas.microsoft.com/office/drawing/2010/main" val="0"/>
+              </a:ext>
+            </a:extLst>
+          </a:blip>
+          <a:stretch>
+            <a:fillRect/>
+          </a:stretch>
+        </p:blipFill>
+        <p:spPr bwMode="auto">
+          <a:xfrm>
+            <a:off x="7554139" y="2103484"/>
+            <a:ext cx="4606539" cy="4309673"/>
+          </a:xfrm>
+          <a:prstGeom prst="rect">
+            <a:avLst/>
+          </a:prstGeom>
+          <a:noFill/>
+          <a:extLst>
+            <a:ext uri="{909E8E84-426E-40DD-AFC4-6F175D3DCCD1}">
+              <a14:hiddenFill xmlns:a14="http://schemas.microsoft.com/office/drawing/2010/main">
+                <a:solidFill>
+                  <a:srgbClr val="FFFFFF"/>
+                </a:solidFill>
+              </a14:hiddenFill>
+            </a:ext>
+          </a:extLst>
+        </p:spPr>
+      </p:pic>
+    </p:spTree>
+    <p:extLst>
+      <p:ext uri="{BB962C8B-B14F-4D97-AF65-F5344CB8AC3E}">
+        <p14:creationId xmlns:p14="http://schemas.microsoft.com/office/powerpoint/2010/main" val="4060162916"/>
+      </p:ext>
+    </p:extLst>
+  </p:cSld>
+  <p:clrMapOvr>
+    <a:masterClrMapping/>
+  </p:clrMapOvr>
+</p:sld>
+</file>
+
+<file path=ppt/slides/slide30.xml><?xml version="1.0" encoding="utf-8"?>
+<p:sld xmlns:a="http://schemas.openxmlformats.org/drawingml/2006/main" xmlns:r="http://schemas.openxmlformats.org/officeDocument/2006/relationships" xmlns:p="http://schemas.openxmlformats.org/presentationml/2006/main">
+  <p:cSld>
+    <p:spTree>
+      <p:nvGrpSpPr>
+        <p:cNvPr id="1" name=""/>
+        <p:cNvGrpSpPr/>
+        <p:nvPr/>
+      </p:nvGrpSpPr>
+      <p:grpSpPr>
+        <a:xfrm>
+          <a:off x="0" y="0"/>
+          <a:ext cx="0" cy="0"/>
+          <a:chOff x="0" y="0"/>
+          <a:chExt cx="0" cy="0"/>
+        </a:xfrm>
+      </p:grpSpPr>
+      <p:sp>
+        <p:nvSpPr>
+          <p:cNvPr id="2" name="Title 1">
+            <a:extLst>
+              <a:ext uri="{FF2B5EF4-FFF2-40B4-BE49-F238E27FC236}">
                 <a16:creationId xmlns:a16="http://schemas.microsoft.com/office/drawing/2014/main" id="{9B4F2059-D369-7142-9F54-290684D5010A}"/>
               </a:ext>
             </a:extLst>
@@ -4337,8 +7459,8 @@
         </p:nvSpPr>
         <p:spPr>
           <a:xfrm>
-            <a:off x="1451579" y="2015732"/>
-            <a:ext cx="9603275" cy="4199717"/>
+            <a:off x="1451579" y="1853754"/>
+            <a:ext cx="9603275" cy="4308507"/>
           </a:xfrm>
         </p:spPr>
         <p:txBody>
@@ -4361,7 +7483,7 @@
           <a:p>
             <a:r>
               <a:rPr lang="en-US" dirty="0"/>
-              <a:t>Now the regression algorithm isn’t minimizing the residual squared error, it is minimizing the new cost. </a:t>
+              <a:t>Now the regression algorithm isn’t minimizing the residual squared error, it is minimizing the new cost – error + penalty. </a:t>
             </a:r>
           </a:p>
           <a:p>
@@ -4422,7 +7544,7 @@
 </p:sld>
 </file>
 
-<file path=ppt/slides/slide15.xml><?xml version="1.0" encoding="utf-8"?>
+<file path=ppt/slides/slide31.xml><?xml version="1.0" encoding="utf-8"?>
 <p:sld xmlns:a="http://schemas.openxmlformats.org/drawingml/2006/main" xmlns:r="http://schemas.openxmlformats.org/officeDocument/2006/relationships" xmlns:p="http://schemas.openxmlformats.org/presentationml/2006/main">
   <p:cSld>
     <p:bg>
@@ -4884,7 +8006,323 @@
 </p:sld>
 </file>
 
-<file path=ppt/slides/slide16.xml><?xml version="1.0" encoding="utf-8"?>
+<file path=ppt/slides/slide32.xml><?xml version="1.0" encoding="utf-8"?>
+<p:sld xmlns:a="http://schemas.openxmlformats.org/drawingml/2006/main" xmlns:r="http://schemas.openxmlformats.org/officeDocument/2006/relationships" xmlns:p="http://schemas.openxmlformats.org/presentationml/2006/main">
+  <p:cSld>
+    <p:spTree>
+      <p:nvGrpSpPr>
+        <p:cNvPr id="1" name=""/>
+        <p:cNvGrpSpPr/>
+        <p:nvPr/>
+      </p:nvGrpSpPr>
+      <p:grpSpPr>
+        <a:xfrm>
+          <a:off x="0" y="0"/>
+          <a:ext cx="0" cy="0"/>
+          <a:chOff x="0" y="0"/>
+          <a:chExt cx="0" cy="0"/>
+        </a:xfrm>
+      </p:grpSpPr>
+      <p:sp>
+        <p:nvSpPr>
+          <p:cNvPr id="2" name="Title 1">
+            <a:extLst>
+              <a:ext uri="{FF2B5EF4-FFF2-40B4-BE49-F238E27FC236}">
+                <a16:creationId xmlns:a16="http://schemas.microsoft.com/office/drawing/2014/main" id="{781B095A-1ED3-9549-923B-8DF3BC4910F4}"/>
+              </a:ext>
+            </a:extLst>
+          </p:cNvPr>
+          <p:cNvSpPr>
+            <a:spLocks noGrp="1"/>
+          </p:cNvSpPr>
+          <p:nvPr>
+            <p:ph type="title"/>
+          </p:nvPr>
+        </p:nvSpPr>
+        <p:spPr/>
+        <p:txBody>
+          <a:bodyPr/>
+          <a:lstStyle/>
+          <a:p>
+            <a:r>
+              <a:rPr lang="en-US" dirty="0"/>
+              <a:t>Cost and Loss</a:t>
+            </a:r>
+          </a:p>
+        </p:txBody>
+      </p:sp>
+      <p:sp>
+        <p:nvSpPr>
+          <p:cNvPr id="3" name="Content Placeholder 2">
+            <a:extLst>
+              <a:ext uri="{FF2B5EF4-FFF2-40B4-BE49-F238E27FC236}">
+                <a16:creationId xmlns:a16="http://schemas.microsoft.com/office/drawing/2014/main" id="{E8BB28E1-8077-78D9-F634-1265417DD79A}"/>
+              </a:ext>
+            </a:extLst>
+          </p:cNvPr>
+          <p:cNvSpPr>
+            <a:spLocks noGrp="1"/>
+          </p:cNvSpPr>
+          <p:nvPr>
+            <p:ph idx="1"/>
+          </p:nvPr>
+        </p:nvSpPr>
+        <p:spPr>
+          <a:xfrm>
+            <a:off x="1451579" y="2015732"/>
+            <a:ext cx="9603275" cy="4037749"/>
+          </a:xfrm>
+        </p:spPr>
+        <p:txBody>
+          <a:bodyPr/>
+          <a:lstStyle/>
+          <a:p>
+            <a:r>
+              <a:rPr lang="en-US" dirty="0"/>
+              <a:t>The cost function is what the model is optimizing to. </a:t>
+            </a:r>
+          </a:p>
+          <a:p>
+            <a:r>
+              <a:rPr lang="en-US" dirty="0"/>
+              <a:t>Cost is often referred to as loss (and a loss function). </a:t>
+            </a:r>
+          </a:p>
+          <a:p>
+            <a:r>
+              <a:rPr lang="en-US" dirty="0"/>
+              <a:t>The two are pretty much interchange in common usage, but technically different:</a:t>
+            </a:r>
+          </a:p>
+          <a:p>
+            <a:pPr lvl="1"/>
+            <a:r>
+              <a:rPr lang="en-US" dirty="0"/>
+              <a:t>Loss is one example – i.e. there’s this much loss in one prediction. </a:t>
+            </a:r>
+          </a:p>
+          <a:p>
+            <a:pPr lvl="1"/>
+            <a:r>
+              <a:rPr lang="en-US" dirty="0"/>
+              <a:t>Cost is the entire dataset – there’s this much loss in all predictions.  </a:t>
+            </a:r>
+          </a:p>
+          <a:p>
+            <a:r>
+              <a:rPr lang="en-US" dirty="0"/>
+              <a:t>Some books, and especially the internet, will use them interchangeably – that’s fine. </a:t>
+            </a:r>
+          </a:p>
+        </p:txBody>
+      </p:sp>
+    </p:spTree>
+    <p:extLst>
+      <p:ext uri="{BB962C8B-B14F-4D97-AF65-F5344CB8AC3E}">
+        <p14:creationId xmlns:p14="http://schemas.microsoft.com/office/powerpoint/2010/main" val="1301914117"/>
+      </p:ext>
+    </p:extLst>
+  </p:cSld>
+  <p:clrMapOvr>
+    <a:masterClrMapping/>
+  </p:clrMapOvr>
+</p:sld>
+</file>
+
+<file path=ppt/slides/slide33.xml><?xml version="1.0" encoding="utf-8"?>
+<p:sld xmlns:a="http://schemas.openxmlformats.org/drawingml/2006/main" xmlns:r="http://schemas.openxmlformats.org/officeDocument/2006/relationships" xmlns:p="http://schemas.openxmlformats.org/presentationml/2006/main">
+  <p:cSld>
+    <p:spTree>
+      <p:nvGrpSpPr>
+        <p:cNvPr id="1" name=""/>
+        <p:cNvGrpSpPr/>
+        <p:nvPr/>
+      </p:nvGrpSpPr>
+      <p:grpSpPr>
+        <a:xfrm>
+          <a:off x="0" y="0"/>
+          <a:ext cx="0" cy="0"/>
+          <a:chOff x="0" y="0"/>
+          <a:chExt cx="0" cy="0"/>
+        </a:xfrm>
+      </p:grpSpPr>
+      <p:sp>
+        <p:nvSpPr>
+          <p:cNvPr id="2" name="Title 1">
+            <a:extLst>
+              <a:ext uri="{FF2B5EF4-FFF2-40B4-BE49-F238E27FC236}">
+                <a16:creationId xmlns:a16="http://schemas.microsoft.com/office/drawing/2014/main" id="{BF80F527-FEAC-6046-A64E-489FD1E6AAD1}"/>
+              </a:ext>
+            </a:extLst>
+          </p:cNvPr>
+          <p:cNvSpPr>
+            <a:spLocks noGrp="1"/>
+          </p:cNvSpPr>
+          <p:nvPr>
+            <p:ph type="title"/>
+          </p:nvPr>
+        </p:nvSpPr>
+        <p:spPr/>
+        <p:txBody>
+          <a:bodyPr/>
+          <a:lstStyle/>
+          <a:p>
+            <a:r>
+              <a:rPr lang="en-US" dirty="0"/>
+              <a:t>Loss and you!</a:t>
+            </a:r>
+          </a:p>
+        </p:txBody>
+      </p:sp>
+      <p:sp>
+        <p:nvSpPr>
+          <p:cNvPr id="3" name="Content Placeholder 2">
+            <a:extLst>
+              <a:ext uri="{FF2B5EF4-FFF2-40B4-BE49-F238E27FC236}">
+                <a16:creationId xmlns:a16="http://schemas.microsoft.com/office/drawing/2014/main" id="{8452B686-2CF2-7B51-7F5B-6F4D9F74F52C}"/>
+              </a:ext>
+            </a:extLst>
+          </p:cNvPr>
+          <p:cNvSpPr>
+            <a:spLocks noGrp="1"/>
+          </p:cNvSpPr>
+          <p:nvPr>
+            <p:ph idx="1"/>
+          </p:nvPr>
+        </p:nvSpPr>
+        <p:spPr>
+          <a:xfrm>
+            <a:off x="210065" y="1853754"/>
+            <a:ext cx="10844789" cy="4199727"/>
+          </a:xfrm>
+        </p:spPr>
+        <p:txBody>
+          <a:bodyPr/>
+          <a:lstStyle/>
+          <a:p>
+            <a:r>
+              <a:rPr lang="en-US" dirty="0"/>
+              <a:t>This cost function is key to machine learning. </a:t>
+            </a:r>
+          </a:p>
+          <a:p>
+            <a:pPr lvl="1"/>
+            <a:r>
+              <a:rPr lang="en-US" dirty="0"/>
+              <a:t>The cost function defines the ‘goodness’ of a model. </a:t>
+            </a:r>
+          </a:p>
+          <a:p>
+            <a:pPr lvl="1"/>
+            <a:r>
+              <a:rPr lang="en-US" dirty="0"/>
+              <a:t>The algorithm tries to maximize that metric of goodness. </a:t>
+            </a:r>
+          </a:p>
+          <a:p>
+            <a:r>
+              <a:rPr lang="en-US" dirty="0"/>
+              <a:t>In a tree the cost was the entropy or </a:t>
+            </a:r>
+            <a:r>
+              <a:rPr lang="en-US" dirty="0" err="1"/>
+              <a:t>gini</a:t>
+            </a:r>
+            <a:r>
+              <a:rPr lang="en-US" dirty="0"/>
+              <a:t> – the algorithm tries to minimize. </a:t>
+            </a:r>
+          </a:p>
+          <a:p>
+            <a:r>
+              <a:rPr lang="en-US" dirty="0"/>
+              <a:t>In a linear regression the cost is (usually) MSE – the algorithm tries to minimize. </a:t>
+            </a:r>
+          </a:p>
+          <a:p>
+            <a:r>
+              <a:rPr lang="en-US" dirty="0"/>
+              <a:t>In a regularized model, the processes stay the same, but the cost function changes. </a:t>
+            </a:r>
+          </a:p>
+          <a:p>
+            <a:pPr lvl="1"/>
+            <a:r>
+              <a:rPr lang="en-US" dirty="0"/>
+              <a:t>The optimization is for the lowest ‘total cost’ – i.e. cost + penalty. </a:t>
+            </a:r>
+          </a:p>
+          <a:p>
+            <a:r>
+              <a:rPr lang="en-US" dirty="0"/>
+              <a:t>This buffers the model adapting to the data – it directly slows learning (and overfitting). </a:t>
+            </a:r>
+          </a:p>
+          <a:p>
+            <a:pPr lvl="1"/>
+            <a:endParaRPr lang="en-US" dirty="0"/>
+          </a:p>
+        </p:txBody>
+      </p:sp>
+      <p:pic>
+        <p:nvPicPr>
+          <p:cNvPr id="7172" name="Picture 4" descr="ML Series 7: Regularization in Regression: Tackling Overfitting for  Enhanced Model Performance | by Sahin Ahmed, Data Scientist | Medium">
+            <a:extLst>
+              <a:ext uri="{FF2B5EF4-FFF2-40B4-BE49-F238E27FC236}">
+                <a16:creationId xmlns:a16="http://schemas.microsoft.com/office/drawing/2014/main" id="{2823B13D-8CAD-A108-90F3-08896B6627D4}"/>
+              </a:ext>
+            </a:extLst>
+          </p:cNvPr>
+          <p:cNvPicPr>
+            <a:picLocks noChangeAspect="1" noChangeArrowheads="1"/>
+          </p:cNvPicPr>
+          <p:nvPr/>
+        </p:nvPicPr>
+        <p:blipFill rotWithShape="1">
+          <a:blip r:embed="rId2">
+            <a:extLst>
+              <a:ext uri="{28A0092B-C50C-407E-A947-70E740481C1C}">
+                <a14:useLocalDpi xmlns:a14="http://schemas.microsoft.com/office/drawing/2010/main" val="0"/>
+              </a:ext>
+            </a:extLst>
+          </a:blip>
+          <a:srcRect l="6082" t="8829" r="9760" b="6307"/>
+          <a:stretch/>
+        </p:blipFill>
+        <p:spPr bwMode="auto">
+          <a:xfrm>
+            <a:off x="6734408" y="0"/>
+            <a:ext cx="5457592" cy="3138616"/>
+          </a:xfrm>
+          <a:prstGeom prst="rect">
+            <a:avLst/>
+          </a:prstGeom>
+          <a:noFill/>
+          <a:extLst>
+            <a:ext uri="{909E8E84-426E-40DD-AFC4-6F175D3DCCD1}">
+              <a14:hiddenFill xmlns:a14="http://schemas.microsoft.com/office/drawing/2010/main">
+                <a:solidFill>
+                  <a:srgbClr val="FFFFFF"/>
+                </a:solidFill>
+              </a14:hiddenFill>
+            </a:ext>
+          </a:extLst>
+        </p:spPr>
+      </p:pic>
+    </p:spTree>
+    <p:extLst>
+      <p:ext uri="{BB962C8B-B14F-4D97-AF65-F5344CB8AC3E}">
+        <p14:creationId xmlns:p14="http://schemas.microsoft.com/office/powerpoint/2010/main" val="2532818083"/>
+      </p:ext>
+    </p:extLst>
+  </p:cSld>
+  <p:clrMapOvr>
+    <a:masterClrMapping/>
+  </p:clrMapOvr>
+</p:sld>
+</file>
+
+<file path=ppt/slides/slide34.xml><?xml version="1.0" encoding="utf-8"?>
 <p:sld xmlns:a="http://schemas.openxmlformats.org/drawingml/2006/main" xmlns:r="http://schemas.openxmlformats.org/officeDocument/2006/relationships" xmlns:p="http://schemas.openxmlformats.org/presentationml/2006/main">
   <p:cSld>
     <p:bg>
@@ -5160,8 +8598,8 @@
         </p:nvSpPr>
         <p:spPr>
           <a:xfrm>
-            <a:off x="1451581" y="2015732"/>
-            <a:ext cx="4172212" cy="3450613"/>
+            <a:off x="111213" y="2421924"/>
+            <a:ext cx="4231972" cy="3631554"/>
           </a:xfrm>
         </p:spPr>
         <p:txBody>
@@ -5170,54 +8608,44 @@
           </a:bodyPr>
           <a:lstStyle/>
           <a:p>
-            <a:endParaRPr lang="en-US"/>
-          </a:p>
-        </p:txBody>
-      </p:sp>
-      <p:pic>
-        <p:nvPicPr>
-          <p:cNvPr id="5124" name="Picture 4" descr="A Deep Dive into Regularization. I was recently brushing up on basics of… |  by Divakar Kapil | uWaterloo Voice | Medium">
-            <a:extLst>
-              <a:ext uri="{FF2B5EF4-FFF2-40B4-BE49-F238E27FC236}">
-                <a16:creationId xmlns:a16="http://schemas.microsoft.com/office/drawing/2014/main" id="{FCDEF449-A0C2-5C4C-B805-9EBCCF9D5569}"/>
-              </a:ext>
-            </a:extLst>
-          </p:cNvPr>
-          <p:cNvPicPr>
-            <a:picLocks noChangeAspect="1" noChangeArrowheads="1"/>
-          </p:cNvPicPr>
-          <p:nvPr/>
-        </p:nvPicPr>
-        <p:blipFill rotWithShape="1">
-          <a:blip r:embed="rId2">
-            <a:extLst>
-              <a:ext uri="{28A0092B-C50C-407E-A947-70E740481C1C}">
-                <a14:useLocalDpi xmlns:a14="http://schemas.microsoft.com/office/drawing/2010/main" val="0"/>
-              </a:ext>
-            </a:extLst>
-          </a:blip>
-          <a:stretch/>
-        </p:blipFill>
-        <p:spPr bwMode="auto">
-          <a:xfrm>
-            <a:off x="2865216" y="296565"/>
-            <a:ext cx="9277356" cy="6053472"/>
-          </a:xfrm>
-          <a:prstGeom prst="rect">
-            <a:avLst/>
-          </a:prstGeom>
-          <a:noFill/>
-          <a:extLst>
-            <a:ext uri="{909E8E84-426E-40DD-AFC4-6F175D3DCCD1}">
-              <a14:hiddenFill xmlns:a14="http://schemas.microsoft.com/office/drawing/2010/main">
-                <a:solidFill>
-                  <a:srgbClr val="FFFFFF"/>
-                </a:solidFill>
-              </a14:hiddenFill>
-            </a:ext>
-          </a:extLst>
-        </p:spPr>
-      </p:pic>
+            <a:r>
+              <a:rPr lang="en-US" dirty="0"/>
+              <a:t>There are two parameters in model.</a:t>
+            </a:r>
+          </a:p>
+          <a:p>
+            <a:r>
+              <a:rPr lang="en-US" dirty="0"/>
+              <a:t>The optimal MSE values are the dot. </a:t>
+            </a:r>
+          </a:p>
+          <a:p>
+            <a:r>
+              <a:rPr lang="en-US" dirty="0"/>
+              <a:t>The optimal penalty values are 0. </a:t>
+            </a:r>
+          </a:p>
+          <a:p>
+            <a:r>
+              <a:rPr lang="en-US" dirty="0"/>
+              <a:t>The algorithm increments both to be ‘worse’ (farther from optimal). </a:t>
+            </a:r>
+          </a:p>
+          <a:p>
+            <a:r>
+              <a:rPr lang="en-US" dirty="0"/>
+              <a:t>Where they meet is the solution – a value that satisfies each part. </a:t>
+            </a:r>
+          </a:p>
+          <a:p>
+            <a:pPr lvl="1"/>
+            <a:r>
+              <a:rPr lang="en-US" dirty="0"/>
+              <a:t>Best overall solution. </a:t>
+            </a:r>
+          </a:p>
+        </p:txBody>
+      </p:sp>
       <p:pic>
         <p:nvPicPr>
           <p:cNvPr id="5129" name="Picture 78">
@@ -5242,7 +8670,7 @@
           </p:nvPr>
         </p:nvPicPr>
         <p:blipFill rotWithShape="1">
-          <a:blip r:embed="rId3">
+          <a:blip r:embed="rId2">
             <a:extLst>
               <a:ext uri="{28A0092B-C50C-407E-A947-70E740481C1C}">
                 <a14:useLocalDpi xmlns:a14="http://schemas.microsoft.com/office/drawing/2010/main" val="0"/>
@@ -5316,6 +8744,95 @@
           </a:fontRef>
         </p:style>
       </p:cxnSp>
+      <p:pic>
+        <p:nvPicPr>
+          <p:cNvPr id="5124" name="Picture 4" descr="A Deep Dive into Regularization. I was recently brushing up on basics of… |  by Divakar Kapil | uWaterloo Voice | Medium">
+            <a:extLst>
+              <a:ext uri="{FF2B5EF4-FFF2-40B4-BE49-F238E27FC236}">
+                <a16:creationId xmlns:a16="http://schemas.microsoft.com/office/drawing/2014/main" id="{FCDEF449-A0C2-5C4C-B805-9EBCCF9D5569}"/>
+              </a:ext>
+            </a:extLst>
+          </p:cNvPr>
+          <p:cNvPicPr>
+            <a:picLocks noChangeAspect="1" noChangeArrowheads="1"/>
+          </p:cNvPicPr>
+          <p:nvPr/>
+        </p:nvPicPr>
+        <p:blipFill rotWithShape="1">
+          <a:blip r:embed="rId3">
+            <a:extLst>
+              <a:ext uri="{28A0092B-C50C-407E-A947-70E740481C1C}">
+                <a14:useLocalDpi xmlns:a14="http://schemas.microsoft.com/office/drawing/2010/main" val="0"/>
+              </a:ext>
+            </a:extLst>
+          </a:blip>
+          <a:stretch/>
+        </p:blipFill>
+        <p:spPr bwMode="auto">
+          <a:xfrm>
+            <a:off x="4430363" y="1780531"/>
+            <a:ext cx="7799083" cy="5088899"/>
+          </a:xfrm>
+          <a:prstGeom prst="rect">
+            <a:avLst/>
+          </a:prstGeom>
+          <a:noFill/>
+          <a:extLst>
+            <a:ext uri="{909E8E84-426E-40DD-AFC4-6F175D3DCCD1}">
+              <a14:hiddenFill xmlns:a14="http://schemas.microsoft.com/office/drawing/2010/main">
+                <a:solidFill>
+                  <a:srgbClr val="FFFFFF"/>
+                </a:solidFill>
+              </a14:hiddenFill>
+            </a:ext>
+          </a:extLst>
+        </p:spPr>
+      </p:pic>
+      <p:pic>
+        <p:nvPicPr>
+          <p:cNvPr id="4" name="Picture 4" descr="ML Series 7: Regularization in Regression: Tackling Overfitting for  Enhanced Model Performance | by Sahin Ahmed, Data Scientist | Medium">
+            <a:extLst>
+              <a:ext uri="{FF2B5EF4-FFF2-40B4-BE49-F238E27FC236}">
+                <a16:creationId xmlns:a16="http://schemas.microsoft.com/office/drawing/2014/main" id="{8669F4F8-0F78-24F3-38B5-163C6D763ED9}"/>
+              </a:ext>
+            </a:extLst>
+          </p:cNvPr>
+          <p:cNvPicPr>
+            <a:picLocks noChangeAspect="1" noChangeArrowheads="1"/>
+          </p:cNvPicPr>
+          <p:nvPr/>
+        </p:nvPicPr>
+        <p:blipFill rotWithShape="1">
+          <a:blip r:embed="rId4">
+            <a:extLst>
+              <a:ext uri="{28A0092B-C50C-407E-A947-70E740481C1C}">
+                <a14:useLocalDpi xmlns:a14="http://schemas.microsoft.com/office/drawing/2010/main" val="0"/>
+              </a:ext>
+            </a:extLst>
+          </a:blip>
+          <a:srcRect l="6082" t="20432" r="9760" b="6307"/>
+          <a:stretch/>
+        </p:blipFill>
+        <p:spPr bwMode="auto">
+          <a:xfrm>
+            <a:off x="3069513" y="-92134"/>
+            <a:ext cx="5123511" cy="2543640"/>
+          </a:xfrm>
+          <a:prstGeom prst="rect">
+            <a:avLst/>
+          </a:prstGeom>
+          <a:noFill/>
+          <a:extLst>
+            <a:ext uri="{909E8E84-426E-40DD-AFC4-6F175D3DCCD1}">
+              <a14:hiddenFill xmlns:a14="http://schemas.microsoft.com/office/drawing/2010/main">
+                <a:solidFill>
+                  <a:srgbClr val="FFFFFF"/>
+                </a:solidFill>
+              </a14:hiddenFill>
+            </a:ext>
+          </a:extLst>
+        </p:spPr>
+      </p:pic>
     </p:spTree>
     <p:extLst>
       <p:ext uri="{BB962C8B-B14F-4D97-AF65-F5344CB8AC3E}">
@@ -5329,7 +8846,7 @@
 </p:sld>
 </file>
 
-<file path=ppt/slides/slide17.xml><?xml version="1.0" encoding="utf-8"?>
+<file path=ppt/slides/slide35.xml><?xml version="1.0" encoding="utf-8"?>
 <p:sld xmlns:a="http://schemas.openxmlformats.org/drawingml/2006/main" xmlns:r="http://schemas.openxmlformats.org/officeDocument/2006/relationships" xmlns:p="http://schemas.openxmlformats.org/presentationml/2006/main">
   <p:cSld>
     <p:spTree>
@@ -5351,7 +8868,7 @@
           <p:cNvPr id="2" name="Title 1">
             <a:extLst>
               <a:ext uri="{FF2B5EF4-FFF2-40B4-BE49-F238E27FC236}">
-                <a16:creationId xmlns:a16="http://schemas.microsoft.com/office/drawing/2014/main" id="{E9C8805B-3B63-BD4B-BAA0-3605E7AF912F}"/>
+                <a16:creationId xmlns:a16="http://schemas.microsoft.com/office/drawing/2014/main" id="{88D79FC9-21E3-E91D-77F5-D1210351B0B5}"/>
               </a:ext>
             </a:extLst>
           </p:cNvPr>
@@ -5369,7 +8886,7 @@
           <a:p>
             <a:r>
               <a:rPr lang="en-US" dirty="0"/>
-              <a:t>Impact</a:t>
+              <a:t>Get Lost in the Cost</a:t>
             </a:r>
           </a:p>
         </p:txBody>
@@ -5379,7 +8896,7 @@
           <p:cNvPr id="3" name="Content Placeholder 2">
             <a:extLst>
               <a:ext uri="{FF2B5EF4-FFF2-40B4-BE49-F238E27FC236}">
-                <a16:creationId xmlns:a16="http://schemas.microsoft.com/office/drawing/2014/main" id="{A27E8C34-34FE-C64F-9FAB-6BE59DCCC06B}"/>
+                <a16:creationId xmlns:a16="http://schemas.microsoft.com/office/drawing/2014/main" id="{985A5D26-D7AC-0DF2-C34E-389D31E0B3A8}"/>
               </a:ext>
             </a:extLst>
           </p:cNvPr>
@@ -5402,73 +8919,36 @@
           <a:p>
             <a:r>
               <a:rPr lang="en-US" dirty="0"/>
-              <a:t>Models are limited from becoming over fitted, as it is “hard” for coefficients to grow. </a:t>
-            </a:r>
-          </a:p>
-          <a:p>
-            <a:r>
-              <a:rPr lang="en-US" dirty="0"/>
-              <a:t>Very large coefficients are likely to be overfitted. </a:t>
-            </a:r>
-          </a:p>
-          <a:p>
-            <a:r>
-              <a:rPr lang="en-US" dirty="0"/>
-              <a:t>Difference:</a:t>
-            </a:r>
-          </a:p>
-          <a:p>
-            <a:pPr lvl="1"/>
-            <a:r>
-              <a:rPr lang="en-US" dirty="0"/>
-              <a:t>L1:</a:t>
-            </a:r>
-          </a:p>
-          <a:p>
-            <a:pPr lvl="2"/>
-            <a:r>
-              <a:rPr lang="en-US" dirty="0"/>
-              <a:t>Reduces coefficients to 0 – good for feature selecting. </a:t>
-            </a:r>
-          </a:p>
-          <a:p>
-            <a:pPr lvl="2"/>
-            <a:r>
-              <a:rPr lang="en-US" dirty="0"/>
-              <a:t>No closed form solution - estimation like gradient descent needed. </a:t>
-            </a:r>
-          </a:p>
-          <a:p>
-            <a:pPr lvl="2"/>
-            <a:r>
-              <a:rPr lang="en-US" dirty="0"/>
-              <a:t>More robust to outliers. </a:t>
-            </a:r>
-          </a:p>
-          <a:p>
-            <a:pPr lvl="1"/>
-            <a:r>
-              <a:rPr lang="en-US" dirty="0"/>
-              <a:t>L2:</a:t>
-            </a:r>
-          </a:p>
-          <a:p>
-            <a:pPr lvl="2"/>
-            <a:r>
-              <a:rPr lang="en-US" dirty="0"/>
-              <a:t>More computationally efficient. </a:t>
-            </a:r>
-          </a:p>
-          <a:p>
-            <a:pPr lvl="1"/>
-            <a:endParaRPr lang="en-US" dirty="0"/>
+              <a:t>Cost functions are (mostly) interchangeable with each other:</a:t>
+            </a:r>
+          </a:p>
+          <a:p>
+            <a:pPr lvl="1"/>
+            <a:r>
+              <a:rPr lang="en-US" dirty="0"/>
+              <a:t>Regression is usually MSE, classification is usually cross-entropy, but it can vary. </a:t>
+            </a:r>
+          </a:p>
+          <a:p>
+            <a:pPr lvl="1"/>
+            <a:r>
+              <a:rPr lang="en-US" dirty="0"/>
+              <a:t>As long as it measures error and is differentiable (for math), it can work. </a:t>
+            </a:r>
+          </a:p>
+          <a:p>
+            <a:pPr lvl="1"/>
+            <a:r>
+              <a:rPr lang="en-US" dirty="0"/>
+              <a:t>The gradient descent process to find optimal solutions can take (almost) anything. </a:t>
+            </a:r>
           </a:p>
         </p:txBody>
       </p:sp>
     </p:spTree>
     <p:extLst>
       <p:ext uri="{BB962C8B-B14F-4D97-AF65-F5344CB8AC3E}">
-        <p14:creationId xmlns:p14="http://schemas.microsoft.com/office/powerpoint/2010/main" val="824479499"/>
+        <p14:creationId xmlns:p14="http://schemas.microsoft.com/office/powerpoint/2010/main" val="332725247"/>
       </p:ext>
     </p:extLst>
   </p:cSld>
@@ -5478,7 +8958,7 @@
 </p:sld>
 </file>
 
-<file path=ppt/slides/slide18.xml><?xml version="1.0" encoding="utf-8"?>
+<file path=ppt/slides/slide36.xml><?xml version="1.0" encoding="utf-8"?>
 <p:sld xmlns:a="http://schemas.openxmlformats.org/drawingml/2006/main" xmlns:r="http://schemas.openxmlformats.org/officeDocument/2006/relationships" xmlns:p="http://schemas.openxmlformats.org/presentationml/2006/main">
   <p:cSld>
     <p:spTree>
@@ -5500,7 +8980,7 @@
           <p:cNvPr id="2" name="Title 1">
             <a:extLst>
               <a:ext uri="{FF2B5EF4-FFF2-40B4-BE49-F238E27FC236}">
-                <a16:creationId xmlns:a16="http://schemas.microsoft.com/office/drawing/2014/main" id="{9C5565A6-4E14-0F4F-81DC-BB82F595A6DD}"/>
+                <a16:creationId xmlns:a16="http://schemas.microsoft.com/office/drawing/2014/main" id="{E9C8805B-3B63-BD4B-BAA0-3605E7AF912F}"/>
               </a:ext>
             </a:extLst>
           </p:cNvPr>
@@ -5518,7 +8998,7 @@
           <a:p>
             <a:r>
               <a:rPr lang="en-US" dirty="0"/>
-              <a:t>Implementation</a:t>
+              <a:t>Impact</a:t>
             </a:r>
           </a:p>
         </p:txBody>
@@ -5528,7 +9008,7 @@
           <p:cNvPr id="3" name="Content Placeholder 2">
             <a:extLst>
               <a:ext uri="{FF2B5EF4-FFF2-40B4-BE49-F238E27FC236}">
-                <a16:creationId xmlns:a16="http://schemas.microsoft.com/office/drawing/2014/main" id="{6B517004-0D9A-094F-BEE0-6D57CBF17ED8}"/>
+                <a16:creationId xmlns:a16="http://schemas.microsoft.com/office/drawing/2014/main" id="{A27E8C34-34FE-C64F-9FAB-6BE59DCCC06B}"/>
               </a:ext>
             </a:extLst>
           </p:cNvPr>
@@ -5539,65 +9019,92 @@
             <p:ph idx="1"/>
           </p:nvPr>
         </p:nvSpPr>
-        <p:spPr/>
+        <p:spPr>
+          <a:xfrm>
+            <a:off x="1451579" y="1853754"/>
+            <a:ext cx="9603275" cy="4199727"/>
+          </a:xfrm>
+        </p:spPr>
         <p:txBody>
           <a:bodyPr/>
           <a:lstStyle/>
           <a:p>
             <a:r>
               <a:rPr lang="en-US" dirty="0"/>
-              <a:t>Ridge, Lasso, and </a:t>
-            </a:r>
-            <a:r>
-              <a:rPr lang="en-US" dirty="0" err="1"/>
-              <a:t>ElasticNet</a:t>
-            </a:r>
-            <a:r>
-              <a:rPr lang="en-US" dirty="0"/>
-              <a:t> are all </a:t>
-            </a:r>
-            <a:r>
-              <a:rPr lang="en-US" dirty="0" err="1"/>
-              <a:t>sklearn</a:t>
-            </a:r>
-            <a:r>
-              <a:rPr lang="en-US" dirty="0"/>
-              <a:t> packages that do their names. </a:t>
-            </a:r>
-          </a:p>
-          <a:p>
-            <a:r>
-              <a:rPr lang="en-US" dirty="0"/>
-              <a:t>Other cost-function based things may use regularization in the background:</a:t>
-            </a:r>
-          </a:p>
-          <a:p>
-            <a:pPr lvl="1"/>
-            <a:r>
-              <a:rPr lang="en-US" dirty="0"/>
-              <a:t>SGD has a penalty hyperparameter that imposes regularization.</a:t>
-            </a:r>
-          </a:p>
-          <a:p>
-            <a:pPr lvl="1"/>
-            <a:r>
-              <a:rPr lang="en-US" dirty="0"/>
-              <a:t>Other linear models (e.g. SVM) do the same. </a:t>
-            </a:r>
-          </a:p>
-          <a:p>
-            <a:pPr lvl="1"/>
-            <a:r>
-              <a:rPr lang="en-US" dirty="0"/>
-              <a:t>Neural networks often use a regularization penalty. </a:t>
-            </a:r>
+              <a:t>Models are limited from becoming over fitted, as it is “hard” for coefficients to grow. </a:t>
+            </a:r>
+          </a:p>
+          <a:p>
+            <a:r>
+              <a:rPr lang="en-US" dirty="0"/>
+              <a:t>Very large coefficients are likely to be overfitted. </a:t>
+            </a:r>
+          </a:p>
+          <a:p>
+            <a:r>
+              <a:rPr lang="en-US" dirty="0"/>
+              <a:t>Difference:</a:t>
+            </a:r>
+          </a:p>
+          <a:p>
+            <a:pPr lvl="1"/>
+            <a:r>
+              <a:rPr lang="en-US" dirty="0"/>
+              <a:t>L1:</a:t>
+            </a:r>
+          </a:p>
+          <a:p>
+            <a:pPr lvl="2"/>
+            <a:r>
+              <a:rPr lang="en-US" dirty="0"/>
+              <a:t>Reduces coefficients to 0 – good for feature selecting. </a:t>
+            </a:r>
+          </a:p>
+          <a:p>
+            <a:pPr lvl="2"/>
+            <a:r>
+              <a:rPr lang="en-US" dirty="0"/>
+              <a:t>No closed form solution - estimation like gradient descent needed. </a:t>
+            </a:r>
+          </a:p>
+          <a:p>
+            <a:pPr lvl="2"/>
+            <a:r>
+              <a:rPr lang="en-US" dirty="0"/>
+              <a:t>More robust to outliers. </a:t>
+            </a:r>
+          </a:p>
+          <a:p>
+            <a:pPr lvl="1"/>
+            <a:r>
+              <a:rPr lang="en-US" dirty="0"/>
+              <a:t>L2:</a:t>
+            </a:r>
+          </a:p>
+          <a:p>
+            <a:pPr lvl="2"/>
+            <a:r>
+              <a:rPr lang="en-US" dirty="0"/>
+              <a:t>More common, is sometimes a default. </a:t>
+            </a:r>
+          </a:p>
+          <a:p>
+            <a:pPr lvl="2"/>
+            <a:r>
+              <a:rPr lang="en-US" dirty="0"/>
+              <a:t>More computationally efficient (large reason for the commonness). </a:t>
+            </a:r>
+          </a:p>
+          <a:p>
+            <a:pPr lvl="1"/>
+            <a:endParaRPr lang="en-US" dirty="0"/>
           </a:p>
         </p:txBody>
       </p:sp>
     </p:spTree>
     <p:extLst>
       <p:ext uri="{BB962C8B-B14F-4D97-AF65-F5344CB8AC3E}">
-        <p14:creationId xmlns:p14="http://schemas.microsoft.com/office/powerpoint/2010/main" val="3123613951"/>
+        <p14:creationId xmlns:p14="http://schemas.microsoft.com/office/powerpoint/2010/main" val="824479499"/>
       </p:ext>
     </p:extLst>
   </p:cSld>
@@ -5607,7 +9114,7 @@
 </p:sld>
 </file>
 
-<file path=ppt/slides/slide2.xml><?xml version="1.0" encoding="utf-8"?>
+<file path=ppt/slides/slide37.xml><?xml version="1.0" encoding="utf-8"?>
 <p:sld xmlns:a="http://schemas.openxmlformats.org/drawingml/2006/main" xmlns:r="http://schemas.openxmlformats.org/officeDocument/2006/relationships" xmlns:p="http://schemas.openxmlformats.org/presentationml/2006/main">
   <p:cSld>
     <p:spTree>
@@ -5629,7 +9136,7 @@
           <p:cNvPr id="2" name="Title 1">
             <a:extLst>
               <a:ext uri="{FF2B5EF4-FFF2-40B4-BE49-F238E27FC236}">
-                <a16:creationId xmlns:a16="http://schemas.microsoft.com/office/drawing/2014/main" id="{26090414-D605-0F44-8CB9-D56F82CDE902}"/>
+                <a16:creationId xmlns:a16="http://schemas.microsoft.com/office/drawing/2014/main" id="{9C5565A6-4E14-0F4F-81DC-BB82F595A6DD}"/>
               </a:ext>
             </a:extLst>
           </p:cNvPr>
@@ -5647,7 +9154,7 @@
           <a:p>
             <a:r>
               <a:rPr lang="en-US" dirty="0"/>
-              <a:t>Linear and non-Linear</a:t>
+              <a:t>Implementation</a:t>
             </a:r>
           </a:p>
         </p:txBody>
@@ -5657,7 +9164,7 @@
           <p:cNvPr id="3" name="Content Placeholder 2">
             <a:extLst>
               <a:ext uri="{FF2B5EF4-FFF2-40B4-BE49-F238E27FC236}">
-                <a16:creationId xmlns:a16="http://schemas.microsoft.com/office/drawing/2014/main" id="{45557618-72E4-7342-81F2-61B66A6C3D47}"/>
+                <a16:creationId xmlns:a16="http://schemas.microsoft.com/office/drawing/2014/main" id="{6B517004-0D9A-094F-BEE0-6D57CBF17ED8}"/>
               </a:ext>
             </a:extLst>
           </p:cNvPr>
@@ -5670,8 +9177,8 @@
         </p:nvSpPr>
         <p:spPr>
           <a:xfrm>
-            <a:off x="1451579" y="1928192"/>
-            <a:ext cx="9603275" cy="2216426"/>
+            <a:off x="1451579" y="1928191"/>
+            <a:ext cx="9603275" cy="4125290"/>
           </a:xfrm>
         </p:spPr>
         <p:txBody>
@@ -5680,80 +9187,78 @@
           <a:p>
             <a:r>
               <a:rPr lang="en-US" dirty="0"/>
-              <a:t>Linear models are excellent….</a:t>
-            </a:r>
-          </a:p>
-          <a:p>
-            <a:r>
-              <a:rPr lang="en-US" dirty="0"/>
-              <a:t>… If there’s a linear relationship in the data. </a:t>
-            </a:r>
-          </a:p>
-          <a:p>
-            <a:r>
-              <a:rPr lang="en-US" dirty="0"/>
-              <a:t>For non-linear relationships, linear regressions can struggle – they can’t ‘capture’ curves.</a:t>
-            </a:r>
-          </a:p>
-          <a:p>
-            <a:r>
-              <a:rPr lang="en-US" dirty="0"/>
-              <a:t>We first saw this with Anscombe’s Quartet:</a:t>
-            </a:r>
-          </a:p>
-        </p:txBody>
-      </p:sp>
-      <p:pic>
-        <p:nvPicPr>
-          <p:cNvPr id="1026" name="Picture 2" descr="Anscombe&amp;#39;s Quartet">
-            <a:extLst>
-              <a:ext uri="{FF2B5EF4-FFF2-40B4-BE49-F238E27FC236}">
-                <a16:creationId xmlns:a16="http://schemas.microsoft.com/office/drawing/2014/main" id="{D8A53165-2B7B-9547-B702-37669EED7E73}"/>
-              </a:ext>
-            </a:extLst>
-          </p:cNvPr>
-          <p:cNvPicPr>
-            <a:picLocks noChangeAspect="1" noChangeArrowheads="1"/>
-          </p:cNvPicPr>
-          <p:nvPr/>
-        </p:nvPicPr>
-        <p:blipFill>
-          <a:blip r:embed="rId2">
-            <a:extLst>
-              <a:ext uri="{28A0092B-C50C-407E-A947-70E740481C1C}">
-                <a14:useLocalDpi xmlns:a14="http://schemas.microsoft.com/office/drawing/2010/main" val="0"/>
-              </a:ext>
-            </a:extLst>
-          </a:blip>
-          <a:srcRect/>
-          <a:stretch>
-            <a:fillRect/>
-          </a:stretch>
-        </p:blipFill>
-        <p:spPr bwMode="auto">
-          <a:xfrm>
-            <a:off x="2443216" y="4042473"/>
-            <a:ext cx="7620000" cy="2628900"/>
-          </a:xfrm>
-          <a:prstGeom prst="rect">
-            <a:avLst/>
-          </a:prstGeom>
-          <a:noFill/>
-          <a:extLst>
-            <a:ext uri="{909E8E84-426E-40DD-AFC4-6F175D3DCCD1}">
-              <a14:hiddenFill xmlns:a14="http://schemas.microsoft.com/office/drawing/2010/main">
-                <a:solidFill>
-                  <a:srgbClr val="FFFFFF"/>
-                </a:solidFill>
-              </a14:hiddenFill>
-            </a:ext>
-          </a:extLst>
-        </p:spPr>
-      </p:pic>
+              <a:t>Ridge, Lasso, and </a:t>
+            </a:r>
+            <a:r>
+              <a:rPr lang="en-US" dirty="0" err="1"/>
+              <a:t>ElasticNet</a:t>
+            </a:r>
+            <a:r>
+              <a:rPr lang="en-US" dirty="0"/>
+              <a:t> are all </a:t>
+            </a:r>
+            <a:r>
+              <a:rPr lang="en-US" dirty="0" err="1"/>
+              <a:t>sklearn</a:t>
+            </a:r>
+            <a:r>
+              <a:rPr lang="en-US" dirty="0"/>
+              <a:t> packages that do their names. </a:t>
+            </a:r>
+          </a:p>
+          <a:p>
+            <a:r>
+              <a:rPr lang="en-US" dirty="0"/>
+              <a:t>Other cost-function based things may use regularization in the background:</a:t>
+            </a:r>
+          </a:p>
+          <a:p>
+            <a:pPr lvl="1"/>
+            <a:r>
+              <a:rPr lang="en-US" dirty="0"/>
+              <a:t>SGD has a penalty hyperparameter that imposes regularization.</a:t>
+            </a:r>
+          </a:p>
+          <a:p>
+            <a:pPr lvl="1"/>
+            <a:r>
+              <a:rPr lang="en-US" dirty="0"/>
+              <a:t>Other linear models (e.g. SVM) do the same. </a:t>
+            </a:r>
+          </a:p>
+          <a:p>
+            <a:pPr lvl="1"/>
+            <a:r>
+              <a:rPr lang="en-US" dirty="0"/>
+              <a:t>Neural networks often use a regularization penalty. </a:t>
+            </a:r>
+          </a:p>
+          <a:p>
+            <a:r>
+              <a:rPr lang="en-US" dirty="0"/>
+              <a:t>Regularization is one of the most common tools used to fit models. </a:t>
+            </a:r>
+          </a:p>
+          <a:p>
+            <a:pPr lvl="1"/>
+            <a:r>
+              <a:rPr lang="en-US" dirty="0"/>
+              <a:t>L2 is mathematically quick, is seamless, little/no work from developer. </a:t>
+            </a:r>
+          </a:p>
+          <a:p>
+            <a:pPr lvl="1"/>
+            <a:r>
+              <a:rPr lang="en-US" dirty="0"/>
+              <a:t>Larger models are needed for more complex things, larger models also overfit – regularization is often built into those larger complex models to constrain the overfit. </a:t>
+            </a:r>
+          </a:p>
+        </p:txBody>
+      </p:sp>
     </p:spTree>
     <p:extLst>
       <p:ext uri="{BB962C8B-B14F-4D97-AF65-F5344CB8AC3E}">
-        <p14:creationId xmlns:p14="http://schemas.microsoft.com/office/powerpoint/2010/main" val="1606411571"/>
+        <p14:creationId xmlns:p14="http://schemas.microsoft.com/office/powerpoint/2010/main" val="3123613951"/>
       </p:ext>
     </p:extLst>
   </p:cSld>
@@ -5763,8 +9268,8 @@
 </p:sld>
 </file>
 
-<file path=ppt/slides/slide3.xml><?xml version="1.0" encoding="utf-8"?>
-<p:sld xmlns:a="http://schemas.openxmlformats.org/drawingml/2006/main" xmlns:r="http://schemas.openxmlformats.org/officeDocument/2006/relationships" xmlns:p="http://schemas.openxmlformats.org/presentationml/2006/main">
+<file path=ppt/slides/slide4.xml><?xml version="1.0" encoding="utf-8"?>
+<p:sld xmlns:a="http://schemas.openxmlformats.org/drawingml/2006/main" xmlns:r="http://schemas.openxmlformats.org/officeDocument/2006/relationships" xmlns:p="http://schemas.openxmlformats.org/presentationml/2006/main" show="0">
   <p:cSld>
     <p:spTree>
       <p:nvGrpSpPr>
@@ -5785,7 +9290,7 @@
           <p:cNvPr id="2" name="Title 1">
             <a:extLst>
               <a:ext uri="{FF2B5EF4-FFF2-40B4-BE49-F238E27FC236}">
-                <a16:creationId xmlns:a16="http://schemas.microsoft.com/office/drawing/2014/main" id="{F839BB0C-59CF-E749-BF0C-351B78CB728A}"/>
+                <a16:creationId xmlns:a16="http://schemas.microsoft.com/office/drawing/2014/main" id="{0F585C85-34A0-EC37-E779-D5A783D5488A}"/>
               </a:ext>
             </a:extLst>
           </p:cNvPr>
@@ -5803,7 +9308,7 @@
           <a:p>
             <a:r>
               <a:rPr lang="en-US" dirty="0"/>
-              <a:t>Basis Function</a:t>
+              <a:t>Missing Completely at Random</a:t>
             </a:r>
           </a:p>
         </p:txBody>
@@ -5813,7 +9318,7 @@
           <p:cNvPr id="3" name="Content Placeholder 2">
             <a:extLst>
               <a:ext uri="{FF2B5EF4-FFF2-40B4-BE49-F238E27FC236}">
-                <a16:creationId xmlns:a16="http://schemas.microsoft.com/office/drawing/2014/main" id="{EF09189E-5EDD-CB40-A30D-A98C3B78E700}"/>
+                <a16:creationId xmlns:a16="http://schemas.microsoft.com/office/drawing/2014/main" id="{FBDCBE3B-A7C9-1071-294F-584E717589F5}"/>
               </a:ext>
             </a:extLst>
           </p:cNvPr>
@@ -5826,78 +9331,80 @@
         </p:nvSpPr>
         <p:spPr>
           <a:xfrm>
-            <a:off x="1451579" y="2015732"/>
-            <a:ext cx="9603275" cy="4037749"/>
-          </a:xfrm>
-        </p:spPr>
-        <p:txBody>
-          <a:bodyPr/>
-          <a:lstStyle/>
-          <a:p>
-            <a:r>
-              <a:rPr lang="en-US" dirty="0"/>
-              <a:t>We can adapt linear regression to non-linear relationships by using a basis function. </a:t>
-            </a:r>
-          </a:p>
-          <a:p>
-            <a:r>
-              <a:rPr lang="en-US" dirty="0"/>
-              <a:t>Basis functions are a transformation that changes the x to a function of x.</a:t>
-            </a:r>
-          </a:p>
-          <a:p>
-            <a:r>
-              <a:rPr lang="en-CA" dirty="0"/>
-              <a:t>If we have a basis function: 𝜙</a:t>
-            </a:r>
-            <a:r>
-              <a:rPr lang="en-CA" baseline="-25000" dirty="0"/>
-              <a:t>𝑗</a:t>
-            </a:r>
-            <a:r>
-              <a:rPr lang="en-CA" dirty="0"/>
-              <a:t>()</a:t>
-            </a:r>
-            <a:endParaRPr lang="en-CA" baseline="-25000" dirty="0"/>
-          </a:p>
-          <a:p>
-            <a:r>
-              <a:rPr lang="en-CA" dirty="0"/>
-              <a:t>Each x value then becomes: 𝜙</a:t>
-            </a:r>
-            <a:r>
-              <a:rPr lang="en-CA" baseline="-25000" dirty="0"/>
-              <a:t>𝑗</a:t>
-            </a:r>
-            <a:r>
-              <a:rPr lang="en-CA" dirty="0"/>
-              <a:t>(𝑥</a:t>
-            </a:r>
-            <a:r>
-              <a:rPr lang="en-CA" baseline="-25000" dirty="0"/>
-              <a:t>𝑖</a:t>
-            </a:r>
-            <a:r>
-              <a:rPr lang="en-CA" dirty="0"/>
-              <a:t>)</a:t>
-            </a:r>
-          </a:p>
-          <a:p>
-            <a:r>
-              <a:rPr lang="en-CA" dirty="0"/>
-              <a:t>Similar to something like a log-transformation in stats – we can transform the data, make it more normal (or linear), then use things that work with the transformed form. </a:t>
-            </a:r>
-            <a:br>
-              <a:rPr lang="en-CA" dirty="0"/>
-            </a:br>
-            <a:endParaRPr lang="en-US" dirty="0"/>
+            <a:off x="1222513" y="1853754"/>
+            <a:ext cx="10058400" cy="4199727"/>
+          </a:xfrm>
+        </p:spPr>
+        <p:txBody>
+          <a:bodyPr>
+            <a:normAutofit lnSpcReduction="10000"/>
+          </a:bodyPr>
+          <a:lstStyle/>
+          <a:p>
+            <a:r>
+              <a:rPr lang="en-US" dirty="0"/>
+              <a:t>This is the simplest – an assumption that missing data is randomly distributed. </a:t>
+            </a:r>
+          </a:p>
+          <a:p>
+            <a:r>
+              <a:rPr lang="en-US" dirty="0"/>
+              <a:t>There is no connection between the values in data and if it is missing. </a:t>
+            </a:r>
+          </a:p>
+          <a:p>
+            <a:r>
+              <a:rPr lang="en-US" dirty="0"/>
+              <a:t>This is the best candidate for deletion:</a:t>
+            </a:r>
+          </a:p>
+          <a:p>
+            <a:pPr lvl="1"/>
+            <a:r>
+              <a:rPr lang="en-US" dirty="0"/>
+              <a:t>The randomness means that losing some data doesn’t impact results. </a:t>
+            </a:r>
+          </a:p>
+          <a:p>
+            <a:pPr lvl="1"/>
+            <a:r>
+              <a:rPr lang="en-US" dirty="0"/>
+              <a:t>The only real concern is sample size – in large datasets deletion is easier. </a:t>
+            </a:r>
+          </a:p>
+          <a:p>
+            <a:pPr lvl="1"/>
+            <a:r>
+              <a:rPr lang="en-US" dirty="0"/>
+              <a:t>If we shrink a large dataset by 10% (or more) or something, nothing really changes in the model. </a:t>
+            </a:r>
+          </a:p>
+          <a:p>
+            <a:r>
+              <a:rPr lang="en-US" dirty="0"/>
+              <a:t>If a column is missing a lot of data, we may be better of deleting that column. </a:t>
+            </a:r>
+          </a:p>
+          <a:p>
+            <a:pPr lvl="1"/>
+            <a:r>
+              <a:rPr lang="en-US" dirty="0"/>
+              <a:t>This varies depending on the exact data, and what is missing. </a:t>
+            </a:r>
+          </a:p>
+          <a:p>
+            <a:pPr lvl="1"/>
+            <a:r>
+              <a:rPr lang="en-US" dirty="0"/>
+              <a:t>Rule of thumb, if it is about 20% or so, start considering – though more missing values than you’d think might be ok in terms of results. </a:t>
+            </a:r>
           </a:p>
         </p:txBody>
       </p:sp>
     </p:spTree>
     <p:extLst>
       <p:ext uri="{BB962C8B-B14F-4D97-AF65-F5344CB8AC3E}">
-        <p14:creationId xmlns:p14="http://schemas.microsoft.com/office/powerpoint/2010/main" val="3273952773"/>
+        <p14:creationId xmlns:p14="http://schemas.microsoft.com/office/powerpoint/2010/main" val="346494241"/>
       </p:ext>
     </p:extLst>
   </p:cSld>
@@ -5907,8 +9414,8 @@
 </p:sld>
 </file>
 
-<file path=ppt/slides/slide4.xml><?xml version="1.0" encoding="utf-8"?>
-<p:sld xmlns:a="http://schemas.openxmlformats.org/drawingml/2006/main" xmlns:r="http://schemas.openxmlformats.org/officeDocument/2006/relationships" xmlns:p="http://schemas.openxmlformats.org/presentationml/2006/main">
+<file path=ppt/slides/slide5.xml><?xml version="1.0" encoding="utf-8"?>
+<p:sld xmlns:a="http://schemas.openxmlformats.org/drawingml/2006/main" xmlns:r="http://schemas.openxmlformats.org/officeDocument/2006/relationships" xmlns:p="http://schemas.openxmlformats.org/presentationml/2006/main" show="0">
   <p:cSld>
     <p:spTree>
       <p:nvGrpSpPr>
@@ -5929,7 +9436,7 @@
           <p:cNvPr id="2" name="Title 1">
             <a:extLst>
               <a:ext uri="{FF2B5EF4-FFF2-40B4-BE49-F238E27FC236}">
-                <a16:creationId xmlns:a16="http://schemas.microsoft.com/office/drawing/2014/main" id="{1DA8FEA7-478B-0843-A547-5692158F5324}"/>
+                <a16:creationId xmlns:a16="http://schemas.microsoft.com/office/drawing/2014/main" id="{E531610E-B1B2-9EC0-6DA1-D3C72B136EB5}"/>
               </a:ext>
             </a:extLst>
           </p:cNvPr>
@@ -5947,7 +9454,7 @@
           <a:p>
             <a:r>
               <a:rPr lang="en-US" dirty="0"/>
-              <a:t>Polynomial Functions</a:t>
+              <a:t>Missing at Random</a:t>
             </a:r>
           </a:p>
         </p:txBody>
@@ -5957,7 +9464,7 @@
           <p:cNvPr id="3" name="Content Placeholder 2">
             <a:extLst>
               <a:ext uri="{FF2B5EF4-FFF2-40B4-BE49-F238E27FC236}">
-                <a16:creationId xmlns:a16="http://schemas.microsoft.com/office/drawing/2014/main" id="{86AFBC82-E12D-2C4A-A1C0-B4EC394FC5CB}"/>
+                <a16:creationId xmlns:a16="http://schemas.microsoft.com/office/drawing/2014/main" id="{110B4DB3-7C27-0688-4C06-673F4AA0CE27}"/>
               </a:ext>
             </a:extLst>
           </p:cNvPr>
@@ -5970,140 +9477,72 @@
         </p:nvSpPr>
         <p:spPr>
           <a:xfrm>
-            <a:off x="1451579" y="1938130"/>
-            <a:ext cx="9603275" cy="4194313"/>
-          </a:xfrm>
-        </p:spPr>
-        <p:txBody>
-          <a:bodyPr>
-            <a:normAutofit/>
-          </a:bodyPr>
-          <a:lstStyle/>
-          <a:p>
-            <a:r>
-              <a:rPr lang="en-US" dirty="0"/>
-              <a:t>Maybe the most common example is a polynomial function. </a:t>
-            </a:r>
-          </a:p>
-          <a:p>
-            <a:r>
-              <a:rPr lang="en-US" dirty="0"/>
-              <a:t>We can replace each x in a linear regression with a polynomial function of </a:t>
+            <a:off x="1451579" y="1948070"/>
+            <a:ext cx="9603275" cy="4105411"/>
+          </a:xfrm>
+        </p:spPr>
+        <p:txBody>
+          <a:bodyPr/>
+          <a:lstStyle/>
+          <a:p>
+            <a:r>
+              <a:rPr lang="en-US" dirty="0"/>
+              <a:t>Missing at random is the default assumption – missing data has some relation with the other values in the data.</a:t>
+            </a:r>
+          </a:p>
+          <a:p>
+            <a:pPr lvl="1"/>
+            <a:r>
+              <a:rPr lang="en-US" dirty="0"/>
+              <a:t>“The missingness can be explained by variables on which you have full information”. </a:t>
+            </a:r>
+          </a:p>
+          <a:p>
+            <a:r>
+              <a:rPr lang="en-US" dirty="0"/>
+              <a:t>Suppose we have census data and the income field is missing from many:</a:t>
+            </a:r>
+          </a:p>
+          <a:p>
+            <a:pPr lvl="1"/>
+            <a:r>
+              <a:rPr lang="en-US" dirty="0"/>
+              <a:t>Whether or not the income is missing doesn’t depend on the income value. </a:t>
+            </a:r>
+          </a:p>
+          <a:p>
+            <a:pPr lvl="1"/>
+            <a:r>
+              <a:rPr lang="en-US" dirty="0"/>
+              <a:t>Whether or not the income is missing can depend on other values – age, location, </a:t>
             </a:r>
             <a:r>
               <a:rPr lang="en-US" dirty="0" err="1"/>
-              <a:t>x</a:t>
-            </a:r>
-            <a:r>
-              <a:rPr lang="en-US" baseline="30000" dirty="0" err="1"/>
-              <a:t>n</a:t>
-            </a:r>
-            <a:r>
-              <a:rPr lang="en-US" dirty="0"/>
-              <a:t>.</a:t>
-            </a:r>
-          </a:p>
-          <a:p>
-            <a:pPr lvl="1"/>
-            <a:r>
-              <a:rPr lang="en-CA" dirty="0"/>
-              <a:t>y=b+m</a:t>
-            </a:r>
-            <a:r>
-              <a:rPr lang="en-CA" baseline="-25000" dirty="0"/>
-              <a:t>1</a:t>
-            </a:r>
-            <a:r>
-              <a:rPr lang="en-CA" dirty="0"/>
-              <a:t>x+m</a:t>
-            </a:r>
-            <a:r>
-              <a:rPr lang="en-CA" baseline="-25000" dirty="0"/>
-              <a:t>2</a:t>
-            </a:r>
-            <a:r>
-              <a:rPr lang="en-CA" dirty="0"/>
-              <a:t>x</a:t>
-            </a:r>
-            <a:r>
-              <a:rPr lang="en-CA" baseline="30000" dirty="0"/>
-              <a:t>2</a:t>
-            </a:r>
-            <a:r>
-              <a:rPr lang="en-CA" dirty="0"/>
-              <a:t>+m</a:t>
-            </a:r>
-            <a:r>
-              <a:rPr lang="en-CA" baseline="-25000" dirty="0"/>
-              <a:t>3</a:t>
-            </a:r>
-            <a:r>
-              <a:rPr lang="en-CA" dirty="0"/>
-              <a:t>x</a:t>
-            </a:r>
-            <a:r>
-              <a:rPr lang="en-CA" baseline="30000" dirty="0"/>
-              <a:t>3</a:t>
-            </a:r>
-            <a:r>
-              <a:rPr lang="en-CA" dirty="0"/>
-              <a:t>…..</a:t>
-            </a:r>
-          </a:p>
-          <a:p>
-            <a:r>
-              <a:rPr lang="en-CA" dirty="0"/>
-              <a:t>This is still a linear model, but one of polynomial functions.</a:t>
-            </a:r>
-          </a:p>
-          <a:p>
-            <a:pPr lvl="1"/>
-            <a:r>
-              <a:rPr lang="en-CA" dirty="0"/>
-              <a:t>The linear part refers to the coefficients never interact. </a:t>
-            </a:r>
-          </a:p>
-          <a:p>
-            <a:r>
-              <a:rPr lang="en-CA" dirty="0"/>
-              <a:t>In </a:t>
-            </a:r>
-            <a:r>
-              <a:rPr lang="en-CA" dirty="0" err="1"/>
-              <a:t>sklearn</a:t>
-            </a:r>
-            <a:r>
-              <a:rPr lang="en-CA" dirty="0"/>
-              <a:t>, this is done with the </a:t>
-            </a:r>
-            <a:r>
-              <a:rPr lang="en-CA" dirty="0" err="1"/>
-              <a:t>PolynomialFeature</a:t>
-            </a:r>
-            <a:r>
-              <a:rPr lang="en-CA" dirty="0"/>
-              <a:t> transformation. </a:t>
-            </a:r>
-          </a:p>
-          <a:p>
-            <a:pPr lvl="1"/>
-            <a:r>
-              <a:rPr lang="en-CA" dirty="0"/>
-              <a:t>We can add it in a pipe. </a:t>
-            </a:r>
-          </a:p>
-          <a:p>
-            <a:pPr lvl="1"/>
-            <a:r>
-              <a:rPr lang="en-CA" dirty="0"/>
-              <a:t>Note: This increases complexity of the model – more dimensions are generated!</a:t>
-            </a:r>
-          </a:p>
-          <a:p>
-            <a:pPr lvl="1"/>
-            <a:r>
-              <a:rPr lang="en-US" dirty="0"/>
-              <a:t>E.g. linear regression is in 1D on the example, after basis it is in 2D. </a:t>
+              <a:t>etc</a:t>
+            </a:r>
+            <a:r>
+              <a:rPr lang="en-US" dirty="0"/>
+              <a:t>…</a:t>
+            </a:r>
+          </a:p>
+          <a:p>
+            <a:r>
+              <a:rPr lang="en-US" dirty="0"/>
+              <a:t>This is a good candidate for imputation:</a:t>
+            </a:r>
+          </a:p>
+          <a:p>
+            <a:pPr lvl="1"/>
+            <a:r>
+              <a:rPr lang="en-US" dirty="0"/>
+              <a:t>The imputed value of the mean (or similar) won’t convey a pattern to the data. (no relation.)</a:t>
+            </a:r>
+          </a:p>
+          <a:p>
+            <a:pPr lvl="1"/>
+            <a:r>
+              <a:rPr lang="en-US" dirty="0"/>
+              <a:t>The other values, potentially, can help ‘smart’ imputation be accurate. </a:t>
             </a:r>
           </a:p>
         </p:txBody>
@@ -6111,7 +9550,7 @@
     </p:spTree>
     <p:extLst>
       <p:ext uri="{BB962C8B-B14F-4D97-AF65-F5344CB8AC3E}">
-        <p14:creationId xmlns:p14="http://schemas.microsoft.com/office/powerpoint/2010/main" val="180297820"/>
+        <p14:creationId xmlns:p14="http://schemas.microsoft.com/office/powerpoint/2010/main" val="870624306"/>
       </p:ext>
     </p:extLst>
   </p:cSld>
@@ -6121,8 +9560,8 @@
 </p:sld>
 </file>
 
-<file path=ppt/slides/slide5.xml><?xml version="1.0" encoding="utf-8"?>
-<p:sld xmlns:a="http://schemas.openxmlformats.org/drawingml/2006/main" xmlns:r="http://schemas.openxmlformats.org/officeDocument/2006/relationships" xmlns:p="http://schemas.openxmlformats.org/presentationml/2006/main">
+<file path=ppt/slides/slide6.xml><?xml version="1.0" encoding="utf-8"?>
+<p:sld xmlns:a="http://schemas.openxmlformats.org/drawingml/2006/main" xmlns:r="http://schemas.openxmlformats.org/officeDocument/2006/relationships" xmlns:p="http://schemas.openxmlformats.org/presentationml/2006/main" show="0">
   <p:cSld>
     <p:spTree>
       <p:nvGrpSpPr>
@@ -6143,7 +9582,7 @@
           <p:cNvPr id="2" name="Title 1">
             <a:extLst>
               <a:ext uri="{FF2B5EF4-FFF2-40B4-BE49-F238E27FC236}">
-                <a16:creationId xmlns:a16="http://schemas.microsoft.com/office/drawing/2014/main" id="{4E01F2D8-5C64-1846-89C5-CF86F872FB0C}"/>
+                <a16:creationId xmlns:a16="http://schemas.microsoft.com/office/drawing/2014/main" id="{471E75FE-89DF-0460-08B5-F1B3075072A8}"/>
               </a:ext>
             </a:extLst>
           </p:cNvPr>
@@ -6154,10 +9593,38 @@
             <p:ph type="title"/>
           </p:nvPr>
         </p:nvSpPr>
+        <p:spPr/>
+        <p:txBody>
+          <a:bodyPr/>
+          <a:lstStyle/>
+          <a:p>
+            <a:r>
+              <a:rPr lang="en-US" dirty="0"/>
+              <a:t>Missing Not at Random</a:t>
+            </a:r>
+          </a:p>
+        </p:txBody>
+      </p:sp>
+      <p:sp>
+        <p:nvSpPr>
+          <p:cNvPr id="3" name="Content Placeholder 2">
+            <a:extLst>
+              <a:ext uri="{FF2B5EF4-FFF2-40B4-BE49-F238E27FC236}">
+                <a16:creationId xmlns:a16="http://schemas.microsoft.com/office/drawing/2014/main" id="{2FAD9C3E-3E9D-E19F-FB6A-D02F280F074C}"/>
+              </a:ext>
+            </a:extLst>
+          </p:cNvPr>
+          <p:cNvSpPr>
+            <a:spLocks noGrp="1"/>
+          </p:cNvSpPr>
+          <p:nvPr>
+            <p:ph idx="1"/>
+          </p:nvPr>
+        </p:nvSpPr>
         <p:spPr>
           <a:xfrm>
-            <a:off x="1451578" y="140090"/>
-            <a:ext cx="9603275" cy="1049235"/>
+            <a:off x="1451579" y="1928192"/>
+            <a:ext cx="9603275" cy="4125290"/>
           </a:xfrm>
         </p:spPr>
         <p:txBody>
@@ -6166,282 +9633,55 @@
           <a:p>
             <a:r>
               <a:rPr lang="en-US" dirty="0"/>
-              <a:t>Result of Polynomial Feature Transformation</a:t>
-            </a:r>
-          </a:p>
-        </p:txBody>
-      </p:sp>
-      <p:sp>
-        <p:nvSpPr>
-          <p:cNvPr id="3" name="Content Placeholder 2">
-            <a:extLst>
-              <a:ext uri="{FF2B5EF4-FFF2-40B4-BE49-F238E27FC236}">
-                <a16:creationId xmlns:a16="http://schemas.microsoft.com/office/drawing/2014/main" id="{D4D0FCD3-96A8-D44B-B7F8-91AD746151EF}"/>
-              </a:ext>
-            </a:extLst>
-          </p:cNvPr>
-          <p:cNvSpPr>
-            <a:spLocks noGrp="1"/>
-          </p:cNvSpPr>
-          <p:nvPr>
-            <p:ph idx="1"/>
-          </p:nvPr>
-        </p:nvSpPr>
-        <p:spPr/>
-        <p:txBody>
-          <a:bodyPr/>
-          <a:lstStyle/>
-          <a:p>
-            <a:endParaRPr lang="en-US" dirty="0"/>
-          </a:p>
-        </p:txBody>
-      </p:sp>
-      <p:pic>
-        <p:nvPicPr>
-          <p:cNvPr id="4" name="Picture 3">
-            <a:extLst>
-              <a:ext uri="{FF2B5EF4-FFF2-40B4-BE49-F238E27FC236}">
-                <a16:creationId xmlns:a16="http://schemas.microsoft.com/office/drawing/2014/main" id="{24B0EA68-7AA2-5245-BB7F-8A1C13420E88}"/>
-              </a:ext>
-            </a:extLst>
-          </p:cNvPr>
-          <p:cNvPicPr>
-            <a:picLocks noChangeAspect="1"/>
-          </p:cNvPicPr>
-          <p:nvPr/>
-        </p:nvPicPr>
-        <p:blipFill>
-          <a:blip r:embed="rId2"/>
-          <a:stretch>
-            <a:fillRect/>
-          </a:stretch>
-        </p:blipFill>
-        <p:spPr>
-          <a:xfrm>
-            <a:off x="1451579" y="1144001"/>
-            <a:ext cx="9084616" cy="5713999"/>
-          </a:xfrm>
-          <a:prstGeom prst="rect">
-            <a:avLst/>
-          </a:prstGeom>
-        </p:spPr>
-      </p:pic>
-      <p:pic>
-        <p:nvPicPr>
-          <p:cNvPr id="2058" name="Picture 10" descr="Emoticon Thumb Up transparent PNG - StickPNG">
-            <a:extLst>
-              <a:ext uri="{FF2B5EF4-FFF2-40B4-BE49-F238E27FC236}">
-                <a16:creationId xmlns:a16="http://schemas.microsoft.com/office/drawing/2014/main" id="{20909E10-1304-104D-9060-312F49F22E64}"/>
-              </a:ext>
-            </a:extLst>
-          </p:cNvPr>
-          <p:cNvPicPr>
-            <a:picLocks noChangeAspect="1" noChangeArrowheads="1"/>
-          </p:cNvPicPr>
-          <p:nvPr/>
-        </p:nvPicPr>
-        <p:blipFill>
-          <a:blip r:embed="rId3">
-            <a:extLst>
-              <a:ext uri="{28A0092B-C50C-407E-A947-70E740481C1C}">
-                <a14:useLocalDpi xmlns:a14="http://schemas.microsoft.com/office/drawing/2010/main" val="0"/>
-              </a:ext>
-            </a:extLst>
-          </a:blip>
-          <a:srcRect/>
-          <a:stretch>
-            <a:fillRect/>
-          </a:stretch>
-        </p:blipFill>
-        <p:spPr bwMode="auto">
-          <a:xfrm>
-            <a:off x="4725087" y="3429000"/>
-            <a:ext cx="2741826" cy="2602593"/>
-          </a:xfrm>
-          <a:prstGeom prst="rect">
-            <a:avLst/>
-          </a:prstGeom>
-          <a:noFill/>
-          <a:extLst>
-            <a:ext uri="{909E8E84-426E-40DD-AFC4-6F175D3DCCD1}">
-              <a14:hiddenFill xmlns:a14="http://schemas.microsoft.com/office/drawing/2010/main">
-                <a:solidFill>
-                  <a:srgbClr val="FFFFFF"/>
-                </a:solidFill>
-              </a14:hiddenFill>
-            </a:ext>
-          </a:extLst>
-        </p:spPr>
-      </p:pic>
+              <a:t>The worst case – missing values depend on their value. </a:t>
+            </a:r>
+          </a:p>
+          <a:p>
+            <a:pPr lvl="1"/>
+            <a:r>
+              <a:rPr lang="en-US" dirty="0"/>
+              <a:t>E.g. high income people may tend to fill out the field on the census, low income don’t. </a:t>
+            </a:r>
+          </a:p>
+          <a:p>
+            <a:pPr lvl="1"/>
+            <a:r>
+              <a:rPr lang="en-US" dirty="0"/>
+              <a:t>Overweight people may be less likely to fill out weight in a health survey. </a:t>
+            </a:r>
+          </a:p>
+          <a:p>
+            <a:pPr lvl="1"/>
+            <a:r>
+              <a:rPr lang="en-US" dirty="0"/>
+              <a:t>It can also depend on variables outside our dataset or other values as well. </a:t>
+            </a:r>
+          </a:p>
+          <a:p>
+            <a:r>
+              <a:rPr lang="en-US" dirty="0"/>
+              <a:t>If we just imputed a mean, that would skew the distribution, and that’s bad. </a:t>
+            </a:r>
+          </a:p>
+          <a:p>
+            <a:pPr lvl="1"/>
+            <a:r>
+              <a:rPr lang="en-US" dirty="0"/>
+              <a:t>The imputed value has different distributions in the missing vs present sets. </a:t>
+            </a:r>
+          </a:p>
+          <a:p>
+            <a:r>
+              <a:rPr lang="en-US" dirty="0"/>
+              <a:t>‘Good’ imputation can use more elaborate methods (e.g. estimate proper distribution of the values to be imputed) than we will look at. </a:t>
+            </a:r>
+          </a:p>
+        </p:txBody>
+      </p:sp>
     </p:spTree>
     <p:extLst>
       <p:ext uri="{BB962C8B-B14F-4D97-AF65-F5344CB8AC3E}">
-        <p14:creationId xmlns:p14="http://schemas.microsoft.com/office/powerpoint/2010/main" val="560166713"/>
-      </p:ext>
-    </p:extLst>
-  </p:cSld>
-  <p:clrMapOvr>
-    <a:masterClrMapping/>
-  </p:clrMapOvr>
-</p:sld>
-</file>
-
-<file path=ppt/slides/slide6.xml><?xml version="1.0" encoding="utf-8"?>
-<p:sld xmlns:a="http://schemas.openxmlformats.org/drawingml/2006/main" xmlns:r="http://schemas.openxmlformats.org/officeDocument/2006/relationships" xmlns:p="http://schemas.openxmlformats.org/presentationml/2006/main">
-  <p:cSld>
-    <p:spTree>
-      <p:nvGrpSpPr>
-        <p:cNvPr id="1" name=""/>
-        <p:cNvGrpSpPr/>
-        <p:nvPr/>
-      </p:nvGrpSpPr>
-      <p:grpSpPr>
-        <a:xfrm>
-          <a:off x="0" y="0"/>
-          <a:ext cx="0" cy="0"/>
-          <a:chOff x="0" y="0"/>
-          <a:chExt cx="0" cy="0"/>
-        </a:xfrm>
-      </p:grpSpPr>
-      <p:sp>
-        <p:nvSpPr>
-          <p:cNvPr id="2" name="Title 1">
-            <a:extLst>
-              <a:ext uri="{FF2B5EF4-FFF2-40B4-BE49-F238E27FC236}">
-                <a16:creationId xmlns:a16="http://schemas.microsoft.com/office/drawing/2014/main" id="{9353C631-41E5-D948-9121-6A7827C79532}"/>
-              </a:ext>
-            </a:extLst>
-          </p:cNvPr>
-          <p:cNvSpPr>
-            <a:spLocks noGrp="1"/>
-          </p:cNvSpPr>
-          <p:nvPr>
-            <p:ph type="title"/>
-          </p:nvPr>
-        </p:nvSpPr>
-        <p:spPr/>
-        <p:txBody>
-          <a:bodyPr/>
-          <a:lstStyle/>
-          <a:p>
-            <a:r>
-              <a:rPr lang="en-US" dirty="0"/>
-              <a:t>Basis Success </a:t>
-            </a:r>
-          </a:p>
-        </p:txBody>
-      </p:sp>
-      <p:sp>
-        <p:nvSpPr>
-          <p:cNvPr id="3" name="Content Placeholder 2">
-            <a:extLst>
-              <a:ext uri="{FF2B5EF4-FFF2-40B4-BE49-F238E27FC236}">
-                <a16:creationId xmlns:a16="http://schemas.microsoft.com/office/drawing/2014/main" id="{7ABBDE20-53A6-9D44-BA81-836F059B784B}"/>
-              </a:ext>
-            </a:extLst>
-          </p:cNvPr>
-          <p:cNvSpPr>
-            <a:spLocks noGrp="1"/>
-          </p:cNvSpPr>
-          <p:nvPr>
-            <p:ph idx="1"/>
-          </p:nvPr>
-        </p:nvSpPr>
-        <p:spPr>
-          <a:xfrm>
-            <a:off x="1451579" y="1853754"/>
-            <a:ext cx="9603275" cy="4278689"/>
-          </a:xfrm>
-        </p:spPr>
-        <p:txBody>
-          <a:bodyPr/>
-          <a:lstStyle/>
-          <a:p>
-            <a:r>
-              <a:rPr lang="en-US" dirty="0"/>
-              <a:t>What a victory! We can model a non-linear relationship with a linear regression. </a:t>
-            </a:r>
-          </a:p>
-          <a:p>
-            <a:pPr lvl="1"/>
-            <a:r>
-              <a:rPr lang="en-US" dirty="0"/>
-              <a:t>More flexible and applicable simple models. </a:t>
-            </a:r>
-          </a:p>
-          <a:p>
-            <a:r>
-              <a:rPr lang="en-US" dirty="0"/>
-              <a:t>Basis functions aren’t only polynomial, it could be anything:</a:t>
-            </a:r>
-          </a:p>
-          <a:p>
-            <a:pPr lvl="1"/>
-            <a:r>
-              <a:rPr lang="en-US" dirty="0"/>
-              <a:t>Gaussian – example in 5.06 PDSH</a:t>
-            </a:r>
-          </a:p>
-          <a:p>
-            <a:pPr lvl="1"/>
-            <a:r>
-              <a:rPr lang="en-CA" dirty="0"/>
-              <a:t>Rectified Linear Units</a:t>
-            </a:r>
-            <a:r>
-              <a:rPr lang="en-US" dirty="0"/>
-              <a:t> (</a:t>
-            </a:r>
-            <a:r>
-              <a:rPr lang="en-US" dirty="0" err="1"/>
-              <a:t>Relu</a:t>
-            </a:r>
-            <a:r>
-              <a:rPr lang="en-US" dirty="0"/>
-              <a:t>) – will come up again in neural networks. </a:t>
-            </a:r>
-          </a:p>
-          <a:p>
-            <a:pPr lvl="1"/>
-            <a:r>
-              <a:rPr lang="en-US" dirty="0"/>
-              <a:t>Radial - revisit in SVM and clustering. </a:t>
-            </a:r>
-          </a:p>
-          <a:p>
-            <a:r>
-              <a:rPr lang="en-CA" dirty="0"/>
-              <a:t>Why?</a:t>
-            </a:r>
-          </a:p>
-          <a:p>
-            <a:pPr lvl="1"/>
-            <a:r>
-              <a:rPr lang="en-CA" dirty="0"/>
-              <a:t>Really useful in applying linear regression to any random scenario. (Good for old math)</a:t>
-            </a:r>
-          </a:p>
-          <a:p>
-            <a:pPr lvl="1"/>
-            <a:r>
-              <a:rPr lang="en-CA" dirty="0"/>
-              <a:t>Helps classification with “weird” borders (~1.5 - 2 weeks from now). Linear </a:t>
-            </a:r>
-            <a:r>
-              <a:rPr lang="en-CA" dirty="0" err="1"/>
-              <a:t>seperability</a:t>
-            </a:r>
-            <a:r>
-              <a:rPr lang="en-CA" dirty="0"/>
-              <a:t>. </a:t>
-            </a:r>
-          </a:p>
-        </p:txBody>
-      </p:sp>
-    </p:spTree>
-    <p:extLst>
-      <p:ext uri="{BB962C8B-B14F-4D97-AF65-F5344CB8AC3E}">
-        <p14:creationId xmlns:p14="http://schemas.microsoft.com/office/powerpoint/2010/main" val="1919427985"/>
+        <p14:creationId xmlns:p14="http://schemas.microsoft.com/office/powerpoint/2010/main" val="2864861125"/>
       </p:ext>
     </p:extLst>
   </p:cSld>
@@ -6452,179 +9692,7 @@
 </file>
 
 <file path=ppt/slides/slide7.xml><?xml version="1.0" encoding="utf-8"?>
-<p:sld xmlns:a="http://schemas.openxmlformats.org/drawingml/2006/main" xmlns:r="http://schemas.openxmlformats.org/officeDocument/2006/relationships" xmlns:p="http://schemas.openxmlformats.org/presentationml/2006/main">
-  <p:cSld>
-    <p:spTree>
-      <p:nvGrpSpPr>
-        <p:cNvPr id="1" name=""/>
-        <p:cNvGrpSpPr/>
-        <p:nvPr/>
-      </p:nvGrpSpPr>
-      <p:grpSpPr>
-        <a:xfrm>
-          <a:off x="0" y="0"/>
-          <a:ext cx="0" cy="0"/>
-          <a:chOff x="0" y="0"/>
-          <a:chExt cx="0" cy="0"/>
-        </a:xfrm>
-      </p:grpSpPr>
-      <p:sp>
-        <p:nvSpPr>
-          <p:cNvPr id="2" name="Title 1">
-            <a:extLst>
-              <a:ext uri="{FF2B5EF4-FFF2-40B4-BE49-F238E27FC236}">
-                <a16:creationId xmlns:a16="http://schemas.microsoft.com/office/drawing/2014/main" id="{91B21253-26B1-E449-A90A-47F25F2E9916}"/>
-              </a:ext>
-            </a:extLst>
-          </p:cNvPr>
-          <p:cNvSpPr>
-            <a:spLocks noGrp="1"/>
-          </p:cNvSpPr>
-          <p:nvPr>
-            <p:ph type="title"/>
-          </p:nvPr>
-        </p:nvSpPr>
-        <p:spPr/>
-        <p:txBody>
-          <a:bodyPr/>
-          <a:lstStyle/>
-          <a:p>
-            <a:r>
-              <a:rPr lang="en-US" dirty="0"/>
-              <a:t>Errors in Modelling</a:t>
-            </a:r>
-          </a:p>
-        </p:txBody>
-      </p:sp>
-      <p:sp>
-        <p:nvSpPr>
-          <p:cNvPr id="3" name="Content Placeholder 2">
-            <a:extLst>
-              <a:ext uri="{FF2B5EF4-FFF2-40B4-BE49-F238E27FC236}">
-                <a16:creationId xmlns:a16="http://schemas.microsoft.com/office/drawing/2014/main" id="{CF32E779-0813-8346-8DD9-96C68B6215F0}"/>
-              </a:ext>
-            </a:extLst>
-          </p:cNvPr>
-          <p:cNvSpPr>
-            <a:spLocks noGrp="1"/>
-          </p:cNvSpPr>
-          <p:nvPr>
-            <p:ph idx="1"/>
-          </p:nvPr>
-        </p:nvSpPr>
-        <p:spPr>
-          <a:xfrm>
-            <a:off x="1451579" y="2015732"/>
-            <a:ext cx="9603275" cy="4037749"/>
-          </a:xfrm>
-        </p:spPr>
-        <p:txBody>
-          <a:bodyPr>
-            <a:normAutofit fontScale="92500" lnSpcReduction="20000"/>
-          </a:bodyPr>
-          <a:lstStyle/>
-          <a:p>
-            <a:r>
-              <a:rPr lang="en-US" dirty="0"/>
-              <a:t>Bias Error:</a:t>
-            </a:r>
-          </a:p>
-          <a:p>
-            <a:pPr lvl="1"/>
-            <a:r>
-              <a:rPr lang="en-US" dirty="0"/>
-              <a:t>Error due to assumptions made in the modelling process. </a:t>
-            </a:r>
-          </a:p>
-          <a:p>
-            <a:pPr lvl="1"/>
-            <a:r>
-              <a:rPr lang="en-US" dirty="0"/>
-              <a:t>Generally results in underfitting. </a:t>
-            </a:r>
-          </a:p>
-          <a:p>
-            <a:pPr lvl="1"/>
-            <a:r>
-              <a:rPr lang="en-US" dirty="0"/>
-              <a:t>E.g. assuming a linear relationship. </a:t>
-            </a:r>
-          </a:p>
-          <a:p>
-            <a:r>
-              <a:rPr lang="en-US" dirty="0"/>
-              <a:t>Variance Error:</a:t>
-            </a:r>
-          </a:p>
-          <a:p>
-            <a:pPr lvl="1"/>
-            <a:r>
-              <a:rPr lang="en-US" dirty="0"/>
-              <a:t>Error due to variations in the training data.</a:t>
-            </a:r>
-          </a:p>
-          <a:p>
-            <a:pPr lvl="1"/>
-            <a:r>
-              <a:rPr lang="en-US" dirty="0"/>
-              <a:t>Generally results in overfitting. </a:t>
-            </a:r>
-          </a:p>
-          <a:p>
-            <a:pPr lvl="1"/>
-            <a:r>
-              <a:rPr lang="en-US" dirty="0"/>
-              <a:t>E.g. different training sets for trees generate very different models. </a:t>
-            </a:r>
-          </a:p>
-          <a:p>
-            <a:r>
-              <a:rPr lang="en-US" dirty="0"/>
-              <a:t>Irreducible Error:</a:t>
-            </a:r>
-          </a:p>
-          <a:p>
-            <a:pPr lvl="1"/>
-            <a:r>
-              <a:rPr lang="en-US" dirty="0"/>
-              <a:t>Error that we can’t fix through modeling, it in inherent in the data. </a:t>
-            </a:r>
-          </a:p>
-          <a:p>
-            <a:pPr lvl="1"/>
-            <a:r>
-              <a:rPr lang="en-US" dirty="0"/>
-              <a:t>May be able to fix it by cleaning data (removing outliers, correcting missing data, </a:t>
-            </a:r>
-            <a:r>
-              <a:rPr lang="en-US" dirty="0" err="1"/>
-              <a:t>etc</a:t>
-            </a:r>
-            <a:r>
-              <a:rPr lang="en-US" dirty="0"/>
-              <a:t>…)</a:t>
-            </a:r>
-          </a:p>
-          <a:p>
-            <a:endParaRPr lang="en-US" dirty="0"/>
-          </a:p>
-        </p:txBody>
-      </p:sp>
-    </p:spTree>
-    <p:extLst>
-      <p:ext uri="{BB962C8B-B14F-4D97-AF65-F5344CB8AC3E}">
-        <p14:creationId xmlns:p14="http://schemas.microsoft.com/office/powerpoint/2010/main" val="3133314296"/>
-      </p:ext>
-    </p:extLst>
-  </p:cSld>
-  <p:clrMapOvr>
-    <a:masterClrMapping/>
-  </p:clrMapOvr>
-</p:sld>
-</file>
-
-<file path=ppt/slides/slide8.xml><?xml version="1.0" encoding="utf-8"?>
-<p:sld xmlns:a="http://schemas.openxmlformats.org/drawingml/2006/main" xmlns:r="http://schemas.openxmlformats.org/officeDocument/2006/relationships" xmlns:p="http://schemas.openxmlformats.org/presentationml/2006/main">
+<p:sld xmlns:a="http://schemas.openxmlformats.org/drawingml/2006/main" xmlns:r="http://schemas.openxmlformats.org/officeDocument/2006/relationships" xmlns:p="http://schemas.openxmlformats.org/presentationml/2006/main" show="0">
   <p:cSld>
     <p:bg>
       <p:bgPr>
@@ -6666,253 +9734,55 @@
       </p:grpSpPr>
       <p:sp>
         <p:nvSpPr>
-          <p:cNvPr id="71" name="Rectangle 70">
+          <p:cNvPr id="2" name="Title 1">
             <a:extLst>
               <a:ext uri="{FF2B5EF4-FFF2-40B4-BE49-F238E27FC236}">
-                <a16:creationId xmlns:a16="http://schemas.microsoft.com/office/drawing/2014/main" id="{CDDE5CDF-1512-4CDA-B956-23D223F8DE44}"/>
-              </a:ext>
-              <a:ext uri="{C183D7F6-B498-43B3-948B-1728B52AA6E4}">
-                <adec:decorative xmlns:adec="http://schemas.microsoft.com/office/drawing/2017/decorative" val="1"/>
+                <a16:creationId xmlns:a16="http://schemas.microsoft.com/office/drawing/2014/main" id="{D577DA2D-2F89-96AC-D20C-BFB9BE9C30A4}"/>
               </a:ext>
             </a:extLst>
           </p:cNvPr>
           <p:cNvSpPr>
-            <a:spLocks noGrp="1" noRot="1" noChangeAspect="1" noMove="1" noResize="1" noEditPoints="1" noAdjustHandles="1" noChangeArrowheads="1" noChangeShapeType="1" noTextEdit="1"/>
-          </p:cNvSpPr>
-          <p:nvPr>
-            <p:extLst>
-              <p:ext uri="{386F3935-93C4-4BCD-93E2-E3B085C9AB24}">
-                <p16:designElem xmlns:p16="http://schemas.microsoft.com/office/powerpoint/2015/main" val="1"/>
-              </p:ext>
-            </p:extLst>
+            <a:spLocks noGrp="1"/>
+          </p:cNvSpPr>
+          <p:nvPr>
+            <p:ph type="title"/>
           </p:nvPr>
         </p:nvSpPr>
         <p:spPr>
           <a:xfrm>
-            <a:off x="0" y="2019476"/>
-            <a:ext cx="12192000" cy="4105941"/>
-          </a:xfrm>
-          <a:prstGeom prst="rect">
-            <a:avLst/>
-          </a:prstGeom>
-          <a:gradFill flip="none" rotWithShape="1">
-            <a:gsLst>
-              <a:gs pos="0">
-                <a:schemeClr val="bg2">
-                  <a:alpha val="0"/>
-                </a:schemeClr>
-              </a:gs>
-              <a:gs pos="100000">
-                <a:schemeClr val="bg2"/>
-              </a:gs>
-            </a:gsLst>
-            <a:lin ang="5400000" scaled="0"/>
-            <a:tileRect/>
-          </a:gradFill>
-          <a:ln>
-            <a:noFill/>
-          </a:ln>
-        </p:spPr>
-        <p:style>
-          <a:lnRef idx="2">
-            <a:schemeClr val="accent1">
-              <a:shade val="50000"/>
-            </a:schemeClr>
-          </a:lnRef>
-          <a:fillRef idx="1">
-            <a:schemeClr val="accent1"/>
-          </a:fillRef>
-          <a:effectRef idx="0">
-            <a:schemeClr val="accent1"/>
-          </a:effectRef>
-          <a:fontRef idx="minor">
-            <a:schemeClr val="lt1"/>
-          </a:fontRef>
-        </p:style>
-        <p:txBody>
-          <a:bodyPr/>
-          <a:lstStyle/>
-          <a:p>
-            <a:endParaRPr lang="en-US"/>
+            <a:off x="1451579" y="804519"/>
+            <a:ext cx="9603275" cy="1049235"/>
+          </a:xfrm>
+        </p:spPr>
+        <p:txBody>
+          <a:bodyPr>
+            <a:normAutofit/>
+          </a:bodyPr>
+          <a:lstStyle/>
+          <a:p>
+            <a:r>
+              <a:rPr lang="en-US" dirty="0"/>
+              <a:t>Rules of Thumb</a:t>
+            </a:r>
           </a:p>
         </p:txBody>
       </p:sp>
       <p:pic>
         <p:nvPicPr>
-          <p:cNvPr id="73" name="Picture 72">
+          <p:cNvPr id="2050" name="Picture 2" descr="Data cleaning: Types of Missingness | by Keerti Prajapati | Medium">
             <a:extLst>
               <a:ext uri="{FF2B5EF4-FFF2-40B4-BE49-F238E27FC236}">
-                <a16:creationId xmlns:a16="http://schemas.microsoft.com/office/drawing/2014/main" id="{B029D7D8-5A6B-4C76-94C8-15798C6C5ADB}"/>
-              </a:ext>
-              <a:ext uri="{C183D7F6-B498-43B3-948B-1728B52AA6E4}">
-                <adec:decorative xmlns:adec="http://schemas.microsoft.com/office/drawing/2017/decorative" val="1"/>
+                <a16:creationId xmlns:a16="http://schemas.microsoft.com/office/drawing/2014/main" id="{D2BDAEB9-DCBD-56C8-3C85-41F00111C0A6}"/>
               </a:ext>
             </a:extLst>
           </p:cNvPr>
           <p:cNvPicPr>
-            <a:picLocks noGrp="1" noRot="1" noChangeAspect="1" noMove="1" noResize="1" noEditPoints="1" noAdjustHandles="1" noChangeArrowheads="1" noChangeShapeType="1" noCrop="1"/>
+            <a:picLocks noChangeAspect="1" noChangeArrowheads="1"/>
           </p:cNvPicPr>
-          <p:nvPr>
-            <p:extLst>
-              <p:ext uri="{386F3935-93C4-4BCD-93E2-E3B085C9AB24}">
-                <p16:designElem xmlns:p16="http://schemas.microsoft.com/office/powerpoint/2015/main" val="1"/>
-              </p:ext>
-            </p:extLst>
-          </p:nvPr>
-        </p:nvPicPr>
-        <p:blipFill rotWithShape="1">
-          <a:blip r:embed="rId2">
-            <a:extLst>
-              <a:ext uri="{28A0092B-C50C-407E-A947-70E740481C1C}">
-                <a14:useLocalDpi xmlns:a14="http://schemas.microsoft.com/office/drawing/2010/main" val="0"/>
-              </a:ext>
-            </a:extLst>
-          </a:blip>
-          <a:srcRect t="1538" b="-1538"/>
-          <a:stretch/>
-        </p:blipFill>
-        <p:spPr bwMode="black">
-          <a:xfrm>
-            <a:off x="0" y="6126480"/>
-            <a:ext cx="12192000" cy="742950"/>
-          </a:xfrm>
-          <a:prstGeom prst="rect">
-            <a:avLst/>
-          </a:prstGeom>
-        </p:spPr>
-      </p:pic>
-      <p:cxnSp>
-        <p:nvCxnSpPr>
-          <p:cNvPr id="75" name="Straight Connector 74">
-            <a:extLst>
-              <a:ext uri="{FF2B5EF4-FFF2-40B4-BE49-F238E27FC236}">
-                <a16:creationId xmlns:a16="http://schemas.microsoft.com/office/drawing/2014/main" id="{A5C9319C-E20D-4884-952F-60B6A58C3E34}"/>
-              </a:ext>
-              <a:ext uri="{C183D7F6-B498-43B3-948B-1728B52AA6E4}">
-                <adec:decorative xmlns:adec="http://schemas.microsoft.com/office/drawing/2017/decorative" val="1"/>
-              </a:ext>
-            </a:extLst>
-          </p:cNvPr>
-          <p:cNvCxnSpPr>
-            <a:cxnSpLocks noGrp="1" noRot="1" noChangeAspect="1" noMove="1" noResize="1" noEditPoints="1" noAdjustHandles="1" noChangeArrowheads="1" noChangeShapeType="1"/>
-          </p:cNvCxnSpPr>
-          <p:nvPr>
-            <p:extLst>
-              <p:ext uri="{386F3935-93C4-4BCD-93E2-E3B085C9AB24}">
-                <p16:designElem xmlns:p16="http://schemas.microsoft.com/office/powerpoint/2015/main" val="1"/>
-              </p:ext>
-            </p:extLst>
-          </p:nvPr>
-        </p:nvCxnSpPr>
-        <p:spPr>
-          <a:xfrm>
-            <a:off x="0" y="6128413"/>
-            <a:ext cx="12192000" cy="0"/>
-          </a:xfrm>
-          <a:prstGeom prst="line">
-            <a:avLst/>
-          </a:prstGeom>
-          <a:ln w="12700">
-            <a:solidFill>
-              <a:srgbClr val="000001">
-                <a:alpha val="20000"/>
-              </a:srgbClr>
-            </a:solidFill>
-          </a:ln>
-        </p:spPr>
-        <p:style>
-          <a:lnRef idx="1">
-            <a:schemeClr val="accent1"/>
-          </a:lnRef>
-          <a:fillRef idx="0">
-            <a:schemeClr val="accent1"/>
-          </a:fillRef>
-          <a:effectRef idx="0">
-            <a:schemeClr val="accent1"/>
-          </a:effectRef>
-          <a:fontRef idx="minor">
-            <a:schemeClr val="tx1"/>
-          </a:fontRef>
-        </p:style>
-      </p:cxnSp>
-      <p:sp useBgFill="1">
-        <p:nvSpPr>
-          <p:cNvPr id="77" name="Rectangle 76">
-            <a:extLst>
-              <a:ext uri="{FF2B5EF4-FFF2-40B4-BE49-F238E27FC236}">
-                <a16:creationId xmlns:a16="http://schemas.microsoft.com/office/drawing/2014/main" id="{62C9703D-C8F9-44AD-A7C0-C2F3871F8C1B}"/>
-              </a:ext>
-              <a:ext uri="{C183D7F6-B498-43B3-948B-1728B52AA6E4}">
-                <adec:decorative xmlns:adec="http://schemas.microsoft.com/office/drawing/2017/decorative" val="1"/>
-              </a:ext>
-            </a:extLst>
-          </p:cNvPr>
-          <p:cNvSpPr>
-            <a:spLocks noGrp="1" noRot="1" noChangeAspect="1" noMove="1" noResize="1" noEditPoints="1" noAdjustHandles="1" noChangeArrowheads="1" noChangeShapeType="1" noTextEdit="1"/>
-          </p:cNvSpPr>
-          <p:nvPr>
-            <p:extLst>
-              <p:ext uri="{386F3935-93C4-4BCD-93E2-E3B085C9AB24}">
-                <p16:designElem xmlns:p16="http://schemas.microsoft.com/office/powerpoint/2015/main" val="1"/>
-              </p:ext>
-            </p:extLst>
-          </p:nvPr>
-        </p:nvSpPr>
-        <p:spPr>
-          <a:xfrm>
-            <a:off x="0" y="0"/>
-            <a:ext cx="12192000" cy="6160168"/>
-          </a:xfrm>
-          <a:prstGeom prst="rect">
-            <a:avLst/>
-          </a:prstGeom>
-          <a:ln>
-            <a:noFill/>
-          </a:ln>
-        </p:spPr>
-        <p:style>
-          <a:lnRef idx="2">
-            <a:schemeClr val="accent1">
-              <a:shade val="50000"/>
-            </a:schemeClr>
-          </a:lnRef>
-          <a:fillRef idx="1">
-            <a:schemeClr val="accent1"/>
-          </a:fillRef>
-          <a:effectRef idx="0">
-            <a:schemeClr val="accent1"/>
-          </a:effectRef>
-          <a:fontRef idx="minor">
-            <a:schemeClr val="lt1"/>
-          </a:fontRef>
-        </p:style>
-        <p:txBody>
-          <a:bodyPr rtlCol="0" anchor="ctr"/>
-          <a:lstStyle/>
-          <a:p>
-            <a:pPr algn="ctr"/>
-            <a:endParaRPr lang="en-US"/>
-          </a:p>
-        </p:txBody>
-      </p:sp>
-      <p:pic>
-        <p:nvPicPr>
-          <p:cNvPr id="3074" name="Picture 2" descr="3.6.10.16. Bias and variance of polynomial fit — Scipy lecture notes">
-            <a:extLst>
-              <a:ext uri="{FF2B5EF4-FFF2-40B4-BE49-F238E27FC236}">
-                <a16:creationId xmlns:a16="http://schemas.microsoft.com/office/drawing/2014/main" id="{C790E6D7-7508-EF40-B99A-33851F3E99CE}"/>
-              </a:ext>
-            </a:extLst>
-          </p:cNvPr>
-          <p:cNvPicPr>
-            <a:picLocks noGrp="1" noChangeAspect="1" noChangeArrowheads="1"/>
-          </p:cNvPicPr>
-          <p:nvPr>
-            <p:ph idx="1"/>
-          </p:nvPr>
+          <p:nvPr/>
         </p:nvPicPr>
         <p:blipFill>
-          <a:blip r:embed="rId3">
+          <a:blip r:embed="rId2">
             <a:extLst>
               <a:ext uri="{28A0092B-C50C-407E-A947-70E740481C1C}">
                 <a14:useLocalDpi xmlns:a14="http://schemas.microsoft.com/office/drawing/2010/main" val="0"/>
@@ -6925,8 +9795,8 @@
         </p:blipFill>
         <p:spPr bwMode="auto">
           <a:xfrm>
-            <a:off x="643467" y="953596"/>
-            <a:ext cx="10905066" cy="4252976"/>
+            <a:off x="0" y="1853754"/>
+            <a:ext cx="6161583" cy="4621187"/>
           </a:xfrm>
           <a:prstGeom prst="rect">
             <a:avLst/>
@@ -6943,10 +9813,93 @@
           </a:extLst>
         </p:spPr>
       </p:pic>
+      <p:sp>
+        <p:nvSpPr>
+          <p:cNvPr id="3" name="Content Placeholder 2">
+            <a:extLst>
+              <a:ext uri="{FF2B5EF4-FFF2-40B4-BE49-F238E27FC236}">
+                <a16:creationId xmlns:a16="http://schemas.microsoft.com/office/drawing/2014/main" id="{4102AFAF-794C-DC88-7B8A-3EC01CE9FBBD}"/>
+              </a:ext>
+            </a:extLst>
+          </p:cNvPr>
+          <p:cNvSpPr>
+            <a:spLocks noGrp="1"/>
+          </p:cNvSpPr>
+          <p:nvPr>
+            <p:ph idx="1"/>
+          </p:nvPr>
+        </p:nvSpPr>
+        <p:spPr>
+          <a:xfrm>
+            <a:off x="6161583" y="1853754"/>
+            <a:ext cx="6030418" cy="4278689"/>
+          </a:xfrm>
+        </p:spPr>
+        <p:txBody>
+          <a:bodyPr>
+            <a:normAutofit/>
+          </a:bodyPr>
+          <a:lstStyle/>
+          <a:p>
+            <a:r>
+              <a:rPr lang="en-US" sz="2400" dirty="0"/>
+              <a:t>This requires specific knowledge to do ‘right’. </a:t>
+            </a:r>
+          </a:p>
+          <a:p>
+            <a:r>
+              <a:rPr lang="en-US" sz="2400" dirty="0"/>
+              <a:t>Medicine has lots of analysis on missing data from medical studies. </a:t>
+            </a:r>
+          </a:p>
+          <a:p>
+            <a:pPr lvl="1"/>
+            <a:r>
+              <a:rPr lang="en-US" sz="2000" dirty="0"/>
+              <a:t>High consequence, hard to get more data, expensive, low-</a:t>
+            </a:r>
+            <a:r>
+              <a:rPr lang="en-US" sz="2000" dirty="0" err="1"/>
+              <a:t>ish</a:t>
+            </a:r>
+            <a:r>
+              <a:rPr lang="en-US" sz="2000" dirty="0"/>
+              <a:t> samples to start. </a:t>
+            </a:r>
+          </a:p>
+          <a:p>
+            <a:pPr lvl="1"/>
+            <a:r>
+              <a:rPr lang="en-US" sz="2000" dirty="0"/>
+              <a:t>Avoid skewing data for things like life exp.</a:t>
+            </a:r>
+          </a:p>
+          <a:p>
+            <a:r>
+              <a:rPr lang="en-US" sz="2400" dirty="0"/>
+              <a:t>For us, we need to make reasonable choices.</a:t>
+            </a:r>
+          </a:p>
+          <a:p>
+            <a:pPr lvl="1"/>
+            <a:r>
+              <a:rPr lang="en-US" sz="2200" dirty="0"/>
+              <a:t>One generally must happen. </a:t>
+            </a:r>
+          </a:p>
+          <a:p>
+            <a:pPr lvl="1"/>
+            <a:r>
+              <a:rPr lang="en-US" sz="2200" dirty="0"/>
+              <a:t> It’s not really a critical thing for us. </a:t>
+            </a:r>
+          </a:p>
+        </p:txBody>
+      </p:sp>
     </p:spTree>
     <p:extLst>
       <p:ext uri="{BB962C8B-B14F-4D97-AF65-F5344CB8AC3E}">
-        <p14:creationId xmlns:p14="http://schemas.microsoft.com/office/powerpoint/2010/main" val="824830062"/>
+        <p14:creationId xmlns:p14="http://schemas.microsoft.com/office/powerpoint/2010/main" val="417589658"/>
       </p:ext>
     </p:extLst>
   </p:cSld>
@@ -6956,8 +9909,8 @@
 </p:sld>
 </file>
 
-<file path=ppt/slides/slide9.xml><?xml version="1.0" encoding="utf-8"?>
-<p:sld xmlns:a="http://schemas.openxmlformats.org/drawingml/2006/main" xmlns:r="http://schemas.openxmlformats.org/officeDocument/2006/relationships" xmlns:p="http://schemas.openxmlformats.org/presentationml/2006/main">
+<file path=ppt/slides/slide8.xml><?xml version="1.0" encoding="utf-8"?>
+<p:sld xmlns:a="http://schemas.openxmlformats.org/drawingml/2006/main" xmlns:r="http://schemas.openxmlformats.org/officeDocument/2006/relationships" xmlns:p="http://schemas.openxmlformats.org/presentationml/2006/main" show="0">
   <p:cSld>
     <p:spTree>
       <p:nvGrpSpPr>
@@ -6978,7 +9931,7 @@
           <p:cNvPr id="2" name="Title 1">
             <a:extLst>
               <a:ext uri="{FF2B5EF4-FFF2-40B4-BE49-F238E27FC236}">
-                <a16:creationId xmlns:a16="http://schemas.microsoft.com/office/drawing/2014/main" id="{0AE415C9-018F-6541-851A-C9C642CA6264}"/>
+                <a16:creationId xmlns:a16="http://schemas.microsoft.com/office/drawing/2014/main" id="{EB84DE43-34D4-8CD9-9375-35D1854072DC}"/>
               </a:ext>
             </a:extLst>
           </p:cNvPr>
@@ -6996,7 +9949,7 @@
           <a:p>
             <a:r>
               <a:rPr lang="en-US" dirty="0"/>
-              <a:t>Variance Error – Tree that is Overfitted </a:t>
+              <a:t>Impute This</a:t>
             </a:r>
           </a:p>
         </p:txBody>
@@ -7006,7 +9959,7 @@
           <p:cNvPr id="3" name="Content Placeholder 2">
             <a:extLst>
               <a:ext uri="{FF2B5EF4-FFF2-40B4-BE49-F238E27FC236}">
-                <a16:creationId xmlns:a16="http://schemas.microsoft.com/office/drawing/2014/main" id="{8ABFF36D-B6F5-B040-9518-D4A55ACA81AC}"/>
+                <a16:creationId xmlns:a16="http://schemas.microsoft.com/office/drawing/2014/main" id="{06E2EB21-CD15-975B-44E8-6C9DA242C608}"/>
               </a:ext>
             </a:extLst>
           </p:cNvPr>
@@ -7017,21 +9970,230 @@
             <p:ph idx="1"/>
           </p:nvPr>
         </p:nvSpPr>
-        <p:spPr/>
+        <p:spPr>
+          <a:xfrm>
+            <a:off x="1451579" y="1853754"/>
+            <a:ext cx="9603275" cy="4129603"/>
+          </a:xfrm>
+        </p:spPr>
         <p:txBody>
           <a:bodyPr/>
           <a:lstStyle/>
           <a:p>
-            <a:endParaRPr lang="en-US"/>
+            <a:r>
+              <a:rPr lang="en-US" dirty="0"/>
+              <a:t>Imputation is something we need and use all the time, but it is more complex in reality. </a:t>
+            </a:r>
+          </a:p>
+          <a:p>
+            <a:r>
+              <a:rPr lang="en-US" dirty="0"/>
+              <a:t>Good imputation requires some more elaborate analysis, unless it is simple. </a:t>
+            </a:r>
+          </a:p>
+          <a:p>
+            <a:r>
+              <a:rPr lang="en-US" dirty="0"/>
+              <a:t>Any solution - imputing or deleting – can introduce bias into the data. </a:t>
+            </a:r>
+          </a:p>
+          <a:p>
+            <a:r>
+              <a:rPr lang="en-US" dirty="0"/>
+              <a:t>Ideally we want to minimize that bias (i.e. don’t change the data patterns):</a:t>
+            </a:r>
+          </a:p>
+          <a:p>
+            <a:pPr lvl="1"/>
+            <a:r>
+              <a:rPr lang="en-US" dirty="0"/>
+              <a:t>If deleting data, we want to ensure that we aren’t deleting data from one part of the dist. </a:t>
+            </a:r>
+          </a:p>
+          <a:p>
+            <a:pPr lvl="1"/>
+            <a:r>
+              <a:rPr lang="en-US" dirty="0"/>
+              <a:t>For imputing data, we want to ensure that the data we insert matches the dist. </a:t>
+            </a:r>
+          </a:p>
+          <a:p>
+            <a:pPr lvl="1"/>
+            <a:r>
+              <a:rPr lang="en-US" dirty="0"/>
+              <a:t>There is no perfect answer – everything is a patch. </a:t>
+            </a:r>
+          </a:p>
+          <a:p>
+            <a:r>
+              <a:rPr lang="en-US" dirty="0"/>
+              <a:t>At a high level, the ML models pick up on patterns in data. Imputation generates fake data, but if done well, won’t impact that pattern – so the model learns the same thing. </a:t>
+            </a:r>
+          </a:p>
+        </p:txBody>
+      </p:sp>
+    </p:spTree>
+    <p:extLst>
+      <p:ext uri="{BB962C8B-B14F-4D97-AF65-F5344CB8AC3E}">
+        <p14:creationId xmlns:p14="http://schemas.microsoft.com/office/powerpoint/2010/main" val="614145989"/>
+      </p:ext>
+    </p:extLst>
+  </p:cSld>
+  <p:clrMapOvr>
+    <a:masterClrMapping/>
+  </p:clrMapOvr>
+</p:sld>
+</file>
+
+<file path=ppt/slides/slide9.xml><?xml version="1.0" encoding="utf-8"?>
+<p:sld xmlns:a="http://schemas.openxmlformats.org/drawingml/2006/main" xmlns:r="http://schemas.openxmlformats.org/officeDocument/2006/relationships" xmlns:p="http://schemas.openxmlformats.org/presentationml/2006/main" show="0">
+  <p:cSld>
+    <p:bg>
+      <p:bgPr>
+        <a:gradFill rotWithShape="1">
+          <a:gsLst>
+            <a:gs pos="0">
+              <a:schemeClr val="bg2">
+                <a:tint val="94000"/>
+                <a:satMod val="80000"/>
+                <a:lumMod val="106000"/>
+              </a:schemeClr>
+            </a:gs>
+            <a:gs pos="100000">
+              <a:schemeClr val="bg2">
+                <a:shade val="80000"/>
+              </a:schemeClr>
+            </a:gs>
+          </a:gsLst>
+          <a:path path="circle">
+            <a:fillToRect l="43000" r="43000" b="100000"/>
+          </a:path>
+        </a:gradFill>
+        <a:effectLst/>
+      </p:bgPr>
+    </p:bg>
+    <p:spTree>
+      <p:nvGrpSpPr>
+        <p:cNvPr id="1" name=""/>
+        <p:cNvGrpSpPr/>
+        <p:nvPr/>
+      </p:nvGrpSpPr>
+      <p:grpSpPr>
+        <a:xfrm>
+          <a:off x="0" y="0"/>
+          <a:ext cx="0" cy="0"/>
+          <a:chOff x="0" y="0"/>
+          <a:chExt cx="0" cy="0"/>
+        </a:xfrm>
+      </p:grpSpPr>
+      <p:sp>
+        <p:nvSpPr>
+          <p:cNvPr id="2" name="Title 1">
+            <a:extLst>
+              <a:ext uri="{FF2B5EF4-FFF2-40B4-BE49-F238E27FC236}">
+                <a16:creationId xmlns:a16="http://schemas.microsoft.com/office/drawing/2014/main" id="{D2C2A6FB-B8EF-94E4-3037-EDA3D44191F5}"/>
+              </a:ext>
+            </a:extLst>
+          </p:cNvPr>
+          <p:cNvSpPr>
+            <a:spLocks noGrp="1"/>
+          </p:cNvSpPr>
+          <p:nvPr>
+            <p:ph type="title"/>
+          </p:nvPr>
+        </p:nvSpPr>
+        <p:spPr>
+          <a:xfrm>
+            <a:off x="1451579" y="804519"/>
+            <a:ext cx="9603275" cy="1049235"/>
+          </a:xfrm>
+        </p:spPr>
+        <p:txBody>
+          <a:bodyPr>
+            <a:normAutofit/>
+          </a:bodyPr>
+          <a:lstStyle/>
+          <a:p>
+            <a:r>
+              <a:rPr lang="en-US" dirty="0"/>
+              <a:t>Example – Linear Regression</a:t>
+            </a:r>
+          </a:p>
+        </p:txBody>
+      </p:sp>
+      <p:sp>
+        <p:nvSpPr>
+          <p:cNvPr id="3" name="Content Placeholder 2">
+            <a:extLst>
+              <a:ext uri="{FF2B5EF4-FFF2-40B4-BE49-F238E27FC236}">
+                <a16:creationId xmlns:a16="http://schemas.microsoft.com/office/drawing/2014/main" id="{7FAA196F-ECBB-5D46-C158-25DD2A698BD3}"/>
+              </a:ext>
+            </a:extLst>
+          </p:cNvPr>
+          <p:cNvSpPr>
+            <a:spLocks noGrp="1"/>
+          </p:cNvSpPr>
+          <p:nvPr>
+            <p:ph idx="1"/>
+          </p:nvPr>
+        </p:nvSpPr>
+        <p:spPr>
+          <a:xfrm>
+            <a:off x="30412" y="1853754"/>
+            <a:ext cx="5118137" cy="4199727"/>
+          </a:xfrm>
+        </p:spPr>
+        <p:txBody>
+          <a:bodyPr>
+            <a:normAutofit/>
+          </a:bodyPr>
+          <a:lstStyle/>
+          <a:p>
+            <a:r>
+              <a:rPr lang="en-US" dirty="0"/>
+              <a:t>This has simple mean imputation on height.</a:t>
+            </a:r>
+          </a:p>
+          <a:p>
+            <a:r>
+              <a:rPr lang="en-US" dirty="0"/>
+              <a:t>Inserting the imputed height introduces some bias. </a:t>
+            </a:r>
+          </a:p>
+          <a:p>
+            <a:pPr lvl="1"/>
+            <a:r>
+              <a:rPr lang="en-US" dirty="0"/>
+              <a:t>The average weight of the imputed data is higher than the observed. </a:t>
+            </a:r>
+          </a:p>
+          <a:p>
+            <a:pPr lvl="1"/>
+            <a:r>
+              <a:rPr lang="en-US" dirty="0"/>
+              <a:t>Those heavy players are likely taller in reality. </a:t>
+            </a:r>
+          </a:p>
+          <a:p>
+            <a:r>
+              <a:rPr lang="en-US" dirty="0"/>
+              <a:t>The model shifts due to bias. </a:t>
+            </a:r>
+          </a:p>
+          <a:p>
+            <a:r>
+              <a:rPr lang="en-US" dirty="0"/>
+              <a:t>The upper picture is better – no change in pattern of the data. </a:t>
+            </a:r>
           </a:p>
         </p:txBody>
       </p:sp>
       <p:pic>
         <p:nvPicPr>
-          <p:cNvPr id="2050" name="Picture 2" descr="Exercise 2 Evaluating Overfitting Risk of a | Chegg.com">
+          <p:cNvPr id="3074" name="Picture 2" descr="3 problems with mean imputation - The DO Loop">
             <a:extLst>
               <a:ext uri="{FF2B5EF4-FFF2-40B4-BE49-F238E27FC236}">
-                <a16:creationId xmlns:a16="http://schemas.microsoft.com/office/drawing/2014/main" id="{46B7ABF7-5F76-694B-A31D-282AFD539DBD}"/>
+                <a16:creationId xmlns:a16="http://schemas.microsoft.com/office/drawing/2014/main" id="{2902D8A1-12D1-46A2-C5D3-1DB78B5DBC6A}"/>
               </a:ext>
             </a:extLst>
           </p:cNvPr>
@@ -7040,7 +10202,7 @@
           </p:cNvPicPr>
           <p:nvPr/>
         </p:nvPicPr>
-        <p:blipFill rotWithShape="1">
+        <p:blipFill>
           <a:blip r:embed="rId2">
             <a:extLst>
               <a:ext uri="{28A0092B-C50C-407E-A947-70E740481C1C}">
@@ -7048,13 +10210,14 @@
               </a:ext>
             </a:extLst>
           </a:blip>
-          <a:srcRect l="23478" r="36655"/>
-          <a:stretch/>
+          <a:stretch>
+            <a:fillRect/>
+          </a:stretch>
         </p:blipFill>
         <p:spPr bwMode="auto">
           <a:xfrm>
-            <a:off x="3895567" y="1391655"/>
-            <a:ext cx="4400866" cy="5466345"/>
+            <a:off x="5148549" y="1575413"/>
+            <a:ext cx="7043451" cy="5282587"/>
           </a:xfrm>
           <a:prstGeom prst="rect">
             <a:avLst/>
@@ -7071,10 +10234,55 @@
           </a:extLst>
         </p:spPr>
       </p:pic>
+      <p:pic>
+        <p:nvPicPr>
+          <p:cNvPr id="3076" name="Picture 4" descr="1.3.1 Listwise deletion">
+            <a:extLst>
+              <a:ext uri="{FF2B5EF4-FFF2-40B4-BE49-F238E27FC236}">
+                <a16:creationId xmlns:a16="http://schemas.microsoft.com/office/drawing/2014/main" id="{E5AC9998-DB6D-4609-3CA6-196723063939}"/>
+              </a:ext>
+            </a:extLst>
+          </p:cNvPr>
+          <p:cNvPicPr>
+            <a:picLocks noChangeAspect="1" noChangeArrowheads="1"/>
+          </p:cNvPicPr>
+          <p:nvPr/>
+        </p:nvPicPr>
+        <p:blipFill rotWithShape="1">
+          <a:blip r:embed="rId3">
+            <a:extLst>
+              <a:ext uri="{28A0092B-C50C-407E-A947-70E740481C1C}">
+                <a14:useLocalDpi xmlns:a14="http://schemas.microsoft.com/office/drawing/2010/main" val="0"/>
+              </a:ext>
+            </a:extLst>
+          </a:blip>
+          <a:srcRect l="50878" t="2872" r="1892" b="4897"/>
+          <a:stretch/>
+        </p:blipFill>
+        <p:spPr bwMode="auto">
+          <a:xfrm>
+            <a:off x="9611392" y="38158"/>
+            <a:ext cx="2580607" cy="2519691"/>
+          </a:xfrm>
+          <a:prstGeom prst="rect">
+            <a:avLst/>
+          </a:prstGeom>
+          <a:noFill/>
+          <a:extLst>
+            <a:ext uri="{909E8E84-426E-40DD-AFC4-6F175D3DCCD1}">
+              <a14:hiddenFill xmlns:a14="http://schemas.microsoft.com/office/drawing/2010/main">
+                <a:solidFill>
+                  <a:srgbClr val="FFFFFF"/>
+                </a:solidFill>
+              </a14:hiddenFill>
+            </a:ext>
+          </a:extLst>
+        </p:spPr>
+      </p:pic>
     </p:spTree>
     <p:extLst>
       <p:ext uri="{BB962C8B-B14F-4D97-AF65-F5344CB8AC3E}">
-        <p14:creationId xmlns:p14="http://schemas.microsoft.com/office/powerpoint/2010/main" val="2769628144"/>
+        <p14:creationId xmlns:p14="http://schemas.microsoft.com/office/powerpoint/2010/main" val="1247465383"/>
       </p:ext>
     </p:extLst>
   </p:cSld>

--- a/reference_content/Slides/007_Basis_and_Regularization.pptx
+++ b/reference_content/Slides/007_Basis_and_Regularization.pptx
@@ -14,34 +14,44 @@
     <p:sldId id="280" r:id="rId8"/>
     <p:sldId id="281" r:id="rId9"/>
     <p:sldId id="282" r:id="rId10"/>
-    <p:sldId id="289" r:id="rId11"/>
-    <p:sldId id="290" r:id="rId12"/>
-    <p:sldId id="291" r:id="rId13"/>
-    <p:sldId id="292" r:id="rId14"/>
-    <p:sldId id="293" r:id="rId15"/>
-    <p:sldId id="256" r:id="rId16"/>
-    <p:sldId id="259" r:id="rId17"/>
-    <p:sldId id="260" r:id="rId18"/>
-    <p:sldId id="261" r:id="rId19"/>
-    <p:sldId id="262" r:id="rId20"/>
-    <p:sldId id="263" r:id="rId21"/>
-    <p:sldId id="264" r:id="rId22"/>
-    <p:sldId id="258" r:id="rId23"/>
-    <p:sldId id="266" r:id="rId24"/>
-    <p:sldId id="267" r:id="rId25"/>
-    <p:sldId id="268" r:id="rId26"/>
-    <p:sldId id="269" r:id="rId27"/>
-    <p:sldId id="283" r:id="rId28"/>
-    <p:sldId id="284" r:id="rId29"/>
-    <p:sldId id="257" r:id="rId30"/>
-    <p:sldId id="265" r:id="rId31"/>
-    <p:sldId id="270" r:id="rId32"/>
-    <p:sldId id="285" r:id="rId33"/>
-    <p:sldId id="287" r:id="rId34"/>
-    <p:sldId id="271" r:id="rId35"/>
-    <p:sldId id="288" r:id="rId36"/>
-    <p:sldId id="272" r:id="rId37"/>
-    <p:sldId id="273" r:id="rId38"/>
+    <p:sldId id="301" r:id="rId11"/>
+    <p:sldId id="289" r:id="rId12"/>
+    <p:sldId id="290" r:id="rId13"/>
+    <p:sldId id="291" r:id="rId14"/>
+    <p:sldId id="292" r:id="rId15"/>
+    <p:sldId id="293" r:id="rId16"/>
+    <p:sldId id="256" r:id="rId17"/>
+    <p:sldId id="259" r:id="rId18"/>
+    <p:sldId id="260" r:id="rId19"/>
+    <p:sldId id="294" r:id="rId20"/>
+    <p:sldId id="261" r:id="rId21"/>
+    <p:sldId id="302" r:id="rId22"/>
+    <p:sldId id="262" r:id="rId23"/>
+    <p:sldId id="263" r:id="rId24"/>
+    <p:sldId id="303" r:id="rId25"/>
+    <p:sldId id="297" r:id="rId26"/>
+    <p:sldId id="295" r:id="rId27"/>
+    <p:sldId id="298" r:id="rId28"/>
+    <p:sldId id="296" r:id="rId29"/>
+    <p:sldId id="264" r:id="rId30"/>
+    <p:sldId id="258" r:id="rId31"/>
+    <p:sldId id="266" r:id="rId32"/>
+    <p:sldId id="267" r:id="rId33"/>
+    <p:sldId id="268" r:id="rId34"/>
+    <p:sldId id="269" r:id="rId35"/>
+    <p:sldId id="283" r:id="rId36"/>
+    <p:sldId id="284" r:id="rId37"/>
+    <p:sldId id="257" r:id="rId38"/>
+    <p:sldId id="265" r:id="rId39"/>
+    <p:sldId id="270" r:id="rId40"/>
+    <p:sldId id="285" r:id="rId41"/>
+    <p:sldId id="299" r:id="rId42"/>
+    <p:sldId id="287" r:id="rId43"/>
+    <p:sldId id="271" r:id="rId44"/>
+    <p:sldId id="300" r:id="rId45"/>
+    <p:sldId id="288" r:id="rId46"/>
+    <p:sldId id="272" r:id="rId47"/>
+    <p:sldId id="273" r:id="rId48"/>
   </p:sldIdLst>
   <p:sldSz cx="12192000" cy="6858000"/>
   <p:notesSz cx="6858000" cy="9144000"/>
@@ -3645,7 +3655,7 @@
 </file>
 
 <file path=ppt/slides/slide1.xml><?xml version="1.0" encoding="utf-8"?>
-<p:sld xmlns:a="http://schemas.openxmlformats.org/drawingml/2006/main" xmlns:r="http://schemas.openxmlformats.org/officeDocument/2006/relationships" xmlns:p="http://schemas.openxmlformats.org/presentationml/2006/main">
+<p:sld xmlns:a="http://schemas.openxmlformats.org/drawingml/2006/main" xmlns:r="http://schemas.openxmlformats.org/officeDocument/2006/relationships" xmlns:p="http://schemas.openxmlformats.org/presentationml/2006/main" show="0">
   <p:cSld>
     <p:spTree>
       <p:nvGrpSpPr>
@@ -3803,7 +3813,7 @@
           <p:cNvPr id="2" name="Title 1">
             <a:extLst>
               <a:ext uri="{FF2B5EF4-FFF2-40B4-BE49-F238E27FC236}">
-                <a16:creationId xmlns:a16="http://schemas.microsoft.com/office/drawing/2014/main" id="{3CAE0C32-FEA6-8211-AB14-F349D363AC8A}"/>
+                <a16:creationId xmlns:a16="http://schemas.microsoft.com/office/drawing/2014/main" id="{40ED79E0-3965-7AF2-FFB9-878B31B7F4A9}"/>
               </a:ext>
             </a:extLst>
           </p:cNvPr>
@@ -3821,7 +3831,15 @@
           <a:p>
             <a:r>
               <a:rPr lang="en-US" dirty="0"/>
-              <a:t>A thing Happened!</a:t>
+              <a:t>Housekeeping – </a:t>
+            </a:r>
+            <a:r>
+              <a:rPr lang="en-US" dirty="0" err="1"/>
+              <a:t>BiG</a:t>
+            </a:r>
+            <a:r>
+              <a:rPr lang="en-US" dirty="0"/>
+              <a:t> Time ML Stuff!</a:t>
             </a:r>
           </a:p>
         </p:txBody>
@@ -3831,7 +3849,7 @@
           <p:cNvPr id="3" name="Content Placeholder 2">
             <a:extLst>
               <a:ext uri="{FF2B5EF4-FFF2-40B4-BE49-F238E27FC236}">
-                <a16:creationId xmlns:a16="http://schemas.microsoft.com/office/drawing/2014/main" id="{6281FDF7-2F2A-D3C7-5E2D-95D8551DDAB8}"/>
+                <a16:creationId xmlns:a16="http://schemas.microsoft.com/office/drawing/2014/main" id="{B762819E-D5B7-02EC-A934-CBF54A96ED4B}"/>
               </a:ext>
             </a:extLst>
           </p:cNvPr>
@@ -3844,8 +3862,8 @@
         </p:nvSpPr>
         <p:spPr>
           <a:xfrm>
-            <a:off x="1451579" y="1853754"/>
-            <a:ext cx="9603275" cy="4199727"/>
+            <a:off x="1451579" y="1853755"/>
+            <a:ext cx="9603275" cy="4199726"/>
           </a:xfrm>
         </p:spPr>
         <p:txBody>
@@ -3854,70 +3872,76 @@
           <a:p>
             <a:r>
               <a:rPr lang="en-US" dirty="0"/>
-              <a:t>There’s been new news on machine learning in the past week or so. </a:t>
-            </a:r>
-          </a:p>
-          <a:p>
-            <a:r>
-              <a:rPr lang="en-US" dirty="0"/>
-              <a:t>Existing large models are basically mega-</a:t>
+              <a:t>Regularization in linear models:</a:t>
+            </a:r>
+          </a:p>
+          <a:p>
+            <a:pPr lvl="1"/>
+            <a:r>
+              <a:rPr lang="en-US" dirty="0"/>
+              <a:t>Basis functions and bias/variance fit review. </a:t>
+            </a:r>
+          </a:p>
+          <a:p>
+            <a:pPr lvl="1"/>
+            <a:r>
+              <a:rPr lang="en-US" dirty="0"/>
+              <a:t>Residual plots and analysis. </a:t>
+            </a:r>
+          </a:p>
+          <a:p>
+            <a:pPr lvl="1"/>
+            <a:r>
+              <a:rPr lang="en-US" dirty="0"/>
+              <a:t>Types and theory of regularization. </a:t>
+            </a:r>
+          </a:p>
+          <a:p>
+            <a:pPr lvl="1"/>
+            <a:r>
+              <a:rPr lang="en-US" dirty="0"/>
+              <a:t>Variable selection with regularization. </a:t>
+            </a:r>
+          </a:p>
+          <a:p>
+            <a:r>
+              <a:rPr lang="en-US" dirty="0"/>
+              <a:t>Checkpoint – manipulating data and pipelines. </a:t>
+            </a:r>
+          </a:p>
+          <a:p>
+            <a:pPr lvl="1"/>
+            <a:r>
+              <a:rPr lang="en-US" dirty="0"/>
+              <a:t>Next time we’ll use some 2D data – images. </a:t>
+            </a:r>
+          </a:p>
+          <a:p>
+            <a:pPr lvl="1"/>
+            <a:r>
+              <a:rPr lang="en-US" dirty="0"/>
+              <a:t>It isn’t really hard, but it is a bit easier to get confused with data, shapes, </a:t>
             </a:r>
             <a:r>
               <a:rPr lang="en-US" dirty="0" err="1"/>
-              <a:t>corp</a:t>
-            </a:r>
-            <a:r>
-              <a:rPr lang="en-US" dirty="0"/>
-              <a:t> only due to needed resources. </a:t>
-            </a:r>
-          </a:p>
-          <a:p>
-            <a:pPr lvl="1"/>
-            <a:r>
-              <a:rPr lang="en-US" dirty="0"/>
-              <a:t>10s of thousands of GPUs, each costing 10s of thousands of dollars, to train. </a:t>
-            </a:r>
-          </a:p>
-          <a:p>
-            <a:pPr lvl="1"/>
-            <a:r>
-              <a:rPr lang="en-US" dirty="0"/>
-              <a:t>Companies are literally looking at nuclear reactors to power the data centers. </a:t>
-            </a:r>
-          </a:p>
-          <a:p>
-            <a:pPr lvl="1"/>
-            <a:r>
-              <a:rPr lang="en-US" dirty="0"/>
-              <a:t>Costs can be in the hundreds of millions, next-gen models may cost billions to train. </a:t>
-            </a:r>
-          </a:p>
-          <a:p>
-            <a:pPr lvl="1"/>
-            <a:r>
-              <a:rPr lang="en-US" dirty="0"/>
-              <a:t>Only Google, FB, MS invested OpenAI can really do this, no one else has the resources. </a:t>
-            </a:r>
-          </a:p>
-          <a:p>
-            <a:r>
-              <a:rPr lang="en-US" dirty="0"/>
-              <a:t>A Chinese company </a:t>
-            </a:r>
-            <a:r>
-              <a:rPr lang="en-US" dirty="0" err="1"/>
-              <a:t>Deepseek</a:t>
-            </a:r>
-            <a:r>
-              <a:rPr lang="en-US" dirty="0"/>
-              <a:t> released a new model that is supposedly much more efficient on HW and training time than competitors like ChatGPT. </a:t>
-            </a:r>
-          </a:p>
-          <a:p>
-            <a:pPr lvl="1"/>
-            <a:r>
-              <a:rPr lang="en-US" dirty="0"/>
-              <a:t>This was apparently a side project of some hedge fund guys? They had spare GPU time. </a:t>
+              <a:t>etc</a:t>
+            </a:r>
+            <a:r>
+              <a:rPr lang="en-US" dirty="0"/>
+              <a:t>…</a:t>
+            </a:r>
+          </a:p>
+          <a:p>
+            <a:pPr lvl="1"/>
+            <a:r>
+              <a:rPr lang="en-US" dirty="0"/>
+              <a:t>If this feels hard or confusing, please ask and we can try to figure it out. </a:t>
+            </a:r>
+          </a:p>
+          <a:p>
+            <a:r>
+              <a:rPr lang="en-US" dirty="0"/>
+              <a:t>You guys are all comfortable with one-hot encoding, right?</a:t>
             </a:r>
           </a:p>
         </p:txBody>
@@ -3925,7 +3949,7 @@
     </p:spTree>
     <p:extLst>
       <p:ext uri="{BB962C8B-B14F-4D97-AF65-F5344CB8AC3E}">
-        <p14:creationId xmlns:p14="http://schemas.microsoft.com/office/powerpoint/2010/main" val="4096302586"/>
+        <p14:creationId xmlns:p14="http://schemas.microsoft.com/office/powerpoint/2010/main" val="2125533325"/>
       </p:ext>
     </p:extLst>
   </p:cSld>
@@ -3957,7 +3981,7 @@
           <p:cNvPr id="2" name="Title 1">
             <a:extLst>
               <a:ext uri="{FF2B5EF4-FFF2-40B4-BE49-F238E27FC236}">
-                <a16:creationId xmlns:a16="http://schemas.microsoft.com/office/drawing/2014/main" id="{9987640C-6ECC-32F9-9863-7211AC0E0725}"/>
+                <a16:creationId xmlns:a16="http://schemas.microsoft.com/office/drawing/2014/main" id="{3CAE0C32-FEA6-8211-AB14-F349D363AC8A}"/>
               </a:ext>
             </a:extLst>
           </p:cNvPr>
@@ -3975,7 +3999,7 @@
           <a:p>
             <a:r>
               <a:rPr lang="en-US" dirty="0"/>
-              <a:t>This Could be Really Big!</a:t>
+              <a:t>A thing Happened!</a:t>
             </a:r>
           </a:p>
         </p:txBody>
@@ -3985,7 +4009,7 @@
           <p:cNvPr id="3" name="Content Placeholder 2">
             <a:extLst>
               <a:ext uri="{FF2B5EF4-FFF2-40B4-BE49-F238E27FC236}">
-                <a16:creationId xmlns:a16="http://schemas.microsoft.com/office/drawing/2014/main" id="{568A17D5-4BEE-85AF-285A-1C02DCB36DC3}"/>
+                <a16:creationId xmlns:a16="http://schemas.microsoft.com/office/drawing/2014/main" id="{6281FDF7-2F2A-D3C7-5E2D-95D8551DDAB8}"/>
               </a:ext>
             </a:extLst>
           </p:cNvPr>
@@ -3998,82 +4022,80 @@
         </p:nvSpPr>
         <p:spPr>
           <a:xfrm>
-            <a:off x="1346885" y="1853754"/>
-            <a:ext cx="9934833" cy="4199727"/>
-          </a:xfrm>
-        </p:spPr>
-        <p:txBody>
-          <a:bodyPr>
-            <a:normAutofit/>
-          </a:bodyPr>
-          <a:lstStyle/>
-          <a:p>
-            <a:r>
-              <a:rPr lang="en-US" dirty="0"/>
-              <a:t>The </a:t>
+            <a:off x="1451579" y="1853754"/>
+            <a:ext cx="9603275" cy="4199727"/>
+          </a:xfrm>
+        </p:spPr>
+        <p:txBody>
+          <a:bodyPr/>
+          <a:lstStyle/>
+          <a:p>
+            <a:r>
+              <a:rPr lang="en-US" dirty="0"/>
+              <a:t>There’s been new news on machine learning in the past week or so. </a:t>
+            </a:r>
+          </a:p>
+          <a:p>
+            <a:r>
+              <a:rPr lang="en-US" dirty="0"/>
+              <a:t>Existing large models are basically mega-</a:t>
             </a:r>
             <a:r>
               <a:rPr lang="en-US" dirty="0" err="1"/>
-              <a:t>DeepSeek</a:t>
-            </a:r>
-            <a:r>
-              <a:rPr lang="en-US" dirty="0"/>
-              <a:t> people made the training process more efficient, keeping performance. </a:t>
-            </a:r>
-          </a:p>
-          <a:p>
-            <a:pPr lvl="1"/>
-            <a:r>
-              <a:rPr lang="en-US" dirty="0"/>
-              <a:t>A bunch of optimizations – lower precision values, multi-token predictions (later). </a:t>
-            </a:r>
-          </a:p>
-          <a:p>
-            <a:pPr lvl="1"/>
-            <a:r>
-              <a:rPr lang="en-US" dirty="0"/>
-              <a:t>Mixture of Experts – basically a combination of smaller specialized models vs one massive. </a:t>
-            </a:r>
-          </a:p>
-          <a:p>
-            <a:pPr lvl="1"/>
-            <a:r>
-              <a:rPr lang="en-US" dirty="0"/>
-              <a:t>Other optimizations to maximize utilization and minimize moving data. </a:t>
-            </a:r>
-          </a:p>
-          <a:p>
-            <a:pPr lvl="1"/>
-            <a:r>
-              <a:rPr lang="en-US" dirty="0"/>
-              <a:t>This stuff already exists, so it might also have some private stuff or a weird combo. </a:t>
-            </a:r>
-          </a:p>
-          <a:p>
-            <a:pPr lvl="1"/>
-            <a:r>
-              <a:rPr lang="en-US" dirty="0"/>
-              <a:t>Much more achievable on consumer grade hardware, or lower end enterprise. </a:t>
-            </a:r>
-          </a:p>
-          <a:p>
-            <a:r>
-              <a:rPr lang="en-US" dirty="0"/>
-              <a:t>If these techniques work well in general, we should see smaller (universities, hobbyists, small companies) orgs able to develop models that are more competitive with the large players. </a:t>
-            </a:r>
-          </a:p>
-          <a:p>
-            <a:pPr lvl="1"/>
-            <a:r>
-              <a:rPr lang="en-US" dirty="0"/>
-              <a:t>~$5 million vs ~$100 million training costs for similar performance. (Rumored)</a:t>
-            </a:r>
-          </a:p>
-          <a:p>
-            <a:pPr lvl="1"/>
-            <a:r>
-              <a:rPr lang="en-US" dirty="0"/>
-              <a:t>China is under US export restrictions stopping them from getting state of the art GPUs. </a:t>
+              <a:t>corp</a:t>
+            </a:r>
+            <a:r>
+              <a:rPr lang="en-US" dirty="0"/>
+              <a:t> only due to needed resources. </a:t>
+            </a:r>
+          </a:p>
+          <a:p>
+            <a:pPr lvl="1"/>
+            <a:r>
+              <a:rPr lang="en-US" dirty="0"/>
+              <a:t>10s of thousands of GPUs, each costing 10s of thousands of dollars, to train. </a:t>
+            </a:r>
+          </a:p>
+          <a:p>
+            <a:pPr lvl="1"/>
+            <a:r>
+              <a:rPr lang="en-US" dirty="0"/>
+              <a:t>Companies are literally looking at nuclear reactors to power the data centers. </a:t>
+            </a:r>
+          </a:p>
+          <a:p>
+            <a:pPr lvl="1"/>
+            <a:r>
+              <a:rPr lang="en-US" dirty="0"/>
+              <a:t>Costs can be in the hundreds of millions, next-gen models may cost billions to train. </a:t>
+            </a:r>
+          </a:p>
+          <a:p>
+            <a:pPr lvl="1"/>
+            <a:r>
+              <a:rPr lang="en-US" dirty="0"/>
+              <a:t>Only Google, FB, MS invested OpenAI can really do this, no one else has the resources. </a:t>
+            </a:r>
+          </a:p>
+          <a:p>
+            <a:r>
+              <a:rPr lang="en-US" dirty="0"/>
+              <a:t>A Chinese company </a:t>
+            </a:r>
+            <a:r>
+              <a:rPr lang="en-US" dirty="0" err="1"/>
+              <a:t>Deepseek</a:t>
+            </a:r>
+            <a:r>
+              <a:rPr lang="en-US" dirty="0"/>
+              <a:t> released a new model that is supposedly much more efficient on HW and training time than competitors like ChatGPT. </a:t>
+            </a:r>
+          </a:p>
+          <a:p>
+            <a:pPr lvl="1"/>
+            <a:r>
+              <a:rPr lang="en-US" dirty="0"/>
+              <a:t>This was apparently a side project of some hedge fund guys? They had spare GPU time. </a:t>
             </a:r>
           </a:p>
         </p:txBody>
@@ -4081,7 +4103,7 @@
     </p:spTree>
     <p:extLst>
       <p:ext uri="{BB962C8B-B14F-4D97-AF65-F5344CB8AC3E}">
-        <p14:creationId xmlns:p14="http://schemas.microsoft.com/office/powerpoint/2010/main" val="1293684338"/>
+        <p14:creationId xmlns:p14="http://schemas.microsoft.com/office/powerpoint/2010/main" val="4096302586"/>
       </p:ext>
     </p:extLst>
   </p:cSld>
@@ -4113,7 +4135,7 @@
           <p:cNvPr id="2" name="Title 1">
             <a:extLst>
               <a:ext uri="{FF2B5EF4-FFF2-40B4-BE49-F238E27FC236}">
-                <a16:creationId xmlns:a16="http://schemas.microsoft.com/office/drawing/2014/main" id="{DC99E821-FDD0-AE9E-9903-2BD26964CDB7}"/>
+                <a16:creationId xmlns:a16="http://schemas.microsoft.com/office/drawing/2014/main" id="{9987640C-6ECC-32F9-9863-7211AC0E0725}"/>
               </a:ext>
             </a:extLst>
           </p:cNvPr>
@@ -4131,7 +4153,7 @@
           <a:p>
             <a:r>
               <a:rPr lang="en-US" dirty="0"/>
-              <a:t>Changes May be Underfoot</a:t>
+              <a:t>This Could be Really Big!</a:t>
             </a:r>
           </a:p>
         </p:txBody>
@@ -4141,7 +4163,7 @@
           <p:cNvPr id="3" name="Content Placeholder 2">
             <a:extLst>
               <a:ext uri="{FF2B5EF4-FFF2-40B4-BE49-F238E27FC236}">
-                <a16:creationId xmlns:a16="http://schemas.microsoft.com/office/drawing/2014/main" id="{FA979DD7-0791-A1C2-E059-8A29DB0B10F0}"/>
+                <a16:creationId xmlns:a16="http://schemas.microsoft.com/office/drawing/2014/main" id="{568A17D5-4BEE-85AF-285A-1C02DCB36DC3}"/>
               </a:ext>
             </a:extLst>
           </p:cNvPr>
@@ -4154,8 +4176,8 @@
         </p:nvSpPr>
         <p:spPr>
           <a:xfrm>
-            <a:off x="1334530" y="1853754"/>
-            <a:ext cx="10058399" cy="4199727"/>
+            <a:off x="1346885" y="1853754"/>
+            <a:ext cx="9934833" cy="4199727"/>
           </a:xfrm>
         </p:spPr>
         <p:txBody>
@@ -4166,62 +4188,70 @@
           <a:p>
             <a:r>
               <a:rPr lang="en-US" dirty="0"/>
-              <a:t>This may potentially cause serious changes in the industry soon. </a:t>
-            </a:r>
-          </a:p>
-          <a:p>
-            <a:pPr lvl="1"/>
-            <a:r>
-              <a:rPr lang="en-US" dirty="0"/>
-              <a:t>NVDA lost $600 billion in one day of trading. </a:t>
-            </a:r>
-          </a:p>
-          <a:p>
-            <a:pPr lvl="1"/>
-            <a:r>
-              <a:rPr lang="en-US" dirty="0"/>
-              <a:t>Facebook is said to be readying “multiple war rooms” (which sounds appropriately stupid) to figure out the details of how it works. </a:t>
-            </a:r>
-          </a:p>
-          <a:p>
-            <a:r>
-              <a:rPr lang="en-US" dirty="0"/>
-              <a:t>GPU market might change drastically – NVDA was really juicing their monopoly position. </a:t>
-            </a:r>
-          </a:p>
-          <a:p>
-            <a:pPr lvl="1"/>
-            <a:r>
-              <a:rPr lang="en-US" dirty="0"/>
-              <a:t>The GPUs needed for this are </a:t>
+              <a:t>The </a:t>
             </a:r>
             <a:r>
               <a:rPr lang="en-US" dirty="0" err="1"/>
-              <a:t>nVidia</a:t>
-            </a:r>
-            <a:r>
-              <a:rPr lang="en-US" dirty="0"/>
-              <a:t> only, expensive, and limited – the company controlled this. </a:t>
-            </a:r>
-          </a:p>
-          <a:p>
-            <a:r>
-              <a:rPr lang="en-US" dirty="0"/>
-              <a:t>The ability to run inference (generate data) on smaller devices may be huge. (Reading needed)</a:t>
-            </a:r>
-          </a:p>
-          <a:p>
-            <a:pPr lvl="1"/>
-            <a:r>
-              <a:rPr lang="en-US" dirty="0"/>
-              <a:t>Smarter Siri-like AI models able to run offline. On-device things like self driving cars may be better. </a:t>
-            </a:r>
-          </a:p>
-          <a:p>
-            <a:pPr lvl="1"/>
-            <a:r>
-              <a:rPr lang="en-US" dirty="0"/>
-              <a:t>For data sensitive clients, this may matter a lot – a bank won’t provide their data to OAI for customized models, creating a large custom one from scratch is too expensive, this may bridge. </a:t>
+              <a:t>DeepSeek</a:t>
+            </a:r>
+            <a:r>
+              <a:rPr lang="en-US" dirty="0"/>
+              <a:t> people made the training process more efficient, keeping performance. </a:t>
+            </a:r>
+          </a:p>
+          <a:p>
+            <a:pPr lvl="1"/>
+            <a:r>
+              <a:rPr lang="en-US" dirty="0"/>
+              <a:t>A bunch of optimizations – lower precision values, multi-token predictions (later). </a:t>
+            </a:r>
+          </a:p>
+          <a:p>
+            <a:pPr lvl="1"/>
+            <a:r>
+              <a:rPr lang="en-US" dirty="0"/>
+              <a:t>Mixture of Experts – basically a combination of smaller specialized models vs one massive. </a:t>
+            </a:r>
+          </a:p>
+          <a:p>
+            <a:pPr lvl="1"/>
+            <a:r>
+              <a:rPr lang="en-US" dirty="0"/>
+              <a:t>Other optimizations to maximize utilization and minimize moving data. </a:t>
+            </a:r>
+          </a:p>
+          <a:p>
+            <a:pPr lvl="1"/>
+            <a:r>
+              <a:rPr lang="en-US" dirty="0"/>
+              <a:t>This stuff already exists, so it might also have some private stuff or a weird combo. </a:t>
+            </a:r>
+          </a:p>
+          <a:p>
+            <a:pPr lvl="1"/>
+            <a:r>
+              <a:rPr lang="en-US" dirty="0"/>
+              <a:t>Much more achievable on consumer grade hardware, or lower end enterprise. </a:t>
+            </a:r>
+          </a:p>
+          <a:p>
+            <a:r>
+              <a:rPr lang="en-US" dirty="0"/>
+              <a:t>If these techniques work well in general, we should see smaller (universities, hobbyists, small companies) orgs able to develop models that are more competitive with the large players. </a:t>
+            </a:r>
+          </a:p>
+          <a:p>
+            <a:pPr lvl="1"/>
+            <a:r>
+              <a:rPr lang="en-US" dirty="0"/>
+              <a:t>~$5 million vs ~$100 million training costs for similar performance. (Rumored)</a:t>
+            </a:r>
+          </a:p>
+          <a:p>
+            <a:pPr lvl="1"/>
+            <a:r>
+              <a:rPr lang="en-US" dirty="0"/>
+              <a:t>China is under US export restrictions stopping them from getting state of the art GPUs. </a:t>
             </a:r>
           </a:p>
         </p:txBody>
@@ -4229,7 +4259,7 @@
     </p:spTree>
     <p:extLst>
       <p:ext uri="{BB962C8B-B14F-4D97-AF65-F5344CB8AC3E}">
-        <p14:creationId xmlns:p14="http://schemas.microsoft.com/office/powerpoint/2010/main" val="1928250268"/>
+        <p14:creationId xmlns:p14="http://schemas.microsoft.com/office/powerpoint/2010/main" val="1293684338"/>
       </p:ext>
     </p:extLst>
   </p:cSld>
@@ -4261,7 +4291,7 @@
           <p:cNvPr id="2" name="Title 1">
             <a:extLst>
               <a:ext uri="{FF2B5EF4-FFF2-40B4-BE49-F238E27FC236}">
-                <a16:creationId xmlns:a16="http://schemas.microsoft.com/office/drawing/2014/main" id="{86955CAA-CEDC-AB0D-A911-3C28EC9E15DF}"/>
+                <a16:creationId xmlns:a16="http://schemas.microsoft.com/office/drawing/2014/main" id="{DC99E821-FDD0-AE9E-9903-2BD26964CDB7}"/>
               </a:ext>
             </a:extLst>
           </p:cNvPr>
@@ -4279,7 +4309,7 @@
           <a:p>
             <a:r>
               <a:rPr lang="en-US" dirty="0"/>
-              <a:t>Farther Out</a:t>
+              <a:t>Changes May be Underfoot</a:t>
             </a:r>
           </a:p>
         </p:txBody>
@@ -4289,7 +4319,7 @@
           <p:cNvPr id="3" name="Content Placeholder 2">
             <a:extLst>
               <a:ext uri="{FF2B5EF4-FFF2-40B4-BE49-F238E27FC236}">
-                <a16:creationId xmlns:a16="http://schemas.microsoft.com/office/drawing/2014/main" id="{EE8DDC6A-0B70-33B0-2DB3-66BD191CA269}"/>
+                <a16:creationId xmlns:a16="http://schemas.microsoft.com/office/drawing/2014/main" id="{FA979DD7-0791-A1C2-E059-8A29DB0B10F0}"/>
               </a:ext>
             </a:extLst>
           </p:cNvPr>
@@ -4302,8 +4332,8 @@
         </p:nvSpPr>
         <p:spPr>
           <a:xfrm>
-            <a:off x="1309816" y="1853754"/>
-            <a:ext cx="10169611" cy="4199727"/>
+            <a:off x="1334530" y="1853754"/>
+            <a:ext cx="10058399" cy="4199727"/>
           </a:xfrm>
         </p:spPr>
         <p:txBody>
@@ -4314,61 +4344,62 @@
           <a:p>
             <a:r>
               <a:rPr lang="en-US" dirty="0"/>
-              <a:t>Adapting something like this to image/video models could be even more impactful. </a:t>
-            </a:r>
-          </a:p>
-          <a:p>
-            <a:pPr lvl="1"/>
-            <a:r>
-              <a:rPr lang="en-US" dirty="0"/>
-              <a:t>Could reduce massive video needs ‘down to’ the current expensive GPU specs. </a:t>
-            </a:r>
-          </a:p>
-          <a:p>
-            <a:pPr lvl="1"/>
-            <a:r>
-              <a:rPr lang="en-US" dirty="0"/>
-              <a:t>Training image/video (or 4k) models is even more intensive than text, so benefits may be greater. </a:t>
-            </a:r>
-          </a:p>
-          <a:p>
-            <a:r>
-              <a:rPr lang="en-US" dirty="0"/>
-              <a:t>Could help speed development in things like self driving cars. </a:t>
-            </a:r>
-          </a:p>
-          <a:p>
-            <a:r>
-              <a:rPr lang="en-US" dirty="0"/>
-              <a:t>Will probably spur a bunch of grad students and smart AI researchers to expand on what the </a:t>
+              <a:t>This may potentially cause serious changes in the industry soon. </a:t>
+            </a:r>
+          </a:p>
+          <a:p>
+            <a:pPr lvl="1"/>
+            <a:r>
+              <a:rPr lang="en-US" dirty="0"/>
+              <a:t>NVDA lost $600 billion in one day of trading. </a:t>
+            </a:r>
+          </a:p>
+          <a:p>
+            <a:pPr lvl="1"/>
+            <a:r>
+              <a:rPr lang="en-US" dirty="0"/>
+              <a:t>Facebook is said to be readying “multiple war rooms” (which sounds appropriately stupid) to figure out the details of how it works. </a:t>
+            </a:r>
+          </a:p>
+          <a:p>
+            <a:r>
+              <a:rPr lang="en-US" dirty="0"/>
+              <a:t>GPU market might change drastically – NVDA was really juicing their monopoly position. </a:t>
+            </a:r>
+          </a:p>
+          <a:p>
+            <a:pPr lvl="1"/>
+            <a:r>
+              <a:rPr lang="en-US" dirty="0"/>
+              <a:t>The GPUs needed for this are </a:t>
             </a:r>
             <a:r>
               <a:rPr lang="en-US" dirty="0" err="1"/>
-              <a:t>deepseek</a:t>
-            </a:r>
-            <a:r>
-              <a:rPr lang="en-US" dirty="0"/>
-              <a:t> people found, expand it, ‘test it’, adapt it, and document it for us normal folk. </a:t>
-            </a:r>
-          </a:p>
-          <a:p>
-            <a:pPr lvl="1"/>
-            <a:r>
-              <a:rPr lang="en-US" dirty="0"/>
-              <a:t>People will try similar things in all type of scenarios and see what works. </a:t>
-            </a:r>
-          </a:p>
-          <a:p>
-            <a:pPr lvl="1"/>
-            <a:r>
-              <a:rPr lang="en-US" dirty="0"/>
-              <a:t>HW demands are still huge for cutting edge things, but universities, companies, gov’ts have that. </a:t>
-            </a:r>
-          </a:p>
-          <a:p>
-            <a:r>
-              <a:rPr lang="en-US" dirty="0"/>
-              <a:t>Current LLMs train for 1 or 2 epochs, could these techniques make multiple epochs practical? </a:t>
+              <a:t>nVidia</a:t>
+            </a:r>
+            <a:r>
+              <a:rPr lang="en-US" dirty="0"/>
+              <a:t> only, expensive, and limited – the company controlled this. </a:t>
+            </a:r>
+          </a:p>
+          <a:p>
+            <a:r>
+              <a:rPr lang="en-US" dirty="0"/>
+              <a:t>The ability to run inference (generate data) on smaller devices may be huge. (Reading needed)</a:t>
+            </a:r>
+          </a:p>
+          <a:p>
+            <a:pPr lvl="1"/>
+            <a:r>
+              <a:rPr lang="en-US" dirty="0"/>
+              <a:t>Smarter Siri-like AI models able to run offline. On-device things like self driving cars may be better. </a:t>
+            </a:r>
+          </a:p>
+          <a:p>
+            <a:pPr lvl="1"/>
+            <a:r>
+              <a:rPr lang="en-US" dirty="0"/>
+              <a:t>For data sensitive clients, this may matter a lot – a bank won’t provide their data to OAI for customized models, creating a large custom one from scratch is too expensive, this may bridge. </a:t>
             </a:r>
           </a:p>
         </p:txBody>
@@ -4376,7 +4407,7 @@
     </p:spTree>
     <p:extLst>
       <p:ext uri="{BB962C8B-B14F-4D97-AF65-F5344CB8AC3E}">
-        <p14:creationId xmlns:p14="http://schemas.microsoft.com/office/powerpoint/2010/main" val="3627926532"/>
+        <p14:creationId xmlns:p14="http://schemas.microsoft.com/office/powerpoint/2010/main" val="1928250268"/>
       </p:ext>
     </p:extLst>
   </p:cSld>
@@ -4408,7 +4439,7 @@
           <p:cNvPr id="2" name="Title 1">
             <a:extLst>
               <a:ext uri="{FF2B5EF4-FFF2-40B4-BE49-F238E27FC236}">
-                <a16:creationId xmlns:a16="http://schemas.microsoft.com/office/drawing/2014/main" id="{51E911B6-CB2C-C4B7-372D-C135CD0A5112}"/>
+                <a16:creationId xmlns:a16="http://schemas.microsoft.com/office/drawing/2014/main" id="{86955CAA-CEDC-AB0D-A911-3C28EC9E15DF}"/>
               </a:ext>
             </a:extLst>
           </p:cNvPr>
@@ -4426,7 +4457,7 @@
           <a:p>
             <a:r>
               <a:rPr lang="en-US" dirty="0"/>
-              <a:t>Geopolitical Fun!</a:t>
+              <a:t>Farther Out</a:t>
             </a:r>
           </a:p>
         </p:txBody>
@@ -4436,7 +4467,7 @@
           <p:cNvPr id="3" name="Content Placeholder 2">
             <a:extLst>
               <a:ext uri="{FF2B5EF4-FFF2-40B4-BE49-F238E27FC236}">
-                <a16:creationId xmlns:a16="http://schemas.microsoft.com/office/drawing/2014/main" id="{68D9BD7E-44EE-7401-3321-AE5FE47A28F6}"/>
+                <a16:creationId xmlns:a16="http://schemas.microsoft.com/office/drawing/2014/main" id="{EE8DDC6A-0B70-33B0-2DB3-66BD191CA269}"/>
               </a:ext>
             </a:extLst>
           </p:cNvPr>
@@ -4449,177 +4480,81 @@
         </p:nvSpPr>
         <p:spPr>
           <a:xfrm>
-            <a:off x="0" y="1853754"/>
-            <a:ext cx="8441277" cy="4312268"/>
+            <a:off x="1309816" y="1853754"/>
+            <a:ext cx="10169611" cy="4199727"/>
           </a:xfrm>
         </p:spPr>
         <p:txBody>
           <a:bodyPr>
-            <a:normAutofit fontScale="92500"/>
+            <a:normAutofit/>
           </a:bodyPr>
           <a:lstStyle/>
           <a:p>
             <a:r>
               <a:rPr lang="en-US" dirty="0"/>
-              <a:t>Thankfully, this is happening at a time of global tranquility, where rational leaders will carefully consider the impacts and act in the good of humanity. </a:t>
-            </a:r>
-          </a:p>
-          <a:p>
-            <a:r>
-              <a:rPr lang="en-US" dirty="0"/>
-              <a:t>Said leaders would also never resort to protectionist tactics like tariffs.</a:t>
-            </a:r>
-          </a:p>
-          <a:p>
-            <a:r>
-              <a:rPr lang="en-US" dirty="0"/>
-              <a:t>Some tech bros genuinely think their AI is the most important thing to humanity. </a:t>
-            </a:r>
-          </a:p>
-          <a:p>
-            <a:r>
-              <a:rPr lang="en-US" dirty="0"/>
-              <a:t>It is massive to Taiwan and China/US interest there for </a:t>
-            </a:r>
-            <a:r>
-              <a:rPr lang="en-US"/>
-              <a:t>chip making. </a:t>
-            </a:r>
-            <a:endParaRPr lang="en-US" dirty="0"/>
-          </a:p>
-          <a:p>
-            <a:r>
-              <a:rPr lang="en-US" dirty="0"/>
-              <a:t>AI investments have been massive – under certain assumptions. </a:t>
-            </a:r>
-          </a:p>
-          <a:p>
-            <a:pPr lvl="1"/>
-            <a:r>
-              <a:rPr lang="en-US" dirty="0"/>
-              <a:t>Biggest wins and easy to monopolize – barrier to entry is massive. </a:t>
-            </a:r>
-          </a:p>
-          <a:p>
-            <a:r>
-              <a:rPr lang="en-US" dirty="0"/>
-              <a:t>These massive investments look less awesome now. How much? </a:t>
-            </a:r>
-          </a:p>
-          <a:p>
-            <a:pPr lvl="1"/>
-            <a:r>
-              <a:rPr lang="en-US" dirty="0"/>
-              <a:t>DS has kind of commoditized the pricing of LLMs now. </a:t>
-            </a:r>
-          </a:p>
-          <a:p>
-            <a:pPr lvl="1"/>
-            <a:r>
-              <a:rPr lang="en-US" dirty="0"/>
-              <a:t>Lower entry barriers means mass competitors vs a handful. </a:t>
-            </a:r>
-          </a:p>
-        </p:txBody>
-      </p:sp>
-      <p:pic>
-        <p:nvPicPr>
-          <p:cNvPr id="9220" name="Picture 4" descr="UT/TT Poll: Support for Trump Increases, Divisiveness Remains - UT News">
-            <a:extLst>
-              <a:ext uri="{FF2B5EF4-FFF2-40B4-BE49-F238E27FC236}">
-                <a16:creationId xmlns:a16="http://schemas.microsoft.com/office/drawing/2014/main" id="{36E204D5-DEF8-5498-CA08-E6300CBB497C}"/>
-              </a:ext>
-            </a:extLst>
-          </p:cNvPr>
-          <p:cNvPicPr>
-            <a:picLocks noChangeAspect="1" noChangeArrowheads="1"/>
-          </p:cNvPicPr>
-          <p:nvPr/>
-        </p:nvPicPr>
-        <p:blipFill>
-          <a:blip r:embed="rId2">
-            <a:extLst>
-              <a:ext uri="{28A0092B-C50C-407E-A947-70E740481C1C}">
-                <a14:useLocalDpi xmlns:a14="http://schemas.microsoft.com/office/drawing/2010/main" val="0"/>
-              </a:ext>
-            </a:extLst>
-          </a:blip>
-          <a:srcRect/>
-          <a:stretch>
-            <a:fillRect/>
-          </a:stretch>
-        </p:blipFill>
-        <p:spPr bwMode="auto">
-          <a:xfrm>
-            <a:off x="8441277" y="1123985"/>
-            <a:ext cx="3616943" cy="2409808"/>
-          </a:xfrm>
-          <a:prstGeom prst="rect">
-            <a:avLst/>
-          </a:prstGeom>
-          <a:noFill/>
-          <a:extLst>
-            <a:ext uri="{909E8E84-426E-40DD-AFC4-6F175D3DCCD1}">
-              <a14:hiddenFill xmlns:a14="http://schemas.microsoft.com/office/drawing/2010/main">
-                <a:solidFill>
-                  <a:srgbClr val="FFFFFF"/>
-                </a:solidFill>
-              </a14:hiddenFill>
-            </a:ext>
-          </a:extLst>
-        </p:spPr>
-      </p:pic>
-      <p:pic>
-        <p:nvPicPr>
-          <p:cNvPr id="9222" name="Picture 6" descr="Trump critics say inauguration optics show oligarchy in action | Technology  News | Al Jazeera">
-            <a:extLst>
-              <a:ext uri="{FF2B5EF4-FFF2-40B4-BE49-F238E27FC236}">
-                <a16:creationId xmlns:a16="http://schemas.microsoft.com/office/drawing/2014/main" id="{4CB9BAA4-8B93-42D0-1CC0-282D3A21905E}"/>
-              </a:ext>
-            </a:extLst>
-          </p:cNvPr>
-          <p:cNvPicPr>
-            <a:picLocks noChangeAspect="1" noChangeArrowheads="1"/>
-          </p:cNvPicPr>
-          <p:nvPr/>
-        </p:nvPicPr>
-        <p:blipFill>
-          <a:blip r:embed="rId3">
-            <a:extLst>
-              <a:ext uri="{28A0092B-C50C-407E-A947-70E740481C1C}">
-                <a14:useLocalDpi xmlns:a14="http://schemas.microsoft.com/office/drawing/2010/main" val="0"/>
-              </a:ext>
-            </a:extLst>
-          </a:blip>
-          <a:srcRect/>
-          <a:stretch>
-            <a:fillRect/>
-          </a:stretch>
-        </p:blipFill>
-        <p:spPr bwMode="auto">
-          <a:xfrm>
-            <a:off x="7262617" y="3533793"/>
-            <a:ext cx="4795603" cy="3194993"/>
-          </a:xfrm>
-          <a:prstGeom prst="rect">
-            <a:avLst/>
-          </a:prstGeom>
-          <a:noFill/>
-          <a:extLst>
-            <a:ext uri="{909E8E84-426E-40DD-AFC4-6F175D3DCCD1}">
-              <a14:hiddenFill xmlns:a14="http://schemas.microsoft.com/office/drawing/2010/main">
-                <a:solidFill>
-                  <a:srgbClr val="FFFFFF"/>
-                </a:solidFill>
-              </a14:hiddenFill>
-            </a:ext>
-          </a:extLst>
-        </p:spPr>
-      </p:pic>
+              <a:t>Adapting something like this to image/video models could be even more impactful. </a:t>
+            </a:r>
+          </a:p>
+          <a:p>
+            <a:pPr lvl="1"/>
+            <a:r>
+              <a:rPr lang="en-US" dirty="0"/>
+              <a:t>Could reduce massive video needs ‘down to’ the current expensive GPU specs. </a:t>
+            </a:r>
+          </a:p>
+          <a:p>
+            <a:pPr lvl="1"/>
+            <a:r>
+              <a:rPr lang="en-US" dirty="0"/>
+              <a:t>Training image/video (or 4k) models is even more intensive than text, so benefits may be greater. </a:t>
+            </a:r>
+          </a:p>
+          <a:p>
+            <a:r>
+              <a:rPr lang="en-US" dirty="0"/>
+              <a:t>Could help speed development in things like self driving cars. </a:t>
+            </a:r>
+          </a:p>
+          <a:p>
+            <a:r>
+              <a:rPr lang="en-US" dirty="0"/>
+              <a:t>Will probably spur a bunch of grad students and smart AI researchers to expand on what the </a:t>
+            </a:r>
+            <a:r>
+              <a:rPr lang="en-US" dirty="0" err="1"/>
+              <a:t>deepseek</a:t>
+            </a:r>
+            <a:r>
+              <a:rPr lang="en-US" dirty="0"/>
+              <a:t> people found, expand it, ‘test it’, adapt it, and document it for us normal folk. </a:t>
+            </a:r>
+          </a:p>
+          <a:p>
+            <a:pPr lvl="1"/>
+            <a:r>
+              <a:rPr lang="en-US" dirty="0"/>
+              <a:t>People will try similar things in all type of scenarios and see what works. </a:t>
+            </a:r>
+          </a:p>
+          <a:p>
+            <a:pPr lvl="1"/>
+            <a:r>
+              <a:rPr lang="en-US" dirty="0"/>
+              <a:t>HW demands are still huge for cutting edge things, but universities, companies, gov’ts have that. </a:t>
+            </a:r>
+          </a:p>
+          <a:p>
+            <a:r>
+              <a:rPr lang="en-US" dirty="0"/>
+              <a:t>Current LLMs train for 1 or 2 epochs, could these techniques make multiple epochs practical? </a:t>
+            </a:r>
+          </a:p>
+        </p:txBody>
+      </p:sp>
     </p:spTree>
     <p:extLst>
       <p:ext uri="{BB962C8B-B14F-4D97-AF65-F5344CB8AC3E}">
-        <p14:creationId xmlns:p14="http://schemas.microsoft.com/office/powerpoint/2010/main" val="1158712084"/>
+        <p14:creationId xmlns:p14="http://schemas.microsoft.com/office/powerpoint/2010/main" val="3627926532"/>
       </p:ext>
     </p:extLst>
   </p:cSld>
@@ -4651,65 +4586,213 @@
           <p:cNvPr id="2" name="Title 1">
             <a:extLst>
               <a:ext uri="{FF2B5EF4-FFF2-40B4-BE49-F238E27FC236}">
-                <a16:creationId xmlns:a16="http://schemas.microsoft.com/office/drawing/2014/main" id="{3A641502-66C4-9F47-9818-FC9477B18DF0}"/>
-              </a:ext>
-            </a:extLst>
-          </p:cNvPr>
-          <p:cNvSpPr>
-            <a:spLocks noGrp="1"/>
-          </p:cNvSpPr>
-          <p:nvPr>
-            <p:ph type="ctrTitle"/>
+                <a16:creationId xmlns:a16="http://schemas.microsoft.com/office/drawing/2014/main" id="{51E911B6-CB2C-C4B7-372D-C135CD0A5112}"/>
+              </a:ext>
+            </a:extLst>
+          </p:cNvPr>
+          <p:cNvSpPr>
+            <a:spLocks noGrp="1"/>
+          </p:cNvSpPr>
+          <p:nvPr>
+            <p:ph type="title"/>
+          </p:nvPr>
+        </p:nvSpPr>
+        <p:spPr/>
+        <p:txBody>
+          <a:bodyPr/>
+          <a:lstStyle/>
+          <a:p>
+            <a:r>
+              <a:rPr lang="en-US" dirty="0"/>
+              <a:t>Geopolitical Fun!</a:t>
+            </a:r>
+          </a:p>
+        </p:txBody>
+      </p:sp>
+      <p:sp>
+        <p:nvSpPr>
+          <p:cNvPr id="3" name="Content Placeholder 2">
+            <a:extLst>
+              <a:ext uri="{FF2B5EF4-FFF2-40B4-BE49-F238E27FC236}">
+                <a16:creationId xmlns:a16="http://schemas.microsoft.com/office/drawing/2014/main" id="{68D9BD7E-44EE-7401-3321-AE5FE47A28F6}"/>
+              </a:ext>
+            </a:extLst>
+          </p:cNvPr>
+          <p:cNvSpPr>
+            <a:spLocks noGrp="1"/>
+          </p:cNvSpPr>
+          <p:nvPr>
+            <p:ph idx="1"/>
           </p:nvPr>
         </p:nvSpPr>
         <p:spPr>
           <a:xfrm>
-            <a:off x="1639957" y="802298"/>
-            <a:ext cx="9414896" cy="2541431"/>
+            <a:off x="0" y="1853754"/>
+            <a:ext cx="8441277" cy="4312268"/>
           </a:xfrm>
         </p:spPr>
         <p:txBody>
           <a:bodyPr>
-            <a:normAutofit fontScale="90000"/>
+            <a:normAutofit fontScale="92500"/>
           </a:bodyPr>
           <a:lstStyle/>
           <a:p>
             <a:r>
               <a:rPr lang="en-US" dirty="0"/>
-              <a:t>Linear Regression with non-Linear Data and Regularization</a:t>
-            </a:r>
-          </a:p>
-        </p:txBody>
-      </p:sp>
-      <p:sp>
-        <p:nvSpPr>
-          <p:cNvPr id="3" name="Subtitle 2">
-            <a:extLst>
-              <a:ext uri="{FF2B5EF4-FFF2-40B4-BE49-F238E27FC236}">
-                <a16:creationId xmlns:a16="http://schemas.microsoft.com/office/drawing/2014/main" id="{B95C6A61-2478-0649-A251-5AA8272DE261}"/>
-              </a:ext>
-            </a:extLst>
-          </p:cNvPr>
-          <p:cNvSpPr>
-            <a:spLocks noGrp="1"/>
-          </p:cNvSpPr>
-          <p:nvPr>
-            <p:ph type="subTitle" idx="1"/>
-          </p:nvPr>
-        </p:nvSpPr>
-        <p:spPr/>
-        <p:txBody>
-          <a:bodyPr/>
-          <a:lstStyle/>
-          <a:p>
-            <a:endParaRPr lang="en-US"/>
-          </a:p>
-        </p:txBody>
-      </p:sp>
+              <a:t>Thankfully, this is happening at a time of global tranquility, where rational leaders will carefully consider the impacts and act in the good of humanity. </a:t>
+            </a:r>
+          </a:p>
+          <a:p>
+            <a:r>
+              <a:rPr lang="en-US" dirty="0"/>
+              <a:t>Said leaders would also never resort to protectionist tactics like tariffs.</a:t>
+            </a:r>
+          </a:p>
+          <a:p>
+            <a:r>
+              <a:rPr lang="en-US" dirty="0"/>
+              <a:t>Some tech bros genuinely think their AI is the most important thing to humanity. </a:t>
+            </a:r>
+          </a:p>
+          <a:p>
+            <a:r>
+              <a:rPr lang="en-US" dirty="0"/>
+              <a:t>It is massive to Taiwan and China/US interest there for chip making. </a:t>
+            </a:r>
+          </a:p>
+          <a:p>
+            <a:r>
+              <a:rPr lang="en-US" dirty="0"/>
+              <a:t>AI investments have been massive – under certain assumptions. </a:t>
+            </a:r>
+          </a:p>
+          <a:p>
+            <a:pPr lvl="1"/>
+            <a:r>
+              <a:rPr lang="en-US" dirty="0"/>
+              <a:t>Biggest wins and easy to monopolize – barrier to entry is massive. </a:t>
+            </a:r>
+          </a:p>
+          <a:p>
+            <a:r>
+              <a:rPr lang="en-US" dirty="0"/>
+              <a:t>These massive investments look less awesome now. How much? </a:t>
+            </a:r>
+          </a:p>
+          <a:p>
+            <a:pPr lvl="1"/>
+            <a:r>
+              <a:rPr lang="en-US" dirty="0"/>
+              <a:t>DS has kind of commoditized the pricing of LLMs now. </a:t>
+            </a:r>
+          </a:p>
+          <a:p>
+            <a:pPr lvl="1"/>
+            <a:r>
+              <a:rPr lang="en-US" dirty="0"/>
+              <a:t>Lower entry barriers means mass competitors vs a handful. </a:t>
+            </a:r>
+          </a:p>
+        </p:txBody>
+      </p:sp>
+      <p:pic>
+        <p:nvPicPr>
+          <p:cNvPr id="9220" name="Picture 4" descr="UT/TT Poll: Support for Trump Increases, Divisiveness Remains - UT News">
+            <a:extLst>
+              <a:ext uri="{FF2B5EF4-FFF2-40B4-BE49-F238E27FC236}">
+                <a16:creationId xmlns:a16="http://schemas.microsoft.com/office/drawing/2014/main" id="{36E204D5-DEF8-5498-CA08-E6300CBB497C}"/>
+              </a:ext>
+            </a:extLst>
+          </p:cNvPr>
+          <p:cNvPicPr>
+            <a:picLocks noChangeAspect="1" noChangeArrowheads="1"/>
+          </p:cNvPicPr>
+          <p:nvPr/>
+        </p:nvPicPr>
+        <p:blipFill>
+          <a:blip r:embed="rId2">
+            <a:extLst>
+              <a:ext uri="{28A0092B-C50C-407E-A947-70E740481C1C}">
+                <a14:useLocalDpi xmlns:a14="http://schemas.microsoft.com/office/drawing/2010/main" val="0"/>
+              </a:ext>
+            </a:extLst>
+          </a:blip>
+          <a:srcRect/>
+          <a:stretch>
+            <a:fillRect/>
+          </a:stretch>
+        </p:blipFill>
+        <p:spPr bwMode="auto">
+          <a:xfrm>
+            <a:off x="8441277" y="1123985"/>
+            <a:ext cx="3616943" cy="2409808"/>
+          </a:xfrm>
+          <a:prstGeom prst="rect">
+            <a:avLst/>
+          </a:prstGeom>
+          <a:noFill/>
+          <a:extLst>
+            <a:ext uri="{909E8E84-426E-40DD-AFC4-6F175D3DCCD1}">
+              <a14:hiddenFill xmlns:a14="http://schemas.microsoft.com/office/drawing/2010/main">
+                <a:solidFill>
+                  <a:srgbClr val="FFFFFF"/>
+                </a:solidFill>
+              </a14:hiddenFill>
+            </a:ext>
+          </a:extLst>
+        </p:spPr>
+      </p:pic>
+      <p:pic>
+        <p:nvPicPr>
+          <p:cNvPr id="9222" name="Picture 6" descr="Trump critics say inauguration optics show oligarchy in action | Technology  News | Al Jazeera">
+            <a:extLst>
+              <a:ext uri="{FF2B5EF4-FFF2-40B4-BE49-F238E27FC236}">
+                <a16:creationId xmlns:a16="http://schemas.microsoft.com/office/drawing/2014/main" id="{4CB9BAA4-8B93-42D0-1CC0-282D3A21905E}"/>
+              </a:ext>
+            </a:extLst>
+          </p:cNvPr>
+          <p:cNvPicPr>
+            <a:picLocks noChangeAspect="1" noChangeArrowheads="1"/>
+          </p:cNvPicPr>
+          <p:nvPr/>
+        </p:nvPicPr>
+        <p:blipFill>
+          <a:blip r:embed="rId3">
+            <a:extLst>
+              <a:ext uri="{28A0092B-C50C-407E-A947-70E740481C1C}">
+                <a14:useLocalDpi xmlns:a14="http://schemas.microsoft.com/office/drawing/2010/main" val="0"/>
+              </a:ext>
+            </a:extLst>
+          </a:blip>
+          <a:srcRect/>
+          <a:stretch>
+            <a:fillRect/>
+          </a:stretch>
+        </p:blipFill>
+        <p:spPr bwMode="auto">
+          <a:xfrm>
+            <a:off x="7262617" y="3533793"/>
+            <a:ext cx="4795603" cy="3194993"/>
+          </a:xfrm>
+          <a:prstGeom prst="rect">
+            <a:avLst/>
+          </a:prstGeom>
+          <a:noFill/>
+          <a:extLst>
+            <a:ext uri="{909E8E84-426E-40DD-AFC4-6F175D3DCCD1}">
+              <a14:hiddenFill xmlns:a14="http://schemas.microsoft.com/office/drawing/2010/main">
+                <a:solidFill>
+                  <a:srgbClr val="FFFFFF"/>
+                </a:solidFill>
+              </a14:hiddenFill>
+            </a:ext>
+          </a:extLst>
+        </p:spPr>
+      </p:pic>
     </p:spTree>
     <p:extLst>
       <p:ext uri="{BB962C8B-B14F-4D97-AF65-F5344CB8AC3E}">
-        <p14:creationId xmlns:p14="http://schemas.microsoft.com/office/powerpoint/2010/main" val="776981215"/>
+        <p14:creationId xmlns:p14="http://schemas.microsoft.com/office/powerpoint/2010/main" val="1158712084"/>
       </p:ext>
     </p:extLst>
   </p:cSld>
@@ -4741,15 +4824,50 @@
           <p:cNvPr id="2" name="Title 1">
             <a:extLst>
               <a:ext uri="{FF2B5EF4-FFF2-40B4-BE49-F238E27FC236}">
-                <a16:creationId xmlns:a16="http://schemas.microsoft.com/office/drawing/2014/main" id="{26090414-D605-0F44-8CB9-D56F82CDE902}"/>
-              </a:ext>
-            </a:extLst>
-          </p:cNvPr>
-          <p:cNvSpPr>
-            <a:spLocks noGrp="1"/>
-          </p:cNvSpPr>
-          <p:nvPr>
-            <p:ph type="title"/>
+                <a16:creationId xmlns:a16="http://schemas.microsoft.com/office/drawing/2014/main" id="{3A641502-66C4-9F47-9818-FC9477B18DF0}"/>
+              </a:ext>
+            </a:extLst>
+          </p:cNvPr>
+          <p:cNvSpPr>
+            <a:spLocks noGrp="1"/>
+          </p:cNvSpPr>
+          <p:nvPr>
+            <p:ph type="ctrTitle"/>
+          </p:nvPr>
+        </p:nvSpPr>
+        <p:spPr>
+          <a:xfrm>
+            <a:off x="1639957" y="802298"/>
+            <a:ext cx="9414896" cy="2541431"/>
+          </a:xfrm>
+        </p:spPr>
+        <p:txBody>
+          <a:bodyPr>
+            <a:normAutofit fontScale="90000"/>
+          </a:bodyPr>
+          <a:lstStyle/>
+          <a:p>
+            <a:r>
+              <a:rPr lang="en-US" dirty="0"/>
+              <a:t>Linear Regression with non-Linear Data and Regularization</a:t>
+            </a:r>
+          </a:p>
+        </p:txBody>
+      </p:sp>
+      <p:sp>
+        <p:nvSpPr>
+          <p:cNvPr id="3" name="Subtitle 2">
+            <a:extLst>
+              <a:ext uri="{FF2B5EF4-FFF2-40B4-BE49-F238E27FC236}">
+                <a16:creationId xmlns:a16="http://schemas.microsoft.com/office/drawing/2014/main" id="{B95C6A61-2478-0649-A251-5AA8272DE261}"/>
+              </a:ext>
+            </a:extLst>
+          </p:cNvPr>
+          <p:cNvSpPr>
+            <a:spLocks noGrp="1"/>
+          </p:cNvSpPr>
+          <p:nvPr>
+            <p:ph type="subTitle" idx="1"/>
           </p:nvPr>
         </p:nvSpPr>
         <p:spPr/>
@@ -4757,115 +4875,14 @@
           <a:bodyPr/>
           <a:lstStyle/>
           <a:p>
-            <a:r>
-              <a:rPr lang="en-US" dirty="0"/>
-              <a:t>Linear and non-Linear</a:t>
-            </a:r>
-          </a:p>
-        </p:txBody>
-      </p:sp>
-      <p:sp>
-        <p:nvSpPr>
-          <p:cNvPr id="3" name="Content Placeholder 2">
-            <a:extLst>
-              <a:ext uri="{FF2B5EF4-FFF2-40B4-BE49-F238E27FC236}">
-                <a16:creationId xmlns:a16="http://schemas.microsoft.com/office/drawing/2014/main" id="{45557618-72E4-7342-81F2-61B66A6C3D47}"/>
-              </a:ext>
-            </a:extLst>
-          </p:cNvPr>
-          <p:cNvSpPr>
-            <a:spLocks noGrp="1"/>
-          </p:cNvSpPr>
-          <p:nvPr>
-            <p:ph idx="1"/>
-          </p:nvPr>
-        </p:nvSpPr>
-        <p:spPr>
-          <a:xfrm>
-            <a:off x="1451579" y="1928192"/>
-            <a:ext cx="9603275" cy="2216426"/>
-          </a:xfrm>
-        </p:spPr>
-        <p:txBody>
-          <a:bodyPr/>
-          <a:lstStyle/>
-          <a:p>
-            <a:r>
-              <a:rPr lang="en-US" dirty="0"/>
-              <a:t>Linear models are excellent….</a:t>
-            </a:r>
-          </a:p>
-          <a:p>
-            <a:r>
-              <a:rPr lang="en-US" dirty="0"/>
-              <a:t>… If there’s a linear relationship in the data. </a:t>
-            </a:r>
-          </a:p>
-          <a:p>
-            <a:r>
-              <a:rPr lang="en-US" dirty="0"/>
-              <a:t>For non-linear relationships, linear regressions can struggle – they can’t ‘capture’ curves.</a:t>
-            </a:r>
-          </a:p>
-          <a:p>
-            <a:r>
-              <a:rPr lang="en-US" dirty="0"/>
-              <a:t>We first saw this with Anscombe’s Quartet:</a:t>
-            </a:r>
-          </a:p>
-        </p:txBody>
-      </p:sp>
-      <p:pic>
-        <p:nvPicPr>
-          <p:cNvPr id="1026" name="Picture 2" descr="Anscombe&amp;#39;s Quartet">
-            <a:extLst>
-              <a:ext uri="{FF2B5EF4-FFF2-40B4-BE49-F238E27FC236}">
-                <a16:creationId xmlns:a16="http://schemas.microsoft.com/office/drawing/2014/main" id="{D8A53165-2B7B-9547-B702-37669EED7E73}"/>
-              </a:ext>
-            </a:extLst>
-          </p:cNvPr>
-          <p:cNvPicPr>
-            <a:picLocks noChangeAspect="1" noChangeArrowheads="1"/>
-          </p:cNvPicPr>
-          <p:nvPr/>
-        </p:nvPicPr>
-        <p:blipFill>
-          <a:blip r:embed="rId2">
-            <a:extLst>
-              <a:ext uri="{28A0092B-C50C-407E-A947-70E740481C1C}">
-                <a14:useLocalDpi xmlns:a14="http://schemas.microsoft.com/office/drawing/2010/main" val="0"/>
-              </a:ext>
-            </a:extLst>
-          </a:blip>
-          <a:srcRect/>
-          <a:stretch>
-            <a:fillRect/>
-          </a:stretch>
-        </p:blipFill>
-        <p:spPr bwMode="auto">
-          <a:xfrm>
-            <a:off x="2443216" y="4042473"/>
-            <a:ext cx="7620000" cy="2628900"/>
-          </a:xfrm>
-          <a:prstGeom prst="rect">
-            <a:avLst/>
-          </a:prstGeom>
-          <a:noFill/>
-          <a:extLst>
-            <a:ext uri="{909E8E84-426E-40DD-AFC4-6F175D3DCCD1}">
-              <a14:hiddenFill xmlns:a14="http://schemas.microsoft.com/office/drawing/2010/main">
-                <a:solidFill>
-                  <a:srgbClr val="FFFFFF"/>
-                </a:solidFill>
-              </a14:hiddenFill>
-            </a:ext>
-          </a:extLst>
-        </p:spPr>
-      </p:pic>
+            <a:endParaRPr lang="en-US"/>
+          </a:p>
+        </p:txBody>
+      </p:sp>
     </p:spTree>
     <p:extLst>
       <p:ext uri="{BB962C8B-B14F-4D97-AF65-F5344CB8AC3E}">
-        <p14:creationId xmlns:p14="http://schemas.microsoft.com/office/powerpoint/2010/main" val="1606411571"/>
+        <p14:creationId xmlns:p14="http://schemas.microsoft.com/office/powerpoint/2010/main" val="776981215"/>
       </p:ext>
     </p:extLst>
   </p:cSld>
@@ -4876,968 +4893,6 @@
 </file>
 
 <file path=ppt/slides/slide17.xml><?xml version="1.0" encoding="utf-8"?>
-<p:sld xmlns:a="http://schemas.openxmlformats.org/drawingml/2006/main" xmlns:r="http://schemas.openxmlformats.org/officeDocument/2006/relationships" xmlns:p="http://schemas.openxmlformats.org/presentationml/2006/main">
-  <p:cSld>
-    <p:spTree>
-      <p:nvGrpSpPr>
-        <p:cNvPr id="1" name=""/>
-        <p:cNvGrpSpPr/>
-        <p:nvPr/>
-      </p:nvGrpSpPr>
-      <p:grpSpPr>
-        <a:xfrm>
-          <a:off x="0" y="0"/>
-          <a:ext cx="0" cy="0"/>
-          <a:chOff x="0" y="0"/>
-          <a:chExt cx="0" cy="0"/>
-        </a:xfrm>
-      </p:grpSpPr>
-      <p:sp>
-        <p:nvSpPr>
-          <p:cNvPr id="2" name="Title 1">
-            <a:extLst>
-              <a:ext uri="{FF2B5EF4-FFF2-40B4-BE49-F238E27FC236}">
-                <a16:creationId xmlns:a16="http://schemas.microsoft.com/office/drawing/2014/main" id="{F839BB0C-59CF-E749-BF0C-351B78CB728A}"/>
-              </a:ext>
-            </a:extLst>
-          </p:cNvPr>
-          <p:cNvSpPr>
-            <a:spLocks noGrp="1"/>
-          </p:cNvSpPr>
-          <p:nvPr>
-            <p:ph type="title"/>
-          </p:nvPr>
-        </p:nvSpPr>
-        <p:spPr/>
-        <p:txBody>
-          <a:bodyPr/>
-          <a:lstStyle/>
-          <a:p>
-            <a:r>
-              <a:rPr lang="en-US" dirty="0"/>
-              <a:t>Basis Function</a:t>
-            </a:r>
-          </a:p>
-        </p:txBody>
-      </p:sp>
-      <p:sp>
-        <p:nvSpPr>
-          <p:cNvPr id="3" name="Content Placeholder 2">
-            <a:extLst>
-              <a:ext uri="{FF2B5EF4-FFF2-40B4-BE49-F238E27FC236}">
-                <a16:creationId xmlns:a16="http://schemas.microsoft.com/office/drawing/2014/main" id="{EF09189E-5EDD-CB40-A30D-A98C3B78E700}"/>
-              </a:ext>
-            </a:extLst>
-          </p:cNvPr>
-          <p:cNvSpPr>
-            <a:spLocks noGrp="1"/>
-          </p:cNvSpPr>
-          <p:nvPr>
-            <p:ph idx="1"/>
-          </p:nvPr>
-        </p:nvSpPr>
-        <p:spPr>
-          <a:xfrm>
-            <a:off x="1451579" y="2015732"/>
-            <a:ext cx="9603275" cy="4037749"/>
-          </a:xfrm>
-        </p:spPr>
-        <p:txBody>
-          <a:bodyPr/>
-          <a:lstStyle/>
-          <a:p>
-            <a:r>
-              <a:rPr lang="en-US" dirty="0"/>
-              <a:t>We can adapt linear regression to non-linear relationships by using a basis function. </a:t>
-            </a:r>
-          </a:p>
-          <a:p>
-            <a:r>
-              <a:rPr lang="en-US" dirty="0"/>
-              <a:t>Basis functions are a transformation that changes the x to a function of x.</a:t>
-            </a:r>
-          </a:p>
-          <a:p>
-            <a:r>
-              <a:rPr lang="en-CA" dirty="0"/>
-              <a:t>If we have a basis function: 𝜙</a:t>
-            </a:r>
-            <a:r>
-              <a:rPr lang="en-CA" baseline="-25000" dirty="0"/>
-              <a:t>𝑗</a:t>
-            </a:r>
-            <a:r>
-              <a:rPr lang="en-CA" dirty="0"/>
-              <a:t>()</a:t>
-            </a:r>
-            <a:endParaRPr lang="en-CA" baseline="-25000" dirty="0"/>
-          </a:p>
-          <a:p>
-            <a:r>
-              <a:rPr lang="en-CA" dirty="0"/>
-              <a:t>Each x value then becomes: 𝜙</a:t>
-            </a:r>
-            <a:r>
-              <a:rPr lang="en-CA" baseline="-25000" dirty="0"/>
-              <a:t>𝑗</a:t>
-            </a:r>
-            <a:r>
-              <a:rPr lang="en-CA" dirty="0"/>
-              <a:t>(𝑥</a:t>
-            </a:r>
-            <a:r>
-              <a:rPr lang="en-CA" baseline="-25000" dirty="0"/>
-              <a:t>𝑖</a:t>
-            </a:r>
-            <a:r>
-              <a:rPr lang="en-CA" dirty="0"/>
-              <a:t>)</a:t>
-            </a:r>
-          </a:p>
-          <a:p>
-            <a:r>
-              <a:rPr lang="en-CA" dirty="0"/>
-              <a:t>Similar to something like a log-transformation in stats – we can transform the data, make it more normal (or linear), then use things that work with the transformed form. </a:t>
-            </a:r>
-            <a:br>
-              <a:rPr lang="en-CA" dirty="0"/>
-            </a:br>
-            <a:endParaRPr lang="en-US" dirty="0"/>
-          </a:p>
-        </p:txBody>
-      </p:sp>
-    </p:spTree>
-    <p:extLst>
-      <p:ext uri="{BB962C8B-B14F-4D97-AF65-F5344CB8AC3E}">
-        <p14:creationId xmlns:p14="http://schemas.microsoft.com/office/powerpoint/2010/main" val="3273952773"/>
-      </p:ext>
-    </p:extLst>
-  </p:cSld>
-  <p:clrMapOvr>
-    <a:masterClrMapping/>
-  </p:clrMapOvr>
-</p:sld>
-</file>
-
-<file path=ppt/slides/slide18.xml><?xml version="1.0" encoding="utf-8"?>
-<p:sld xmlns:a="http://schemas.openxmlformats.org/drawingml/2006/main" xmlns:r="http://schemas.openxmlformats.org/officeDocument/2006/relationships" xmlns:p="http://schemas.openxmlformats.org/presentationml/2006/main">
-  <p:cSld>
-    <p:spTree>
-      <p:nvGrpSpPr>
-        <p:cNvPr id="1" name=""/>
-        <p:cNvGrpSpPr/>
-        <p:nvPr/>
-      </p:nvGrpSpPr>
-      <p:grpSpPr>
-        <a:xfrm>
-          <a:off x="0" y="0"/>
-          <a:ext cx="0" cy="0"/>
-          <a:chOff x="0" y="0"/>
-          <a:chExt cx="0" cy="0"/>
-        </a:xfrm>
-      </p:grpSpPr>
-      <p:sp>
-        <p:nvSpPr>
-          <p:cNvPr id="2" name="Title 1">
-            <a:extLst>
-              <a:ext uri="{FF2B5EF4-FFF2-40B4-BE49-F238E27FC236}">
-                <a16:creationId xmlns:a16="http://schemas.microsoft.com/office/drawing/2014/main" id="{1DA8FEA7-478B-0843-A547-5692158F5324}"/>
-              </a:ext>
-            </a:extLst>
-          </p:cNvPr>
-          <p:cNvSpPr>
-            <a:spLocks noGrp="1"/>
-          </p:cNvSpPr>
-          <p:nvPr>
-            <p:ph type="title"/>
-          </p:nvPr>
-        </p:nvSpPr>
-        <p:spPr/>
-        <p:txBody>
-          <a:bodyPr/>
-          <a:lstStyle/>
-          <a:p>
-            <a:r>
-              <a:rPr lang="en-US" dirty="0"/>
-              <a:t>Polynomial Functions</a:t>
-            </a:r>
-          </a:p>
-        </p:txBody>
-      </p:sp>
-      <p:sp>
-        <p:nvSpPr>
-          <p:cNvPr id="3" name="Content Placeholder 2">
-            <a:extLst>
-              <a:ext uri="{FF2B5EF4-FFF2-40B4-BE49-F238E27FC236}">
-                <a16:creationId xmlns:a16="http://schemas.microsoft.com/office/drawing/2014/main" id="{86AFBC82-E12D-2C4A-A1C0-B4EC394FC5CB}"/>
-              </a:ext>
-            </a:extLst>
-          </p:cNvPr>
-          <p:cNvSpPr>
-            <a:spLocks noGrp="1"/>
-          </p:cNvSpPr>
-          <p:nvPr>
-            <p:ph idx="1"/>
-          </p:nvPr>
-        </p:nvSpPr>
-        <p:spPr>
-          <a:xfrm>
-            <a:off x="1451579" y="1938130"/>
-            <a:ext cx="9603275" cy="4194313"/>
-          </a:xfrm>
-        </p:spPr>
-        <p:txBody>
-          <a:bodyPr>
-            <a:normAutofit/>
-          </a:bodyPr>
-          <a:lstStyle/>
-          <a:p>
-            <a:r>
-              <a:rPr lang="en-US" dirty="0"/>
-              <a:t>Maybe the most common example is a polynomial function. </a:t>
-            </a:r>
-          </a:p>
-          <a:p>
-            <a:r>
-              <a:rPr lang="en-US" dirty="0"/>
-              <a:t>We can replace each x in a linear regression with a polynomial function of </a:t>
-            </a:r>
-            <a:r>
-              <a:rPr lang="en-US" dirty="0" err="1"/>
-              <a:t>x</a:t>
-            </a:r>
-            <a:r>
-              <a:rPr lang="en-US" baseline="30000" dirty="0" err="1"/>
-              <a:t>n</a:t>
-            </a:r>
-            <a:r>
-              <a:rPr lang="en-US" dirty="0"/>
-              <a:t>.</a:t>
-            </a:r>
-          </a:p>
-          <a:p>
-            <a:pPr lvl="1"/>
-            <a:r>
-              <a:rPr lang="en-CA" dirty="0"/>
-              <a:t>y=b+m</a:t>
-            </a:r>
-            <a:r>
-              <a:rPr lang="en-CA" baseline="-25000" dirty="0"/>
-              <a:t>1</a:t>
-            </a:r>
-            <a:r>
-              <a:rPr lang="en-CA" dirty="0"/>
-              <a:t>x+m</a:t>
-            </a:r>
-            <a:r>
-              <a:rPr lang="en-CA" baseline="-25000" dirty="0"/>
-              <a:t>2</a:t>
-            </a:r>
-            <a:r>
-              <a:rPr lang="en-CA" dirty="0"/>
-              <a:t>x</a:t>
-            </a:r>
-            <a:r>
-              <a:rPr lang="en-CA" baseline="30000" dirty="0"/>
-              <a:t>2</a:t>
-            </a:r>
-            <a:r>
-              <a:rPr lang="en-CA" dirty="0"/>
-              <a:t>+m</a:t>
-            </a:r>
-            <a:r>
-              <a:rPr lang="en-CA" baseline="-25000" dirty="0"/>
-              <a:t>3</a:t>
-            </a:r>
-            <a:r>
-              <a:rPr lang="en-CA" dirty="0"/>
-              <a:t>x</a:t>
-            </a:r>
-            <a:r>
-              <a:rPr lang="en-CA" baseline="30000" dirty="0"/>
-              <a:t>3</a:t>
-            </a:r>
-            <a:r>
-              <a:rPr lang="en-CA" dirty="0"/>
-              <a:t>…..</a:t>
-            </a:r>
-          </a:p>
-          <a:p>
-            <a:r>
-              <a:rPr lang="en-CA" dirty="0"/>
-              <a:t>This is still a linear model, but one of polynomial functions.</a:t>
-            </a:r>
-          </a:p>
-          <a:p>
-            <a:pPr lvl="1"/>
-            <a:r>
-              <a:rPr lang="en-CA" dirty="0"/>
-              <a:t>The linear part refers to the coefficients never interact. </a:t>
-            </a:r>
-          </a:p>
-          <a:p>
-            <a:r>
-              <a:rPr lang="en-CA" dirty="0"/>
-              <a:t>In </a:t>
-            </a:r>
-            <a:r>
-              <a:rPr lang="en-CA" dirty="0" err="1"/>
-              <a:t>sklearn</a:t>
-            </a:r>
-            <a:r>
-              <a:rPr lang="en-CA" dirty="0"/>
-              <a:t>, this is done with the </a:t>
-            </a:r>
-            <a:r>
-              <a:rPr lang="en-CA" dirty="0" err="1"/>
-              <a:t>PolynomialFeature</a:t>
-            </a:r>
-            <a:r>
-              <a:rPr lang="en-CA" dirty="0"/>
-              <a:t> transformation. </a:t>
-            </a:r>
-          </a:p>
-          <a:p>
-            <a:pPr lvl="1"/>
-            <a:r>
-              <a:rPr lang="en-CA" dirty="0"/>
-              <a:t>We can add it in a pipe. </a:t>
-            </a:r>
-          </a:p>
-          <a:p>
-            <a:pPr lvl="1"/>
-            <a:r>
-              <a:rPr lang="en-CA" dirty="0"/>
-              <a:t>Note: This increases complexity of the model – more dimensions are generated!</a:t>
-            </a:r>
-          </a:p>
-          <a:p>
-            <a:pPr lvl="1"/>
-            <a:r>
-              <a:rPr lang="en-US" dirty="0"/>
-              <a:t>E.g. linear regression is in 1D on the example, after basis it is in 2D. </a:t>
-            </a:r>
-          </a:p>
-        </p:txBody>
-      </p:sp>
-    </p:spTree>
-    <p:extLst>
-      <p:ext uri="{BB962C8B-B14F-4D97-AF65-F5344CB8AC3E}">
-        <p14:creationId xmlns:p14="http://schemas.microsoft.com/office/powerpoint/2010/main" val="180297820"/>
-      </p:ext>
-    </p:extLst>
-  </p:cSld>
-  <p:clrMapOvr>
-    <a:masterClrMapping/>
-  </p:clrMapOvr>
-</p:sld>
-</file>
-
-<file path=ppt/slides/slide19.xml><?xml version="1.0" encoding="utf-8"?>
-<p:sld xmlns:a="http://schemas.openxmlformats.org/drawingml/2006/main" xmlns:r="http://schemas.openxmlformats.org/officeDocument/2006/relationships" xmlns:p="http://schemas.openxmlformats.org/presentationml/2006/main">
-  <p:cSld>
-    <p:spTree>
-      <p:nvGrpSpPr>
-        <p:cNvPr id="1" name=""/>
-        <p:cNvGrpSpPr/>
-        <p:nvPr/>
-      </p:nvGrpSpPr>
-      <p:grpSpPr>
-        <a:xfrm>
-          <a:off x="0" y="0"/>
-          <a:ext cx="0" cy="0"/>
-          <a:chOff x="0" y="0"/>
-          <a:chExt cx="0" cy="0"/>
-        </a:xfrm>
-      </p:grpSpPr>
-      <p:sp>
-        <p:nvSpPr>
-          <p:cNvPr id="2" name="Title 1">
-            <a:extLst>
-              <a:ext uri="{FF2B5EF4-FFF2-40B4-BE49-F238E27FC236}">
-                <a16:creationId xmlns:a16="http://schemas.microsoft.com/office/drawing/2014/main" id="{4E01F2D8-5C64-1846-89C5-CF86F872FB0C}"/>
-              </a:ext>
-            </a:extLst>
-          </p:cNvPr>
-          <p:cNvSpPr>
-            <a:spLocks noGrp="1"/>
-          </p:cNvSpPr>
-          <p:nvPr>
-            <p:ph type="title"/>
-          </p:nvPr>
-        </p:nvSpPr>
-        <p:spPr>
-          <a:xfrm>
-            <a:off x="1451578" y="140090"/>
-            <a:ext cx="9603275" cy="1049235"/>
-          </a:xfrm>
-        </p:spPr>
-        <p:txBody>
-          <a:bodyPr/>
-          <a:lstStyle/>
-          <a:p>
-            <a:r>
-              <a:rPr lang="en-US" dirty="0"/>
-              <a:t>Result of Polynomial Feature Transformation</a:t>
-            </a:r>
-          </a:p>
-        </p:txBody>
-      </p:sp>
-      <p:sp>
-        <p:nvSpPr>
-          <p:cNvPr id="3" name="Content Placeholder 2">
-            <a:extLst>
-              <a:ext uri="{FF2B5EF4-FFF2-40B4-BE49-F238E27FC236}">
-                <a16:creationId xmlns:a16="http://schemas.microsoft.com/office/drawing/2014/main" id="{D4D0FCD3-96A8-D44B-B7F8-91AD746151EF}"/>
-              </a:ext>
-            </a:extLst>
-          </p:cNvPr>
-          <p:cNvSpPr>
-            <a:spLocks noGrp="1"/>
-          </p:cNvSpPr>
-          <p:nvPr>
-            <p:ph idx="1"/>
-          </p:nvPr>
-        </p:nvSpPr>
-        <p:spPr/>
-        <p:txBody>
-          <a:bodyPr/>
-          <a:lstStyle/>
-          <a:p>
-            <a:endParaRPr lang="en-US" dirty="0"/>
-          </a:p>
-        </p:txBody>
-      </p:sp>
-      <p:pic>
-        <p:nvPicPr>
-          <p:cNvPr id="4" name="Picture 3">
-            <a:extLst>
-              <a:ext uri="{FF2B5EF4-FFF2-40B4-BE49-F238E27FC236}">
-                <a16:creationId xmlns:a16="http://schemas.microsoft.com/office/drawing/2014/main" id="{24B0EA68-7AA2-5245-BB7F-8A1C13420E88}"/>
-              </a:ext>
-            </a:extLst>
-          </p:cNvPr>
-          <p:cNvPicPr>
-            <a:picLocks noChangeAspect="1"/>
-          </p:cNvPicPr>
-          <p:nvPr/>
-        </p:nvPicPr>
-        <p:blipFill>
-          <a:blip r:embed="rId2"/>
-          <a:stretch>
-            <a:fillRect/>
-          </a:stretch>
-        </p:blipFill>
-        <p:spPr>
-          <a:xfrm>
-            <a:off x="1451579" y="1144001"/>
-            <a:ext cx="9084616" cy="5713999"/>
-          </a:xfrm>
-          <a:prstGeom prst="rect">
-            <a:avLst/>
-          </a:prstGeom>
-        </p:spPr>
-      </p:pic>
-      <p:pic>
-        <p:nvPicPr>
-          <p:cNvPr id="2058" name="Picture 10" descr="Emoticon Thumb Up transparent PNG - StickPNG">
-            <a:extLst>
-              <a:ext uri="{FF2B5EF4-FFF2-40B4-BE49-F238E27FC236}">
-                <a16:creationId xmlns:a16="http://schemas.microsoft.com/office/drawing/2014/main" id="{20909E10-1304-104D-9060-312F49F22E64}"/>
-              </a:ext>
-            </a:extLst>
-          </p:cNvPr>
-          <p:cNvPicPr>
-            <a:picLocks noChangeAspect="1" noChangeArrowheads="1"/>
-          </p:cNvPicPr>
-          <p:nvPr/>
-        </p:nvPicPr>
-        <p:blipFill>
-          <a:blip r:embed="rId3">
-            <a:extLst>
-              <a:ext uri="{28A0092B-C50C-407E-A947-70E740481C1C}">
-                <a14:useLocalDpi xmlns:a14="http://schemas.microsoft.com/office/drawing/2010/main" val="0"/>
-              </a:ext>
-            </a:extLst>
-          </a:blip>
-          <a:srcRect/>
-          <a:stretch>
-            <a:fillRect/>
-          </a:stretch>
-        </p:blipFill>
-        <p:spPr bwMode="auto">
-          <a:xfrm>
-            <a:off x="4725087" y="3429000"/>
-            <a:ext cx="2741826" cy="2602593"/>
-          </a:xfrm>
-          <a:prstGeom prst="rect">
-            <a:avLst/>
-          </a:prstGeom>
-          <a:noFill/>
-          <a:extLst>
-            <a:ext uri="{909E8E84-426E-40DD-AFC4-6F175D3DCCD1}">
-              <a14:hiddenFill xmlns:a14="http://schemas.microsoft.com/office/drawing/2010/main">
-                <a:solidFill>
-                  <a:srgbClr val="FFFFFF"/>
-                </a:solidFill>
-              </a14:hiddenFill>
-            </a:ext>
-          </a:extLst>
-        </p:spPr>
-      </p:pic>
-    </p:spTree>
-    <p:extLst>
-      <p:ext uri="{BB962C8B-B14F-4D97-AF65-F5344CB8AC3E}">
-        <p14:creationId xmlns:p14="http://schemas.microsoft.com/office/powerpoint/2010/main" val="560166713"/>
-      </p:ext>
-    </p:extLst>
-  </p:cSld>
-  <p:clrMapOvr>
-    <a:masterClrMapping/>
-  </p:clrMapOvr>
-</p:sld>
-</file>
-
-<file path=ppt/slides/slide2.xml><?xml version="1.0" encoding="utf-8"?>
-<p:sld xmlns:a="http://schemas.openxmlformats.org/drawingml/2006/main" xmlns:r="http://schemas.openxmlformats.org/officeDocument/2006/relationships" xmlns:p="http://schemas.openxmlformats.org/presentationml/2006/main">
-  <p:cSld>
-    <p:spTree>
-      <p:nvGrpSpPr>
-        <p:cNvPr id="1" name=""/>
-        <p:cNvGrpSpPr/>
-        <p:nvPr/>
-      </p:nvGrpSpPr>
-      <p:grpSpPr>
-        <a:xfrm>
-          <a:off x="0" y="0"/>
-          <a:ext cx="0" cy="0"/>
-          <a:chOff x="0" y="0"/>
-          <a:chExt cx="0" cy="0"/>
-        </a:xfrm>
-      </p:grpSpPr>
-      <p:sp>
-        <p:nvSpPr>
-          <p:cNvPr id="2" name="Title 1">
-            <a:extLst>
-              <a:ext uri="{FF2B5EF4-FFF2-40B4-BE49-F238E27FC236}">
-                <a16:creationId xmlns:a16="http://schemas.microsoft.com/office/drawing/2014/main" id="{DAA87AE3-8B7A-731D-9AF2-7D6A6BE806EE}"/>
-              </a:ext>
-            </a:extLst>
-          </p:cNvPr>
-          <p:cNvSpPr>
-            <a:spLocks noGrp="1"/>
-          </p:cNvSpPr>
-          <p:nvPr>
-            <p:ph type="title"/>
-          </p:nvPr>
-        </p:nvSpPr>
-        <p:spPr/>
-        <p:txBody>
-          <a:bodyPr/>
-          <a:lstStyle/>
-          <a:p>
-            <a:r>
-              <a:rPr lang="en-US" dirty="0"/>
-              <a:t>Impute or Delete</a:t>
-            </a:r>
-          </a:p>
-        </p:txBody>
-      </p:sp>
-      <p:sp>
-        <p:nvSpPr>
-          <p:cNvPr id="3" name="Content Placeholder 2">
-            <a:extLst>
-              <a:ext uri="{FF2B5EF4-FFF2-40B4-BE49-F238E27FC236}">
-                <a16:creationId xmlns:a16="http://schemas.microsoft.com/office/drawing/2014/main" id="{F2C497EC-F264-475A-DD90-E4A919E1C987}"/>
-              </a:ext>
-            </a:extLst>
-          </p:cNvPr>
-          <p:cNvSpPr>
-            <a:spLocks noGrp="1"/>
-          </p:cNvSpPr>
-          <p:nvPr>
-            <p:ph idx="1"/>
-          </p:nvPr>
-        </p:nvSpPr>
-        <p:spPr/>
-        <p:txBody>
-          <a:bodyPr/>
-          <a:lstStyle/>
-          <a:p>
-            <a:r>
-              <a:rPr lang="en-US" dirty="0"/>
-              <a:t>The first decision is to choose to remove data if we have missing values, or impute them.</a:t>
-            </a:r>
-          </a:p>
-          <a:p>
-            <a:r>
-              <a:rPr lang="en-US" dirty="0"/>
-              <a:t>This is situation dependent – the real-world impact of the values matters. </a:t>
-            </a:r>
-          </a:p>
-          <a:p>
-            <a:r>
-              <a:rPr lang="en-US" dirty="0"/>
-              <a:t>We can also analyze the data to help make better decisions. </a:t>
-            </a:r>
-          </a:p>
-          <a:p>
-            <a:pPr lvl="1"/>
-            <a:endParaRPr lang="en-US" dirty="0"/>
-          </a:p>
-        </p:txBody>
-      </p:sp>
-    </p:spTree>
-    <p:extLst>
-      <p:ext uri="{BB962C8B-B14F-4D97-AF65-F5344CB8AC3E}">
-        <p14:creationId xmlns:p14="http://schemas.microsoft.com/office/powerpoint/2010/main" val="1645387443"/>
-      </p:ext>
-    </p:extLst>
-  </p:cSld>
-  <p:clrMapOvr>
-    <a:masterClrMapping/>
-  </p:clrMapOvr>
-</p:sld>
-</file>
-
-<file path=ppt/slides/slide20.xml><?xml version="1.0" encoding="utf-8"?>
-<p:sld xmlns:a="http://schemas.openxmlformats.org/drawingml/2006/main" xmlns:r="http://schemas.openxmlformats.org/officeDocument/2006/relationships" xmlns:p="http://schemas.openxmlformats.org/presentationml/2006/main">
-  <p:cSld>
-    <p:spTree>
-      <p:nvGrpSpPr>
-        <p:cNvPr id="1" name=""/>
-        <p:cNvGrpSpPr/>
-        <p:nvPr/>
-      </p:nvGrpSpPr>
-      <p:grpSpPr>
-        <a:xfrm>
-          <a:off x="0" y="0"/>
-          <a:ext cx="0" cy="0"/>
-          <a:chOff x="0" y="0"/>
-          <a:chExt cx="0" cy="0"/>
-        </a:xfrm>
-      </p:grpSpPr>
-      <p:sp>
-        <p:nvSpPr>
-          <p:cNvPr id="2" name="Title 1">
-            <a:extLst>
-              <a:ext uri="{FF2B5EF4-FFF2-40B4-BE49-F238E27FC236}">
-                <a16:creationId xmlns:a16="http://schemas.microsoft.com/office/drawing/2014/main" id="{9353C631-41E5-D948-9121-6A7827C79532}"/>
-              </a:ext>
-            </a:extLst>
-          </p:cNvPr>
-          <p:cNvSpPr>
-            <a:spLocks noGrp="1"/>
-          </p:cNvSpPr>
-          <p:nvPr>
-            <p:ph type="title"/>
-          </p:nvPr>
-        </p:nvSpPr>
-        <p:spPr/>
-        <p:txBody>
-          <a:bodyPr/>
-          <a:lstStyle/>
-          <a:p>
-            <a:r>
-              <a:rPr lang="en-US" dirty="0"/>
-              <a:t>Basis Success </a:t>
-            </a:r>
-          </a:p>
-        </p:txBody>
-      </p:sp>
-      <p:sp>
-        <p:nvSpPr>
-          <p:cNvPr id="3" name="Content Placeholder 2">
-            <a:extLst>
-              <a:ext uri="{FF2B5EF4-FFF2-40B4-BE49-F238E27FC236}">
-                <a16:creationId xmlns:a16="http://schemas.microsoft.com/office/drawing/2014/main" id="{7ABBDE20-53A6-9D44-BA81-836F059B784B}"/>
-              </a:ext>
-            </a:extLst>
-          </p:cNvPr>
-          <p:cNvSpPr>
-            <a:spLocks noGrp="1"/>
-          </p:cNvSpPr>
-          <p:nvPr>
-            <p:ph idx="1"/>
-          </p:nvPr>
-        </p:nvSpPr>
-        <p:spPr>
-          <a:xfrm>
-            <a:off x="1451579" y="1853754"/>
-            <a:ext cx="9603275" cy="4278689"/>
-          </a:xfrm>
-        </p:spPr>
-        <p:txBody>
-          <a:bodyPr/>
-          <a:lstStyle/>
-          <a:p>
-            <a:r>
-              <a:rPr lang="en-US" dirty="0"/>
-              <a:t>What a victory! We can model a non-linear relationship with a linear regression. </a:t>
-            </a:r>
-          </a:p>
-          <a:p>
-            <a:pPr lvl="1"/>
-            <a:r>
-              <a:rPr lang="en-US" dirty="0"/>
-              <a:t>More flexible and applicable simple models. </a:t>
-            </a:r>
-          </a:p>
-          <a:p>
-            <a:r>
-              <a:rPr lang="en-US" dirty="0"/>
-              <a:t>Basis functions aren’t only polynomial, it could be anything:</a:t>
-            </a:r>
-          </a:p>
-          <a:p>
-            <a:pPr lvl="1"/>
-            <a:r>
-              <a:rPr lang="en-US" dirty="0"/>
-              <a:t>Gaussian – example in 5.06 PDSH</a:t>
-            </a:r>
-          </a:p>
-          <a:p>
-            <a:pPr lvl="1"/>
-            <a:r>
-              <a:rPr lang="en-CA" dirty="0"/>
-              <a:t>Rectified Linear Units</a:t>
-            </a:r>
-            <a:r>
-              <a:rPr lang="en-US" dirty="0"/>
-              <a:t> (</a:t>
-            </a:r>
-            <a:r>
-              <a:rPr lang="en-US" dirty="0" err="1"/>
-              <a:t>Relu</a:t>
-            </a:r>
-            <a:r>
-              <a:rPr lang="en-US" dirty="0"/>
-              <a:t>) – will come up again in neural networks. </a:t>
-            </a:r>
-          </a:p>
-          <a:p>
-            <a:pPr lvl="1"/>
-            <a:r>
-              <a:rPr lang="en-US" dirty="0"/>
-              <a:t>Radial - revisit in SVM and clustering. </a:t>
-            </a:r>
-          </a:p>
-          <a:p>
-            <a:r>
-              <a:rPr lang="en-CA" dirty="0"/>
-              <a:t>Why?</a:t>
-            </a:r>
-          </a:p>
-          <a:p>
-            <a:pPr lvl="1"/>
-            <a:r>
-              <a:rPr lang="en-CA" dirty="0"/>
-              <a:t>Really useful in applying linear regression to any random scenario. (Good for old math)</a:t>
-            </a:r>
-          </a:p>
-          <a:p>
-            <a:pPr lvl="1"/>
-            <a:r>
-              <a:rPr lang="en-CA" dirty="0"/>
-              <a:t>Helps classification with “weird” borders (~1.5 - 2 weeks from now). Linear </a:t>
-            </a:r>
-            <a:r>
-              <a:rPr lang="en-CA" dirty="0" err="1"/>
-              <a:t>seperability</a:t>
-            </a:r>
-            <a:r>
-              <a:rPr lang="en-CA" dirty="0"/>
-              <a:t>. </a:t>
-            </a:r>
-          </a:p>
-        </p:txBody>
-      </p:sp>
-    </p:spTree>
-    <p:extLst>
-      <p:ext uri="{BB962C8B-B14F-4D97-AF65-F5344CB8AC3E}">
-        <p14:creationId xmlns:p14="http://schemas.microsoft.com/office/powerpoint/2010/main" val="1919427985"/>
-      </p:ext>
-    </p:extLst>
-  </p:cSld>
-  <p:clrMapOvr>
-    <a:masterClrMapping/>
-  </p:clrMapOvr>
-</p:sld>
-</file>
-
-<file path=ppt/slides/slide21.xml><?xml version="1.0" encoding="utf-8"?>
-<p:sld xmlns:a="http://schemas.openxmlformats.org/drawingml/2006/main" xmlns:r="http://schemas.openxmlformats.org/officeDocument/2006/relationships" xmlns:p="http://schemas.openxmlformats.org/presentationml/2006/main">
-  <p:cSld>
-    <p:spTree>
-      <p:nvGrpSpPr>
-        <p:cNvPr id="1" name=""/>
-        <p:cNvGrpSpPr/>
-        <p:nvPr/>
-      </p:nvGrpSpPr>
-      <p:grpSpPr>
-        <a:xfrm>
-          <a:off x="0" y="0"/>
-          <a:ext cx="0" cy="0"/>
-          <a:chOff x="0" y="0"/>
-          <a:chExt cx="0" cy="0"/>
-        </a:xfrm>
-      </p:grpSpPr>
-      <p:sp>
-        <p:nvSpPr>
-          <p:cNvPr id="2" name="Title 1">
-            <a:extLst>
-              <a:ext uri="{FF2B5EF4-FFF2-40B4-BE49-F238E27FC236}">
-                <a16:creationId xmlns:a16="http://schemas.microsoft.com/office/drawing/2014/main" id="{91B21253-26B1-E449-A90A-47F25F2E9916}"/>
-              </a:ext>
-            </a:extLst>
-          </p:cNvPr>
-          <p:cNvSpPr>
-            <a:spLocks noGrp="1"/>
-          </p:cNvSpPr>
-          <p:nvPr>
-            <p:ph type="title"/>
-          </p:nvPr>
-        </p:nvSpPr>
-        <p:spPr/>
-        <p:txBody>
-          <a:bodyPr/>
-          <a:lstStyle/>
-          <a:p>
-            <a:r>
-              <a:rPr lang="en-US" dirty="0"/>
-              <a:t>Errors in Modelling</a:t>
-            </a:r>
-          </a:p>
-        </p:txBody>
-      </p:sp>
-      <p:sp>
-        <p:nvSpPr>
-          <p:cNvPr id="3" name="Content Placeholder 2">
-            <a:extLst>
-              <a:ext uri="{FF2B5EF4-FFF2-40B4-BE49-F238E27FC236}">
-                <a16:creationId xmlns:a16="http://schemas.microsoft.com/office/drawing/2014/main" id="{CF32E779-0813-8346-8DD9-96C68B6215F0}"/>
-              </a:ext>
-            </a:extLst>
-          </p:cNvPr>
-          <p:cNvSpPr>
-            <a:spLocks noGrp="1"/>
-          </p:cNvSpPr>
-          <p:nvPr>
-            <p:ph idx="1"/>
-          </p:nvPr>
-        </p:nvSpPr>
-        <p:spPr>
-          <a:xfrm>
-            <a:off x="1451579" y="2015732"/>
-            <a:ext cx="9603275" cy="4037749"/>
-          </a:xfrm>
-        </p:spPr>
-        <p:txBody>
-          <a:bodyPr>
-            <a:normAutofit fontScale="92500" lnSpcReduction="20000"/>
-          </a:bodyPr>
-          <a:lstStyle/>
-          <a:p>
-            <a:r>
-              <a:rPr lang="en-US" dirty="0"/>
-              <a:t>Bias Error:</a:t>
-            </a:r>
-          </a:p>
-          <a:p>
-            <a:pPr lvl="1"/>
-            <a:r>
-              <a:rPr lang="en-US" dirty="0"/>
-              <a:t>Error due to assumptions made in the modelling process. </a:t>
-            </a:r>
-          </a:p>
-          <a:p>
-            <a:pPr lvl="1"/>
-            <a:r>
-              <a:rPr lang="en-US" dirty="0"/>
-              <a:t>Generally results in underfitting. </a:t>
-            </a:r>
-          </a:p>
-          <a:p>
-            <a:pPr lvl="1"/>
-            <a:r>
-              <a:rPr lang="en-US" dirty="0"/>
-              <a:t>E.g. assuming a linear relationship. </a:t>
-            </a:r>
-          </a:p>
-          <a:p>
-            <a:r>
-              <a:rPr lang="en-US" dirty="0"/>
-              <a:t>Variance Error:</a:t>
-            </a:r>
-          </a:p>
-          <a:p>
-            <a:pPr lvl="1"/>
-            <a:r>
-              <a:rPr lang="en-US" dirty="0"/>
-              <a:t>Error due to variations in the training data.</a:t>
-            </a:r>
-          </a:p>
-          <a:p>
-            <a:pPr lvl="1"/>
-            <a:r>
-              <a:rPr lang="en-US" dirty="0"/>
-              <a:t>Generally results in overfitting. </a:t>
-            </a:r>
-          </a:p>
-          <a:p>
-            <a:pPr lvl="1"/>
-            <a:r>
-              <a:rPr lang="en-US" dirty="0"/>
-              <a:t>E.g. different training sets for trees generate very different models. </a:t>
-            </a:r>
-          </a:p>
-          <a:p>
-            <a:r>
-              <a:rPr lang="en-US" dirty="0"/>
-              <a:t>Irreducible Error:</a:t>
-            </a:r>
-          </a:p>
-          <a:p>
-            <a:pPr lvl="1"/>
-            <a:r>
-              <a:rPr lang="en-US" dirty="0"/>
-              <a:t>Error that we can’t fix through modeling, it in inherent in the data. </a:t>
-            </a:r>
-          </a:p>
-          <a:p>
-            <a:pPr lvl="1"/>
-            <a:r>
-              <a:rPr lang="en-US" dirty="0"/>
-              <a:t>May be able to fix it by cleaning data (removing outliers, correcting missing data, </a:t>
-            </a:r>
-            <a:r>
-              <a:rPr lang="en-US" dirty="0" err="1"/>
-              <a:t>etc</a:t>
-            </a:r>
-            <a:r>
-              <a:rPr lang="en-US" dirty="0"/>
-              <a:t>…)</a:t>
-            </a:r>
-          </a:p>
-          <a:p>
-            <a:endParaRPr lang="en-US" dirty="0"/>
-          </a:p>
-        </p:txBody>
-      </p:sp>
-    </p:spTree>
-    <p:extLst>
-      <p:ext uri="{BB962C8B-B14F-4D97-AF65-F5344CB8AC3E}">
-        <p14:creationId xmlns:p14="http://schemas.microsoft.com/office/powerpoint/2010/main" val="3133314296"/>
-      </p:ext>
-    </p:extLst>
-  </p:cSld>
-  <p:clrMapOvr>
-    <a:masterClrMapping/>
-  </p:clrMapOvr>
-</p:sld>
-</file>
-
-<file path=ppt/slides/slide22.xml><?xml version="1.0" encoding="utf-8"?>
 <p:sld xmlns:a="http://schemas.openxmlformats.org/drawingml/2006/main" xmlns:r="http://schemas.openxmlformats.org/officeDocument/2006/relationships" xmlns:p="http://schemas.openxmlformats.org/presentationml/2006/main">
   <p:cSld>
     <p:bg>
@@ -5880,99 +4935,52 @@
       </p:grpSpPr>
       <p:sp>
         <p:nvSpPr>
-          <p:cNvPr id="71" name="Rectangle 70">
-            <a:extLst>
-              <a:ext uri="{FF2B5EF4-FFF2-40B4-BE49-F238E27FC236}">
-                <a16:creationId xmlns:a16="http://schemas.microsoft.com/office/drawing/2014/main" id="{CDDE5CDF-1512-4CDA-B956-23D223F8DE44}"/>
-              </a:ext>
-              <a:ext uri="{C183D7F6-B498-43B3-948B-1728B52AA6E4}">
-                <adec:decorative xmlns:adec="http://schemas.microsoft.com/office/drawing/2017/decorative" val="1"/>
-              </a:ext>
-            </a:extLst>
-          </p:cNvPr>
-          <p:cNvSpPr>
-            <a:spLocks noGrp="1" noRot="1" noChangeAspect="1" noMove="1" noResize="1" noEditPoints="1" noAdjustHandles="1" noChangeArrowheads="1" noChangeShapeType="1" noTextEdit="1"/>
-          </p:cNvSpPr>
-          <p:nvPr>
-            <p:extLst>
-              <p:ext uri="{386F3935-93C4-4BCD-93E2-E3B085C9AB24}">
-                <p16:designElem xmlns:p16="http://schemas.microsoft.com/office/powerpoint/2015/main" val="1"/>
-              </p:ext>
-            </p:extLst>
+          <p:cNvPr id="2" name="Title 1">
+            <a:extLst>
+              <a:ext uri="{FF2B5EF4-FFF2-40B4-BE49-F238E27FC236}">
+                <a16:creationId xmlns:a16="http://schemas.microsoft.com/office/drawing/2014/main" id="{26090414-D605-0F44-8CB9-D56F82CDE902}"/>
+              </a:ext>
+            </a:extLst>
+          </p:cNvPr>
+          <p:cNvSpPr>
+            <a:spLocks noGrp="1"/>
+          </p:cNvSpPr>
+          <p:nvPr>
+            <p:ph type="title"/>
           </p:nvPr>
         </p:nvSpPr>
         <p:spPr>
           <a:xfrm>
-            <a:off x="0" y="2019476"/>
-            <a:ext cx="12192000" cy="4105941"/>
-          </a:xfrm>
-          <a:prstGeom prst="rect">
-            <a:avLst/>
-          </a:prstGeom>
-          <a:gradFill flip="none" rotWithShape="1">
-            <a:gsLst>
-              <a:gs pos="0">
-                <a:schemeClr val="bg2">
-                  <a:alpha val="0"/>
-                </a:schemeClr>
-              </a:gs>
-              <a:gs pos="100000">
-                <a:schemeClr val="bg2"/>
-              </a:gs>
-            </a:gsLst>
-            <a:lin ang="5400000" scaled="0"/>
-            <a:tileRect/>
-          </a:gradFill>
-          <a:ln>
-            <a:noFill/>
-          </a:ln>
-        </p:spPr>
-        <p:style>
-          <a:lnRef idx="2">
-            <a:schemeClr val="accent1">
-              <a:shade val="50000"/>
-            </a:schemeClr>
-          </a:lnRef>
-          <a:fillRef idx="1">
-            <a:schemeClr val="accent1"/>
-          </a:fillRef>
-          <a:effectRef idx="0">
-            <a:schemeClr val="accent1"/>
-          </a:effectRef>
-          <a:fontRef idx="minor">
-            <a:schemeClr val="lt1"/>
-          </a:fontRef>
-        </p:style>
-        <p:txBody>
-          <a:bodyPr/>
-          <a:lstStyle/>
-          <a:p>
-            <a:endParaRPr lang="en-US"/>
+            <a:off x="1451579" y="804519"/>
+            <a:ext cx="9603275" cy="1049235"/>
+          </a:xfrm>
+        </p:spPr>
+        <p:txBody>
+          <a:bodyPr>
+            <a:normAutofit/>
+          </a:bodyPr>
+          <a:lstStyle/>
+          <a:p>
+            <a:r>
+              <a:rPr lang="en-US" dirty="0"/>
+              <a:t>Linear and non-Linear</a:t>
+            </a:r>
           </a:p>
         </p:txBody>
       </p:sp>
       <p:pic>
         <p:nvPicPr>
-          <p:cNvPr id="73" name="Picture 72">
-            <a:extLst>
-              <a:ext uri="{FF2B5EF4-FFF2-40B4-BE49-F238E27FC236}">
-                <a16:creationId xmlns:a16="http://schemas.microsoft.com/office/drawing/2014/main" id="{B029D7D8-5A6B-4C76-94C8-15798C6C5ADB}"/>
-              </a:ext>
-              <a:ext uri="{C183D7F6-B498-43B3-948B-1728B52AA6E4}">
-                <adec:decorative xmlns:adec="http://schemas.microsoft.com/office/drawing/2017/decorative" val="1"/>
+          <p:cNvPr id="14338" name="Picture 2" descr="Anscombe's quartet - Wikipedia">
+            <a:extLst>
+              <a:ext uri="{FF2B5EF4-FFF2-40B4-BE49-F238E27FC236}">
+                <a16:creationId xmlns:a16="http://schemas.microsoft.com/office/drawing/2014/main" id="{6BD7D81C-F295-4567-2F8D-1BF8B5746D20}"/>
               </a:ext>
             </a:extLst>
           </p:cNvPr>
           <p:cNvPicPr>
-            <a:picLocks noGrp="1" noRot="1" noChangeAspect="1" noMove="1" noResize="1" noEditPoints="1" noAdjustHandles="1" noChangeArrowheads="1" noChangeShapeType="1" noCrop="1"/>
+            <a:picLocks noChangeAspect="1" noChangeArrowheads="1"/>
           </p:cNvPicPr>
-          <p:nvPr>
-            <p:extLst>
-              <p:ext uri="{386F3935-93C4-4BCD-93E2-E3B085C9AB24}">
-                <p16:designElem xmlns:p16="http://schemas.microsoft.com/office/powerpoint/2015/main" val="1"/>
-              </p:ext>
-            </p:extLst>
-          </p:nvPr>
+          <p:nvPr/>
         </p:nvPicPr>
         <p:blipFill rotWithShape="1">
           <a:blip r:embed="rId2">
@@ -5982,165 +4990,13 @@
               </a:ext>
             </a:extLst>
           </a:blip>
-          <a:srcRect t="1538" b="-1538"/>
+          <a:srcRect t="5684" r="4372"/>
           <a:stretch/>
         </p:blipFill>
-        <p:spPr bwMode="black">
-          <a:xfrm>
-            <a:off x="0" y="6126480"/>
-            <a:ext cx="12192000" cy="742950"/>
-          </a:xfrm>
-          <a:prstGeom prst="rect">
-            <a:avLst/>
-          </a:prstGeom>
-        </p:spPr>
-      </p:pic>
-      <p:cxnSp>
-        <p:nvCxnSpPr>
-          <p:cNvPr id="75" name="Straight Connector 74">
-            <a:extLst>
-              <a:ext uri="{FF2B5EF4-FFF2-40B4-BE49-F238E27FC236}">
-                <a16:creationId xmlns:a16="http://schemas.microsoft.com/office/drawing/2014/main" id="{A5C9319C-E20D-4884-952F-60B6A58C3E34}"/>
-              </a:ext>
-              <a:ext uri="{C183D7F6-B498-43B3-948B-1728B52AA6E4}">
-                <adec:decorative xmlns:adec="http://schemas.microsoft.com/office/drawing/2017/decorative" val="1"/>
-              </a:ext>
-            </a:extLst>
-          </p:cNvPr>
-          <p:cNvCxnSpPr>
-            <a:cxnSpLocks noGrp="1" noRot="1" noChangeAspect="1" noMove="1" noResize="1" noEditPoints="1" noAdjustHandles="1" noChangeArrowheads="1" noChangeShapeType="1"/>
-          </p:cNvCxnSpPr>
-          <p:nvPr>
-            <p:extLst>
-              <p:ext uri="{386F3935-93C4-4BCD-93E2-E3B085C9AB24}">
-                <p16:designElem xmlns:p16="http://schemas.microsoft.com/office/powerpoint/2015/main" val="1"/>
-              </p:ext>
-            </p:extLst>
-          </p:nvPr>
-        </p:nvCxnSpPr>
-        <p:spPr>
-          <a:xfrm>
-            <a:off x="0" y="6128413"/>
-            <a:ext cx="12192000" cy="0"/>
-          </a:xfrm>
-          <a:prstGeom prst="line">
-            <a:avLst/>
-          </a:prstGeom>
-          <a:ln w="12700">
-            <a:solidFill>
-              <a:srgbClr val="000001">
-                <a:alpha val="20000"/>
-              </a:srgbClr>
-            </a:solidFill>
-          </a:ln>
-        </p:spPr>
-        <p:style>
-          <a:lnRef idx="1">
-            <a:schemeClr val="accent1"/>
-          </a:lnRef>
-          <a:fillRef idx="0">
-            <a:schemeClr val="accent1"/>
-          </a:fillRef>
-          <a:effectRef idx="0">
-            <a:schemeClr val="accent1"/>
-          </a:effectRef>
-          <a:fontRef idx="minor">
-            <a:schemeClr val="tx1"/>
-          </a:fontRef>
-        </p:style>
-      </p:cxnSp>
-      <p:sp useBgFill="1">
-        <p:nvSpPr>
-          <p:cNvPr id="77" name="Rectangle 76">
-            <a:extLst>
-              <a:ext uri="{FF2B5EF4-FFF2-40B4-BE49-F238E27FC236}">
-                <a16:creationId xmlns:a16="http://schemas.microsoft.com/office/drawing/2014/main" id="{62C9703D-C8F9-44AD-A7C0-C2F3871F8C1B}"/>
-              </a:ext>
-              <a:ext uri="{C183D7F6-B498-43B3-948B-1728B52AA6E4}">
-                <adec:decorative xmlns:adec="http://schemas.microsoft.com/office/drawing/2017/decorative" val="1"/>
-              </a:ext>
-            </a:extLst>
-          </p:cNvPr>
-          <p:cNvSpPr>
-            <a:spLocks noGrp="1" noRot="1" noChangeAspect="1" noMove="1" noResize="1" noEditPoints="1" noAdjustHandles="1" noChangeArrowheads="1" noChangeShapeType="1" noTextEdit="1"/>
-          </p:cNvSpPr>
-          <p:nvPr>
-            <p:extLst>
-              <p:ext uri="{386F3935-93C4-4BCD-93E2-E3B085C9AB24}">
-                <p16:designElem xmlns:p16="http://schemas.microsoft.com/office/powerpoint/2015/main" val="1"/>
-              </p:ext>
-            </p:extLst>
-          </p:nvPr>
-        </p:nvSpPr>
-        <p:spPr>
-          <a:xfrm>
-            <a:off x="0" y="0"/>
-            <a:ext cx="12192000" cy="6160168"/>
-          </a:xfrm>
-          <a:prstGeom prst="rect">
-            <a:avLst/>
-          </a:prstGeom>
-          <a:ln>
-            <a:noFill/>
-          </a:ln>
-        </p:spPr>
-        <p:style>
-          <a:lnRef idx="2">
-            <a:schemeClr val="accent1">
-              <a:shade val="50000"/>
-            </a:schemeClr>
-          </a:lnRef>
-          <a:fillRef idx="1">
-            <a:schemeClr val="accent1"/>
-          </a:fillRef>
-          <a:effectRef idx="0">
-            <a:schemeClr val="accent1"/>
-          </a:effectRef>
-          <a:fontRef idx="minor">
-            <a:schemeClr val="lt1"/>
-          </a:fontRef>
-        </p:style>
-        <p:txBody>
-          <a:bodyPr rtlCol="0" anchor="ctr"/>
-          <a:lstStyle/>
-          <a:p>
-            <a:pPr algn="ctr"/>
-            <a:endParaRPr lang="en-US"/>
-          </a:p>
-        </p:txBody>
-      </p:sp>
-      <p:pic>
-        <p:nvPicPr>
-          <p:cNvPr id="3074" name="Picture 2" descr="3.6.10.16. Bias and variance of polynomial fit — Scipy lecture notes">
-            <a:extLst>
-              <a:ext uri="{FF2B5EF4-FFF2-40B4-BE49-F238E27FC236}">
-                <a16:creationId xmlns:a16="http://schemas.microsoft.com/office/drawing/2014/main" id="{C790E6D7-7508-EF40-B99A-33851F3E99CE}"/>
-              </a:ext>
-            </a:extLst>
-          </p:cNvPr>
-          <p:cNvPicPr>
-            <a:picLocks noGrp="1" noChangeAspect="1" noChangeArrowheads="1"/>
-          </p:cNvPicPr>
-          <p:nvPr>
-            <p:ph idx="1"/>
-          </p:nvPr>
-        </p:nvPicPr>
-        <p:blipFill>
-          <a:blip r:embed="rId3">
-            <a:extLst>
-              <a:ext uri="{28A0092B-C50C-407E-A947-70E740481C1C}">
-                <a14:useLocalDpi xmlns:a14="http://schemas.microsoft.com/office/drawing/2010/main" val="0"/>
-              </a:ext>
-            </a:extLst>
-          </a:blip>
-          <a:stretch>
-            <a:fillRect/>
-          </a:stretch>
-        </p:blipFill>
         <p:spPr bwMode="auto">
           <a:xfrm>
-            <a:off x="643467" y="953596"/>
-            <a:ext cx="10905066" cy="4252976"/>
+            <a:off x="1867" y="1853754"/>
+            <a:ext cx="6836607" cy="4905392"/>
           </a:xfrm>
           <a:prstGeom prst="rect">
             <a:avLst/>
@@ -6157,10 +5013,1178 @@
           </a:extLst>
         </p:spPr>
       </p:pic>
+      <p:sp>
+        <p:nvSpPr>
+          <p:cNvPr id="3" name="Content Placeholder 2">
+            <a:extLst>
+              <a:ext uri="{FF2B5EF4-FFF2-40B4-BE49-F238E27FC236}">
+                <a16:creationId xmlns:a16="http://schemas.microsoft.com/office/drawing/2014/main" id="{45557618-72E4-7342-81F2-61B66A6C3D47}"/>
+              </a:ext>
+            </a:extLst>
+          </p:cNvPr>
+          <p:cNvSpPr>
+            <a:spLocks noGrp="1"/>
+          </p:cNvSpPr>
+          <p:nvPr>
+            <p:ph idx="1"/>
+          </p:nvPr>
+        </p:nvSpPr>
+        <p:spPr>
+          <a:xfrm>
+            <a:off x="6892299" y="2015734"/>
+            <a:ext cx="5297834" cy="4037747"/>
+          </a:xfrm>
+        </p:spPr>
+        <p:txBody>
+          <a:bodyPr>
+            <a:normAutofit/>
+          </a:bodyPr>
+          <a:lstStyle/>
+          <a:p>
+            <a:r>
+              <a:rPr lang="en-US" dirty="0"/>
+              <a:t>Linear models are excellent….</a:t>
+            </a:r>
+          </a:p>
+          <a:p>
+            <a:r>
+              <a:rPr lang="en-US" dirty="0"/>
+              <a:t>… If there’s a linear relationship in the data. </a:t>
+            </a:r>
+          </a:p>
+          <a:p>
+            <a:r>
+              <a:rPr lang="en-US" dirty="0"/>
+              <a:t>For non-linear relationships, linear regressions can struggle – they can’t ‘capture’ curves.</a:t>
+            </a:r>
+          </a:p>
+          <a:p>
+            <a:pPr lvl="1"/>
+            <a:r>
+              <a:rPr lang="en-US" dirty="0"/>
+              <a:t>Linear models can’t learn non-linear relationships (trees can).</a:t>
+            </a:r>
+          </a:p>
+          <a:p>
+            <a:r>
+              <a:rPr lang="en-US" dirty="0"/>
+              <a:t>We first saw this with Anscombe’s Quartet.</a:t>
+            </a:r>
+          </a:p>
+          <a:p>
+            <a:pPr lvl="1"/>
+            <a:r>
+              <a:rPr lang="en-US" dirty="0"/>
+              <a:t>Same regression, r2, mean, variance. </a:t>
+            </a:r>
+          </a:p>
+          <a:p>
+            <a:pPr lvl="1"/>
+            <a:r>
+              <a:rPr lang="en-US" dirty="0"/>
+              <a:t>Only one would yield good predictions. </a:t>
+            </a:r>
+          </a:p>
+        </p:txBody>
+      </p:sp>
     </p:spTree>
     <p:extLst>
       <p:ext uri="{BB962C8B-B14F-4D97-AF65-F5344CB8AC3E}">
-        <p14:creationId xmlns:p14="http://schemas.microsoft.com/office/powerpoint/2010/main" val="824830062"/>
+        <p14:creationId xmlns:p14="http://schemas.microsoft.com/office/powerpoint/2010/main" val="1606411571"/>
+      </p:ext>
+    </p:extLst>
+  </p:cSld>
+  <p:clrMapOvr>
+    <a:masterClrMapping/>
+  </p:clrMapOvr>
+</p:sld>
+</file>
+
+<file path=ppt/slides/slide18.xml><?xml version="1.0" encoding="utf-8"?>
+<p:sld xmlns:a="http://schemas.openxmlformats.org/drawingml/2006/main" xmlns:r="http://schemas.openxmlformats.org/officeDocument/2006/relationships" xmlns:p="http://schemas.openxmlformats.org/presentationml/2006/main">
+  <p:cSld>
+    <p:spTree>
+      <p:nvGrpSpPr>
+        <p:cNvPr id="1" name=""/>
+        <p:cNvGrpSpPr/>
+        <p:nvPr/>
+      </p:nvGrpSpPr>
+      <p:grpSpPr>
+        <a:xfrm>
+          <a:off x="0" y="0"/>
+          <a:ext cx="0" cy="0"/>
+          <a:chOff x="0" y="0"/>
+          <a:chExt cx="0" cy="0"/>
+        </a:xfrm>
+      </p:grpSpPr>
+      <p:sp>
+        <p:nvSpPr>
+          <p:cNvPr id="2" name="Title 1">
+            <a:extLst>
+              <a:ext uri="{FF2B5EF4-FFF2-40B4-BE49-F238E27FC236}">
+                <a16:creationId xmlns:a16="http://schemas.microsoft.com/office/drawing/2014/main" id="{F839BB0C-59CF-E749-BF0C-351B78CB728A}"/>
+              </a:ext>
+            </a:extLst>
+          </p:cNvPr>
+          <p:cNvSpPr>
+            <a:spLocks noGrp="1"/>
+          </p:cNvSpPr>
+          <p:nvPr>
+            <p:ph type="title"/>
+          </p:nvPr>
+        </p:nvSpPr>
+        <p:spPr/>
+        <p:txBody>
+          <a:bodyPr/>
+          <a:lstStyle/>
+          <a:p>
+            <a:r>
+              <a:rPr lang="en-US" dirty="0"/>
+              <a:t>We need a Hero - Basis Function</a:t>
+            </a:r>
+          </a:p>
+        </p:txBody>
+      </p:sp>
+      <p:sp>
+        <p:nvSpPr>
+          <p:cNvPr id="3" name="Content Placeholder 2">
+            <a:extLst>
+              <a:ext uri="{FF2B5EF4-FFF2-40B4-BE49-F238E27FC236}">
+                <a16:creationId xmlns:a16="http://schemas.microsoft.com/office/drawing/2014/main" id="{EF09189E-5EDD-CB40-A30D-A98C3B78E700}"/>
+              </a:ext>
+            </a:extLst>
+          </p:cNvPr>
+          <p:cNvSpPr>
+            <a:spLocks noGrp="1"/>
+          </p:cNvSpPr>
+          <p:nvPr>
+            <p:ph idx="1"/>
+          </p:nvPr>
+        </p:nvSpPr>
+        <p:spPr>
+          <a:xfrm>
+            <a:off x="1451579" y="2015732"/>
+            <a:ext cx="9603275" cy="4037749"/>
+          </a:xfrm>
+        </p:spPr>
+        <p:txBody>
+          <a:bodyPr/>
+          <a:lstStyle/>
+          <a:p>
+            <a:r>
+              <a:rPr lang="en-US" dirty="0"/>
+              <a:t>We can adapt linear regression to non-linear relationships by using a basis function. </a:t>
+            </a:r>
+          </a:p>
+          <a:p>
+            <a:r>
+              <a:rPr lang="en-US" dirty="0"/>
+              <a:t>Basis functions are a transformation that changes the x to a function of x.</a:t>
+            </a:r>
+          </a:p>
+          <a:p>
+            <a:r>
+              <a:rPr lang="en-CA" dirty="0"/>
+              <a:t>If we have a basis function: 𝜙</a:t>
+            </a:r>
+            <a:r>
+              <a:rPr lang="en-CA" baseline="-25000" dirty="0"/>
+              <a:t>𝑗</a:t>
+            </a:r>
+            <a:r>
+              <a:rPr lang="en-CA" dirty="0"/>
+              <a:t>()</a:t>
+            </a:r>
+            <a:endParaRPr lang="en-CA" baseline="-25000" dirty="0"/>
+          </a:p>
+          <a:p>
+            <a:r>
+              <a:rPr lang="en-CA" dirty="0"/>
+              <a:t>Each x value then becomes: 𝜙</a:t>
+            </a:r>
+            <a:r>
+              <a:rPr lang="en-CA" baseline="-25000" dirty="0"/>
+              <a:t>𝑗</a:t>
+            </a:r>
+            <a:r>
+              <a:rPr lang="en-CA" dirty="0"/>
+              <a:t>(𝑥</a:t>
+            </a:r>
+            <a:r>
+              <a:rPr lang="en-CA" baseline="-25000" dirty="0"/>
+              <a:t>𝑖</a:t>
+            </a:r>
+            <a:r>
+              <a:rPr lang="en-CA" dirty="0"/>
+              <a:t>)</a:t>
+            </a:r>
+          </a:p>
+          <a:p>
+            <a:r>
+              <a:rPr lang="en-CA" dirty="0"/>
+              <a:t>This function could be anything, the closer it captures the pattern in data, the better.</a:t>
+            </a:r>
+          </a:p>
+          <a:p>
+            <a:r>
+              <a:rPr lang="en-CA" dirty="0"/>
+              <a:t>Similar to something like a log-transformation in stats – we can transform the data, make it more normal (or linear), then use things that work with the transformed form. </a:t>
+            </a:r>
+            <a:br>
+              <a:rPr lang="en-CA" dirty="0"/>
+            </a:br>
+            <a:endParaRPr lang="en-US" dirty="0"/>
+          </a:p>
+        </p:txBody>
+      </p:sp>
+    </p:spTree>
+    <p:extLst>
+      <p:ext uri="{BB962C8B-B14F-4D97-AF65-F5344CB8AC3E}">
+        <p14:creationId xmlns:p14="http://schemas.microsoft.com/office/powerpoint/2010/main" val="3273952773"/>
+      </p:ext>
+    </p:extLst>
+  </p:cSld>
+  <p:clrMapOvr>
+    <a:masterClrMapping/>
+  </p:clrMapOvr>
+</p:sld>
+</file>
+
+<file path=ppt/slides/slide19.xml><?xml version="1.0" encoding="utf-8"?>
+<p:sld xmlns:a="http://schemas.openxmlformats.org/drawingml/2006/main" xmlns:r="http://schemas.openxmlformats.org/officeDocument/2006/relationships" xmlns:p="http://schemas.openxmlformats.org/presentationml/2006/main">
+  <p:cSld>
+    <p:bg>
+      <p:bgPr>
+        <a:gradFill rotWithShape="1">
+          <a:gsLst>
+            <a:gs pos="0">
+              <a:schemeClr val="bg2">
+                <a:tint val="94000"/>
+                <a:satMod val="80000"/>
+                <a:lumMod val="106000"/>
+              </a:schemeClr>
+            </a:gs>
+            <a:gs pos="100000">
+              <a:schemeClr val="bg2">
+                <a:shade val="80000"/>
+              </a:schemeClr>
+            </a:gs>
+          </a:gsLst>
+          <a:path path="circle">
+            <a:fillToRect l="43000" r="43000" b="100000"/>
+          </a:path>
+        </a:gradFill>
+        <a:effectLst/>
+      </p:bgPr>
+    </p:bg>
+    <p:spTree>
+      <p:nvGrpSpPr>
+        <p:cNvPr id="1" name=""/>
+        <p:cNvGrpSpPr/>
+        <p:nvPr/>
+      </p:nvGrpSpPr>
+      <p:grpSpPr>
+        <a:xfrm>
+          <a:off x="0" y="0"/>
+          <a:ext cx="0" cy="0"/>
+          <a:chOff x="0" y="0"/>
+          <a:chExt cx="0" cy="0"/>
+        </a:xfrm>
+      </p:grpSpPr>
+      <p:sp>
+        <p:nvSpPr>
+          <p:cNvPr id="2" name="Title 1">
+            <a:extLst>
+              <a:ext uri="{FF2B5EF4-FFF2-40B4-BE49-F238E27FC236}">
+                <a16:creationId xmlns:a16="http://schemas.microsoft.com/office/drawing/2014/main" id="{451051EF-E476-AA3D-77E6-42AF4D8DBDA7}"/>
+              </a:ext>
+            </a:extLst>
+          </p:cNvPr>
+          <p:cNvSpPr>
+            <a:spLocks noGrp="1"/>
+          </p:cNvSpPr>
+          <p:nvPr>
+            <p:ph type="title"/>
+          </p:nvPr>
+        </p:nvSpPr>
+        <p:spPr>
+          <a:xfrm>
+            <a:off x="1451579" y="804519"/>
+            <a:ext cx="9603275" cy="1049235"/>
+          </a:xfrm>
+        </p:spPr>
+        <p:txBody>
+          <a:bodyPr>
+            <a:normAutofit/>
+          </a:bodyPr>
+          <a:lstStyle/>
+          <a:p>
+            <a:r>
+              <a:rPr lang="en-US" dirty="0"/>
+              <a:t>Recall – Stats Transformations</a:t>
+            </a:r>
+          </a:p>
+        </p:txBody>
+      </p:sp>
+      <p:sp>
+        <p:nvSpPr>
+          <p:cNvPr id="3" name="Content Placeholder 2">
+            <a:extLst>
+              <a:ext uri="{FF2B5EF4-FFF2-40B4-BE49-F238E27FC236}">
+                <a16:creationId xmlns:a16="http://schemas.microsoft.com/office/drawing/2014/main" id="{B28167FD-93ED-9E55-1932-0097C770A757}"/>
+              </a:ext>
+            </a:extLst>
+          </p:cNvPr>
+          <p:cNvSpPr>
+            <a:spLocks noGrp="1"/>
+          </p:cNvSpPr>
+          <p:nvPr>
+            <p:ph idx="1"/>
+          </p:nvPr>
+        </p:nvSpPr>
+        <p:spPr>
+          <a:xfrm>
+            <a:off x="271850" y="1853754"/>
+            <a:ext cx="5872774" cy="4199727"/>
+          </a:xfrm>
+        </p:spPr>
+        <p:txBody>
+          <a:bodyPr>
+            <a:normAutofit/>
+          </a:bodyPr>
+          <a:lstStyle/>
+          <a:p>
+            <a:r>
+              <a:rPr lang="en-US" dirty="0"/>
+              <a:t>Recall in stats where we frequently do things like log-transformations.</a:t>
+            </a:r>
+          </a:p>
+          <a:p>
+            <a:pPr lvl="1"/>
+            <a:r>
+              <a:rPr lang="en-US" dirty="0"/>
+              <a:t>E.g. income or wage analysis.  Generalizations. </a:t>
+            </a:r>
+          </a:p>
+          <a:p>
+            <a:r>
+              <a:rPr lang="en-US" dirty="0"/>
+              <a:t>Data that fits a certain pattern allows for tools that assume that pattern to function better. </a:t>
+            </a:r>
+          </a:p>
+          <a:p>
+            <a:pPr lvl="1"/>
+            <a:r>
+              <a:rPr lang="en-US" dirty="0"/>
+              <a:t>Log: we can do parametric tests (e.g. t-test) or improve model (e.g. regression target).</a:t>
+            </a:r>
+          </a:p>
+          <a:p>
+            <a:pPr lvl="1"/>
+            <a:r>
+              <a:rPr lang="en-US" dirty="0"/>
+              <a:t>Basis: we can use a parametric model (linear models assume linear data) on non-linear data. </a:t>
+            </a:r>
+          </a:p>
+          <a:p>
+            <a:r>
+              <a:rPr lang="en-US" dirty="0"/>
+              <a:t>Residual plots can show this sometimes. </a:t>
+            </a:r>
+          </a:p>
+        </p:txBody>
+      </p:sp>
+      <p:pic>
+        <p:nvPicPr>
+          <p:cNvPr id="10242" name="Picture 2" descr="Log Transformation Fig 2. shows the graph of Log transformed price -  mathiaspeguet.fr">
+            <a:extLst>
+              <a:ext uri="{FF2B5EF4-FFF2-40B4-BE49-F238E27FC236}">
+                <a16:creationId xmlns:a16="http://schemas.microsoft.com/office/drawing/2014/main" id="{E0C9D8F4-9939-6E72-2FE1-2C93A00A2FD1}"/>
+              </a:ext>
+            </a:extLst>
+          </p:cNvPr>
+          <p:cNvPicPr>
+            <a:picLocks noChangeAspect="1" noChangeArrowheads="1"/>
+          </p:cNvPicPr>
+          <p:nvPr/>
+        </p:nvPicPr>
+        <p:blipFill>
+          <a:blip r:embed="rId2">
+            <a:extLst>
+              <a:ext uri="{28A0092B-C50C-407E-A947-70E740481C1C}">
+                <a14:useLocalDpi xmlns:a14="http://schemas.microsoft.com/office/drawing/2010/main" val="0"/>
+              </a:ext>
+            </a:extLst>
+          </a:blip>
+          <a:stretch>
+            <a:fillRect/>
+          </a:stretch>
+        </p:blipFill>
+        <p:spPr bwMode="auto">
+          <a:xfrm>
+            <a:off x="6144623" y="2015734"/>
+            <a:ext cx="6036918" cy="4286212"/>
+          </a:xfrm>
+          <a:prstGeom prst="rect">
+            <a:avLst/>
+          </a:prstGeom>
+          <a:noFill/>
+          <a:extLst>
+            <a:ext uri="{909E8E84-426E-40DD-AFC4-6F175D3DCCD1}">
+              <a14:hiddenFill xmlns:a14="http://schemas.microsoft.com/office/drawing/2010/main">
+                <a:solidFill>
+                  <a:srgbClr val="FFFFFF"/>
+                </a:solidFill>
+              </a14:hiddenFill>
+            </a:ext>
+          </a:extLst>
+        </p:spPr>
+      </p:pic>
+    </p:spTree>
+    <p:extLst>
+      <p:ext uri="{BB962C8B-B14F-4D97-AF65-F5344CB8AC3E}">
+        <p14:creationId xmlns:p14="http://schemas.microsoft.com/office/powerpoint/2010/main" val="118061229"/>
+      </p:ext>
+    </p:extLst>
+  </p:cSld>
+  <p:clrMapOvr>
+    <a:masterClrMapping/>
+  </p:clrMapOvr>
+</p:sld>
+</file>
+
+<file path=ppt/slides/slide2.xml><?xml version="1.0" encoding="utf-8"?>
+<p:sld xmlns:a="http://schemas.openxmlformats.org/drawingml/2006/main" xmlns:r="http://schemas.openxmlformats.org/officeDocument/2006/relationships" xmlns:p="http://schemas.openxmlformats.org/presentationml/2006/main" show="0">
+  <p:cSld>
+    <p:spTree>
+      <p:nvGrpSpPr>
+        <p:cNvPr id="1" name=""/>
+        <p:cNvGrpSpPr/>
+        <p:nvPr/>
+      </p:nvGrpSpPr>
+      <p:grpSpPr>
+        <a:xfrm>
+          <a:off x="0" y="0"/>
+          <a:ext cx="0" cy="0"/>
+          <a:chOff x="0" y="0"/>
+          <a:chExt cx="0" cy="0"/>
+        </a:xfrm>
+      </p:grpSpPr>
+      <p:sp>
+        <p:nvSpPr>
+          <p:cNvPr id="2" name="Title 1">
+            <a:extLst>
+              <a:ext uri="{FF2B5EF4-FFF2-40B4-BE49-F238E27FC236}">
+                <a16:creationId xmlns:a16="http://schemas.microsoft.com/office/drawing/2014/main" id="{DAA87AE3-8B7A-731D-9AF2-7D6A6BE806EE}"/>
+              </a:ext>
+            </a:extLst>
+          </p:cNvPr>
+          <p:cNvSpPr>
+            <a:spLocks noGrp="1"/>
+          </p:cNvSpPr>
+          <p:nvPr>
+            <p:ph type="title"/>
+          </p:nvPr>
+        </p:nvSpPr>
+        <p:spPr/>
+        <p:txBody>
+          <a:bodyPr/>
+          <a:lstStyle/>
+          <a:p>
+            <a:r>
+              <a:rPr lang="en-US" dirty="0"/>
+              <a:t>Impute or Delete</a:t>
+            </a:r>
+          </a:p>
+        </p:txBody>
+      </p:sp>
+      <p:sp>
+        <p:nvSpPr>
+          <p:cNvPr id="3" name="Content Placeholder 2">
+            <a:extLst>
+              <a:ext uri="{FF2B5EF4-FFF2-40B4-BE49-F238E27FC236}">
+                <a16:creationId xmlns:a16="http://schemas.microsoft.com/office/drawing/2014/main" id="{F2C497EC-F264-475A-DD90-E4A919E1C987}"/>
+              </a:ext>
+            </a:extLst>
+          </p:cNvPr>
+          <p:cNvSpPr>
+            <a:spLocks noGrp="1"/>
+          </p:cNvSpPr>
+          <p:nvPr>
+            <p:ph idx="1"/>
+          </p:nvPr>
+        </p:nvSpPr>
+        <p:spPr/>
+        <p:txBody>
+          <a:bodyPr/>
+          <a:lstStyle/>
+          <a:p>
+            <a:r>
+              <a:rPr lang="en-US" dirty="0"/>
+              <a:t>The first decision is to choose to remove data if we have missing values, or impute them.</a:t>
+            </a:r>
+          </a:p>
+          <a:p>
+            <a:r>
+              <a:rPr lang="en-US" dirty="0"/>
+              <a:t>This is situation dependent – the real-world impact of the values matters. </a:t>
+            </a:r>
+          </a:p>
+          <a:p>
+            <a:r>
+              <a:rPr lang="en-US" dirty="0"/>
+              <a:t>We can also analyze the data to help make better decisions. </a:t>
+            </a:r>
+          </a:p>
+          <a:p>
+            <a:pPr lvl="1"/>
+            <a:endParaRPr lang="en-US" dirty="0"/>
+          </a:p>
+        </p:txBody>
+      </p:sp>
+    </p:spTree>
+    <p:extLst>
+      <p:ext uri="{BB962C8B-B14F-4D97-AF65-F5344CB8AC3E}">
+        <p14:creationId xmlns:p14="http://schemas.microsoft.com/office/powerpoint/2010/main" val="1645387443"/>
+      </p:ext>
+    </p:extLst>
+  </p:cSld>
+  <p:clrMapOvr>
+    <a:masterClrMapping/>
+  </p:clrMapOvr>
+</p:sld>
+</file>
+
+<file path=ppt/slides/slide20.xml><?xml version="1.0" encoding="utf-8"?>
+<p:sld xmlns:a="http://schemas.openxmlformats.org/drawingml/2006/main" xmlns:r="http://schemas.openxmlformats.org/officeDocument/2006/relationships" xmlns:p="http://schemas.openxmlformats.org/presentationml/2006/main">
+  <p:cSld>
+    <p:spTree>
+      <p:nvGrpSpPr>
+        <p:cNvPr id="1" name=""/>
+        <p:cNvGrpSpPr/>
+        <p:nvPr/>
+      </p:nvGrpSpPr>
+      <p:grpSpPr>
+        <a:xfrm>
+          <a:off x="0" y="0"/>
+          <a:ext cx="0" cy="0"/>
+          <a:chOff x="0" y="0"/>
+          <a:chExt cx="0" cy="0"/>
+        </a:xfrm>
+      </p:grpSpPr>
+      <p:sp>
+        <p:nvSpPr>
+          <p:cNvPr id="2" name="Title 1">
+            <a:extLst>
+              <a:ext uri="{FF2B5EF4-FFF2-40B4-BE49-F238E27FC236}">
+                <a16:creationId xmlns:a16="http://schemas.microsoft.com/office/drawing/2014/main" id="{1DA8FEA7-478B-0843-A547-5692158F5324}"/>
+              </a:ext>
+            </a:extLst>
+          </p:cNvPr>
+          <p:cNvSpPr>
+            <a:spLocks noGrp="1"/>
+          </p:cNvSpPr>
+          <p:nvPr>
+            <p:ph type="title"/>
+          </p:nvPr>
+        </p:nvSpPr>
+        <p:spPr/>
+        <p:txBody>
+          <a:bodyPr/>
+          <a:lstStyle/>
+          <a:p>
+            <a:r>
+              <a:rPr lang="en-US" dirty="0"/>
+              <a:t>Polynomial Functions</a:t>
+            </a:r>
+          </a:p>
+        </p:txBody>
+      </p:sp>
+      <p:sp>
+        <p:nvSpPr>
+          <p:cNvPr id="3" name="Content Placeholder 2">
+            <a:extLst>
+              <a:ext uri="{FF2B5EF4-FFF2-40B4-BE49-F238E27FC236}">
+                <a16:creationId xmlns:a16="http://schemas.microsoft.com/office/drawing/2014/main" id="{86AFBC82-E12D-2C4A-A1C0-B4EC394FC5CB}"/>
+              </a:ext>
+            </a:extLst>
+          </p:cNvPr>
+          <p:cNvSpPr>
+            <a:spLocks noGrp="1"/>
+          </p:cNvSpPr>
+          <p:nvPr>
+            <p:ph idx="1"/>
+          </p:nvPr>
+        </p:nvSpPr>
+        <p:spPr>
+          <a:xfrm>
+            <a:off x="1451579" y="1938130"/>
+            <a:ext cx="9603275" cy="4194313"/>
+          </a:xfrm>
+        </p:spPr>
+        <p:txBody>
+          <a:bodyPr>
+            <a:normAutofit/>
+          </a:bodyPr>
+          <a:lstStyle/>
+          <a:p>
+            <a:r>
+              <a:rPr lang="en-US" dirty="0"/>
+              <a:t>Maybe the most common example is a polynomial function. </a:t>
+            </a:r>
+          </a:p>
+          <a:p>
+            <a:r>
+              <a:rPr lang="en-US" dirty="0"/>
+              <a:t>We can replace each x in a linear regression with a polynomial function of </a:t>
+            </a:r>
+            <a:r>
+              <a:rPr lang="en-US" dirty="0" err="1"/>
+              <a:t>x</a:t>
+            </a:r>
+            <a:r>
+              <a:rPr lang="en-US" baseline="30000" dirty="0" err="1"/>
+              <a:t>n</a:t>
+            </a:r>
+            <a:r>
+              <a:rPr lang="en-US" dirty="0"/>
+              <a:t>.</a:t>
+            </a:r>
+          </a:p>
+          <a:p>
+            <a:pPr lvl="1"/>
+            <a:r>
+              <a:rPr lang="en-CA" dirty="0"/>
+              <a:t>y=b+m</a:t>
+            </a:r>
+            <a:r>
+              <a:rPr lang="en-CA" baseline="-25000" dirty="0"/>
+              <a:t>1</a:t>
+            </a:r>
+            <a:r>
+              <a:rPr lang="en-CA" dirty="0"/>
+              <a:t>x+m</a:t>
+            </a:r>
+            <a:r>
+              <a:rPr lang="en-CA" baseline="-25000" dirty="0"/>
+              <a:t>2</a:t>
+            </a:r>
+            <a:r>
+              <a:rPr lang="en-CA" dirty="0"/>
+              <a:t>x</a:t>
+            </a:r>
+            <a:r>
+              <a:rPr lang="en-CA" baseline="30000" dirty="0"/>
+              <a:t>2</a:t>
+            </a:r>
+            <a:r>
+              <a:rPr lang="en-CA" dirty="0"/>
+              <a:t>+m</a:t>
+            </a:r>
+            <a:r>
+              <a:rPr lang="en-CA" baseline="-25000" dirty="0"/>
+              <a:t>3</a:t>
+            </a:r>
+            <a:r>
+              <a:rPr lang="en-CA" dirty="0"/>
+              <a:t>x</a:t>
+            </a:r>
+            <a:r>
+              <a:rPr lang="en-CA" baseline="30000" dirty="0"/>
+              <a:t>3</a:t>
+            </a:r>
+            <a:r>
+              <a:rPr lang="en-CA" dirty="0"/>
+              <a:t>…..</a:t>
+            </a:r>
+          </a:p>
+          <a:p>
+            <a:r>
+              <a:rPr lang="en-CA" dirty="0"/>
+              <a:t>This is still a linear model, but one of polynomial functions.</a:t>
+            </a:r>
+          </a:p>
+          <a:p>
+            <a:pPr lvl="1"/>
+            <a:r>
+              <a:rPr lang="en-CA" dirty="0"/>
+              <a:t>The linear part refers to the coefficients never interact. </a:t>
+            </a:r>
+          </a:p>
+          <a:p>
+            <a:r>
+              <a:rPr lang="en-CA" dirty="0"/>
+              <a:t>In </a:t>
+            </a:r>
+            <a:r>
+              <a:rPr lang="en-CA" dirty="0" err="1"/>
+              <a:t>sklearn</a:t>
+            </a:r>
+            <a:r>
+              <a:rPr lang="en-CA" dirty="0"/>
+              <a:t>, this is done with the </a:t>
+            </a:r>
+            <a:r>
+              <a:rPr lang="en-CA" dirty="0" err="1"/>
+              <a:t>PolynomialFeature</a:t>
+            </a:r>
+            <a:r>
+              <a:rPr lang="en-CA" dirty="0"/>
+              <a:t> transformation. </a:t>
+            </a:r>
+          </a:p>
+          <a:p>
+            <a:pPr lvl="1"/>
+            <a:r>
+              <a:rPr lang="en-CA" dirty="0"/>
+              <a:t>We can add it in a pipe. </a:t>
+            </a:r>
+          </a:p>
+          <a:p>
+            <a:pPr lvl="1"/>
+            <a:r>
+              <a:rPr lang="en-CA" dirty="0"/>
+              <a:t>Note: This increases complexity of the model – more dimensions are generated!</a:t>
+            </a:r>
+          </a:p>
+          <a:p>
+            <a:pPr lvl="1"/>
+            <a:r>
+              <a:rPr lang="en-US" dirty="0"/>
+              <a:t>E.g. linear regression is in 1D on the example, after basis it is in 2D. </a:t>
+            </a:r>
+          </a:p>
+        </p:txBody>
+      </p:sp>
+    </p:spTree>
+    <p:extLst>
+      <p:ext uri="{BB962C8B-B14F-4D97-AF65-F5344CB8AC3E}">
+        <p14:creationId xmlns:p14="http://schemas.microsoft.com/office/powerpoint/2010/main" val="180297820"/>
+      </p:ext>
+    </p:extLst>
+  </p:cSld>
+  <p:clrMapOvr>
+    <a:masterClrMapping/>
+  </p:clrMapOvr>
+</p:sld>
+</file>
+
+<file path=ppt/slides/slide21.xml><?xml version="1.0" encoding="utf-8"?>
+<p:sld xmlns:a="http://schemas.openxmlformats.org/drawingml/2006/main" xmlns:r="http://schemas.openxmlformats.org/officeDocument/2006/relationships" xmlns:p="http://schemas.openxmlformats.org/presentationml/2006/main">
+  <p:cSld>
+    <p:bg>
+      <p:bgPr>
+        <a:gradFill rotWithShape="1">
+          <a:gsLst>
+            <a:gs pos="0">
+              <a:schemeClr val="bg2">
+                <a:tint val="94000"/>
+                <a:satMod val="80000"/>
+                <a:lumMod val="106000"/>
+              </a:schemeClr>
+            </a:gs>
+            <a:gs pos="100000">
+              <a:schemeClr val="bg2">
+                <a:shade val="80000"/>
+              </a:schemeClr>
+            </a:gs>
+          </a:gsLst>
+          <a:path path="circle">
+            <a:fillToRect l="43000" r="43000" b="100000"/>
+          </a:path>
+        </a:gradFill>
+        <a:effectLst/>
+      </p:bgPr>
+    </p:bg>
+    <p:spTree>
+      <p:nvGrpSpPr>
+        <p:cNvPr id="1" name=""/>
+        <p:cNvGrpSpPr/>
+        <p:nvPr/>
+      </p:nvGrpSpPr>
+      <p:grpSpPr>
+        <a:xfrm>
+          <a:off x="0" y="0"/>
+          <a:ext cx="0" cy="0"/>
+          <a:chOff x="0" y="0"/>
+          <a:chExt cx="0" cy="0"/>
+        </a:xfrm>
+      </p:grpSpPr>
+      <p:sp>
+        <p:nvSpPr>
+          <p:cNvPr id="2" name="Title 1">
+            <a:extLst>
+              <a:ext uri="{FF2B5EF4-FFF2-40B4-BE49-F238E27FC236}">
+                <a16:creationId xmlns:a16="http://schemas.microsoft.com/office/drawing/2014/main" id="{6730CD47-DBC5-47DE-BF7D-D623E98992AC}"/>
+              </a:ext>
+            </a:extLst>
+          </p:cNvPr>
+          <p:cNvSpPr>
+            <a:spLocks noGrp="1"/>
+          </p:cNvSpPr>
+          <p:nvPr>
+            <p:ph type="title"/>
+          </p:nvPr>
+        </p:nvSpPr>
+        <p:spPr>
+          <a:xfrm>
+            <a:off x="1451579" y="804519"/>
+            <a:ext cx="9603275" cy="1049235"/>
+          </a:xfrm>
+        </p:spPr>
+        <p:txBody>
+          <a:bodyPr>
+            <a:normAutofit/>
+          </a:bodyPr>
+          <a:lstStyle/>
+          <a:p>
+            <a:r>
+              <a:rPr lang="en-US" dirty="0"/>
+              <a:t>Model Growth</a:t>
+            </a:r>
+          </a:p>
+        </p:txBody>
+      </p:sp>
+      <p:sp>
+        <p:nvSpPr>
+          <p:cNvPr id="3" name="Content Placeholder 2">
+            <a:extLst>
+              <a:ext uri="{FF2B5EF4-FFF2-40B4-BE49-F238E27FC236}">
+                <a16:creationId xmlns:a16="http://schemas.microsoft.com/office/drawing/2014/main" id="{D431CABA-AB8B-471C-F372-53A4EECCB251}"/>
+              </a:ext>
+            </a:extLst>
+          </p:cNvPr>
+          <p:cNvSpPr>
+            <a:spLocks noGrp="1"/>
+          </p:cNvSpPr>
+          <p:nvPr>
+            <p:ph idx="1"/>
+          </p:nvPr>
+        </p:nvSpPr>
+        <p:spPr>
+          <a:xfrm>
+            <a:off x="111211" y="1853754"/>
+            <a:ext cx="5984789" cy="4199727"/>
+          </a:xfrm>
+        </p:spPr>
+        <p:txBody>
+          <a:bodyPr>
+            <a:normAutofit/>
+          </a:bodyPr>
+          <a:lstStyle/>
+          <a:p>
+            <a:pPr>
+              <a:lnSpc>
+                <a:spcPct val="110000"/>
+              </a:lnSpc>
+            </a:pPr>
+            <a:r>
+              <a:rPr lang="en-US" sz="1900" dirty="0"/>
+              <a:t>As with a tree, the larger the model, the more complex a relationship it can adapt. </a:t>
+            </a:r>
+          </a:p>
+          <a:p>
+            <a:pPr>
+              <a:lnSpc>
+                <a:spcPct val="110000"/>
+              </a:lnSpc>
+            </a:pPr>
+            <a:r>
+              <a:rPr lang="en-US" sz="1900" dirty="0"/>
+              <a:t>Linear models are simple – X+1 parameters. </a:t>
+            </a:r>
+          </a:p>
+          <a:p>
+            <a:pPr>
+              <a:lnSpc>
+                <a:spcPct val="110000"/>
+              </a:lnSpc>
+            </a:pPr>
+            <a:r>
+              <a:rPr lang="en-US" sz="1900" dirty="0"/>
+              <a:t>After basis transformation, data is larger, so X is larger. </a:t>
+            </a:r>
+          </a:p>
+          <a:p>
+            <a:pPr lvl="1">
+              <a:lnSpc>
+                <a:spcPct val="110000"/>
+              </a:lnSpc>
+            </a:pPr>
+            <a:r>
+              <a:rPr lang="en-US" sz="1700" dirty="0"/>
+              <a:t>Dimensions are expanded. </a:t>
+            </a:r>
+          </a:p>
+          <a:p>
+            <a:pPr lvl="1">
+              <a:lnSpc>
+                <a:spcPct val="110000"/>
+              </a:lnSpc>
+            </a:pPr>
+            <a:r>
+              <a:rPr lang="en-US" sz="1700" dirty="0"/>
+              <a:t>Model becomes larger. </a:t>
+            </a:r>
+          </a:p>
+          <a:p>
+            <a:pPr lvl="1">
+              <a:lnSpc>
+                <a:spcPct val="110000"/>
+              </a:lnSpc>
+            </a:pPr>
+            <a:r>
+              <a:rPr lang="en-US" sz="1700" dirty="0"/>
+              <a:t>We can’t fit the linear model well in X dimensions, but we might be able to in </a:t>
+            </a:r>
+            <a:r>
+              <a:rPr lang="en-US" sz="1700" dirty="0" err="1"/>
+              <a:t>X^n</a:t>
+            </a:r>
+            <a:r>
+              <a:rPr lang="en-US" sz="1700" dirty="0"/>
+              <a:t> dimensions…</a:t>
+            </a:r>
+          </a:p>
+          <a:p>
+            <a:pPr>
+              <a:lnSpc>
+                <a:spcPct val="110000"/>
+              </a:lnSpc>
+            </a:pPr>
+            <a:r>
+              <a:rPr lang="en-US" sz="1900" dirty="0"/>
+              <a:t>More parameters -&gt; more learning -&gt; more complex.</a:t>
+            </a:r>
+          </a:p>
+          <a:p>
+            <a:pPr>
+              <a:lnSpc>
+                <a:spcPct val="110000"/>
+              </a:lnSpc>
+            </a:pPr>
+            <a:r>
+              <a:rPr lang="en-US" sz="1900" dirty="0"/>
+              <a:t>The basis function ‘captures’ the pattern. </a:t>
+            </a:r>
+          </a:p>
+        </p:txBody>
+      </p:sp>
+      <p:pic>
+        <p:nvPicPr>
+          <p:cNvPr id="17410" name="Picture 2" descr="Polynomial basis functions | Download Table">
+            <a:extLst>
+              <a:ext uri="{FF2B5EF4-FFF2-40B4-BE49-F238E27FC236}">
+                <a16:creationId xmlns:a16="http://schemas.microsoft.com/office/drawing/2014/main" id="{FD42C58E-8B5C-09DB-7208-C7EBC60153DF}"/>
+              </a:ext>
+            </a:extLst>
+          </p:cNvPr>
+          <p:cNvPicPr>
+            <a:picLocks noChangeAspect="1" noChangeArrowheads="1"/>
+          </p:cNvPicPr>
+          <p:nvPr/>
+        </p:nvPicPr>
+        <p:blipFill>
+          <a:blip r:embed="rId2">
+            <a:extLst>
+              <a:ext uri="{28A0092B-C50C-407E-A947-70E740481C1C}">
+                <a14:useLocalDpi xmlns:a14="http://schemas.microsoft.com/office/drawing/2010/main" val="0"/>
+              </a:ext>
+            </a:extLst>
+          </a:blip>
+          <a:stretch>
+            <a:fillRect/>
+          </a:stretch>
+        </p:blipFill>
+        <p:spPr bwMode="auto">
+          <a:xfrm>
+            <a:off x="6321949" y="2668676"/>
+            <a:ext cx="5758840" cy="2002178"/>
+          </a:xfrm>
+          <a:prstGeom prst="rect">
+            <a:avLst/>
+          </a:prstGeom>
+          <a:noFill/>
+          <a:extLst>
+            <a:ext uri="{909E8E84-426E-40DD-AFC4-6F175D3DCCD1}">
+              <a14:hiddenFill xmlns:a14="http://schemas.microsoft.com/office/drawing/2010/main">
+                <a:solidFill>
+                  <a:srgbClr val="FFFFFF"/>
+                </a:solidFill>
+              </a14:hiddenFill>
+            </a:ext>
+          </a:extLst>
+        </p:spPr>
+      </p:pic>
+    </p:spTree>
+    <p:extLst>
+      <p:ext uri="{BB962C8B-B14F-4D97-AF65-F5344CB8AC3E}">
+        <p14:creationId xmlns:p14="http://schemas.microsoft.com/office/powerpoint/2010/main" val="411579164"/>
+      </p:ext>
+    </p:extLst>
+  </p:cSld>
+  <p:clrMapOvr>
+    <a:masterClrMapping/>
+  </p:clrMapOvr>
+</p:sld>
+</file>
+
+<file path=ppt/slides/slide22.xml><?xml version="1.0" encoding="utf-8"?>
+<p:sld xmlns:a="http://schemas.openxmlformats.org/drawingml/2006/main" xmlns:r="http://schemas.openxmlformats.org/officeDocument/2006/relationships" xmlns:p="http://schemas.openxmlformats.org/presentationml/2006/main">
+  <p:cSld>
+    <p:spTree>
+      <p:nvGrpSpPr>
+        <p:cNvPr id="1" name=""/>
+        <p:cNvGrpSpPr/>
+        <p:nvPr/>
+      </p:nvGrpSpPr>
+      <p:grpSpPr>
+        <a:xfrm>
+          <a:off x="0" y="0"/>
+          <a:ext cx="0" cy="0"/>
+          <a:chOff x="0" y="0"/>
+          <a:chExt cx="0" cy="0"/>
+        </a:xfrm>
+      </p:grpSpPr>
+      <p:sp>
+        <p:nvSpPr>
+          <p:cNvPr id="2" name="Title 1">
+            <a:extLst>
+              <a:ext uri="{FF2B5EF4-FFF2-40B4-BE49-F238E27FC236}">
+                <a16:creationId xmlns:a16="http://schemas.microsoft.com/office/drawing/2014/main" id="{4E01F2D8-5C64-1846-89C5-CF86F872FB0C}"/>
+              </a:ext>
+            </a:extLst>
+          </p:cNvPr>
+          <p:cNvSpPr>
+            <a:spLocks noGrp="1"/>
+          </p:cNvSpPr>
+          <p:nvPr>
+            <p:ph type="title"/>
+          </p:nvPr>
+        </p:nvSpPr>
+        <p:spPr>
+          <a:xfrm>
+            <a:off x="1451578" y="140090"/>
+            <a:ext cx="9603275" cy="1049235"/>
+          </a:xfrm>
+        </p:spPr>
+        <p:txBody>
+          <a:bodyPr/>
+          <a:lstStyle/>
+          <a:p>
+            <a:r>
+              <a:rPr lang="en-US" dirty="0"/>
+              <a:t>Result of Polynomial Feature Transformation</a:t>
+            </a:r>
+          </a:p>
+        </p:txBody>
+      </p:sp>
+      <p:sp>
+        <p:nvSpPr>
+          <p:cNvPr id="3" name="Content Placeholder 2">
+            <a:extLst>
+              <a:ext uri="{FF2B5EF4-FFF2-40B4-BE49-F238E27FC236}">
+                <a16:creationId xmlns:a16="http://schemas.microsoft.com/office/drawing/2014/main" id="{D4D0FCD3-96A8-D44B-B7F8-91AD746151EF}"/>
+              </a:ext>
+            </a:extLst>
+          </p:cNvPr>
+          <p:cNvSpPr>
+            <a:spLocks noGrp="1"/>
+          </p:cNvSpPr>
+          <p:nvPr>
+            <p:ph idx="1"/>
+          </p:nvPr>
+        </p:nvSpPr>
+        <p:spPr/>
+        <p:txBody>
+          <a:bodyPr/>
+          <a:lstStyle/>
+          <a:p>
+            <a:endParaRPr lang="en-US" dirty="0"/>
+          </a:p>
+        </p:txBody>
+      </p:sp>
+      <p:pic>
+        <p:nvPicPr>
+          <p:cNvPr id="4" name="Picture 3">
+            <a:extLst>
+              <a:ext uri="{FF2B5EF4-FFF2-40B4-BE49-F238E27FC236}">
+                <a16:creationId xmlns:a16="http://schemas.microsoft.com/office/drawing/2014/main" id="{24B0EA68-7AA2-5245-BB7F-8A1C13420E88}"/>
+              </a:ext>
+            </a:extLst>
+          </p:cNvPr>
+          <p:cNvPicPr>
+            <a:picLocks noChangeAspect="1"/>
+          </p:cNvPicPr>
+          <p:nvPr/>
+        </p:nvPicPr>
+        <p:blipFill>
+          <a:blip r:embed="rId2"/>
+          <a:stretch>
+            <a:fillRect/>
+          </a:stretch>
+        </p:blipFill>
+        <p:spPr>
+          <a:xfrm>
+            <a:off x="1451579" y="1144001"/>
+            <a:ext cx="9084616" cy="5713999"/>
+          </a:xfrm>
+          <a:prstGeom prst="rect">
+            <a:avLst/>
+          </a:prstGeom>
+        </p:spPr>
+      </p:pic>
+      <p:pic>
+        <p:nvPicPr>
+          <p:cNvPr id="2058" name="Picture 10" descr="Emoticon Thumb Up transparent PNG - StickPNG">
+            <a:extLst>
+              <a:ext uri="{FF2B5EF4-FFF2-40B4-BE49-F238E27FC236}">
+                <a16:creationId xmlns:a16="http://schemas.microsoft.com/office/drawing/2014/main" id="{20909E10-1304-104D-9060-312F49F22E64}"/>
+              </a:ext>
+            </a:extLst>
+          </p:cNvPr>
+          <p:cNvPicPr>
+            <a:picLocks noChangeAspect="1" noChangeArrowheads="1"/>
+          </p:cNvPicPr>
+          <p:nvPr/>
+        </p:nvPicPr>
+        <p:blipFill>
+          <a:blip r:embed="rId3">
+            <a:extLst>
+              <a:ext uri="{28A0092B-C50C-407E-A947-70E740481C1C}">
+                <a14:useLocalDpi xmlns:a14="http://schemas.microsoft.com/office/drawing/2010/main" val="0"/>
+              </a:ext>
+            </a:extLst>
+          </a:blip>
+          <a:srcRect/>
+          <a:stretch>
+            <a:fillRect/>
+          </a:stretch>
+        </p:blipFill>
+        <p:spPr bwMode="auto">
+          <a:xfrm>
+            <a:off x="4725087" y="3429000"/>
+            <a:ext cx="2741826" cy="2602593"/>
+          </a:xfrm>
+          <a:prstGeom prst="rect">
+            <a:avLst/>
+          </a:prstGeom>
+          <a:noFill/>
+          <a:extLst>
+            <a:ext uri="{909E8E84-426E-40DD-AFC4-6F175D3DCCD1}">
+              <a14:hiddenFill xmlns:a14="http://schemas.microsoft.com/office/drawing/2010/main">
+                <a:solidFill>
+                  <a:srgbClr val="FFFFFF"/>
+                </a:solidFill>
+              </a14:hiddenFill>
+            </a:ext>
+          </a:extLst>
+        </p:spPr>
+      </p:pic>
+    </p:spTree>
+    <p:extLst>
+      <p:ext uri="{BB962C8B-B14F-4D97-AF65-F5344CB8AC3E}">
+        <p14:creationId xmlns:p14="http://schemas.microsoft.com/office/powerpoint/2010/main" val="560166713"/>
       </p:ext>
     </p:extLst>
   </p:cSld>
@@ -6192,7 +6216,7 @@
           <p:cNvPr id="2" name="Title 1">
             <a:extLst>
               <a:ext uri="{FF2B5EF4-FFF2-40B4-BE49-F238E27FC236}">
-                <a16:creationId xmlns:a16="http://schemas.microsoft.com/office/drawing/2014/main" id="{0AE415C9-018F-6541-851A-C9C642CA6264}"/>
+                <a16:creationId xmlns:a16="http://schemas.microsoft.com/office/drawing/2014/main" id="{9353C631-41E5-D948-9121-6A7827C79532}"/>
               </a:ext>
             </a:extLst>
           </p:cNvPr>
@@ -6210,7 +6234,7 @@
           <a:p>
             <a:r>
               <a:rPr lang="en-US" dirty="0"/>
-              <a:t>Variance Error – Tree that is Overfitted </a:t>
+              <a:t>Basis Success </a:t>
             </a:r>
           </a:p>
         </p:txBody>
@@ -6220,7 +6244,7 @@
           <p:cNvPr id="3" name="Content Placeholder 2">
             <a:extLst>
               <a:ext uri="{FF2B5EF4-FFF2-40B4-BE49-F238E27FC236}">
-                <a16:creationId xmlns:a16="http://schemas.microsoft.com/office/drawing/2014/main" id="{8ABFF36D-B6F5-B040-9518-D4A55ACA81AC}"/>
+                <a16:creationId xmlns:a16="http://schemas.microsoft.com/office/drawing/2014/main" id="{7ABBDE20-53A6-9D44-BA81-836F059B784B}"/>
               </a:ext>
             </a:extLst>
           </p:cNvPr>
@@ -6231,64 +6255,108 @@
             <p:ph idx="1"/>
           </p:nvPr>
         </p:nvSpPr>
-        <p:spPr/>
+        <p:spPr>
+          <a:xfrm>
+            <a:off x="1451579" y="1853754"/>
+            <a:ext cx="9603275" cy="4278689"/>
+          </a:xfrm>
+        </p:spPr>
         <p:txBody>
           <a:bodyPr/>
           <a:lstStyle/>
           <a:p>
-            <a:endParaRPr lang="en-US"/>
-          </a:p>
-        </p:txBody>
-      </p:sp>
-      <p:pic>
-        <p:nvPicPr>
-          <p:cNvPr id="2050" name="Picture 2" descr="Exercise 2 Evaluating Overfitting Risk of a | Chegg.com">
-            <a:extLst>
-              <a:ext uri="{FF2B5EF4-FFF2-40B4-BE49-F238E27FC236}">
-                <a16:creationId xmlns:a16="http://schemas.microsoft.com/office/drawing/2014/main" id="{46B7ABF7-5F76-694B-A31D-282AFD539DBD}"/>
-              </a:ext>
-            </a:extLst>
-          </p:cNvPr>
-          <p:cNvPicPr>
-            <a:picLocks noChangeAspect="1" noChangeArrowheads="1"/>
-          </p:cNvPicPr>
-          <p:nvPr/>
-        </p:nvPicPr>
-        <p:blipFill rotWithShape="1">
-          <a:blip r:embed="rId2">
-            <a:extLst>
-              <a:ext uri="{28A0092B-C50C-407E-A947-70E740481C1C}">
-                <a14:useLocalDpi xmlns:a14="http://schemas.microsoft.com/office/drawing/2010/main" val="0"/>
-              </a:ext>
-            </a:extLst>
-          </a:blip>
-          <a:srcRect l="23478" r="36655"/>
-          <a:stretch/>
-        </p:blipFill>
-        <p:spPr bwMode="auto">
-          <a:xfrm>
-            <a:off x="3895567" y="1391655"/>
-            <a:ext cx="4400866" cy="5466345"/>
-          </a:xfrm>
-          <a:prstGeom prst="rect">
-            <a:avLst/>
-          </a:prstGeom>
-          <a:noFill/>
-          <a:extLst>
-            <a:ext uri="{909E8E84-426E-40DD-AFC4-6F175D3DCCD1}">
-              <a14:hiddenFill xmlns:a14="http://schemas.microsoft.com/office/drawing/2010/main">
-                <a:solidFill>
-                  <a:srgbClr val="FFFFFF"/>
-                </a:solidFill>
-              </a14:hiddenFill>
-            </a:ext>
-          </a:extLst>
-        </p:spPr>
-      </p:pic>
+            <a:r>
+              <a:rPr lang="en-US" dirty="0"/>
+              <a:t>What a victory! We can model a non-linear relationship with a linear regression. </a:t>
+            </a:r>
+          </a:p>
+          <a:p>
+            <a:pPr lvl="1"/>
+            <a:r>
+              <a:rPr lang="en-US" dirty="0"/>
+              <a:t>More flexible and applicable simple models – a linear model can learn non-linear things. </a:t>
+            </a:r>
+          </a:p>
+          <a:p>
+            <a:pPr lvl="1"/>
+            <a:r>
+              <a:rPr lang="en-US" dirty="0"/>
+              <a:t>The transformation allows the data to fit the constraints of the model’s function. </a:t>
+            </a:r>
+          </a:p>
+          <a:p>
+            <a:r>
+              <a:rPr lang="en-US" dirty="0"/>
+              <a:t>Basis functions aren’t only polynomial, it could be anything:</a:t>
+            </a:r>
+          </a:p>
+          <a:p>
+            <a:pPr lvl="1"/>
+            <a:r>
+              <a:rPr lang="en-US" dirty="0"/>
+              <a:t>Gaussian – example in 5.06 PDSH</a:t>
+            </a:r>
+          </a:p>
+          <a:p>
+            <a:pPr lvl="1"/>
+            <a:r>
+              <a:rPr lang="en-CA" dirty="0"/>
+              <a:t>Rectified Linear Units</a:t>
+            </a:r>
+            <a:r>
+              <a:rPr lang="en-US" dirty="0"/>
+              <a:t> (</a:t>
+            </a:r>
+            <a:r>
+              <a:rPr lang="en-US" dirty="0" err="1"/>
+              <a:t>Relu</a:t>
+            </a:r>
+            <a:r>
+              <a:rPr lang="en-US" dirty="0"/>
+              <a:t>) – will come up again in neural networks. </a:t>
+            </a:r>
+          </a:p>
+          <a:p>
+            <a:pPr lvl="1"/>
+            <a:r>
+              <a:rPr lang="en-US" dirty="0"/>
+              <a:t>Radial - revisit in SVM and clustering. </a:t>
+            </a:r>
+          </a:p>
+          <a:p>
+            <a:r>
+              <a:rPr lang="en-CA" dirty="0"/>
+              <a:t>Why?</a:t>
+            </a:r>
+          </a:p>
+          <a:p>
+            <a:pPr lvl="1"/>
+            <a:r>
+              <a:rPr lang="en-CA" dirty="0"/>
+              <a:t>Really useful in applying linear regression to any random scenario. (Good for old math)</a:t>
+            </a:r>
+          </a:p>
+          <a:p>
+            <a:pPr lvl="1"/>
+            <a:r>
+              <a:rPr lang="en-CA" dirty="0"/>
+              <a:t>Helps classification with “weird” borders (~1.5 - 2 weeks from now). Linear </a:t>
+            </a:r>
+            <a:r>
+              <a:rPr lang="en-CA" dirty="0" err="1"/>
+              <a:t>seperability</a:t>
+            </a:r>
+            <a:r>
+              <a:rPr lang="en-CA" dirty="0"/>
+              <a:t>. </a:t>
+            </a:r>
+          </a:p>
+        </p:txBody>
+      </p:sp>
     </p:spTree>
     <p:extLst>
       <p:ext uri="{BB962C8B-B14F-4D97-AF65-F5344CB8AC3E}">
-        <p14:creationId xmlns:p14="http://schemas.microsoft.com/office/powerpoint/2010/main" val="2769628144"/>
+        <p14:creationId xmlns:p14="http://schemas.microsoft.com/office/powerpoint/2010/main" val="1919427985"/>
       </p:ext>
     </p:extLst>
   </p:cSld>
@@ -6320,7 +6388,7 @@
           <p:cNvPr id="2" name="Title 1">
             <a:extLst>
               <a:ext uri="{FF2B5EF4-FFF2-40B4-BE49-F238E27FC236}">
-                <a16:creationId xmlns:a16="http://schemas.microsoft.com/office/drawing/2014/main" id="{1E414968-5704-3D45-99C5-A24DAA164455}"/>
+                <a16:creationId xmlns:a16="http://schemas.microsoft.com/office/drawing/2014/main" id="{91254162-4A01-C9BA-DDFB-474B05F4F192}"/>
               </a:ext>
             </a:extLst>
           </p:cNvPr>
@@ -6331,10 +6399,38 @@
             <p:ph type="title"/>
           </p:nvPr>
         </p:nvSpPr>
+        <p:spPr/>
+        <p:txBody>
+          <a:bodyPr/>
+          <a:lstStyle/>
+          <a:p>
+            <a:r>
+              <a:rPr lang="en-US" dirty="0"/>
+              <a:t>Basis and Regression</a:t>
+            </a:r>
+          </a:p>
+        </p:txBody>
+      </p:sp>
+      <p:sp>
+        <p:nvSpPr>
+          <p:cNvPr id="3" name="Content Placeholder 2">
+            <a:extLst>
+              <a:ext uri="{FF2B5EF4-FFF2-40B4-BE49-F238E27FC236}">
+                <a16:creationId xmlns:a16="http://schemas.microsoft.com/office/drawing/2014/main" id="{F0DB7EDB-D9C8-17DB-BD4B-3E0829325324}"/>
+              </a:ext>
+            </a:extLst>
+          </p:cNvPr>
+          <p:cNvSpPr>
+            <a:spLocks noGrp="1"/>
+          </p:cNvSpPr>
+          <p:nvPr>
+            <p:ph idx="1"/>
+          </p:nvPr>
+        </p:nvSpPr>
         <p:spPr>
           <a:xfrm>
-            <a:off x="1451579" y="804519"/>
-            <a:ext cx="9603275" cy="1049235"/>
+            <a:off x="0" y="1853754"/>
+            <a:ext cx="4883303" cy="4199727"/>
           </a:xfrm>
         </p:spPr>
         <p:txBody>
@@ -6345,78 +6441,50 @@
           <a:p>
             <a:r>
               <a:rPr lang="en-US" dirty="0"/>
-              <a:t>Balancing Act</a:t>
-            </a:r>
-          </a:p>
-        </p:txBody>
-      </p:sp>
-      <p:sp>
-        <p:nvSpPr>
-          <p:cNvPr id="3" name="Content Placeholder 2">
-            <a:extLst>
-              <a:ext uri="{FF2B5EF4-FFF2-40B4-BE49-F238E27FC236}">
-                <a16:creationId xmlns:a16="http://schemas.microsoft.com/office/drawing/2014/main" id="{80226497-CD43-634A-832F-9797A721769A}"/>
-              </a:ext>
-            </a:extLst>
-          </p:cNvPr>
-          <p:cNvSpPr>
-            <a:spLocks noGrp="1"/>
-          </p:cNvSpPr>
-          <p:nvPr>
-            <p:ph idx="1"/>
-          </p:nvPr>
-        </p:nvSpPr>
-        <p:spPr>
-          <a:xfrm>
-            <a:off x="1451579" y="2015734"/>
-            <a:ext cx="6195784" cy="4126649"/>
-          </a:xfrm>
-        </p:spPr>
-        <p:txBody>
-          <a:bodyPr>
-            <a:normAutofit/>
-          </a:bodyPr>
-          <a:lstStyle/>
-          <a:p>
-            <a:r>
-              <a:rPr lang="en-US" dirty="0"/>
-              <a:t>A good model requires a balance between Bias and Variance. </a:t>
-            </a:r>
-          </a:p>
-          <a:p>
-            <a:r>
-              <a:rPr lang="en-US" dirty="0"/>
-              <a:t>If we have too much bias our model won’t be adequately tailored to the data. </a:t>
-            </a:r>
-          </a:p>
-          <a:p>
-            <a:pPr lvl="1"/>
-            <a:r>
-              <a:rPr lang="en-US" dirty="0"/>
-              <a:t>Simple models have high bias.</a:t>
-            </a:r>
-          </a:p>
-          <a:p>
-            <a:r>
-              <a:rPr lang="en-US" dirty="0"/>
-              <a:t>If we have too much variance, the specific training sample data would impact the model’s predictions too much, and it may be wrong with different data. </a:t>
-            </a:r>
-          </a:p>
-          <a:p>
-            <a:pPr lvl="1"/>
-            <a:r>
-              <a:rPr lang="en-US" dirty="0"/>
-              <a:t>Complex models have high variance. </a:t>
+              <a:t>Models using basis functions are more complex – the ceiling of what they can learn is higher. </a:t>
+            </a:r>
+          </a:p>
+          <a:p>
+            <a:pPr lvl="1"/>
+            <a:r>
+              <a:rPr lang="en-US" dirty="0"/>
+              <a:t>The data needs are also higher.</a:t>
+            </a:r>
+          </a:p>
+          <a:p>
+            <a:pPr lvl="1"/>
+            <a:r>
+              <a:rPr lang="en-US" dirty="0"/>
+              <a:t>Data will have an ‘adequate’ complexity.</a:t>
+            </a:r>
+          </a:p>
+          <a:p>
+            <a:r>
+              <a:rPr lang="en-US" dirty="0"/>
+              <a:t>Non-linear curves can be modeled with linear models. </a:t>
+            </a:r>
+          </a:p>
+          <a:p>
+            <a:pPr lvl="1"/>
+            <a:r>
+              <a:rPr lang="en-US" dirty="0"/>
+              <a:t>This was more important pre fast computers and other models. </a:t>
+            </a:r>
+          </a:p>
+          <a:p>
+            <a:r>
+              <a:rPr lang="en-US" dirty="0"/>
+              <a:t>Linear model + non-linear-ness is good…</a:t>
             </a:r>
           </a:p>
         </p:txBody>
       </p:sp>
       <p:pic>
         <p:nvPicPr>
-          <p:cNvPr id="3074" name="Picture 2" descr="Red Panda, The NBA&amp;#39;s Legendary Acrobatic Halftime Act, Has No Plans To Hang  Up Her Unicycle | Complex">
-            <a:extLst>
-              <a:ext uri="{FF2B5EF4-FFF2-40B4-BE49-F238E27FC236}">
-                <a16:creationId xmlns:a16="http://schemas.microsoft.com/office/drawing/2014/main" id="{8494740D-4008-2544-AF9B-86667DC941E4}"/>
+          <p:cNvPr id="18436" name="Picture 4" descr="A Comparison of Basis Expansions in Regression">
+            <a:extLst>
+              <a:ext uri="{FF2B5EF4-FFF2-40B4-BE49-F238E27FC236}">
+                <a16:creationId xmlns:a16="http://schemas.microsoft.com/office/drawing/2014/main" id="{617C4AAE-5783-A2D4-E279-599E3156F66D}"/>
               </a:ext>
             </a:extLst>
           </p:cNvPr>
@@ -6433,14 +6501,15 @@
               </a:ext>
             </a:extLst>
           </a:blip>
+          <a:srcRect/>
           <a:stretch>
             <a:fillRect/>
           </a:stretch>
         </p:blipFill>
         <p:spPr bwMode="auto">
           <a:xfrm>
-            <a:off x="8543914" y="1853754"/>
-            <a:ext cx="3126918" cy="4755769"/>
+            <a:off x="4883304" y="2264251"/>
+            <a:ext cx="7308695" cy="3098582"/>
           </a:xfrm>
           <a:prstGeom prst="rect">
             <a:avLst/>
@@ -6460,7 +6529,7 @@
     </p:spTree>
     <p:extLst>
       <p:ext uri="{BB962C8B-B14F-4D97-AF65-F5344CB8AC3E}">
-        <p14:creationId xmlns:p14="http://schemas.microsoft.com/office/powerpoint/2010/main" val="2373458218"/>
+        <p14:creationId xmlns:p14="http://schemas.microsoft.com/office/powerpoint/2010/main" val="2431028207"/>
       </p:ext>
     </p:extLst>
   </p:cSld>
@@ -6492,7 +6561,7 @@
           <p:cNvPr id="2" name="Title 1">
             <a:extLst>
               <a:ext uri="{FF2B5EF4-FFF2-40B4-BE49-F238E27FC236}">
-                <a16:creationId xmlns:a16="http://schemas.microsoft.com/office/drawing/2014/main" id="{044B3C14-0A48-E34F-AB78-E75B9592D8AA}"/>
+                <a16:creationId xmlns:a16="http://schemas.microsoft.com/office/drawing/2014/main" id="{1C412867-D29D-BC3E-703A-D6ABC5D09127}"/>
               </a:ext>
             </a:extLst>
           </p:cNvPr>
@@ -6510,7 +6579,7 @@
           <a:p>
             <a:r>
               <a:rPr lang="en-US" dirty="0"/>
-              <a:t>Bias Variance Tradeoff</a:t>
+              <a:t>Improving Models with Residuals</a:t>
             </a:r>
           </a:p>
         </p:txBody>
@@ -6520,7 +6589,7 @@
           <p:cNvPr id="3" name="Content Placeholder 2">
             <a:extLst>
               <a:ext uri="{FF2B5EF4-FFF2-40B4-BE49-F238E27FC236}">
-                <a16:creationId xmlns:a16="http://schemas.microsoft.com/office/drawing/2014/main" id="{BE60FE15-B605-AC42-93FE-B5C6E3844D6A}"/>
+                <a16:creationId xmlns:a16="http://schemas.microsoft.com/office/drawing/2014/main" id="{00088153-8430-C7A1-3F6F-FAB8BE43EB95}"/>
               </a:ext>
             </a:extLst>
           </p:cNvPr>
@@ -6536,16 +6605,16 @@
           <a:bodyPr/>
           <a:lstStyle/>
           <a:p>
-            <a:endParaRPr lang="en-US"/>
+            <a:endParaRPr lang="en-US" dirty="0"/>
           </a:p>
         </p:txBody>
       </p:sp>
       <p:pic>
         <p:nvPicPr>
-          <p:cNvPr id="4098" name="Picture 2" descr="Bias-Variance Tradeoff in Machine Learning">
-            <a:extLst>
-              <a:ext uri="{FF2B5EF4-FFF2-40B4-BE49-F238E27FC236}">
-                <a16:creationId xmlns:a16="http://schemas.microsoft.com/office/drawing/2014/main" id="{F47D1370-D60E-E143-A3F6-B04390585842}"/>
+          <p:cNvPr id="12290" name="Picture 2" descr="Interpreting Residual Plots to Improve Your Regression">
+            <a:extLst>
+              <a:ext uri="{FF2B5EF4-FFF2-40B4-BE49-F238E27FC236}">
+                <a16:creationId xmlns:a16="http://schemas.microsoft.com/office/drawing/2014/main" id="{5C857AAF-9C5C-79D1-FAB9-FF07FDFB1DA3}"/>
               </a:ext>
             </a:extLst>
           </p:cNvPr>
@@ -6554,7 +6623,7 @@
           </p:cNvPicPr>
           <p:nvPr/>
         </p:nvPicPr>
-        <p:blipFill rotWithShape="1">
+        <p:blipFill>
           <a:blip r:embed="rId2">
             <a:extLst>
               <a:ext uri="{28A0092B-C50C-407E-A947-70E740481C1C}">
@@ -6562,13 +6631,15 @@
               </a:ext>
             </a:extLst>
           </a:blip>
-          <a:srcRect t="4147"/>
-          <a:stretch/>
+          <a:srcRect/>
+          <a:stretch>
+            <a:fillRect/>
+          </a:stretch>
         </p:blipFill>
         <p:spPr bwMode="auto">
           <a:xfrm>
-            <a:off x="2354316" y="1569308"/>
-            <a:ext cx="7797800" cy="5551028"/>
+            <a:off x="2520284" y="2015732"/>
+            <a:ext cx="7151431" cy="4113191"/>
           </a:xfrm>
           <a:prstGeom prst="rect">
             <a:avLst/>
@@ -6588,7 +6659,7 @@
     </p:spTree>
     <p:extLst>
       <p:ext uri="{BB962C8B-B14F-4D97-AF65-F5344CB8AC3E}">
-        <p14:creationId xmlns:p14="http://schemas.microsoft.com/office/powerpoint/2010/main" val="870501339"/>
+        <p14:creationId xmlns:p14="http://schemas.microsoft.com/office/powerpoint/2010/main" val="3893740426"/>
       </p:ext>
     </p:extLst>
   </p:cSld>
@@ -6620,7 +6691,7 @@
           <p:cNvPr id="2" name="Title 1">
             <a:extLst>
               <a:ext uri="{FF2B5EF4-FFF2-40B4-BE49-F238E27FC236}">
-                <a16:creationId xmlns:a16="http://schemas.microsoft.com/office/drawing/2014/main" id="{619C92F5-D063-594F-BED8-C9F8E5523234}"/>
+                <a16:creationId xmlns:a16="http://schemas.microsoft.com/office/drawing/2014/main" id="{5F7A6DEC-52F2-EA3D-000F-7515B5E06698}"/>
               </a:ext>
             </a:extLst>
           </p:cNvPr>
@@ -6638,7 +6709,7 @@
           <a:p>
             <a:r>
               <a:rPr lang="en-US" dirty="0"/>
-              <a:t>Finding the balance</a:t>
+              <a:t>Residual Plots</a:t>
             </a:r>
           </a:p>
         </p:txBody>
@@ -6648,7 +6719,7 @@
           <p:cNvPr id="3" name="Content Placeholder 2">
             <a:extLst>
               <a:ext uri="{FF2B5EF4-FFF2-40B4-BE49-F238E27FC236}">
-                <a16:creationId xmlns:a16="http://schemas.microsoft.com/office/drawing/2014/main" id="{9834105C-1D55-8846-B8C2-3478547EF8F1}"/>
+                <a16:creationId xmlns:a16="http://schemas.microsoft.com/office/drawing/2014/main" id="{7E0C8BCD-8514-FBB1-634F-45CE5E86392C}"/>
               </a:ext>
             </a:extLst>
           </p:cNvPr>
@@ -6661,80 +6732,87 @@
         </p:nvSpPr>
         <p:spPr>
           <a:xfrm>
-            <a:off x="1451579" y="1938130"/>
-            <a:ext cx="9603275" cy="4115351"/>
-          </a:xfrm>
-        </p:spPr>
-        <p:txBody>
-          <a:bodyPr>
-            <a:normAutofit fontScale="92500" lnSpcReduction="20000"/>
-          </a:bodyPr>
-          <a:lstStyle/>
-          <a:p>
-            <a:r>
-              <a:rPr lang="en-US" dirty="0"/>
-              <a:t>ML algorithms are generally “greedy” – they’ll try to get as accurate as possible. </a:t>
-            </a:r>
-          </a:p>
-          <a:p>
-            <a:pPr lvl="1"/>
-            <a:r>
-              <a:rPr lang="en-US" dirty="0"/>
-              <a:t>E.g. a tree, without any limits, will try to make a model that perfectly fits training data. </a:t>
-            </a:r>
-          </a:p>
-          <a:p>
-            <a:r>
-              <a:rPr lang="en-US" dirty="0"/>
-              <a:t>Our goal is a model that is both accurate and generalizable. </a:t>
-            </a:r>
-          </a:p>
-          <a:p>
-            <a:r>
-              <a:rPr lang="en-US" dirty="0"/>
-              <a:t>We want this accuracy, but limit it to try to achieve the sweet spot.</a:t>
-            </a:r>
-          </a:p>
-          <a:p>
-            <a:r>
-              <a:rPr lang="en-US" dirty="0"/>
-              <a:t>How?</a:t>
-            </a:r>
-          </a:p>
-          <a:p>
-            <a:pPr lvl="1"/>
-            <a:r>
-              <a:rPr lang="en-US" dirty="0"/>
-              <a:t>Cross validation. </a:t>
-            </a:r>
-          </a:p>
-          <a:p>
-            <a:pPr lvl="1"/>
-            <a:r>
-              <a:rPr lang="en-US" dirty="0"/>
-              <a:t>Hyperparameter values with grid searching. </a:t>
-            </a:r>
-          </a:p>
-          <a:p>
-            <a:pPr lvl="1"/>
-            <a:r>
-              <a:rPr lang="en-US" dirty="0"/>
-              <a:t>Early stopping (big in neural networks).</a:t>
-            </a:r>
-          </a:p>
-          <a:p>
-            <a:pPr lvl="1"/>
-            <a:r>
-              <a:rPr lang="en-US" sz="3500" b="1" dirty="0"/>
-              <a:t>Regularization. (E.g. tree pruning and regularization in linear regression)…</a:t>
-            </a:r>
-          </a:p>
-        </p:txBody>
-      </p:sp>
+            <a:off x="0" y="1853754"/>
+            <a:ext cx="4419600" cy="4199727"/>
+          </a:xfrm>
+        </p:spPr>
+        <p:txBody>
+          <a:bodyPr/>
+          <a:lstStyle/>
+          <a:p>
+            <a:r>
+              <a:rPr lang="en-US" dirty="0"/>
+              <a:t>We can capture some of these missed relationships in residual plots. </a:t>
+            </a:r>
+          </a:p>
+          <a:p>
+            <a:r>
+              <a:rPr lang="en-US" dirty="0"/>
+              <a:t>Patterns in residuals are patterns missed by the model. </a:t>
+            </a:r>
+          </a:p>
+          <a:p>
+            <a:r>
+              <a:rPr lang="en-US" dirty="0"/>
+              <a:t>Might not be easy to eyeball fit as we can here – need to test (SVM).</a:t>
+            </a:r>
+          </a:p>
+          <a:p>
+            <a:r>
+              <a:rPr lang="en-US" dirty="0"/>
+              <a:t>We want random residuals. </a:t>
+            </a:r>
+          </a:p>
+          <a:p>
+            <a:pPr lvl="1"/>
+            <a:r>
+              <a:rPr lang="en-US" dirty="0"/>
+              <a:t>No correlation between Y and Error. </a:t>
+            </a:r>
+          </a:p>
+          <a:p>
+            <a:pPr lvl="1"/>
+            <a:r>
+              <a:rPr lang="en-US" dirty="0"/>
+              <a:t>Basis ‘captures’ this pattern in model.</a:t>
+            </a:r>
+          </a:p>
+        </p:txBody>
+      </p:sp>
+      <p:pic>
+        <p:nvPicPr>
+          <p:cNvPr id="4" name="Picture 3">
+            <a:extLst>
+              <a:ext uri="{FF2B5EF4-FFF2-40B4-BE49-F238E27FC236}">
+                <a16:creationId xmlns:a16="http://schemas.microsoft.com/office/drawing/2014/main" id="{C91FC09C-A90A-DB44-36BD-7CE88231FEF4}"/>
+              </a:ext>
+            </a:extLst>
+          </p:cNvPr>
+          <p:cNvPicPr>
+            <a:picLocks noChangeAspect="1"/>
+          </p:cNvPicPr>
+          <p:nvPr/>
+        </p:nvPicPr>
+        <p:blipFill>
+          <a:blip r:embed="rId2"/>
+          <a:stretch>
+            <a:fillRect/>
+          </a:stretch>
+        </p:blipFill>
+        <p:spPr>
+          <a:xfrm>
+            <a:off x="4419600" y="1973249"/>
+            <a:ext cx="7772400" cy="4080232"/>
+          </a:xfrm>
+          <a:prstGeom prst="rect">
+            <a:avLst/>
+          </a:prstGeom>
+        </p:spPr>
+      </p:pic>
     </p:spTree>
     <p:extLst>
       <p:ext uri="{BB962C8B-B14F-4D97-AF65-F5344CB8AC3E}">
-        <p14:creationId xmlns:p14="http://schemas.microsoft.com/office/powerpoint/2010/main" val="3087082306"/>
+        <p14:creationId xmlns:p14="http://schemas.microsoft.com/office/powerpoint/2010/main" val="1343838834"/>
       </p:ext>
     </p:extLst>
   </p:cSld>
@@ -6766,7 +6844,7 @@
           <p:cNvPr id="2" name="Title 1">
             <a:extLst>
               <a:ext uri="{FF2B5EF4-FFF2-40B4-BE49-F238E27FC236}">
-                <a16:creationId xmlns:a16="http://schemas.microsoft.com/office/drawing/2014/main" id="{6BE05F88-1549-33BA-CC96-A487DA773841}"/>
+                <a16:creationId xmlns:a16="http://schemas.microsoft.com/office/drawing/2014/main" id="{C43593DA-6D0F-7186-F4E7-9EB4153A1A27}"/>
               </a:ext>
             </a:extLst>
           </p:cNvPr>
@@ -6784,7 +6862,7 @@
           <a:p>
             <a:r>
               <a:rPr lang="en-US" dirty="0"/>
-              <a:t>Regularization</a:t>
+              <a:t>Q-Q Plots</a:t>
             </a:r>
           </a:p>
         </p:txBody>
@@ -6794,7 +6872,7 @@
           <p:cNvPr id="3" name="Content Placeholder 2">
             <a:extLst>
               <a:ext uri="{FF2B5EF4-FFF2-40B4-BE49-F238E27FC236}">
-                <a16:creationId xmlns:a16="http://schemas.microsoft.com/office/drawing/2014/main" id="{B0F5B101-1F57-1A7E-8CD3-99C62AFC5961}"/>
+                <a16:creationId xmlns:a16="http://schemas.microsoft.com/office/drawing/2014/main" id="{35A0FCF0-7FF0-E232-671B-C09E5315B6BB}"/>
               </a:ext>
             </a:extLst>
           </p:cNvPr>
@@ -6805,21 +6883,37 @@
             <p:ph idx="1"/>
           </p:nvPr>
         </p:nvSpPr>
-        <p:spPr/>
+        <p:spPr>
+          <a:xfrm>
+            <a:off x="531341" y="2015733"/>
+            <a:ext cx="6594165" cy="628614"/>
+          </a:xfrm>
+        </p:spPr>
         <p:txBody>
           <a:bodyPr/>
           <a:lstStyle/>
           <a:p>
-            <a:endParaRPr lang="en-US"/>
+            <a:r>
+              <a:rPr lang="en-US" dirty="0"/>
+              <a:t>For the stats-</a:t>
+            </a:r>
+            <a:r>
+              <a:rPr lang="en-US" dirty="0" err="1"/>
+              <a:t>ier</a:t>
+            </a:r>
+            <a:r>
+              <a:rPr lang="en-US" dirty="0"/>
+              <a:t> among us, the Q-Q plot show this. </a:t>
+            </a:r>
           </a:p>
         </p:txBody>
       </p:sp>
       <p:pic>
         <p:nvPicPr>
-          <p:cNvPr id="4098" name="Picture 2" descr="Metamucil Sugar Free Psyllium Fiber Powder, Orange, 36.8 oz. | Rite Aid">
-            <a:extLst>
-              <a:ext uri="{FF2B5EF4-FFF2-40B4-BE49-F238E27FC236}">
-                <a16:creationId xmlns:a16="http://schemas.microsoft.com/office/drawing/2014/main" id="{C68713DC-9F05-AA5F-D978-7E615EEEA681}"/>
+          <p:cNvPr id="13314" name="Picture 2" descr="Shows a QQ Distribution for model fit available in linear regressions of stats iQ. ">
+            <a:extLst>
+              <a:ext uri="{FF2B5EF4-FFF2-40B4-BE49-F238E27FC236}">
+                <a16:creationId xmlns:a16="http://schemas.microsoft.com/office/drawing/2014/main" id="{D31CDAE1-C409-0B2B-8911-A2D0FDC12BB9}"/>
               </a:ext>
             </a:extLst>
           </p:cNvPr>
@@ -6843,8 +6937,8 @@
         </p:blipFill>
         <p:spPr bwMode="auto">
           <a:xfrm>
-            <a:off x="4570466" y="2262823"/>
-            <a:ext cx="3365500" cy="3365500"/>
+            <a:off x="-4443" y="2599823"/>
+            <a:ext cx="4712367" cy="4234073"/>
           </a:xfrm>
           <a:prstGeom prst="rect">
             <a:avLst/>
@@ -6861,10 +6955,57 @@
           </a:extLst>
         </p:spPr>
       </p:pic>
+      <p:pic>
+        <p:nvPicPr>
+          <p:cNvPr id="13316" name="Picture 4" descr="enter image description here">
+            <a:extLst>
+              <a:ext uri="{FF2B5EF4-FFF2-40B4-BE49-F238E27FC236}">
+                <a16:creationId xmlns:a16="http://schemas.microsoft.com/office/drawing/2014/main" id="{84BAFBB6-3A26-ECAF-29AC-F3B2CECD316B}"/>
+              </a:ext>
+            </a:extLst>
+          </p:cNvPr>
+          <p:cNvPicPr>
+            <a:picLocks noChangeAspect="1" noChangeArrowheads="1"/>
+          </p:cNvPicPr>
+          <p:nvPr/>
+        </p:nvPicPr>
+        <p:blipFill>
+          <a:blip r:embed="rId3">
+            <a:extLst>
+              <a:ext uri="{28A0092B-C50C-407E-A947-70E740481C1C}">
+                <a14:useLocalDpi xmlns:a14="http://schemas.microsoft.com/office/drawing/2010/main" val="0"/>
+              </a:ext>
+            </a:extLst>
+          </a:blip>
+          <a:srcRect/>
+          <a:stretch>
+            <a:fillRect/>
+          </a:stretch>
+        </p:blipFill>
+        <p:spPr bwMode="auto">
+          <a:xfrm>
+            <a:off x="6393214" y="160638"/>
+            <a:ext cx="5803602" cy="6659261"/>
+          </a:xfrm>
+          <a:prstGeom prst="rect">
+            <a:avLst/>
+          </a:prstGeom>
+          <a:noFill/>
+          <a:extLst>
+            <a:ext uri="{909E8E84-426E-40DD-AFC4-6F175D3DCCD1}">
+              <a14:hiddenFill xmlns:a14="http://schemas.microsoft.com/office/drawing/2010/main">
+                <a:solidFill>
+                  <a:srgbClr val="FFFFFF"/>
+                </a:solidFill>
+              </a14:hiddenFill>
+            </a:ext>
+          </a:extLst>
+        </p:spPr>
+      </p:pic>
     </p:spTree>
     <p:extLst>
       <p:ext uri="{BB962C8B-B14F-4D97-AF65-F5344CB8AC3E}">
-        <p14:creationId xmlns:p14="http://schemas.microsoft.com/office/powerpoint/2010/main" val="3600530791"/>
+        <p14:creationId xmlns:p14="http://schemas.microsoft.com/office/powerpoint/2010/main" val="1669529101"/>
       </p:ext>
     </p:extLst>
   </p:cSld>
@@ -6896,7 +7037,7 @@
           <p:cNvPr id="2" name="Title 1">
             <a:extLst>
               <a:ext uri="{FF2B5EF4-FFF2-40B4-BE49-F238E27FC236}">
-                <a16:creationId xmlns:a16="http://schemas.microsoft.com/office/drawing/2014/main" id="{3E33F207-3EBA-DF10-FB51-9255AD8A0FD0}"/>
+                <a16:creationId xmlns:a16="http://schemas.microsoft.com/office/drawing/2014/main" id="{6AB02BCA-68CD-7DFB-C92B-D1639877B3DA}"/>
               </a:ext>
             </a:extLst>
           </p:cNvPr>
@@ -6914,7 +7055,7 @@
           <a:p>
             <a:r>
               <a:rPr lang="en-US" dirty="0"/>
-              <a:t>Regularization - CCP Alpha Pruning</a:t>
+              <a:t>Error Types in ML</a:t>
             </a:r>
           </a:p>
         </p:txBody>
@@ -6924,7 +7065,7 @@
           <p:cNvPr id="3" name="Content Placeholder 2">
             <a:extLst>
               <a:ext uri="{FF2B5EF4-FFF2-40B4-BE49-F238E27FC236}">
-                <a16:creationId xmlns:a16="http://schemas.microsoft.com/office/drawing/2014/main" id="{093DEA8B-A838-1ED1-32AF-84910C136C6B}"/>
+                <a16:creationId xmlns:a16="http://schemas.microsoft.com/office/drawing/2014/main" id="{6D6C5701-245A-93DC-22B3-466BA0A96771}"/>
               </a:ext>
             </a:extLst>
           </p:cNvPr>
@@ -6935,57 +7076,21 @@
             <p:ph idx="1"/>
           </p:nvPr>
         </p:nvSpPr>
-        <p:spPr>
-          <a:xfrm>
-            <a:off x="5066271" y="1853754"/>
-            <a:ext cx="6956854" cy="4199727"/>
-          </a:xfrm>
-        </p:spPr>
-        <p:txBody>
-          <a:bodyPr>
-            <a:normAutofit/>
-          </a:bodyPr>
-          <a:lstStyle/>
-          <a:p>
-            <a:r>
-              <a:rPr lang="en-US" sz="2400" dirty="0"/>
-              <a:t>We saw regularization with trees – CCP Alpha pruning. </a:t>
-            </a:r>
-          </a:p>
-          <a:p>
-            <a:r>
-              <a:rPr lang="en-US" sz="2400" dirty="0"/>
-              <a:t>This worked by adding a penalty to the calculation of if the tree should split a node. </a:t>
-            </a:r>
-          </a:p>
-          <a:p>
-            <a:pPr lvl="1"/>
-            <a:r>
-              <a:rPr lang="en-US" sz="2000" dirty="0"/>
-              <a:t>The “error” increases as the model grows. (The penalty part of the error). </a:t>
-            </a:r>
-          </a:p>
-          <a:p>
-            <a:pPr lvl="1"/>
-            <a:r>
-              <a:rPr lang="en-US" sz="2000" dirty="0"/>
-              <a:t>A tree is better by being smaller, or more accurate. </a:t>
-            </a:r>
-          </a:p>
-          <a:p>
-            <a:r>
-              <a:rPr lang="en-US" sz="2200" dirty="0"/>
-              <a:t>Any growth must be ‘justified’ by overcoming the penalty for making the model larger. </a:t>
-            </a:r>
+        <p:spPr/>
+        <p:txBody>
+          <a:bodyPr/>
+          <a:lstStyle/>
+          <a:p>
+            <a:endParaRPr lang="en-US"/>
           </a:p>
         </p:txBody>
       </p:sp>
       <p:pic>
         <p:nvPicPr>
-          <p:cNvPr id="5122" name="Picture 2" descr="Understanding Decision Trees and Cost Complexity Pruning | by Sumiran |  Medium">
-            <a:extLst>
-              <a:ext uri="{FF2B5EF4-FFF2-40B4-BE49-F238E27FC236}">
-                <a16:creationId xmlns:a16="http://schemas.microsoft.com/office/drawing/2014/main" id="{4296D870-A564-DE30-8E59-1CDFAAB10183}"/>
+          <p:cNvPr id="11266" name="Picture 2" descr="Bias and Variance in Machine Learning: An In Depth Explanation">
+            <a:extLst>
+              <a:ext uri="{FF2B5EF4-FFF2-40B4-BE49-F238E27FC236}">
+                <a16:creationId xmlns:a16="http://schemas.microsoft.com/office/drawing/2014/main" id="{3B0FA41C-6E4C-8E45-DB42-38AE5FC7C3C5}"/>
               </a:ext>
             </a:extLst>
           </p:cNvPr>
@@ -7009,8 +7114,8 @@
         </p:blipFill>
         <p:spPr bwMode="auto">
           <a:xfrm>
-            <a:off x="112587" y="2286240"/>
-            <a:ext cx="4953683" cy="2384537"/>
+            <a:off x="2707440" y="1978420"/>
+            <a:ext cx="6777120" cy="4135781"/>
           </a:xfrm>
           <a:prstGeom prst="rect">
             <a:avLst/>
@@ -7030,7 +7135,7 @@
     </p:spTree>
     <p:extLst>
       <p:ext uri="{BB962C8B-B14F-4D97-AF65-F5344CB8AC3E}">
-        <p14:creationId xmlns:p14="http://schemas.microsoft.com/office/powerpoint/2010/main" val="1097993042"/>
+        <p14:creationId xmlns:p14="http://schemas.microsoft.com/office/powerpoint/2010/main" val="1697598563"/>
       </p:ext>
     </p:extLst>
   </p:cSld>
@@ -7062,7 +7167,7 @@
           <p:cNvPr id="2" name="Title 1">
             <a:extLst>
               <a:ext uri="{FF2B5EF4-FFF2-40B4-BE49-F238E27FC236}">
-                <a16:creationId xmlns:a16="http://schemas.microsoft.com/office/drawing/2014/main" id="{66042784-5EB5-CB47-AFD4-16602CE0D9F8}"/>
+                <a16:creationId xmlns:a16="http://schemas.microsoft.com/office/drawing/2014/main" id="{91B21253-26B1-E449-A90A-47F25F2E9916}"/>
               </a:ext>
             </a:extLst>
           </p:cNvPr>
@@ -7080,7 +7185,7 @@
           <a:p>
             <a:r>
               <a:rPr lang="en-US" dirty="0"/>
-              <a:t>Recall - Regression Coefficients</a:t>
+              <a:t>Errors in Modelling</a:t>
             </a:r>
           </a:p>
         </p:txBody>
@@ -7090,7 +7195,7 @@
           <p:cNvPr id="3" name="Content Placeholder 2">
             <a:extLst>
               <a:ext uri="{FF2B5EF4-FFF2-40B4-BE49-F238E27FC236}">
-                <a16:creationId xmlns:a16="http://schemas.microsoft.com/office/drawing/2014/main" id="{7B39445E-A84C-BA43-9326-CF3597F5158B}"/>
+                <a16:creationId xmlns:a16="http://schemas.microsoft.com/office/drawing/2014/main" id="{CF32E779-0813-8346-8DD9-96C68B6215F0}"/>
               </a:ext>
             </a:extLst>
           </p:cNvPr>
@@ -7104,64 +7209,105 @@
         <p:spPr>
           <a:xfrm>
             <a:off x="1451579" y="2015732"/>
-            <a:ext cx="9603275" cy="3957685"/>
-          </a:xfrm>
-        </p:spPr>
-        <p:txBody>
-          <a:bodyPr/>
-          <a:lstStyle/>
-          <a:p>
-            <a:r>
-              <a:rPr lang="en-US" dirty="0"/>
-              <a:t>The regression process, closed form or gradient descent, finds coefficients. </a:t>
-            </a:r>
-          </a:p>
-          <a:p>
-            <a:pPr lvl="1"/>
-            <a:r>
-              <a:rPr lang="en-US" dirty="0"/>
-              <a:t>E.g. y = m1*x1 + m2*x2 +…. B</a:t>
-            </a:r>
-          </a:p>
-          <a:p>
-            <a:pPr lvl="1"/>
-            <a:r>
-              <a:rPr lang="en-US" dirty="0"/>
-              <a:t>The process determines those m values, and the b. </a:t>
-            </a:r>
-          </a:p>
-          <a:p>
-            <a:r>
-              <a:rPr lang="en-US" dirty="0"/>
-              <a:t>The larger a coefficient is, the more impact that term has in the prediction. </a:t>
-            </a:r>
-          </a:p>
-          <a:p>
-            <a:r>
-              <a:rPr lang="en-US" dirty="0"/>
-              <a:t>The algorithm finds these coefficients by determining what set of them minimizes the squared residuals. </a:t>
-            </a:r>
-          </a:p>
-          <a:p>
-            <a:pPr lvl="1"/>
-            <a:r>
-              <a:rPr lang="en-US" dirty="0"/>
-              <a:t>Our new friend the cost function!</a:t>
-            </a:r>
-          </a:p>
-          <a:p>
-            <a:pPr lvl="1"/>
-            <a:r>
-              <a:rPr lang="en-US" dirty="0"/>
-              <a:t>Gradient descent looks for the best set of coefficients it can find. </a:t>
-            </a:r>
+            <a:ext cx="9603275" cy="4037749"/>
+          </a:xfrm>
+        </p:spPr>
+        <p:txBody>
+          <a:bodyPr>
+            <a:normAutofit fontScale="92500" lnSpcReduction="20000"/>
+          </a:bodyPr>
+          <a:lstStyle/>
+          <a:p>
+            <a:r>
+              <a:rPr lang="en-US" dirty="0"/>
+              <a:t>Bias Error:</a:t>
+            </a:r>
+          </a:p>
+          <a:p>
+            <a:pPr lvl="1"/>
+            <a:r>
+              <a:rPr lang="en-US" dirty="0"/>
+              <a:t>Error due to assumptions made in the modelling process. </a:t>
+            </a:r>
+          </a:p>
+          <a:p>
+            <a:pPr lvl="1"/>
+            <a:r>
+              <a:rPr lang="en-US" dirty="0"/>
+              <a:t>Generally results in underfitting. </a:t>
+            </a:r>
+          </a:p>
+          <a:p>
+            <a:pPr lvl="1"/>
+            <a:r>
+              <a:rPr lang="en-US" dirty="0"/>
+              <a:t>E.g. assuming a linear relationship. </a:t>
+            </a:r>
+          </a:p>
+          <a:p>
+            <a:r>
+              <a:rPr lang="en-US" dirty="0"/>
+              <a:t>Variance Error:</a:t>
+            </a:r>
+          </a:p>
+          <a:p>
+            <a:pPr lvl="1"/>
+            <a:r>
+              <a:rPr lang="en-US" dirty="0"/>
+              <a:t>Error due to variations in the training data.</a:t>
+            </a:r>
+          </a:p>
+          <a:p>
+            <a:pPr lvl="1"/>
+            <a:r>
+              <a:rPr lang="en-US" dirty="0"/>
+              <a:t>Generally results in overfitting. </a:t>
+            </a:r>
+          </a:p>
+          <a:p>
+            <a:pPr lvl="1"/>
+            <a:r>
+              <a:rPr lang="en-US" dirty="0"/>
+              <a:t>E.g. different training sets for trees generate very different models. </a:t>
+            </a:r>
+          </a:p>
+          <a:p>
+            <a:r>
+              <a:rPr lang="en-US" dirty="0"/>
+              <a:t>Irreducible Error:</a:t>
+            </a:r>
+          </a:p>
+          <a:p>
+            <a:pPr lvl="1"/>
+            <a:r>
+              <a:rPr lang="en-US" dirty="0"/>
+              <a:t>Error that we can’t fix through modeling, it in inherent in the data. </a:t>
+            </a:r>
+          </a:p>
+          <a:p>
+            <a:pPr lvl="1"/>
+            <a:r>
+              <a:rPr lang="en-US" dirty="0"/>
+              <a:t>May be able to fix it by cleaning data (removing outliers, correcting missing data, </a:t>
+            </a:r>
+            <a:r>
+              <a:rPr lang="en-US" dirty="0" err="1"/>
+              <a:t>etc</a:t>
+            </a:r>
+            <a:r>
+              <a:rPr lang="en-US" dirty="0"/>
+              <a:t>…)</a:t>
+            </a:r>
+          </a:p>
+          <a:p>
+            <a:endParaRPr lang="en-US" dirty="0"/>
           </a:p>
         </p:txBody>
       </p:sp>
     </p:spTree>
     <p:extLst>
       <p:ext uri="{BB962C8B-B14F-4D97-AF65-F5344CB8AC3E}">
-        <p14:creationId xmlns:p14="http://schemas.microsoft.com/office/powerpoint/2010/main" val="1375418648"/>
+        <p14:creationId xmlns:p14="http://schemas.microsoft.com/office/powerpoint/2010/main" val="3133314296"/>
       </p:ext>
     </p:extLst>
   </p:cSld>
@@ -7399,6 +7545,30 @@
 <file path=ppt/slides/slide30.xml><?xml version="1.0" encoding="utf-8"?>
 <p:sld xmlns:a="http://schemas.openxmlformats.org/drawingml/2006/main" xmlns:r="http://schemas.openxmlformats.org/officeDocument/2006/relationships" xmlns:p="http://schemas.openxmlformats.org/presentationml/2006/main">
   <p:cSld>
+    <p:bg>
+      <p:bgPr>
+        <a:gradFill rotWithShape="1">
+          <a:gsLst>
+            <a:gs pos="0">
+              <a:schemeClr val="bg2">
+                <a:tint val="94000"/>
+                <a:satMod val="80000"/>
+                <a:lumMod val="106000"/>
+              </a:schemeClr>
+            </a:gs>
+            <a:gs pos="100000">
+              <a:schemeClr val="bg2">
+                <a:shade val="80000"/>
+              </a:schemeClr>
+            </a:gs>
+          </a:gsLst>
+          <a:path path="circle">
+            <a:fillToRect l="43000" r="43000" b="100000"/>
+          </a:path>
+        </a:gradFill>
+        <a:effectLst/>
+      </p:bgPr>
+    </p:bg>
     <p:spTree>
       <p:nvGrpSpPr>
         <p:cNvPr id="1" name=""/>
@@ -7415,6 +7585,1328 @@
       </p:grpSpPr>
       <p:sp>
         <p:nvSpPr>
+          <p:cNvPr id="71" name="Rectangle 70">
+            <a:extLst>
+              <a:ext uri="{FF2B5EF4-FFF2-40B4-BE49-F238E27FC236}">
+                <a16:creationId xmlns:a16="http://schemas.microsoft.com/office/drawing/2014/main" id="{CDDE5CDF-1512-4CDA-B956-23D223F8DE44}"/>
+              </a:ext>
+              <a:ext uri="{C183D7F6-B498-43B3-948B-1728B52AA6E4}">
+                <adec:decorative xmlns:adec="http://schemas.microsoft.com/office/drawing/2017/decorative" val="1"/>
+              </a:ext>
+            </a:extLst>
+          </p:cNvPr>
+          <p:cNvSpPr>
+            <a:spLocks noGrp="1" noRot="1" noChangeAspect="1" noMove="1" noResize="1" noEditPoints="1" noAdjustHandles="1" noChangeArrowheads="1" noChangeShapeType="1" noTextEdit="1"/>
+          </p:cNvSpPr>
+          <p:nvPr>
+            <p:extLst>
+              <p:ext uri="{386F3935-93C4-4BCD-93E2-E3B085C9AB24}">
+                <p16:designElem xmlns:p16="http://schemas.microsoft.com/office/powerpoint/2015/main" val="1"/>
+              </p:ext>
+            </p:extLst>
+          </p:nvPr>
+        </p:nvSpPr>
+        <p:spPr>
+          <a:xfrm>
+            <a:off x="0" y="2019476"/>
+            <a:ext cx="12192000" cy="4105941"/>
+          </a:xfrm>
+          <a:prstGeom prst="rect">
+            <a:avLst/>
+          </a:prstGeom>
+          <a:gradFill flip="none" rotWithShape="1">
+            <a:gsLst>
+              <a:gs pos="0">
+                <a:schemeClr val="bg2">
+                  <a:alpha val="0"/>
+                </a:schemeClr>
+              </a:gs>
+              <a:gs pos="100000">
+                <a:schemeClr val="bg2"/>
+              </a:gs>
+            </a:gsLst>
+            <a:lin ang="5400000" scaled="0"/>
+            <a:tileRect/>
+          </a:gradFill>
+          <a:ln>
+            <a:noFill/>
+          </a:ln>
+        </p:spPr>
+        <p:style>
+          <a:lnRef idx="2">
+            <a:schemeClr val="accent1">
+              <a:shade val="50000"/>
+            </a:schemeClr>
+          </a:lnRef>
+          <a:fillRef idx="1">
+            <a:schemeClr val="accent1"/>
+          </a:fillRef>
+          <a:effectRef idx="0">
+            <a:schemeClr val="accent1"/>
+          </a:effectRef>
+          <a:fontRef idx="minor">
+            <a:schemeClr val="lt1"/>
+          </a:fontRef>
+        </p:style>
+        <p:txBody>
+          <a:bodyPr/>
+          <a:lstStyle/>
+          <a:p>
+            <a:endParaRPr lang="en-US"/>
+          </a:p>
+        </p:txBody>
+      </p:sp>
+      <p:pic>
+        <p:nvPicPr>
+          <p:cNvPr id="73" name="Picture 72">
+            <a:extLst>
+              <a:ext uri="{FF2B5EF4-FFF2-40B4-BE49-F238E27FC236}">
+                <a16:creationId xmlns:a16="http://schemas.microsoft.com/office/drawing/2014/main" id="{B029D7D8-5A6B-4C76-94C8-15798C6C5ADB}"/>
+              </a:ext>
+              <a:ext uri="{C183D7F6-B498-43B3-948B-1728B52AA6E4}">
+                <adec:decorative xmlns:adec="http://schemas.microsoft.com/office/drawing/2017/decorative" val="1"/>
+              </a:ext>
+            </a:extLst>
+          </p:cNvPr>
+          <p:cNvPicPr>
+            <a:picLocks noGrp="1" noRot="1" noChangeAspect="1" noMove="1" noResize="1" noEditPoints="1" noAdjustHandles="1" noChangeArrowheads="1" noChangeShapeType="1" noCrop="1"/>
+          </p:cNvPicPr>
+          <p:nvPr>
+            <p:extLst>
+              <p:ext uri="{386F3935-93C4-4BCD-93E2-E3B085C9AB24}">
+                <p16:designElem xmlns:p16="http://schemas.microsoft.com/office/powerpoint/2015/main" val="1"/>
+              </p:ext>
+            </p:extLst>
+          </p:nvPr>
+        </p:nvPicPr>
+        <p:blipFill rotWithShape="1">
+          <a:blip r:embed="rId2">
+            <a:extLst>
+              <a:ext uri="{28A0092B-C50C-407E-A947-70E740481C1C}">
+                <a14:useLocalDpi xmlns:a14="http://schemas.microsoft.com/office/drawing/2010/main" val="0"/>
+              </a:ext>
+            </a:extLst>
+          </a:blip>
+          <a:srcRect t="1538" b="-1538"/>
+          <a:stretch/>
+        </p:blipFill>
+        <p:spPr bwMode="black">
+          <a:xfrm>
+            <a:off x="0" y="6126480"/>
+            <a:ext cx="12192000" cy="742950"/>
+          </a:xfrm>
+          <a:prstGeom prst="rect">
+            <a:avLst/>
+          </a:prstGeom>
+        </p:spPr>
+      </p:pic>
+      <p:cxnSp>
+        <p:nvCxnSpPr>
+          <p:cNvPr id="75" name="Straight Connector 74">
+            <a:extLst>
+              <a:ext uri="{FF2B5EF4-FFF2-40B4-BE49-F238E27FC236}">
+                <a16:creationId xmlns:a16="http://schemas.microsoft.com/office/drawing/2014/main" id="{A5C9319C-E20D-4884-952F-60B6A58C3E34}"/>
+              </a:ext>
+              <a:ext uri="{C183D7F6-B498-43B3-948B-1728B52AA6E4}">
+                <adec:decorative xmlns:adec="http://schemas.microsoft.com/office/drawing/2017/decorative" val="1"/>
+              </a:ext>
+            </a:extLst>
+          </p:cNvPr>
+          <p:cNvCxnSpPr>
+            <a:cxnSpLocks noGrp="1" noRot="1" noChangeAspect="1" noMove="1" noResize="1" noEditPoints="1" noAdjustHandles="1" noChangeArrowheads="1" noChangeShapeType="1"/>
+          </p:cNvCxnSpPr>
+          <p:nvPr>
+            <p:extLst>
+              <p:ext uri="{386F3935-93C4-4BCD-93E2-E3B085C9AB24}">
+                <p16:designElem xmlns:p16="http://schemas.microsoft.com/office/powerpoint/2015/main" val="1"/>
+              </p:ext>
+            </p:extLst>
+          </p:nvPr>
+        </p:nvCxnSpPr>
+        <p:spPr>
+          <a:xfrm>
+            <a:off x="0" y="6128413"/>
+            <a:ext cx="12192000" cy="0"/>
+          </a:xfrm>
+          <a:prstGeom prst="line">
+            <a:avLst/>
+          </a:prstGeom>
+          <a:ln w="12700">
+            <a:solidFill>
+              <a:srgbClr val="000001">
+                <a:alpha val="20000"/>
+              </a:srgbClr>
+            </a:solidFill>
+          </a:ln>
+        </p:spPr>
+        <p:style>
+          <a:lnRef idx="1">
+            <a:schemeClr val="accent1"/>
+          </a:lnRef>
+          <a:fillRef idx="0">
+            <a:schemeClr val="accent1"/>
+          </a:fillRef>
+          <a:effectRef idx="0">
+            <a:schemeClr val="accent1"/>
+          </a:effectRef>
+          <a:fontRef idx="minor">
+            <a:schemeClr val="tx1"/>
+          </a:fontRef>
+        </p:style>
+      </p:cxnSp>
+      <p:sp useBgFill="1">
+        <p:nvSpPr>
+          <p:cNvPr id="77" name="Rectangle 76">
+            <a:extLst>
+              <a:ext uri="{FF2B5EF4-FFF2-40B4-BE49-F238E27FC236}">
+                <a16:creationId xmlns:a16="http://schemas.microsoft.com/office/drawing/2014/main" id="{62C9703D-C8F9-44AD-A7C0-C2F3871F8C1B}"/>
+              </a:ext>
+              <a:ext uri="{C183D7F6-B498-43B3-948B-1728B52AA6E4}">
+                <adec:decorative xmlns:adec="http://schemas.microsoft.com/office/drawing/2017/decorative" val="1"/>
+              </a:ext>
+            </a:extLst>
+          </p:cNvPr>
+          <p:cNvSpPr>
+            <a:spLocks noGrp="1" noRot="1" noChangeAspect="1" noMove="1" noResize="1" noEditPoints="1" noAdjustHandles="1" noChangeArrowheads="1" noChangeShapeType="1" noTextEdit="1"/>
+          </p:cNvSpPr>
+          <p:nvPr>
+            <p:extLst>
+              <p:ext uri="{386F3935-93C4-4BCD-93E2-E3B085C9AB24}">
+                <p16:designElem xmlns:p16="http://schemas.microsoft.com/office/powerpoint/2015/main" val="1"/>
+              </p:ext>
+            </p:extLst>
+          </p:nvPr>
+        </p:nvSpPr>
+        <p:spPr>
+          <a:xfrm>
+            <a:off x="0" y="0"/>
+            <a:ext cx="12192000" cy="6160168"/>
+          </a:xfrm>
+          <a:prstGeom prst="rect">
+            <a:avLst/>
+          </a:prstGeom>
+          <a:ln>
+            <a:noFill/>
+          </a:ln>
+        </p:spPr>
+        <p:style>
+          <a:lnRef idx="2">
+            <a:schemeClr val="accent1">
+              <a:shade val="50000"/>
+            </a:schemeClr>
+          </a:lnRef>
+          <a:fillRef idx="1">
+            <a:schemeClr val="accent1"/>
+          </a:fillRef>
+          <a:effectRef idx="0">
+            <a:schemeClr val="accent1"/>
+          </a:effectRef>
+          <a:fontRef idx="minor">
+            <a:schemeClr val="lt1"/>
+          </a:fontRef>
+        </p:style>
+        <p:txBody>
+          <a:bodyPr rtlCol="0" anchor="ctr"/>
+          <a:lstStyle/>
+          <a:p>
+            <a:pPr algn="ctr"/>
+            <a:endParaRPr lang="en-US"/>
+          </a:p>
+        </p:txBody>
+      </p:sp>
+      <p:pic>
+        <p:nvPicPr>
+          <p:cNvPr id="3074" name="Picture 2" descr="3.6.10.16. Bias and variance of polynomial fit — Scipy lecture notes">
+            <a:extLst>
+              <a:ext uri="{FF2B5EF4-FFF2-40B4-BE49-F238E27FC236}">
+                <a16:creationId xmlns:a16="http://schemas.microsoft.com/office/drawing/2014/main" id="{C790E6D7-7508-EF40-B99A-33851F3E99CE}"/>
+              </a:ext>
+            </a:extLst>
+          </p:cNvPr>
+          <p:cNvPicPr>
+            <a:picLocks noGrp="1" noChangeAspect="1" noChangeArrowheads="1"/>
+          </p:cNvPicPr>
+          <p:nvPr>
+            <p:ph idx="1"/>
+          </p:nvPr>
+        </p:nvPicPr>
+        <p:blipFill>
+          <a:blip r:embed="rId3">
+            <a:extLst>
+              <a:ext uri="{28A0092B-C50C-407E-A947-70E740481C1C}">
+                <a14:useLocalDpi xmlns:a14="http://schemas.microsoft.com/office/drawing/2010/main" val="0"/>
+              </a:ext>
+            </a:extLst>
+          </a:blip>
+          <a:stretch>
+            <a:fillRect/>
+          </a:stretch>
+        </p:blipFill>
+        <p:spPr bwMode="auto">
+          <a:xfrm>
+            <a:off x="643467" y="953596"/>
+            <a:ext cx="10905066" cy="4252976"/>
+          </a:xfrm>
+          <a:prstGeom prst="rect">
+            <a:avLst/>
+          </a:prstGeom>
+          <a:noFill/>
+          <a:extLst>
+            <a:ext uri="{909E8E84-426E-40DD-AFC4-6F175D3DCCD1}">
+              <a14:hiddenFill xmlns:a14="http://schemas.microsoft.com/office/drawing/2010/main">
+                <a:solidFill>
+                  <a:srgbClr val="FFFFFF"/>
+                </a:solidFill>
+              </a14:hiddenFill>
+            </a:ext>
+          </a:extLst>
+        </p:spPr>
+      </p:pic>
+    </p:spTree>
+    <p:extLst>
+      <p:ext uri="{BB962C8B-B14F-4D97-AF65-F5344CB8AC3E}">
+        <p14:creationId xmlns:p14="http://schemas.microsoft.com/office/powerpoint/2010/main" val="824830062"/>
+      </p:ext>
+    </p:extLst>
+  </p:cSld>
+  <p:clrMapOvr>
+    <a:masterClrMapping/>
+  </p:clrMapOvr>
+</p:sld>
+</file>
+
+<file path=ppt/slides/slide31.xml><?xml version="1.0" encoding="utf-8"?>
+<p:sld xmlns:a="http://schemas.openxmlformats.org/drawingml/2006/main" xmlns:r="http://schemas.openxmlformats.org/officeDocument/2006/relationships" xmlns:p="http://schemas.openxmlformats.org/presentationml/2006/main">
+  <p:cSld>
+    <p:spTree>
+      <p:nvGrpSpPr>
+        <p:cNvPr id="1" name=""/>
+        <p:cNvGrpSpPr/>
+        <p:nvPr/>
+      </p:nvGrpSpPr>
+      <p:grpSpPr>
+        <a:xfrm>
+          <a:off x="0" y="0"/>
+          <a:ext cx="0" cy="0"/>
+          <a:chOff x="0" y="0"/>
+          <a:chExt cx="0" cy="0"/>
+        </a:xfrm>
+      </p:grpSpPr>
+      <p:sp>
+        <p:nvSpPr>
+          <p:cNvPr id="2" name="Title 1">
+            <a:extLst>
+              <a:ext uri="{FF2B5EF4-FFF2-40B4-BE49-F238E27FC236}">
+                <a16:creationId xmlns:a16="http://schemas.microsoft.com/office/drawing/2014/main" id="{0AE415C9-018F-6541-851A-C9C642CA6264}"/>
+              </a:ext>
+            </a:extLst>
+          </p:cNvPr>
+          <p:cNvSpPr>
+            <a:spLocks noGrp="1"/>
+          </p:cNvSpPr>
+          <p:nvPr>
+            <p:ph type="title"/>
+          </p:nvPr>
+        </p:nvSpPr>
+        <p:spPr/>
+        <p:txBody>
+          <a:bodyPr/>
+          <a:lstStyle/>
+          <a:p>
+            <a:r>
+              <a:rPr lang="en-US" dirty="0"/>
+              <a:t>Variance Error – Tree that is Overfitted </a:t>
+            </a:r>
+          </a:p>
+        </p:txBody>
+      </p:sp>
+      <p:sp>
+        <p:nvSpPr>
+          <p:cNvPr id="3" name="Content Placeholder 2">
+            <a:extLst>
+              <a:ext uri="{FF2B5EF4-FFF2-40B4-BE49-F238E27FC236}">
+                <a16:creationId xmlns:a16="http://schemas.microsoft.com/office/drawing/2014/main" id="{8ABFF36D-B6F5-B040-9518-D4A55ACA81AC}"/>
+              </a:ext>
+            </a:extLst>
+          </p:cNvPr>
+          <p:cNvSpPr>
+            <a:spLocks noGrp="1"/>
+          </p:cNvSpPr>
+          <p:nvPr>
+            <p:ph idx="1"/>
+          </p:nvPr>
+        </p:nvSpPr>
+        <p:spPr/>
+        <p:txBody>
+          <a:bodyPr/>
+          <a:lstStyle/>
+          <a:p>
+            <a:endParaRPr lang="en-US"/>
+          </a:p>
+        </p:txBody>
+      </p:sp>
+      <p:pic>
+        <p:nvPicPr>
+          <p:cNvPr id="2050" name="Picture 2" descr="Exercise 2 Evaluating Overfitting Risk of a | Chegg.com">
+            <a:extLst>
+              <a:ext uri="{FF2B5EF4-FFF2-40B4-BE49-F238E27FC236}">
+                <a16:creationId xmlns:a16="http://schemas.microsoft.com/office/drawing/2014/main" id="{46B7ABF7-5F76-694B-A31D-282AFD539DBD}"/>
+              </a:ext>
+            </a:extLst>
+          </p:cNvPr>
+          <p:cNvPicPr>
+            <a:picLocks noChangeAspect="1" noChangeArrowheads="1"/>
+          </p:cNvPicPr>
+          <p:nvPr/>
+        </p:nvPicPr>
+        <p:blipFill rotWithShape="1">
+          <a:blip r:embed="rId2">
+            <a:extLst>
+              <a:ext uri="{28A0092B-C50C-407E-A947-70E740481C1C}">
+                <a14:useLocalDpi xmlns:a14="http://schemas.microsoft.com/office/drawing/2010/main" val="0"/>
+              </a:ext>
+            </a:extLst>
+          </a:blip>
+          <a:srcRect l="23478" r="36655"/>
+          <a:stretch/>
+        </p:blipFill>
+        <p:spPr bwMode="auto">
+          <a:xfrm>
+            <a:off x="3895567" y="1391655"/>
+            <a:ext cx="4400866" cy="5466345"/>
+          </a:xfrm>
+          <a:prstGeom prst="rect">
+            <a:avLst/>
+          </a:prstGeom>
+          <a:noFill/>
+          <a:extLst>
+            <a:ext uri="{909E8E84-426E-40DD-AFC4-6F175D3DCCD1}">
+              <a14:hiddenFill xmlns:a14="http://schemas.microsoft.com/office/drawing/2010/main">
+                <a:solidFill>
+                  <a:srgbClr val="FFFFFF"/>
+                </a:solidFill>
+              </a14:hiddenFill>
+            </a:ext>
+          </a:extLst>
+        </p:spPr>
+      </p:pic>
+    </p:spTree>
+    <p:extLst>
+      <p:ext uri="{BB962C8B-B14F-4D97-AF65-F5344CB8AC3E}">
+        <p14:creationId xmlns:p14="http://schemas.microsoft.com/office/powerpoint/2010/main" val="2769628144"/>
+      </p:ext>
+    </p:extLst>
+  </p:cSld>
+  <p:clrMapOvr>
+    <a:masterClrMapping/>
+  </p:clrMapOvr>
+</p:sld>
+</file>
+
+<file path=ppt/slides/slide32.xml><?xml version="1.0" encoding="utf-8"?>
+<p:sld xmlns:a="http://schemas.openxmlformats.org/drawingml/2006/main" xmlns:r="http://schemas.openxmlformats.org/officeDocument/2006/relationships" xmlns:p="http://schemas.openxmlformats.org/presentationml/2006/main">
+  <p:cSld>
+    <p:spTree>
+      <p:nvGrpSpPr>
+        <p:cNvPr id="1" name=""/>
+        <p:cNvGrpSpPr/>
+        <p:nvPr/>
+      </p:nvGrpSpPr>
+      <p:grpSpPr>
+        <a:xfrm>
+          <a:off x="0" y="0"/>
+          <a:ext cx="0" cy="0"/>
+          <a:chOff x="0" y="0"/>
+          <a:chExt cx="0" cy="0"/>
+        </a:xfrm>
+      </p:grpSpPr>
+      <p:sp>
+        <p:nvSpPr>
+          <p:cNvPr id="2" name="Title 1">
+            <a:extLst>
+              <a:ext uri="{FF2B5EF4-FFF2-40B4-BE49-F238E27FC236}">
+                <a16:creationId xmlns:a16="http://schemas.microsoft.com/office/drawing/2014/main" id="{1E414968-5704-3D45-99C5-A24DAA164455}"/>
+              </a:ext>
+            </a:extLst>
+          </p:cNvPr>
+          <p:cNvSpPr>
+            <a:spLocks noGrp="1"/>
+          </p:cNvSpPr>
+          <p:nvPr>
+            <p:ph type="title"/>
+          </p:nvPr>
+        </p:nvSpPr>
+        <p:spPr>
+          <a:xfrm>
+            <a:off x="1451579" y="804519"/>
+            <a:ext cx="9603275" cy="1049235"/>
+          </a:xfrm>
+        </p:spPr>
+        <p:txBody>
+          <a:bodyPr>
+            <a:normAutofit/>
+          </a:bodyPr>
+          <a:lstStyle/>
+          <a:p>
+            <a:r>
+              <a:rPr lang="en-US" dirty="0"/>
+              <a:t>Balancing Act</a:t>
+            </a:r>
+          </a:p>
+        </p:txBody>
+      </p:sp>
+      <p:sp>
+        <p:nvSpPr>
+          <p:cNvPr id="3" name="Content Placeholder 2">
+            <a:extLst>
+              <a:ext uri="{FF2B5EF4-FFF2-40B4-BE49-F238E27FC236}">
+                <a16:creationId xmlns:a16="http://schemas.microsoft.com/office/drawing/2014/main" id="{80226497-CD43-634A-832F-9797A721769A}"/>
+              </a:ext>
+            </a:extLst>
+          </p:cNvPr>
+          <p:cNvSpPr>
+            <a:spLocks noGrp="1"/>
+          </p:cNvSpPr>
+          <p:nvPr>
+            <p:ph idx="1"/>
+          </p:nvPr>
+        </p:nvSpPr>
+        <p:spPr>
+          <a:xfrm>
+            <a:off x="835600" y="1853754"/>
+            <a:ext cx="7708313" cy="4288629"/>
+          </a:xfrm>
+        </p:spPr>
+        <p:txBody>
+          <a:bodyPr>
+            <a:normAutofit/>
+          </a:bodyPr>
+          <a:lstStyle/>
+          <a:p>
+            <a:r>
+              <a:rPr lang="en-US" dirty="0"/>
+              <a:t>A good model requires a balance between Bias and Variance. </a:t>
+            </a:r>
+          </a:p>
+          <a:p>
+            <a:r>
+              <a:rPr lang="en-US" dirty="0"/>
+              <a:t>Variance comes from model ‘growth’ or adaptation (change) to data. </a:t>
+            </a:r>
+          </a:p>
+          <a:p>
+            <a:r>
+              <a:rPr lang="en-US" dirty="0"/>
+              <a:t>Too much bias and our model won’t be adequately tailored to the data. </a:t>
+            </a:r>
+          </a:p>
+          <a:p>
+            <a:pPr lvl="1"/>
+            <a:r>
+              <a:rPr lang="en-US" dirty="0"/>
+              <a:t>Simple models have high bias. (Small tree)</a:t>
+            </a:r>
+          </a:p>
+          <a:p>
+            <a:r>
+              <a:rPr lang="en-US" dirty="0"/>
+              <a:t>Too much variance, the specific training sample data would impact the model’s predictions too much, and it may be wrong with different data. </a:t>
+            </a:r>
+          </a:p>
+          <a:p>
+            <a:pPr lvl="1"/>
+            <a:r>
+              <a:rPr lang="en-US" dirty="0"/>
+              <a:t>Complex models have high variance. (Large trees)</a:t>
+            </a:r>
+          </a:p>
+        </p:txBody>
+      </p:sp>
+      <p:pic>
+        <p:nvPicPr>
+          <p:cNvPr id="3074" name="Picture 2" descr="Red Panda, The NBA&amp;#39;s Legendary Acrobatic Halftime Act, Has No Plans To Hang  Up Her Unicycle | Complex">
+            <a:extLst>
+              <a:ext uri="{FF2B5EF4-FFF2-40B4-BE49-F238E27FC236}">
+                <a16:creationId xmlns:a16="http://schemas.microsoft.com/office/drawing/2014/main" id="{8494740D-4008-2544-AF9B-86667DC941E4}"/>
+              </a:ext>
+            </a:extLst>
+          </p:cNvPr>
+          <p:cNvPicPr>
+            <a:picLocks noChangeAspect="1" noChangeArrowheads="1"/>
+          </p:cNvPicPr>
+          <p:nvPr/>
+        </p:nvPicPr>
+        <p:blipFill>
+          <a:blip r:embed="rId2">
+            <a:extLst>
+              <a:ext uri="{28A0092B-C50C-407E-A947-70E740481C1C}">
+                <a14:useLocalDpi xmlns:a14="http://schemas.microsoft.com/office/drawing/2010/main" val="0"/>
+              </a:ext>
+            </a:extLst>
+          </a:blip>
+          <a:stretch>
+            <a:fillRect/>
+          </a:stretch>
+        </p:blipFill>
+        <p:spPr bwMode="auto">
+          <a:xfrm>
+            <a:off x="8543914" y="1853754"/>
+            <a:ext cx="3126918" cy="4755769"/>
+          </a:xfrm>
+          <a:prstGeom prst="rect">
+            <a:avLst/>
+          </a:prstGeom>
+          <a:noFill/>
+          <a:extLst>
+            <a:ext uri="{909E8E84-426E-40DD-AFC4-6F175D3DCCD1}">
+              <a14:hiddenFill xmlns:a14="http://schemas.microsoft.com/office/drawing/2010/main">
+                <a:solidFill>
+                  <a:srgbClr val="FFFFFF"/>
+                </a:solidFill>
+              </a14:hiddenFill>
+            </a:ext>
+          </a:extLst>
+        </p:spPr>
+      </p:pic>
+    </p:spTree>
+    <p:extLst>
+      <p:ext uri="{BB962C8B-B14F-4D97-AF65-F5344CB8AC3E}">
+        <p14:creationId xmlns:p14="http://schemas.microsoft.com/office/powerpoint/2010/main" val="2373458218"/>
+      </p:ext>
+    </p:extLst>
+  </p:cSld>
+  <p:clrMapOvr>
+    <a:masterClrMapping/>
+  </p:clrMapOvr>
+</p:sld>
+</file>
+
+<file path=ppt/slides/slide33.xml><?xml version="1.0" encoding="utf-8"?>
+<p:sld xmlns:a="http://schemas.openxmlformats.org/drawingml/2006/main" xmlns:r="http://schemas.openxmlformats.org/officeDocument/2006/relationships" xmlns:p="http://schemas.openxmlformats.org/presentationml/2006/main">
+  <p:cSld>
+    <p:spTree>
+      <p:nvGrpSpPr>
+        <p:cNvPr id="1" name=""/>
+        <p:cNvGrpSpPr/>
+        <p:nvPr/>
+      </p:nvGrpSpPr>
+      <p:grpSpPr>
+        <a:xfrm>
+          <a:off x="0" y="0"/>
+          <a:ext cx="0" cy="0"/>
+          <a:chOff x="0" y="0"/>
+          <a:chExt cx="0" cy="0"/>
+        </a:xfrm>
+      </p:grpSpPr>
+      <p:sp>
+        <p:nvSpPr>
+          <p:cNvPr id="2" name="Title 1">
+            <a:extLst>
+              <a:ext uri="{FF2B5EF4-FFF2-40B4-BE49-F238E27FC236}">
+                <a16:creationId xmlns:a16="http://schemas.microsoft.com/office/drawing/2014/main" id="{044B3C14-0A48-E34F-AB78-E75B9592D8AA}"/>
+              </a:ext>
+            </a:extLst>
+          </p:cNvPr>
+          <p:cNvSpPr>
+            <a:spLocks noGrp="1"/>
+          </p:cNvSpPr>
+          <p:nvPr>
+            <p:ph type="title"/>
+          </p:nvPr>
+        </p:nvSpPr>
+        <p:spPr/>
+        <p:txBody>
+          <a:bodyPr/>
+          <a:lstStyle/>
+          <a:p>
+            <a:r>
+              <a:rPr lang="en-US" dirty="0"/>
+              <a:t>Bias Variance Tradeoff</a:t>
+            </a:r>
+          </a:p>
+        </p:txBody>
+      </p:sp>
+      <p:sp>
+        <p:nvSpPr>
+          <p:cNvPr id="3" name="Content Placeholder 2">
+            <a:extLst>
+              <a:ext uri="{FF2B5EF4-FFF2-40B4-BE49-F238E27FC236}">
+                <a16:creationId xmlns:a16="http://schemas.microsoft.com/office/drawing/2014/main" id="{BE60FE15-B605-AC42-93FE-B5C6E3844D6A}"/>
+              </a:ext>
+            </a:extLst>
+          </p:cNvPr>
+          <p:cNvSpPr>
+            <a:spLocks noGrp="1"/>
+          </p:cNvSpPr>
+          <p:nvPr>
+            <p:ph idx="1"/>
+          </p:nvPr>
+        </p:nvSpPr>
+        <p:spPr/>
+        <p:txBody>
+          <a:bodyPr/>
+          <a:lstStyle/>
+          <a:p>
+            <a:endParaRPr lang="en-US"/>
+          </a:p>
+        </p:txBody>
+      </p:sp>
+      <p:pic>
+        <p:nvPicPr>
+          <p:cNvPr id="4098" name="Picture 2" descr="Bias-Variance Tradeoff in Machine Learning">
+            <a:extLst>
+              <a:ext uri="{FF2B5EF4-FFF2-40B4-BE49-F238E27FC236}">
+                <a16:creationId xmlns:a16="http://schemas.microsoft.com/office/drawing/2014/main" id="{F47D1370-D60E-E143-A3F6-B04390585842}"/>
+              </a:ext>
+            </a:extLst>
+          </p:cNvPr>
+          <p:cNvPicPr>
+            <a:picLocks noChangeAspect="1" noChangeArrowheads="1"/>
+          </p:cNvPicPr>
+          <p:nvPr/>
+        </p:nvPicPr>
+        <p:blipFill rotWithShape="1">
+          <a:blip r:embed="rId2">
+            <a:extLst>
+              <a:ext uri="{28A0092B-C50C-407E-A947-70E740481C1C}">
+                <a14:useLocalDpi xmlns:a14="http://schemas.microsoft.com/office/drawing/2010/main" val="0"/>
+              </a:ext>
+            </a:extLst>
+          </a:blip>
+          <a:srcRect t="4147"/>
+          <a:stretch/>
+        </p:blipFill>
+        <p:spPr bwMode="auto">
+          <a:xfrm>
+            <a:off x="2354316" y="1569308"/>
+            <a:ext cx="7797800" cy="5551028"/>
+          </a:xfrm>
+          <a:prstGeom prst="rect">
+            <a:avLst/>
+          </a:prstGeom>
+          <a:noFill/>
+          <a:extLst>
+            <a:ext uri="{909E8E84-426E-40DD-AFC4-6F175D3DCCD1}">
+              <a14:hiddenFill xmlns:a14="http://schemas.microsoft.com/office/drawing/2010/main">
+                <a:solidFill>
+                  <a:srgbClr val="FFFFFF"/>
+                </a:solidFill>
+              </a14:hiddenFill>
+            </a:ext>
+          </a:extLst>
+        </p:spPr>
+      </p:pic>
+    </p:spTree>
+    <p:extLst>
+      <p:ext uri="{BB962C8B-B14F-4D97-AF65-F5344CB8AC3E}">
+        <p14:creationId xmlns:p14="http://schemas.microsoft.com/office/powerpoint/2010/main" val="870501339"/>
+      </p:ext>
+    </p:extLst>
+  </p:cSld>
+  <p:clrMapOvr>
+    <a:masterClrMapping/>
+  </p:clrMapOvr>
+</p:sld>
+</file>
+
+<file path=ppt/slides/slide34.xml><?xml version="1.0" encoding="utf-8"?>
+<p:sld xmlns:a="http://schemas.openxmlformats.org/drawingml/2006/main" xmlns:r="http://schemas.openxmlformats.org/officeDocument/2006/relationships" xmlns:p="http://schemas.openxmlformats.org/presentationml/2006/main">
+  <p:cSld>
+    <p:spTree>
+      <p:nvGrpSpPr>
+        <p:cNvPr id="1" name=""/>
+        <p:cNvGrpSpPr/>
+        <p:nvPr/>
+      </p:nvGrpSpPr>
+      <p:grpSpPr>
+        <a:xfrm>
+          <a:off x="0" y="0"/>
+          <a:ext cx="0" cy="0"/>
+          <a:chOff x="0" y="0"/>
+          <a:chExt cx="0" cy="0"/>
+        </a:xfrm>
+      </p:grpSpPr>
+      <p:sp>
+        <p:nvSpPr>
+          <p:cNvPr id="2" name="Title 1">
+            <a:extLst>
+              <a:ext uri="{FF2B5EF4-FFF2-40B4-BE49-F238E27FC236}">
+                <a16:creationId xmlns:a16="http://schemas.microsoft.com/office/drawing/2014/main" id="{619C92F5-D063-594F-BED8-C9F8E5523234}"/>
+              </a:ext>
+            </a:extLst>
+          </p:cNvPr>
+          <p:cNvSpPr>
+            <a:spLocks noGrp="1"/>
+          </p:cNvSpPr>
+          <p:nvPr>
+            <p:ph type="title"/>
+          </p:nvPr>
+        </p:nvSpPr>
+        <p:spPr/>
+        <p:txBody>
+          <a:bodyPr/>
+          <a:lstStyle/>
+          <a:p>
+            <a:r>
+              <a:rPr lang="en-US" dirty="0"/>
+              <a:t>Finding the balance</a:t>
+            </a:r>
+          </a:p>
+        </p:txBody>
+      </p:sp>
+      <p:sp>
+        <p:nvSpPr>
+          <p:cNvPr id="3" name="Content Placeholder 2">
+            <a:extLst>
+              <a:ext uri="{FF2B5EF4-FFF2-40B4-BE49-F238E27FC236}">
+                <a16:creationId xmlns:a16="http://schemas.microsoft.com/office/drawing/2014/main" id="{9834105C-1D55-8846-B8C2-3478547EF8F1}"/>
+              </a:ext>
+            </a:extLst>
+          </p:cNvPr>
+          <p:cNvSpPr>
+            <a:spLocks noGrp="1"/>
+          </p:cNvSpPr>
+          <p:nvPr>
+            <p:ph idx="1"/>
+          </p:nvPr>
+        </p:nvSpPr>
+        <p:spPr>
+          <a:xfrm>
+            <a:off x="1451579" y="1938130"/>
+            <a:ext cx="9603275" cy="4115351"/>
+          </a:xfrm>
+        </p:spPr>
+        <p:txBody>
+          <a:bodyPr>
+            <a:normAutofit fontScale="92500" lnSpcReduction="20000"/>
+          </a:bodyPr>
+          <a:lstStyle/>
+          <a:p>
+            <a:r>
+              <a:rPr lang="en-US" dirty="0"/>
+              <a:t>ML algorithms are generally “greedy” – they’ll try to get as accurate as possible. </a:t>
+            </a:r>
+          </a:p>
+          <a:p>
+            <a:pPr lvl="1"/>
+            <a:r>
+              <a:rPr lang="en-US" dirty="0"/>
+              <a:t>E.g. a tree, without any limits, will try to make a model that perfectly fits training data. </a:t>
+            </a:r>
+          </a:p>
+          <a:p>
+            <a:r>
+              <a:rPr lang="en-US" dirty="0"/>
+              <a:t>Our goal is a model that is both accurate and generalizable. </a:t>
+            </a:r>
+          </a:p>
+          <a:p>
+            <a:r>
+              <a:rPr lang="en-US" dirty="0"/>
+              <a:t>We want this accuracy, but limit it to try to achieve the sweet spot.</a:t>
+            </a:r>
+          </a:p>
+          <a:p>
+            <a:r>
+              <a:rPr lang="en-US" dirty="0"/>
+              <a:t>How?</a:t>
+            </a:r>
+          </a:p>
+          <a:p>
+            <a:pPr lvl="1"/>
+            <a:r>
+              <a:rPr lang="en-US" dirty="0"/>
+              <a:t>Cross validation. </a:t>
+            </a:r>
+          </a:p>
+          <a:p>
+            <a:pPr lvl="1"/>
+            <a:r>
+              <a:rPr lang="en-US" dirty="0"/>
+              <a:t>Hyperparameter values with grid searching. </a:t>
+            </a:r>
+          </a:p>
+          <a:p>
+            <a:pPr lvl="1"/>
+            <a:r>
+              <a:rPr lang="en-US" dirty="0"/>
+              <a:t>Early stopping (big in neural networks).</a:t>
+            </a:r>
+          </a:p>
+          <a:p>
+            <a:pPr lvl="1"/>
+            <a:r>
+              <a:rPr lang="en-US" sz="3500" b="1" dirty="0"/>
+              <a:t>Regularization. (E.g. tree pruning and regularization in linear regression)…</a:t>
+            </a:r>
+          </a:p>
+        </p:txBody>
+      </p:sp>
+    </p:spTree>
+    <p:extLst>
+      <p:ext uri="{BB962C8B-B14F-4D97-AF65-F5344CB8AC3E}">
+        <p14:creationId xmlns:p14="http://schemas.microsoft.com/office/powerpoint/2010/main" val="3087082306"/>
+      </p:ext>
+    </p:extLst>
+  </p:cSld>
+  <p:clrMapOvr>
+    <a:masterClrMapping/>
+  </p:clrMapOvr>
+</p:sld>
+</file>
+
+<file path=ppt/slides/slide35.xml><?xml version="1.0" encoding="utf-8"?>
+<p:sld xmlns:a="http://schemas.openxmlformats.org/drawingml/2006/main" xmlns:r="http://schemas.openxmlformats.org/officeDocument/2006/relationships" xmlns:p="http://schemas.openxmlformats.org/presentationml/2006/main">
+  <p:cSld>
+    <p:spTree>
+      <p:nvGrpSpPr>
+        <p:cNvPr id="1" name=""/>
+        <p:cNvGrpSpPr/>
+        <p:nvPr/>
+      </p:nvGrpSpPr>
+      <p:grpSpPr>
+        <a:xfrm>
+          <a:off x="0" y="0"/>
+          <a:ext cx="0" cy="0"/>
+          <a:chOff x="0" y="0"/>
+          <a:chExt cx="0" cy="0"/>
+        </a:xfrm>
+      </p:grpSpPr>
+      <p:sp>
+        <p:nvSpPr>
+          <p:cNvPr id="2" name="Title 1">
+            <a:extLst>
+              <a:ext uri="{FF2B5EF4-FFF2-40B4-BE49-F238E27FC236}">
+                <a16:creationId xmlns:a16="http://schemas.microsoft.com/office/drawing/2014/main" id="{6BE05F88-1549-33BA-CC96-A487DA773841}"/>
+              </a:ext>
+            </a:extLst>
+          </p:cNvPr>
+          <p:cNvSpPr>
+            <a:spLocks noGrp="1"/>
+          </p:cNvSpPr>
+          <p:nvPr>
+            <p:ph type="title"/>
+          </p:nvPr>
+        </p:nvSpPr>
+        <p:spPr/>
+        <p:txBody>
+          <a:bodyPr/>
+          <a:lstStyle/>
+          <a:p>
+            <a:r>
+              <a:rPr lang="en-US" dirty="0"/>
+              <a:t>Regularization</a:t>
+            </a:r>
+          </a:p>
+        </p:txBody>
+      </p:sp>
+      <p:sp>
+        <p:nvSpPr>
+          <p:cNvPr id="3" name="Content Placeholder 2">
+            <a:extLst>
+              <a:ext uri="{FF2B5EF4-FFF2-40B4-BE49-F238E27FC236}">
+                <a16:creationId xmlns:a16="http://schemas.microsoft.com/office/drawing/2014/main" id="{B0F5B101-1F57-1A7E-8CD3-99C62AFC5961}"/>
+              </a:ext>
+            </a:extLst>
+          </p:cNvPr>
+          <p:cNvSpPr>
+            <a:spLocks noGrp="1"/>
+          </p:cNvSpPr>
+          <p:nvPr>
+            <p:ph idx="1"/>
+          </p:nvPr>
+        </p:nvSpPr>
+        <p:spPr/>
+        <p:txBody>
+          <a:bodyPr/>
+          <a:lstStyle/>
+          <a:p>
+            <a:endParaRPr lang="en-US"/>
+          </a:p>
+        </p:txBody>
+      </p:sp>
+      <p:pic>
+        <p:nvPicPr>
+          <p:cNvPr id="4098" name="Picture 2" descr="Metamucil Sugar Free Psyllium Fiber Powder, Orange, 36.8 oz. | Rite Aid">
+            <a:extLst>
+              <a:ext uri="{FF2B5EF4-FFF2-40B4-BE49-F238E27FC236}">
+                <a16:creationId xmlns:a16="http://schemas.microsoft.com/office/drawing/2014/main" id="{C68713DC-9F05-AA5F-D978-7E615EEEA681}"/>
+              </a:ext>
+            </a:extLst>
+          </p:cNvPr>
+          <p:cNvPicPr>
+            <a:picLocks noChangeAspect="1" noChangeArrowheads="1"/>
+          </p:cNvPicPr>
+          <p:nvPr/>
+        </p:nvPicPr>
+        <p:blipFill>
+          <a:blip r:embed="rId2">
+            <a:extLst>
+              <a:ext uri="{28A0092B-C50C-407E-A947-70E740481C1C}">
+                <a14:useLocalDpi xmlns:a14="http://schemas.microsoft.com/office/drawing/2010/main" val="0"/>
+              </a:ext>
+            </a:extLst>
+          </a:blip>
+          <a:srcRect/>
+          <a:stretch>
+            <a:fillRect/>
+          </a:stretch>
+        </p:blipFill>
+        <p:spPr bwMode="auto">
+          <a:xfrm>
+            <a:off x="4570466" y="2262823"/>
+            <a:ext cx="3365500" cy="3365500"/>
+          </a:xfrm>
+          <a:prstGeom prst="rect">
+            <a:avLst/>
+          </a:prstGeom>
+          <a:noFill/>
+          <a:extLst>
+            <a:ext uri="{909E8E84-426E-40DD-AFC4-6F175D3DCCD1}">
+              <a14:hiddenFill xmlns:a14="http://schemas.microsoft.com/office/drawing/2010/main">
+                <a:solidFill>
+                  <a:srgbClr val="FFFFFF"/>
+                </a:solidFill>
+              </a14:hiddenFill>
+            </a:ext>
+          </a:extLst>
+        </p:spPr>
+      </p:pic>
+    </p:spTree>
+    <p:extLst>
+      <p:ext uri="{BB962C8B-B14F-4D97-AF65-F5344CB8AC3E}">
+        <p14:creationId xmlns:p14="http://schemas.microsoft.com/office/powerpoint/2010/main" val="3600530791"/>
+      </p:ext>
+    </p:extLst>
+  </p:cSld>
+  <p:clrMapOvr>
+    <a:masterClrMapping/>
+  </p:clrMapOvr>
+</p:sld>
+</file>
+
+<file path=ppt/slides/slide36.xml><?xml version="1.0" encoding="utf-8"?>
+<p:sld xmlns:a="http://schemas.openxmlformats.org/drawingml/2006/main" xmlns:r="http://schemas.openxmlformats.org/officeDocument/2006/relationships" xmlns:p="http://schemas.openxmlformats.org/presentationml/2006/main">
+  <p:cSld>
+    <p:spTree>
+      <p:nvGrpSpPr>
+        <p:cNvPr id="1" name=""/>
+        <p:cNvGrpSpPr/>
+        <p:nvPr/>
+      </p:nvGrpSpPr>
+      <p:grpSpPr>
+        <a:xfrm>
+          <a:off x="0" y="0"/>
+          <a:ext cx="0" cy="0"/>
+          <a:chOff x="0" y="0"/>
+          <a:chExt cx="0" cy="0"/>
+        </a:xfrm>
+      </p:grpSpPr>
+      <p:sp>
+        <p:nvSpPr>
+          <p:cNvPr id="2" name="Title 1">
+            <a:extLst>
+              <a:ext uri="{FF2B5EF4-FFF2-40B4-BE49-F238E27FC236}">
+                <a16:creationId xmlns:a16="http://schemas.microsoft.com/office/drawing/2014/main" id="{3E33F207-3EBA-DF10-FB51-9255AD8A0FD0}"/>
+              </a:ext>
+            </a:extLst>
+          </p:cNvPr>
+          <p:cNvSpPr>
+            <a:spLocks noGrp="1"/>
+          </p:cNvSpPr>
+          <p:nvPr>
+            <p:ph type="title"/>
+          </p:nvPr>
+        </p:nvSpPr>
+        <p:spPr/>
+        <p:txBody>
+          <a:bodyPr/>
+          <a:lstStyle/>
+          <a:p>
+            <a:r>
+              <a:rPr lang="en-US" dirty="0"/>
+              <a:t>Tree Regularization - CCP Alpha Pruning</a:t>
+            </a:r>
+          </a:p>
+        </p:txBody>
+      </p:sp>
+      <p:sp>
+        <p:nvSpPr>
+          <p:cNvPr id="3" name="Content Placeholder 2">
+            <a:extLst>
+              <a:ext uri="{FF2B5EF4-FFF2-40B4-BE49-F238E27FC236}">
+                <a16:creationId xmlns:a16="http://schemas.microsoft.com/office/drawing/2014/main" id="{093DEA8B-A838-1ED1-32AF-84910C136C6B}"/>
+              </a:ext>
+            </a:extLst>
+          </p:cNvPr>
+          <p:cNvSpPr>
+            <a:spLocks noGrp="1"/>
+          </p:cNvSpPr>
+          <p:nvPr>
+            <p:ph idx="1"/>
+          </p:nvPr>
+        </p:nvSpPr>
+        <p:spPr>
+          <a:xfrm>
+            <a:off x="5066271" y="1853754"/>
+            <a:ext cx="6956854" cy="4199727"/>
+          </a:xfrm>
+        </p:spPr>
+        <p:txBody>
+          <a:bodyPr>
+            <a:normAutofit fontScale="92500"/>
+          </a:bodyPr>
+          <a:lstStyle/>
+          <a:p>
+            <a:r>
+              <a:rPr lang="en-US" sz="2400" dirty="0"/>
+              <a:t>We saw regularization with trees – CCP Alpha pruning. </a:t>
+            </a:r>
+          </a:p>
+          <a:p>
+            <a:r>
+              <a:rPr lang="en-US" sz="2400" dirty="0"/>
+              <a:t>This worked by adding a penalty to the calculation of if the tree should split a node. </a:t>
+            </a:r>
+          </a:p>
+          <a:p>
+            <a:pPr lvl="1"/>
+            <a:r>
+              <a:rPr lang="en-US" sz="2000" dirty="0"/>
+              <a:t>The “error” increases as the model grows. (The penalty part of the error). </a:t>
+            </a:r>
+          </a:p>
+          <a:p>
+            <a:pPr lvl="1"/>
+            <a:r>
+              <a:rPr lang="en-US" sz="2000" dirty="0"/>
+              <a:t>A tree is better by being smaller, or more accurate. </a:t>
+            </a:r>
+          </a:p>
+          <a:p>
+            <a:r>
+              <a:rPr lang="en-US" sz="2200" dirty="0"/>
+              <a:t>Any growth must be ‘justified’ by overcoming the penalty for making the model larger. </a:t>
+            </a:r>
+          </a:p>
+          <a:p>
+            <a:r>
+              <a:rPr lang="en-US" sz="2200" dirty="0"/>
+              <a:t>The tree wants to grow, regularization constrains that growth.</a:t>
+            </a:r>
+          </a:p>
+        </p:txBody>
+      </p:sp>
+      <p:pic>
+        <p:nvPicPr>
+          <p:cNvPr id="5122" name="Picture 2" descr="Understanding Decision Trees and Cost Complexity Pruning | by Sumiran |  Medium">
+            <a:extLst>
+              <a:ext uri="{FF2B5EF4-FFF2-40B4-BE49-F238E27FC236}">
+                <a16:creationId xmlns:a16="http://schemas.microsoft.com/office/drawing/2014/main" id="{4296D870-A564-DE30-8E59-1CDFAAB10183}"/>
+              </a:ext>
+            </a:extLst>
+          </p:cNvPr>
+          <p:cNvPicPr>
+            <a:picLocks noChangeAspect="1" noChangeArrowheads="1"/>
+          </p:cNvPicPr>
+          <p:nvPr/>
+        </p:nvPicPr>
+        <p:blipFill>
+          <a:blip r:embed="rId2">
+            <a:extLst>
+              <a:ext uri="{28A0092B-C50C-407E-A947-70E740481C1C}">
+                <a14:useLocalDpi xmlns:a14="http://schemas.microsoft.com/office/drawing/2010/main" val="0"/>
+              </a:ext>
+            </a:extLst>
+          </a:blip>
+          <a:srcRect/>
+          <a:stretch>
+            <a:fillRect/>
+          </a:stretch>
+        </p:blipFill>
+        <p:spPr bwMode="auto">
+          <a:xfrm>
+            <a:off x="112587" y="2286240"/>
+            <a:ext cx="4953683" cy="2384537"/>
+          </a:xfrm>
+          <a:prstGeom prst="rect">
+            <a:avLst/>
+          </a:prstGeom>
+          <a:noFill/>
+          <a:extLst>
+            <a:ext uri="{909E8E84-426E-40DD-AFC4-6F175D3DCCD1}">
+              <a14:hiddenFill xmlns:a14="http://schemas.microsoft.com/office/drawing/2010/main">
+                <a:solidFill>
+                  <a:srgbClr val="FFFFFF"/>
+                </a:solidFill>
+              </a14:hiddenFill>
+            </a:ext>
+          </a:extLst>
+        </p:spPr>
+      </p:pic>
+    </p:spTree>
+    <p:extLst>
+      <p:ext uri="{BB962C8B-B14F-4D97-AF65-F5344CB8AC3E}">
+        <p14:creationId xmlns:p14="http://schemas.microsoft.com/office/powerpoint/2010/main" val="1097993042"/>
+      </p:ext>
+    </p:extLst>
+  </p:cSld>
+  <p:clrMapOvr>
+    <a:masterClrMapping/>
+  </p:clrMapOvr>
+</p:sld>
+</file>
+
+<file path=ppt/slides/slide37.xml><?xml version="1.0" encoding="utf-8"?>
+<p:sld xmlns:a="http://schemas.openxmlformats.org/drawingml/2006/main" xmlns:r="http://schemas.openxmlformats.org/officeDocument/2006/relationships" xmlns:p="http://schemas.openxmlformats.org/presentationml/2006/main">
+  <p:cSld>
+    <p:spTree>
+      <p:nvGrpSpPr>
+        <p:cNvPr id="1" name=""/>
+        <p:cNvGrpSpPr/>
+        <p:nvPr/>
+      </p:nvGrpSpPr>
+      <p:grpSpPr>
+        <a:xfrm>
+          <a:off x="0" y="0"/>
+          <a:ext cx="0" cy="0"/>
+          <a:chOff x="0" y="0"/>
+          <a:chExt cx="0" cy="0"/>
+        </a:xfrm>
+      </p:grpSpPr>
+      <p:sp>
+        <p:nvSpPr>
+          <p:cNvPr id="2" name="Title 1">
+            <a:extLst>
+              <a:ext uri="{FF2B5EF4-FFF2-40B4-BE49-F238E27FC236}">
+                <a16:creationId xmlns:a16="http://schemas.microsoft.com/office/drawing/2014/main" id="{66042784-5EB5-CB47-AFD4-16602CE0D9F8}"/>
+              </a:ext>
+            </a:extLst>
+          </p:cNvPr>
+          <p:cNvSpPr>
+            <a:spLocks noGrp="1"/>
+          </p:cNvSpPr>
+          <p:nvPr>
+            <p:ph type="title"/>
+          </p:nvPr>
+        </p:nvSpPr>
+        <p:spPr/>
+        <p:txBody>
+          <a:bodyPr/>
+          <a:lstStyle/>
+          <a:p>
+            <a:r>
+              <a:rPr lang="en-US" dirty="0"/>
+              <a:t>Recall - Regression Coefficients</a:t>
+            </a:r>
+          </a:p>
+        </p:txBody>
+      </p:sp>
+      <p:sp>
+        <p:nvSpPr>
+          <p:cNvPr id="3" name="Content Placeholder 2">
+            <a:extLst>
+              <a:ext uri="{FF2B5EF4-FFF2-40B4-BE49-F238E27FC236}">
+                <a16:creationId xmlns:a16="http://schemas.microsoft.com/office/drawing/2014/main" id="{7B39445E-A84C-BA43-9326-CF3597F5158B}"/>
+              </a:ext>
+            </a:extLst>
+          </p:cNvPr>
+          <p:cNvSpPr>
+            <a:spLocks noGrp="1"/>
+          </p:cNvSpPr>
+          <p:nvPr>
+            <p:ph idx="1"/>
+          </p:nvPr>
+        </p:nvSpPr>
+        <p:spPr>
+          <a:xfrm>
+            <a:off x="1451579" y="2015732"/>
+            <a:ext cx="9603275" cy="3957685"/>
+          </a:xfrm>
+        </p:spPr>
+        <p:txBody>
+          <a:bodyPr/>
+          <a:lstStyle/>
+          <a:p>
+            <a:r>
+              <a:rPr lang="en-US" dirty="0"/>
+              <a:t>The regression process, closed form or gradient descent, finds coefficients. </a:t>
+            </a:r>
+          </a:p>
+          <a:p>
+            <a:pPr lvl="1"/>
+            <a:r>
+              <a:rPr lang="en-US" dirty="0"/>
+              <a:t>E.g. y = m1*x1 + m2*x2 +…. B</a:t>
+            </a:r>
+          </a:p>
+          <a:p>
+            <a:pPr lvl="1"/>
+            <a:r>
+              <a:rPr lang="en-US" dirty="0"/>
+              <a:t>The process determines those m values, and the b. </a:t>
+            </a:r>
+          </a:p>
+          <a:p>
+            <a:r>
+              <a:rPr lang="en-US" dirty="0"/>
+              <a:t>The larger a coefficient is, the more impact that term has in the prediction. </a:t>
+            </a:r>
+          </a:p>
+          <a:p>
+            <a:r>
+              <a:rPr lang="en-US" dirty="0"/>
+              <a:t>The algorithm finds these coefficients by determining what set of them minimizes the squared residuals. </a:t>
+            </a:r>
+          </a:p>
+          <a:p>
+            <a:pPr lvl="1"/>
+            <a:r>
+              <a:rPr lang="en-US" dirty="0"/>
+              <a:t>Our new friend the cost function!</a:t>
+            </a:r>
+          </a:p>
+          <a:p>
+            <a:pPr lvl="1"/>
+            <a:r>
+              <a:rPr lang="en-US" dirty="0"/>
+              <a:t>Gradient descent looks for the best set of coefficients it can find. </a:t>
+            </a:r>
+          </a:p>
+        </p:txBody>
+      </p:sp>
+    </p:spTree>
+    <p:extLst>
+      <p:ext uri="{BB962C8B-B14F-4D97-AF65-F5344CB8AC3E}">
+        <p14:creationId xmlns:p14="http://schemas.microsoft.com/office/powerpoint/2010/main" val="1375418648"/>
+      </p:ext>
+    </p:extLst>
+  </p:cSld>
+  <p:clrMapOvr>
+    <a:masterClrMapping/>
+  </p:clrMapOvr>
+</p:sld>
+</file>
+
+<file path=ppt/slides/slide38.xml><?xml version="1.0" encoding="utf-8"?>
+<p:sld xmlns:a="http://schemas.openxmlformats.org/drawingml/2006/main" xmlns:r="http://schemas.openxmlformats.org/officeDocument/2006/relationships" xmlns:p="http://schemas.openxmlformats.org/presentationml/2006/main">
+  <p:cSld>
+    <p:spTree>
+      <p:nvGrpSpPr>
+        <p:cNvPr id="1" name=""/>
+        <p:cNvGrpSpPr/>
+        <p:nvPr/>
+      </p:nvGrpSpPr>
+      <p:grpSpPr>
+        <a:xfrm>
+          <a:off x="0" y="0"/>
+          <a:ext cx="0" cy="0"/>
+          <a:chOff x="0" y="0"/>
+          <a:chExt cx="0" cy="0"/>
+        </a:xfrm>
+      </p:grpSpPr>
+      <p:sp>
+        <p:nvSpPr>
           <p:cNvPr id="2" name="Title 1">
             <a:extLst>
               <a:ext uri="{FF2B5EF4-FFF2-40B4-BE49-F238E27FC236}">
@@ -7514,7 +9006,7 @@
             </a:r>
             <a:r>
               <a:rPr lang="en-US" dirty="0"/>
-              <a:t> – a combination of the two. </a:t>
+              <a:t> – a HP controlled ration combination of the two. </a:t>
             </a:r>
           </a:p>
           <a:p>
@@ -7544,7 +9036,7 @@
 </p:sld>
 </file>
 
-<file path=ppt/slides/slide31.xml><?xml version="1.0" encoding="utf-8"?>
+<file path=ppt/slides/slide39.xml><?xml version="1.0" encoding="utf-8"?>
 <p:sld xmlns:a="http://schemas.openxmlformats.org/drawingml/2006/main" xmlns:r="http://schemas.openxmlformats.org/officeDocument/2006/relationships" xmlns:p="http://schemas.openxmlformats.org/presentationml/2006/main">
   <p:cSld>
     <p:bg>
@@ -7820,8 +9312,8 @@
         </p:nvSpPr>
         <p:spPr>
           <a:xfrm>
-            <a:off x="1451581" y="2015732"/>
-            <a:ext cx="4172212" cy="3450613"/>
+            <a:off x="926757" y="2015732"/>
+            <a:ext cx="4697036" cy="3450613"/>
           </a:xfrm>
         </p:spPr>
         <p:txBody>
@@ -8006,7 +9498,153 @@
 </p:sld>
 </file>
 
-<file path=ppt/slides/slide32.xml><?xml version="1.0" encoding="utf-8"?>
+<file path=ppt/slides/slide4.xml><?xml version="1.0" encoding="utf-8"?>
+<p:sld xmlns:a="http://schemas.openxmlformats.org/drawingml/2006/main" xmlns:r="http://schemas.openxmlformats.org/officeDocument/2006/relationships" xmlns:p="http://schemas.openxmlformats.org/presentationml/2006/main" show="0">
+  <p:cSld>
+    <p:spTree>
+      <p:nvGrpSpPr>
+        <p:cNvPr id="1" name=""/>
+        <p:cNvGrpSpPr/>
+        <p:nvPr/>
+      </p:nvGrpSpPr>
+      <p:grpSpPr>
+        <a:xfrm>
+          <a:off x="0" y="0"/>
+          <a:ext cx="0" cy="0"/>
+          <a:chOff x="0" y="0"/>
+          <a:chExt cx="0" cy="0"/>
+        </a:xfrm>
+      </p:grpSpPr>
+      <p:sp>
+        <p:nvSpPr>
+          <p:cNvPr id="2" name="Title 1">
+            <a:extLst>
+              <a:ext uri="{FF2B5EF4-FFF2-40B4-BE49-F238E27FC236}">
+                <a16:creationId xmlns:a16="http://schemas.microsoft.com/office/drawing/2014/main" id="{0F585C85-34A0-EC37-E779-D5A783D5488A}"/>
+              </a:ext>
+            </a:extLst>
+          </p:cNvPr>
+          <p:cNvSpPr>
+            <a:spLocks noGrp="1"/>
+          </p:cNvSpPr>
+          <p:nvPr>
+            <p:ph type="title"/>
+          </p:nvPr>
+        </p:nvSpPr>
+        <p:spPr/>
+        <p:txBody>
+          <a:bodyPr/>
+          <a:lstStyle/>
+          <a:p>
+            <a:r>
+              <a:rPr lang="en-US" dirty="0"/>
+              <a:t>Missing Completely at Random</a:t>
+            </a:r>
+          </a:p>
+        </p:txBody>
+      </p:sp>
+      <p:sp>
+        <p:nvSpPr>
+          <p:cNvPr id="3" name="Content Placeholder 2">
+            <a:extLst>
+              <a:ext uri="{FF2B5EF4-FFF2-40B4-BE49-F238E27FC236}">
+                <a16:creationId xmlns:a16="http://schemas.microsoft.com/office/drawing/2014/main" id="{FBDCBE3B-A7C9-1071-294F-584E717589F5}"/>
+              </a:ext>
+            </a:extLst>
+          </p:cNvPr>
+          <p:cNvSpPr>
+            <a:spLocks noGrp="1"/>
+          </p:cNvSpPr>
+          <p:nvPr>
+            <p:ph idx="1"/>
+          </p:nvPr>
+        </p:nvSpPr>
+        <p:spPr>
+          <a:xfrm>
+            <a:off x="1222513" y="1853754"/>
+            <a:ext cx="10058400" cy="4199727"/>
+          </a:xfrm>
+        </p:spPr>
+        <p:txBody>
+          <a:bodyPr>
+            <a:normAutofit lnSpcReduction="10000"/>
+          </a:bodyPr>
+          <a:lstStyle/>
+          <a:p>
+            <a:r>
+              <a:rPr lang="en-US" dirty="0"/>
+              <a:t>This is the simplest – an assumption that missing data is randomly distributed. </a:t>
+            </a:r>
+          </a:p>
+          <a:p>
+            <a:r>
+              <a:rPr lang="en-US" dirty="0"/>
+              <a:t>There is no connection between the values in data and if it is missing. </a:t>
+            </a:r>
+          </a:p>
+          <a:p>
+            <a:r>
+              <a:rPr lang="en-US" dirty="0"/>
+              <a:t>This is the best candidate for deletion:</a:t>
+            </a:r>
+          </a:p>
+          <a:p>
+            <a:pPr lvl="1"/>
+            <a:r>
+              <a:rPr lang="en-US" dirty="0"/>
+              <a:t>The randomness means that losing some data doesn’t impact results. </a:t>
+            </a:r>
+          </a:p>
+          <a:p>
+            <a:pPr lvl="1"/>
+            <a:r>
+              <a:rPr lang="en-US" dirty="0"/>
+              <a:t>The only real concern is sample size – in large datasets deletion is easier. </a:t>
+            </a:r>
+          </a:p>
+          <a:p>
+            <a:pPr lvl="1"/>
+            <a:r>
+              <a:rPr lang="en-US" dirty="0"/>
+              <a:t>If we shrink a large dataset by 10% (or more) or something, nothing really changes in the model. </a:t>
+            </a:r>
+          </a:p>
+          <a:p>
+            <a:r>
+              <a:rPr lang="en-US" dirty="0"/>
+              <a:t>If a column is missing a lot of data, we may be better of deleting that column. </a:t>
+            </a:r>
+          </a:p>
+          <a:p>
+            <a:pPr lvl="1"/>
+            <a:r>
+              <a:rPr lang="en-US" dirty="0"/>
+              <a:t>This varies depending on the exact data, and what is missing. </a:t>
+            </a:r>
+          </a:p>
+          <a:p>
+            <a:pPr lvl="1"/>
+            <a:r>
+              <a:rPr lang="en-US" dirty="0"/>
+              <a:t>Rule of thumb, if it is about 20% or so, start considering – though more missing values than you’d think might be ok in terms of results. </a:t>
+            </a:r>
+          </a:p>
+        </p:txBody>
+      </p:sp>
+    </p:spTree>
+    <p:extLst>
+      <p:ext uri="{BB962C8B-B14F-4D97-AF65-F5344CB8AC3E}">
+        <p14:creationId xmlns:p14="http://schemas.microsoft.com/office/powerpoint/2010/main" val="346494241"/>
+      </p:ext>
+    </p:extLst>
+  </p:cSld>
+  <p:clrMapOvr>
+    <a:masterClrMapping/>
+  </p:clrMapOvr>
+</p:sld>
+</file>
+
+<file path=ppt/slides/slide40.xml><?xml version="1.0" encoding="utf-8"?>
 <p:sld xmlns:a="http://schemas.openxmlformats.org/drawingml/2006/main" xmlns:r="http://schemas.openxmlformats.org/officeDocument/2006/relationships" xmlns:p="http://schemas.openxmlformats.org/presentationml/2006/main">
   <p:cSld>
     <p:spTree>
@@ -8083,6 +9721,13 @@
             </a:r>
           </a:p>
           <a:p>
+            <a:pPr lvl="1"/>
+            <a:r>
+              <a:rPr lang="en-US" dirty="0"/>
+              <a:t>We generally use MSE and log-loss, but could be almost anything. </a:t>
+            </a:r>
+          </a:p>
+          <a:p>
             <a:r>
               <a:rPr lang="en-US" dirty="0"/>
               <a:t>Cost is often referred to as loss (and a loss function). </a:t>
@@ -8129,7 +9774,7 @@
 </p:sld>
 </file>
 
-<file path=ppt/slides/slide33.xml><?xml version="1.0" encoding="utf-8"?>
+<file path=ppt/slides/slide41.xml><?xml version="1.0" encoding="utf-8"?>
 <p:sld xmlns:a="http://schemas.openxmlformats.org/drawingml/2006/main" xmlns:r="http://schemas.openxmlformats.org/officeDocument/2006/relationships" xmlns:p="http://schemas.openxmlformats.org/presentationml/2006/main">
   <p:cSld>
     <p:spTree>
@@ -8151,6 +9796,143 @@
           <p:cNvPr id="2" name="Title 1">
             <a:extLst>
               <a:ext uri="{FF2B5EF4-FFF2-40B4-BE49-F238E27FC236}">
+                <a16:creationId xmlns:a16="http://schemas.microsoft.com/office/drawing/2014/main" id="{540F449E-4BB2-68D2-1F65-393A369D8049}"/>
+              </a:ext>
+            </a:extLst>
+          </p:cNvPr>
+          <p:cNvSpPr>
+            <a:spLocks noGrp="1"/>
+          </p:cNvSpPr>
+          <p:nvPr>
+            <p:ph type="title"/>
+          </p:nvPr>
+        </p:nvSpPr>
+        <p:spPr>
+          <a:xfrm>
+            <a:off x="266828" y="2524562"/>
+            <a:ext cx="3719385" cy="2432951"/>
+          </a:xfrm>
+        </p:spPr>
+        <p:txBody>
+          <a:bodyPr>
+            <a:normAutofit/>
+          </a:bodyPr>
+          <a:lstStyle/>
+          <a:p>
+            <a:r>
+              <a:rPr lang="en-US" dirty="0"/>
+              <a:t>More Regularization = Less Learning</a:t>
+            </a:r>
+          </a:p>
+        </p:txBody>
+      </p:sp>
+      <p:sp>
+        <p:nvSpPr>
+          <p:cNvPr id="3" name="Content Placeholder 2">
+            <a:extLst>
+              <a:ext uri="{FF2B5EF4-FFF2-40B4-BE49-F238E27FC236}">
+                <a16:creationId xmlns:a16="http://schemas.microsoft.com/office/drawing/2014/main" id="{D3EAC0FB-23ED-491D-8031-D5767FE6073D}"/>
+              </a:ext>
+            </a:extLst>
+          </p:cNvPr>
+          <p:cNvSpPr>
+            <a:spLocks noGrp="1"/>
+          </p:cNvSpPr>
+          <p:nvPr>
+            <p:ph idx="1"/>
+          </p:nvPr>
+        </p:nvSpPr>
+        <p:spPr/>
+        <p:txBody>
+          <a:bodyPr/>
+          <a:lstStyle/>
+          <a:p>
+            <a:endParaRPr lang="en-US"/>
+          </a:p>
+        </p:txBody>
+      </p:sp>
+      <p:pic>
+        <p:nvPicPr>
+          <p:cNvPr id="15366" name="Picture 6">
+            <a:extLst>
+              <a:ext uri="{FF2B5EF4-FFF2-40B4-BE49-F238E27FC236}">
+                <a16:creationId xmlns:a16="http://schemas.microsoft.com/office/drawing/2014/main" id="{0AEB519F-6C8A-211D-AA7D-96992928B08C}"/>
+              </a:ext>
+            </a:extLst>
+          </p:cNvPr>
+          <p:cNvPicPr>
+            <a:picLocks noChangeAspect="1" noChangeArrowheads="1"/>
+          </p:cNvPicPr>
+          <p:nvPr/>
+        </p:nvPicPr>
+        <p:blipFill>
+          <a:blip r:embed="rId2">
+            <a:extLst>
+              <a:ext uri="{28A0092B-C50C-407E-A947-70E740481C1C}">
+                <a14:useLocalDpi xmlns:a14="http://schemas.microsoft.com/office/drawing/2010/main" val="0"/>
+              </a:ext>
+            </a:extLst>
+          </a:blip>
+          <a:srcRect/>
+          <a:stretch>
+            <a:fillRect/>
+          </a:stretch>
+        </p:blipFill>
+        <p:spPr bwMode="auto">
+          <a:xfrm>
+            <a:off x="3986213" y="0"/>
+            <a:ext cx="8205787" cy="6858000"/>
+          </a:xfrm>
+          <a:prstGeom prst="rect">
+            <a:avLst/>
+          </a:prstGeom>
+          <a:noFill/>
+          <a:extLst>
+            <a:ext uri="{909E8E84-426E-40DD-AFC4-6F175D3DCCD1}">
+              <a14:hiddenFill xmlns:a14="http://schemas.microsoft.com/office/drawing/2010/main">
+                <a:solidFill>
+                  <a:srgbClr val="FFFFFF"/>
+                </a:solidFill>
+              </a14:hiddenFill>
+            </a:ext>
+          </a:extLst>
+        </p:spPr>
+      </p:pic>
+    </p:spTree>
+    <p:extLst>
+      <p:ext uri="{BB962C8B-B14F-4D97-AF65-F5344CB8AC3E}">
+        <p14:creationId xmlns:p14="http://schemas.microsoft.com/office/powerpoint/2010/main" val="1864072105"/>
+      </p:ext>
+    </p:extLst>
+  </p:cSld>
+  <p:clrMapOvr>
+    <a:masterClrMapping/>
+  </p:clrMapOvr>
+</p:sld>
+</file>
+
+<file path=ppt/slides/slide42.xml><?xml version="1.0" encoding="utf-8"?>
+<p:sld xmlns:a="http://schemas.openxmlformats.org/drawingml/2006/main" xmlns:r="http://schemas.openxmlformats.org/officeDocument/2006/relationships" xmlns:p="http://schemas.openxmlformats.org/presentationml/2006/main">
+  <p:cSld>
+    <p:spTree>
+      <p:nvGrpSpPr>
+        <p:cNvPr id="1" name=""/>
+        <p:cNvGrpSpPr/>
+        <p:nvPr/>
+      </p:nvGrpSpPr>
+      <p:grpSpPr>
+        <a:xfrm>
+          <a:off x="0" y="0"/>
+          <a:ext cx="0" cy="0"/>
+          <a:chOff x="0" y="0"/>
+          <a:chExt cx="0" cy="0"/>
+        </a:xfrm>
+      </p:grpSpPr>
+      <p:sp>
+        <p:nvSpPr>
+          <p:cNvPr id="2" name="Title 1">
+            <a:extLst>
+              <a:ext uri="{FF2B5EF4-FFF2-40B4-BE49-F238E27FC236}">
                 <a16:creationId xmlns:a16="http://schemas.microsoft.com/office/drawing/2014/main" id="{BF80F527-FEAC-6046-A64E-489FD1E6AAD1}"/>
               </a:ext>
             </a:extLst>
@@ -8322,7 +10104,7 @@
 </p:sld>
 </file>
 
-<file path=ppt/slides/slide34.xml><?xml version="1.0" encoding="utf-8"?>
+<file path=ppt/slides/slide43.xml><?xml version="1.0" encoding="utf-8"?>
 <p:sld xmlns:a="http://schemas.openxmlformats.org/drawingml/2006/main" xmlns:r="http://schemas.openxmlformats.org/officeDocument/2006/relationships" xmlns:p="http://schemas.openxmlformats.org/presentationml/2006/main">
   <p:cSld>
     <p:bg>
@@ -8846,7 +10628,325 @@
 </p:sld>
 </file>
 
-<file path=ppt/slides/slide35.xml><?xml version="1.0" encoding="utf-8"?>
+<file path=ppt/slides/slide44.xml><?xml version="1.0" encoding="utf-8"?>
+<p:sld xmlns:a="http://schemas.openxmlformats.org/drawingml/2006/main" xmlns:r="http://schemas.openxmlformats.org/officeDocument/2006/relationships" xmlns:p="http://schemas.openxmlformats.org/presentationml/2006/main">
+  <p:cSld>
+    <p:bg>
+      <p:bgPr>
+        <a:gradFill rotWithShape="1">
+          <a:gsLst>
+            <a:gs pos="0">
+              <a:schemeClr val="bg2">
+                <a:tint val="94000"/>
+                <a:satMod val="80000"/>
+                <a:lumMod val="106000"/>
+              </a:schemeClr>
+            </a:gs>
+            <a:gs pos="100000">
+              <a:schemeClr val="bg2">
+                <a:shade val="80000"/>
+              </a:schemeClr>
+            </a:gs>
+          </a:gsLst>
+          <a:path path="circle">
+            <a:fillToRect l="43000" r="43000" b="100000"/>
+          </a:path>
+        </a:gradFill>
+        <a:effectLst/>
+      </p:bgPr>
+    </p:bg>
+    <p:spTree>
+      <p:nvGrpSpPr>
+        <p:cNvPr id="1" name=""/>
+        <p:cNvGrpSpPr/>
+        <p:nvPr/>
+      </p:nvGrpSpPr>
+      <p:grpSpPr>
+        <a:xfrm>
+          <a:off x="0" y="0"/>
+          <a:ext cx="0" cy="0"/>
+          <a:chOff x="0" y="0"/>
+          <a:chExt cx="0" cy="0"/>
+        </a:xfrm>
+      </p:grpSpPr>
+      <p:sp>
+        <p:nvSpPr>
+          <p:cNvPr id="2" name="Title 1">
+            <a:extLst>
+              <a:ext uri="{FF2B5EF4-FFF2-40B4-BE49-F238E27FC236}">
+                <a16:creationId xmlns:a16="http://schemas.microsoft.com/office/drawing/2014/main" id="{C7DF7F3C-F6B4-0A01-C2B9-F5112CC39062}"/>
+              </a:ext>
+            </a:extLst>
+          </p:cNvPr>
+          <p:cNvSpPr>
+            <a:spLocks noGrp="1"/>
+          </p:cNvSpPr>
+          <p:nvPr>
+            <p:ph type="title"/>
+          </p:nvPr>
+        </p:nvSpPr>
+        <p:spPr>
+          <a:xfrm>
+            <a:off x="1451579" y="804519"/>
+            <a:ext cx="9603275" cy="1049235"/>
+          </a:xfrm>
+        </p:spPr>
+        <p:txBody>
+          <a:bodyPr>
+            <a:normAutofit/>
+          </a:bodyPr>
+          <a:lstStyle/>
+          <a:p>
+            <a:r>
+              <a:rPr lang="en-US" dirty="0"/>
+              <a:t>Why Variable Selection</a:t>
+            </a:r>
+          </a:p>
+        </p:txBody>
+      </p:sp>
+      <p:pic>
+        <p:nvPicPr>
+          <p:cNvPr id="16386" name="Picture 2">
+            <a:extLst>
+              <a:ext uri="{FF2B5EF4-FFF2-40B4-BE49-F238E27FC236}">
+                <a16:creationId xmlns:a16="http://schemas.microsoft.com/office/drawing/2014/main" id="{53449CCF-9A84-89D2-9D75-D4A89800E538}"/>
+              </a:ext>
+            </a:extLst>
+          </p:cNvPr>
+          <p:cNvPicPr>
+            <a:picLocks noChangeAspect="1" noChangeArrowheads="1"/>
+          </p:cNvPicPr>
+          <p:nvPr/>
+        </p:nvPicPr>
+        <p:blipFill>
+          <a:blip r:embed="rId2">
+            <a:extLst>
+              <a:ext uri="{28A0092B-C50C-407E-A947-70E740481C1C}">
+                <a14:useLocalDpi xmlns:a14="http://schemas.microsoft.com/office/drawing/2010/main" val="0"/>
+              </a:ext>
+            </a:extLst>
+          </a:blip>
+          <a:stretch>
+            <a:fillRect/>
+          </a:stretch>
+        </p:blipFill>
+        <p:spPr bwMode="auto">
+          <a:xfrm>
+            <a:off x="16137" y="1989250"/>
+            <a:ext cx="7447344" cy="4189128"/>
+          </a:xfrm>
+          <a:prstGeom prst="rect">
+            <a:avLst/>
+          </a:prstGeom>
+          <a:noFill/>
+          <a:extLst>
+            <a:ext uri="{909E8E84-426E-40DD-AFC4-6F175D3DCCD1}">
+              <a14:hiddenFill xmlns:a14="http://schemas.microsoft.com/office/drawing/2010/main">
+                <a:solidFill>
+                  <a:srgbClr val="FFFFFF"/>
+                </a:solidFill>
+              </a14:hiddenFill>
+            </a:ext>
+          </a:extLst>
+        </p:spPr>
+      </p:pic>
+      <p:sp>
+        <p:nvSpPr>
+          <p:cNvPr id="3" name="Content Placeholder 2">
+            <a:extLst>
+              <a:ext uri="{FF2B5EF4-FFF2-40B4-BE49-F238E27FC236}">
+                <a16:creationId xmlns:a16="http://schemas.microsoft.com/office/drawing/2014/main" id="{94B520DC-5125-596C-E18F-0321C34D4E3E}"/>
+              </a:ext>
+            </a:extLst>
+          </p:cNvPr>
+          <p:cNvSpPr>
+            <a:spLocks noGrp="1"/>
+          </p:cNvSpPr>
+          <p:nvPr>
+            <p:ph idx="1"/>
+          </p:nvPr>
+        </p:nvSpPr>
+        <p:spPr>
+          <a:xfrm>
+            <a:off x="7549978" y="2015734"/>
+            <a:ext cx="4625885" cy="4162644"/>
+          </a:xfrm>
+        </p:spPr>
+        <p:txBody>
+          <a:bodyPr>
+            <a:normAutofit/>
+          </a:bodyPr>
+          <a:lstStyle/>
+          <a:p>
+            <a:r>
+              <a:rPr lang="en-US" dirty="0"/>
+              <a:t>L1 tends to reduce coefficients to 0.</a:t>
+            </a:r>
+          </a:p>
+          <a:p>
+            <a:r>
+              <a:rPr lang="en-US" dirty="0"/>
+              <a:t>This effectively selects that variable out. </a:t>
+            </a:r>
+          </a:p>
+          <a:p>
+            <a:r>
+              <a:rPr lang="en-US" dirty="0"/>
+              <a:t>If we optimize, the solution for L1 is more likely to be on the axis. </a:t>
+            </a:r>
+          </a:p>
+          <a:p>
+            <a:r>
+              <a:rPr lang="en-US" dirty="0"/>
+              <a:t>Smallest penalty = tangent of curves.</a:t>
+            </a:r>
+          </a:p>
+          <a:p>
+            <a:r>
+              <a:rPr lang="en-US" dirty="0"/>
+              <a:t>Mathematical property of the curves. </a:t>
+            </a:r>
+          </a:p>
+          <a:p>
+            <a:r>
+              <a:rPr lang="en-US" dirty="0"/>
+              <a:t>Can be used directly, or as info to select variables otherwise. </a:t>
+            </a:r>
+          </a:p>
+        </p:txBody>
+      </p:sp>
+    </p:spTree>
+    <p:extLst>
+      <p:ext uri="{BB962C8B-B14F-4D97-AF65-F5344CB8AC3E}">
+        <p14:creationId xmlns:p14="http://schemas.microsoft.com/office/powerpoint/2010/main" val="3472323935"/>
+      </p:ext>
+    </p:extLst>
+  </p:cSld>
+  <p:clrMapOvr>
+    <a:masterClrMapping/>
+  </p:clrMapOvr>
+</p:sld>
+</file>
+
+<file path=ppt/slides/slide45.xml><?xml version="1.0" encoding="utf-8"?>
+<p:sld xmlns:a="http://schemas.openxmlformats.org/drawingml/2006/main" xmlns:r="http://schemas.openxmlformats.org/officeDocument/2006/relationships" xmlns:p="http://schemas.openxmlformats.org/presentationml/2006/main" show="0">
+  <p:cSld>
+    <p:spTree>
+      <p:nvGrpSpPr>
+        <p:cNvPr id="1" name=""/>
+        <p:cNvGrpSpPr/>
+        <p:nvPr/>
+      </p:nvGrpSpPr>
+      <p:grpSpPr>
+        <a:xfrm>
+          <a:off x="0" y="0"/>
+          <a:ext cx="0" cy="0"/>
+          <a:chOff x="0" y="0"/>
+          <a:chExt cx="0" cy="0"/>
+        </a:xfrm>
+      </p:grpSpPr>
+      <p:sp>
+        <p:nvSpPr>
+          <p:cNvPr id="2" name="Title 1">
+            <a:extLst>
+              <a:ext uri="{FF2B5EF4-FFF2-40B4-BE49-F238E27FC236}">
+                <a16:creationId xmlns:a16="http://schemas.microsoft.com/office/drawing/2014/main" id="{88D79FC9-21E3-E91D-77F5-D1210351B0B5}"/>
+              </a:ext>
+            </a:extLst>
+          </p:cNvPr>
+          <p:cNvSpPr>
+            <a:spLocks noGrp="1"/>
+          </p:cNvSpPr>
+          <p:nvPr>
+            <p:ph type="title"/>
+          </p:nvPr>
+        </p:nvSpPr>
+        <p:spPr/>
+        <p:txBody>
+          <a:bodyPr/>
+          <a:lstStyle/>
+          <a:p>
+            <a:r>
+              <a:rPr lang="en-US" dirty="0"/>
+              <a:t>Get Lost in the Cost</a:t>
+            </a:r>
+          </a:p>
+        </p:txBody>
+      </p:sp>
+      <p:sp>
+        <p:nvSpPr>
+          <p:cNvPr id="3" name="Content Placeholder 2">
+            <a:extLst>
+              <a:ext uri="{FF2B5EF4-FFF2-40B4-BE49-F238E27FC236}">
+                <a16:creationId xmlns:a16="http://schemas.microsoft.com/office/drawing/2014/main" id="{985A5D26-D7AC-0DF2-C34E-389D31E0B3A8}"/>
+              </a:ext>
+            </a:extLst>
+          </p:cNvPr>
+          <p:cNvSpPr>
+            <a:spLocks noGrp="1"/>
+          </p:cNvSpPr>
+          <p:nvPr>
+            <p:ph idx="1"/>
+          </p:nvPr>
+        </p:nvSpPr>
+        <p:spPr>
+          <a:xfrm>
+            <a:off x="1451579" y="2015732"/>
+            <a:ext cx="9603275" cy="4037749"/>
+          </a:xfrm>
+        </p:spPr>
+        <p:txBody>
+          <a:bodyPr/>
+          <a:lstStyle/>
+          <a:p>
+            <a:r>
+              <a:rPr lang="en-US" dirty="0"/>
+              <a:t>Cost functions are (mostly) interchangeable with each other:</a:t>
+            </a:r>
+          </a:p>
+          <a:p>
+            <a:pPr lvl="1"/>
+            <a:r>
+              <a:rPr lang="en-US" dirty="0"/>
+              <a:t>Regression is usually MSE, classification is usually cross-entropy, but it can vary. </a:t>
+            </a:r>
+          </a:p>
+          <a:p>
+            <a:pPr lvl="1"/>
+            <a:r>
+              <a:rPr lang="en-US" dirty="0"/>
+              <a:t>As long as it measures error and is differentiable (for math), it can work. </a:t>
+            </a:r>
+          </a:p>
+          <a:p>
+            <a:pPr lvl="1"/>
+            <a:r>
+              <a:rPr lang="en-US" dirty="0"/>
+              <a:t>The gradient descent process to find optimal solutions can take (almost) anything. </a:t>
+            </a:r>
+          </a:p>
+          <a:p>
+            <a:r>
+              <a:rPr lang="en-US" dirty="0"/>
+              <a:t>Similarly, the penalty can also be anything, as long as the math works. </a:t>
+            </a:r>
+          </a:p>
+        </p:txBody>
+      </p:sp>
+    </p:spTree>
+    <p:extLst>
+      <p:ext uri="{BB962C8B-B14F-4D97-AF65-F5344CB8AC3E}">
+        <p14:creationId xmlns:p14="http://schemas.microsoft.com/office/powerpoint/2010/main" val="332725247"/>
+      </p:ext>
+    </p:extLst>
+  </p:cSld>
+  <p:clrMapOvr>
+    <a:masterClrMapping/>
+  </p:clrMapOvr>
+</p:sld>
+</file>
+
+<file path=ppt/slides/slide46.xml><?xml version="1.0" encoding="utf-8"?>
 <p:sld xmlns:a="http://schemas.openxmlformats.org/drawingml/2006/main" xmlns:r="http://schemas.openxmlformats.org/officeDocument/2006/relationships" xmlns:p="http://schemas.openxmlformats.org/presentationml/2006/main">
   <p:cSld>
     <p:spTree>
@@ -8868,7 +10968,7 @@
           <p:cNvPr id="2" name="Title 1">
             <a:extLst>
               <a:ext uri="{FF2B5EF4-FFF2-40B4-BE49-F238E27FC236}">
-                <a16:creationId xmlns:a16="http://schemas.microsoft.com/office/drawing/2014/main" id="{88D79FC9-21E3-E91D-77F5-D1210351B0B5}"/>
+                <a16:creationId xmlns:a16="http://schemas.microsoft.com/office/drawing/2014/main" id="{E9C8805B-3B63-BD4B-BAA0-3605E7AF912F}"/>
               </a:ext>
             </a:extLst>
           </p:cNvPr>
@@ -8886,7 +10986,7 @@
           <a:p>
             <a:r>
               <a:rPr lang="en-US" dirty="0"/>
-              <a:t>Get Lost in the Cost</a:t>
+              <a:t>Impact</a:t>
             </a:r>
           </a:p>
         </p:txBody>
@@ -8896,7 +10996,7 @@
           <p:cNvPr id="3" name="Content Placeholder 2">
             <a:extLst>
               <a:ext uri="{FF2B5EF4-FFF2-40B4-BE49-F238E27FC236}">
-                <a16:creationId xmlns:a16="http://schemas.microsoft.com/office/drawing/2014/main" id="{985A5D26-D7AC-0DF2-C34E-389D31E0B3A8}"/>
+                <a16:creationId xmlns:a16="http://schemas.microsoft.com/office/drawing/2014/main" id="{A27E8C34-34FE-C64F-9FAB-6BE59DCCC06B}"/>
               </a:ext>
             </a:extLst>
           </p:cNvPr>
@@ -8909,46 +11009,84 @@
         </p:nvSpPr>
         <p:spPr>
           <a:xfrm>
-            <a:off x="1451579" y="2015732"/>
-            <a:ext cx="9603275" cy="4037749"/>
-          </a:xfrm>
-        </p:spPr>
-        <p:txBody>
-          <a:bodyPr/>
-          <a:lstStyle/>
-          <a:p>
-            <a:r>
-              <a:rPr lang="en-US" dirty="0"/>
-              <a:t>Cost functions are (mostly) interchangeable with each other:</a:t>
-            </a:r>
-          </a:p>
-          <a:p>
-            <a:pPr lvl="1"/>
-            <a:r>
-              <a:rPr lang="en-US" dirty="0"/>
-              <a:t>Regression is usually MSE, classification is usually cross-entropy, but it can vary. </a:t>
-            </a:r>
-          </a:p>
-          <a:p>
-            <a:pPr lvl="1"/>
-            <a:r>
-              <a:rPr lang="en-US" dirty="0"/>
-              <a:t>As long as it measures error and is differentiable (for math), it can work. </a:t>
-            </a:r>
-          </a:p>
-          <a:p>
-            <a:pPr lvl="1"/>
-            <a:r>
-              <a:rPr lang="en-US" dirty="0"/>
-              <a:t>The gradient descent process to find optimal solutions can take (almost) anything. </a:t>
-            </a:r>
+            <a:off x="1451579" y="1853754"/>
+            <a:ext cx="10027848" cy="4199727"/>
+          </a:xfrm>
+        </p:spPr>
+        <p:txBody>
+          <a:bodyPr>
+            <a:normAutofit/>
+          </a:bodyPr>
+          <a:lstStyle/>
+          <a:p>
+            <a:r>
+              <a:rPr lang="en-US" dirty="0"/>
+              <a:t>Models are limited from becoming over fitted, as it is “hard” for coefficients to grow. </a:t>
+            </a:r>
+          </a:p>
+          <a:p>
+            <a:r>
+              <a:rPr lang="en-US" dirty="0"/>
+              <a:t>Very large coefficients are likely to be overfitted and exert excess influence on predictions.</a:t>
+            </a:r>
+          </a:p>
+          <a:p>
+            <a:r>
+              <a:rPr lang="en-US" dirty="0"/>
+              <a:t>L1 Lasso:</a:t>
+            </a:r>
+          </a:p>
+          <a:p>
+            <a:pPr lvl="1"/>
+            <a:r>
+              <a:rPr lang="en-US" dirty="0"/>
+              <a:t>Reduces coefficients to 0 – good for feature selecting. Could compare with tree importance…</a:t>
+            </a:r>
+          </a:p>
+          <a:p>
+            <a:pPr lvl="1"/>
+            <a:r>
+              <a:rPr lang="en-US" dirty="0"/>
+              <a:t>Math is worse – the derivative isn’t differentiable everywhere, so calcs are slower. </a:t>
+            </a:r>
+          </a:p>
+          <a:p>
+            <a:pPr lvl="1"/>
+            <a:r>
+              <a:rPr lang="en-US" dirty="0"/>
+              <a:t>More robust to outliers if they are not filtered out. </a:t>
+            </a:r>
+          </a:p>
+          <a:p>
+            <a:r>
+              <a:rPr lang="en-US" dirty="0"/>
+              <a:t>L2 Ridge:</a:t>
+            </a:r>
+          </a:p>
+          <a:p>
+            <a:pPr lvl="1"/>
+            <a:r>
+              <a:rPr lang="en-US" dirty="0"/>
+              <a:t>More common, is sometimes a default in other models. </a:t>
+            </a:r>
+          </a:p>
+          <a:p>
+            <a:pPr lvl="1"/>
+            <a:r>
+              <a:rPr lang="en-US" dirty="0"/>
+              <a:t>More computationally efficient (large reason for the commonness) due to math speed. </a:t>
+            </a:r>
+          </a:p>
+          <a:p>
+            <a:pPr lvl="1"/>
+            <a:endParaRPr lang="en-US" dirty="0"/>
           </a:p>
         </p:txBody>
       </p:sp>
     </p:spTree>
     <p:extLst>
       <p:ext uri="{BB962C8B-B14F-4D97-AF65-F5344CB8AC3E}">
-        <p14:creationId xmlns:p14="http://schemas.microsoft.com/office/powerpoint/2010/main" val="332725247"/>
+        <p14:creationId xmlns:p14="http://schemas.microsoft.com/office/powerpoint/2010/main" val="824479499"/>
       </p:ext>
     </p:extLst>
   </p:cSld>
@@ -8958,7 +11096,7 @@
 </p:sld>
 </file>
 
-<file path=ppt/slides/slide36.xml><?xml version="1.0" encoding="utf-8"?>
+<file path=ppt/slides/slide47.xml><?xml version="1.0" encoding="utf-8"?>
 <p:sld xmlns:a="http://schemas.openxmlformats.org/drawingml/2006/main" xmlns:r="http://schemas.openxmlformats.org/officeDocument/2006/relationships" xmlns:p="http://schemas.openxmlformats.org/presentationml/2006/main">
   <p:cSld>
     <p:spTree>
@@ -8980,7 +11118,7 @@
           <p:cNvPr id="2" name="Title 1">
             <a:extLst>
               <a:ext uri="{FF2B5EF4-FFF2-40B4-BE49-F238E27FC236}">
-                <a16:creationId xmlns:a16="http://schemas.microsoft.com/office/drawing/2014/main" id="{E9C8805B-3B63-BD4B-BAA0-3605E7AF912F}"/>
+                <a16:creationId xmlns:a16="http://schemas.microsoft.com/office/drawing/2014/main" id="{9C5565A6-4E14-0F4F-81DC-BB82F595A6DD}"/>
               </a:ext>
             </a:extLst>
           </p:cNvPr>
@@ -8998,7 +11136,7 @@
           <a:p>
             <a:r>
               <a:rPr lang="en-US" dirty="0"/>
-              <a:t>Impact</a:t>
+              <a:t>Implementation</a:t>
             </a:r>
           </a:p>
         </p:txBody>
@@ -9008,7 +11146,7 @@
           <p:cNvPr id="3" name="Content Placeholder 2">
             <a:extLst>
               <a:ext uri="{FF2B5EF4-FFF2-40B4-BE49-F238E27FC236}">
-                <a16:creationId xmlns:a16="http://schemas.microsoft.com/office/drawing/2014/main" id="{A27E8C34-34FE-C64F-9FAB-6BE59DCCC06B}"/>
+                <a16:creationId xmlns:a16="http://schemas.microsoft.com/office/drawing/2014/main" id="{6B517004-0D9A-094F-BEE0-6D57CBF17ED8}"/>
               </a:ext>
             </a:extLst>
           </p:cNvPr>
@@ -9026,163 +11164,9 @@
           </a:xfrm>
         </p:spPr>
         <p:txBody>
-          <a:bodyPr/>
-          <a:lstStyle/>
-          <a:p>
-            <a:r>
-              <a:rPr lang="en-US" dirty="0"/>
-              <a:t>Models are limited from becoming over fitted, as it is “hard” for coefficients to grow. </a:t>
-            </a:r>
-          </a:p>
-          <a:p>
-            <a:r>
-              <a:rPr lang="en-US" dirty="0"/>
-              <a:t>Very large coefficients are likely to be overfitted. </a:t>
-            </a:r>
-          </a:p>
-          <a:p>
-            <a:r>
-              <a:rPr lang="en-US" dirty="0"/>
-              <a:t>Difference:</a:t>
-            </a:r>
-          </a:p>
-          <a:p>
-            <a:pPr lvl="1"/>
-            <a:r>
-              <a:rPr lang="en-US" dirty="0"/>
-              <a:t>L1:</a:t>
-            </a:r>
-          </a:p>
-          <a:p>
-            <a:pPr lvl="2"/>
-            <a:r>
-              <a:rPr lang="en-US" dirty="0"/>
-              <a:t>Reduces coefficients to 0 – good for feature selecting. </a:t>
-            </a:r>
-          </a:p>
-          <a:p>
-            <a:pPr lvl="2"/>
-            <a:r>
-              <a:rPr lang="en-US" dirty="0"/>
-              <a:t>No closed form solution - estimation like gradient descent needed. </a:t>
-            </a:r>
-          </a:p>
-          <a:p>
-            <a:pPr lvl="2"/>
-            <a:r>
-              <a:rPr lang="en-US" dirty="0"/>
-              <a:t>More robust to outliers. </a:t>
-            </a:r>
-          </a:p>
-          <a:p>
-            <a:pPr lvl="1"/>
-            <a:r>
-              <a:rPr lang="en-US" dirty="0"/>
-              <a:t>L2:</a:t>
-            </a:r>
-          </a:p>
-          <a:p>
-            <a:pPr lvl="2"/>
-            <a:r>
-              <a:rPr lang="en-US" dirty="0"/>
-              <a:t>More common, is sometimes a default. </a:t>
-            </a:r>
-          </a:p>
-          <a:p>
-            <a:pPr lvl="2"/>
-            <a:r>
-              <a:rPr lang="en-US" dirty="0"/>
-              <a:t>More computationally efficient (large reason for the commonness). </a:t>
-            </a:r>
-          </a:p>
-          <a:p>
-            <a:pPr lvl="1"/>
-            <a:endParaRPr lang="en-US" dirty="0"/>
-          </a:p>
-        </p:txBody>
-      </p:sp>
-    </p:spTree>
-    <p:extLst>
-      <p:ext uri="{BB962C8B-B14F-4D97-AF65-F5344CB8AC3E}">
-        <p14:creationId xmlns:p14="http://schemas.microsoft.com/office/powerpoint/2010/main" val="824479499"/>
-      </p:ext>
-    </p:extLst>
-  </p:cSld>
-  <p:clrMapOvr>
-    <a:masterClrMapping/>
-  </p:clrMapOvr>
-</p:sld>
-</file>
-
-<file path=ppt/slides/slide37.xml><?xml version="1.0" encoding="utf-8"?>
-<p:sld xmlns:a="http://schemas.openxmlformats.org/drawingml/2006/main" xmlns:r="http://schemas.openxmlformats.org/officeDocument/2006/relationships" xmlns:p="http://schemas.openxmlformats.org/presentationml/2006/main">
-  <p:cSld>
-    <p:spTree>
-      <p:nvGrpSpPr>
-        <p:cNvPr id="1" name=""/>
-        <p:cNvGrpSpPr/>
-        <p:nvPr/>
-      </p:nvGrpSpPr>
-      <p:grpSpPr>
-        <a:xfrm>
-          <a:off x="0" y="0"/>
-          <a:ext cx="0" cy="0"/>
-          <a:chOff x="0" y="0"/>
-          <a:chExt cx="0" cy="0"/>
-        </a:xfrm>
-      </p:grpSpPr>
-      <p:sp>
-        <p:nvSpPr>
-          <p:cNvPr id="2" name="Title 1">
-            <a:extLst>
-              <a:ext uri="{FF2B5EF4-FFF2-40B4-BE49-F238E27FC236}">
-                <a16:creationId xmlns:a16="http://schemas.microsoft.com/office/drawing/2014/main" id="{9C5565A6-4E14-0F4F-81DC-BB82F595A6DD}"/>
-              </a:ext>
-            </a:extLst>
-          </p:cNvPr>
-          <p:cNvSpPr>
-            <a:spLocks noGrp="1"/>
-          </p:cNvSpPr>
-          <p:nvPr>
-            <p:ph type="title"/>
-          </p:nvPr>
-        </p:nvSpPr>
-        <p:spPr/>
-        <p:txBody>
-          <a:bodyPr/>
-          <a:lstStyle/>
-          <a:p>
-            <a:r>
-              <a:rPr lang="en-US" dirty="0"/>
-              <a:t>Implementation</a:t>
-            </a:r>
-          </a:p>
-        </p:txBody>
-      </p:sp>
-      <p:sp>
-        <p:nvSpPr>
-          <p:cNvPr id="3" name="Content Placeholder 2">
-            <a:extLst>
-              <a:ext uri="{FF2B5EF4-FFF2-40B4-BE49-F238E27FC236}">
-                <a16:creationId xmlns:a16="http://schemas.microsoft.com/office/drawing/2014/main" id="{6B517004-0D9A-094F-BEE0-6D57CBF17ED8}"/>
-              </a:ext>
-            </a:extLst>
-          </p:cNvPr>
-          <p:cNvSpPr>
-            <a:spLocks noGrp="1"/>
-          </p:cNvSpPr>
-          <p:nvPr>
-            <p:ph idx="1"/>
-          </p:nvPr>
-        </p:nvSpPr>
-        <p:spPr>
-          <a:xfrm>
-            <a:off x="1451579" y="1928191"/>
-            <a:ext cx="9603275" cy="4125290"/>
-          </a:xfrm>
-        </p:spPr>
-        <p:txBody>
-          <a:bodyPr/>
+          <a:bodyPr>
+            <a:normAutofit/>
+          </a:bodyPr>
           <a:lstStyle/>
           <a:p>
             <a:r>
@@ -9237,6 +11221,13 @@
             <a:r>
               <a:rPr lang="en-US" dirty="0"/>
               <a:t>Regularization is one of the most common tools used to fit models. </a:t>
+            </a:r>
+          </a:p>
+          <a:p>
+            <a:pPr lvl="1"/>
+            <a:r>
+              <a:rPr lang="en-US" dirty="0"/>
+              <a:t>Limiting the overfitting of a potentially very adaptive model is most common need. </a:t>
             </a:r>
           </a:p>
           <a:p>
@@ -9259,152 +11250,6 @@
     <p:extLst>
       <p:ext uri="{BB962C8B-B14F-4D97-AF65-F5344CB8AC3E}">
         <p14:creationId xmlns:p14="http://schemas.microsoft.com/office/powerpoint/2010/main" val="3123613951"/>
-      </p:ext>
-    </p:extLst>
-  </p:cSld>
-  <p:clrMapOvr>
-    <a:masterClrMapping/>
-  </p:clrMapOvr>
-</p:sld>
-</file>
-
-<file path=ppt/slides/slide4.xml><?xml version="1.0" encoding="utf-8"?>
-<p:sld xmlns:a="http://schemas.openxmlformats.org/drawingml/2006/main" xmlns:r="http://schemas.openxmlformats.org/officeDocument/2006/relationships" xmlns:p="http://schemas.openxmlformats.org/presentationml/2006/main" show="0">
-  <p:cSld>
-    <p:spTree>
-      <p:nvGrpSpPr>
-        <p:cNvPr id="1" name=""/>
-        <p:cNvGrpSpPr/>
-        <p:nvPr/>
-      </p:nvGrpSpPr>
-      <p:grpSpPr>
-        <a:xfrm>
-          <a:off x="0" y="0"/>
-          <a:ext cx="0" cy="0"/>
-          <a:chOff x="0" y="0"/>
-          <a:chExt cx="0" cy="0"/>
-        </a:xfrm>
-      </p:grpSpPr>
-      <p:sp>
-        <p:nvSpPr>
-          <p:cNvPr id="2" name="Title 1">
-            <a:extLst>
-              <a:ext uri="{FF2B5EF4-FFF2-40B4-BE49-F238E27FC236}">
-                <a16:creationId xmlns:a16="http://schemas.microsoft.com/office/drawing/2014/main" id="{0F585C85-34A0-EC37-E779-D5A783D5488A}"/>
-              </a:ext>
-            </a:extLst>
-          </p:cNvPr>
-          <p:cNvSpPr>
-            <a:spLocks noGrp="1"/>
-          </p:cNvSpPr>
-          <p:nvPr>
-            <p:ph type="title"/>
-          </p:nvPr>
-        </p:nvSpPr>
-        <p:spPr/>
-        <p:txBody>
-          <a:bodyPr/>
-          <a:lstStyle/>
-          <a:p>
-            <a:r>
-              <a:rPr lang="en-US" dirty="0"/>
-              <a:t>Missing Completely at Random</a:t>
-            </a:r>
-          </a:p>
-        </p:txBody>
-      </p:sp>
-      <p:sp>
-        <p:nvSpPr>
-          <p:cNvPr id="3" name="Content Placeholder 2">
-            <a:extLst>
-              <a:ext uri="{FF2B5EF4-FFF2-40B4-BE49-F238E27FC236}">
-                <a16:creationId xmlns:a16="http://schemas.microsoft.com/office/drawing/2014/main" id="{FBDCBE3B-A7C9-1071-294F-584E717589F5}"/>
-              </a:ext>
-            </a:extLst>
-          </p:cNvPr>
-          <p:cNvSpPr>
-            <a:spLocks noGrp="1"/>
-          </p:cNvSpPr>
-          <p:nvPr>
-            <p:ph idx="1"/>
-          </p:nvPr>
-        </p:nvSpPr>
-        <p:spPr>
-          <a:xfrm>
-            <a:off x="1222513" y="1853754"/>
-            <a:ext cx="10058400" cy="4199727"/>
-          </a:xfrm>
-        </p:spPr>
-        <p:txBody>
-          <a:bodyPr>
-            <a:normAutofit lnSpcReduction="10000"/>
-          </a:bodyPr>
-          <a:lstStyle/>
-          <a:p>
-            <a:r>
-              <a:rPr lang="en-US" dirty="0"/>
-              <a:t>This is the simplest – an assumption that missing data is randomly distributed. </a:t>
-            </a:r>
-          </a:p>
-          <a:p>
-            <a:r>
-              <a:rPr lang="en-US" dirty="0"/>
-              <a:t>There is no connection between the values in data and if it is missing. </a:t>
-            </a:r>
-          </a:p>
-          <a:p>
-            <a:r>
-              <a:rPr lang="en-US" dirty="0"/>
-              <a:t>This is the best candidate for deletion:</a:t>
-            </a:r>
-          </a:p>
-          <a:p>
-            <a:pPr lvl="1"/>
-            <a:r>
-              <a:rPr lang="en-US" dirty="0"/>
-              <a:t>The randomness means that losing some data doesn’t impact results. </a:t>
-            </a:r>
-          </a:p>
-          <a:p>
-            <a:pPr lvl="1"/>
-            <a:r>
-              <a:rPr lang="en-US" dirty="0"/>
-              <a:t>The only real concern is sample size – in large datasets deletion is easier. </a:t>
-            </a:r>
-          </a:p>
-          <a:p>
-            <a:pPr lvl="1"/>
-            <a:r>
-              <a:rPr lang="en-US" dirty="0"/>
-              <a:t>If we shrink a large dataset by 10% (or more) or something, nothing really changes in the model. </a:t>
-            </a:r>
-          </a:p>
-          <a:p>
-            <a:r>
-              <a:rPr lang="en-US" dirty="0"/>
-              <a:t>If a column is missing a lot of data, we may be better of deleting that column. </a:t>
-            </a:r>
-          </a:p>
-          <a:p>
-            <a:pPr lvl="1"/>
-            <a:r>
-              <a:rPr lang="en-US" dirty="0"/>
-              <a:t>This varies depending on the exact data, and what is missing. </a:t>
-            </a:r>
-          </a:p>
-          <a:p>
-            <a:pPr lvl="1"/>
-            <a:r>
-              <a:rPr lang="en-US" dirty="0"/>
-              <a:t>Rule of thumb, if it is about 20% or so, start considering – though more missing values than you’d think might be ok in terms of results. </a:t>
-            </a:r>
-          </a:p>
-        </p:txBody>
-      </p:sp>
-    </p:spTree>
-    <p:extLst>
-      <p:ext uri="{BB962C8B-B14F-4D97-AF65-F5344CB8AC3E}">
-        <p14:creationId xmlns:p14="http://schemas.microsoft.com/office/powerpoint/2010/main" val="346494241"/>
       </p:ext>
     </p:extLst>
   </p:cSld>

--- a/reference_content/Slides/007_Basis_and_Regularization.pptx
+++ b/reference_content/Slides/007_Basis_and_Regularization.pptx
@@ -37,21 +37,22 @@
     <p:sldId id="258" r:id="rId31"/>
     <p:sldId id="266" r:id="rId32"/>
     <p:sldId id="267" r:id="rId33"/>
-    <p:sldId id="268" r:id="rId34"/>
-    <p:sldId id="269" r:id="rId35"/>
-    <p:sldId id="283" r:id="rId36"/>
-    <p:sldId id="284" r:id="rId37"/>
-    <p:sldId id="257" r:id="rId38"/>
-    <p:sldId id="265" r:id="rId39"/>
-    <p:sldId id="270" r:id="rId40"/>
-    <p:sldId id="285" r:id="rId41"/>
-    <p:sldId id="299" r:id="rId42"/>
-    <p:sldId id="287" r:id="rId43"/>
-    <p:sldId id="271" r:id="rId44"/>
-    <p:sldId id="300" r:id="rId45"/>
-    <p:sldId id="288" r:id="rId46"/>
-    <p:sldId id="272" r:id="rId47"/>
-    <p:sldId id="273" r:id="rId48"/>
+    <p:sldId id="304" r:id="rId34"/>
+    <p:sldId id="268" r:id="rId35"/>
+    <p:sldId id="269" r:id="rId36"/>
+    <p:sldId id="283" r:id="rId37"/>
+    <p:sldId id="284" r:id="rId38"/>
+    <p:sldId id="257" r:id="rId39"/>
+    <p:sldId id="265" r:id="rId40"/>
+    <p:sldId id="270" r:id="rId41"/>
+    <p:sldId id="285" r:id="rId42"/>
+    <p:sldId id="299" r:id="rId43"/>
+    <p:sldId id="287" r:id="rId44"/>
+    <p:sldId id="271" r:id="rId45"/>
+    <p:sldId id="300" r:id="rId46"/>
+    <p:sldId id="288" r:id="rId47"/>
+    <p:sldId id="272" r:id="rId48"/>
+    <p:sldId id="273" r:id="rId49"/>
   </p:sldIdLst>
   <p:sldSz cx="12192000" cy="6858000"/>
   <p:notesSz cx="6858000" cy="9144000"/>
@@ -3872,8 +3873,13 @@
           <a:p>
             <a:r>
               <a:rPr lang="en-US" dirty="0"/>
-              <a:t>Regularization in linear models:</a:t>
-            </a:r>
+              <a:t>Regularization in linear models (ch2, </a:t>
+            </a:r>
+            <a:r>
+              <a:rPr lang="en-US"/>
+              <a:t>~pg51):</a:t>
+            </a:r>
+            <a:endParaRPr lang="en-US" dirty="0"/>
           </a:p>
           <a:p>
             <a:pPr lvl="1"/>
@@ -5884,6 +5890,17 @@
             </a:r>
           </a:p>
           <a:p>
+            <a:pPr lvl="1">
+              <a:lnSpc>
+                <a:spcPct val="110000"/>
+              </a:lnSpc>
+            </a:pPr>
+            <a:r>
+              <a:rPr lang="en-US" sz="1700" dirty="0"/>
+              <a:t>The larger the degree, the more parameters are added.</a:t>
+            </a:r>
+          </a:p>
+          <a:p>
             <a:pPr>
               <a:lnSpc>
                 <a:spcPct val="110000"/>
@@ -5955,17 +5972,6 @@
             <a:r>
               <a:rPr lang="en-US" sz="1900" dirty="0"/>
               <a:t>More parameters -&gt; more learning -&gt; more complex.</a:t>
-            </a:r>
-          </a:p>
-          <a:p>
-            <a:pPr>
-              <a:lnSpc>
-                <a:spcPct val="110000"/>
-              </a:lnSpc>
-            </a:pPr>
-            <a:r>
-              <a:rPr lang="en-US" sz="1900" dirty="0"/>
-              <a:t>The basis function ‘captures’ the pattern. </a:t>
             </a:r>
           </a:p>
         </p:txBody>
@@ -6468,7 +6474,7 @@
             <a:pPr lvl="1"/>
             <a:r>
               <a:rPr lang="en-US" dirty="0"/>
-              <a:t>This was more important pre fast computers and other models. </a:t>
+              <a:t>This was more critical pre fast computers and other models. </a:t>
             </a:r>
           </a:p>
           <a:p>
@@ -6737,7 +6743,9 @@
           </a:xfrm>
         </p:spPr>
         <p:txBody>
-          <a:bodyPr/>
+          <a:bodyPr>
+            <a:normAutofit/>
+          </a:bodyPr>
           <a:lstStyle/>
           <a:p>
             <a:r>
@@ -6754,7 +6762,7 @@
           <a:p>
             <a:r>
               <a:rPr lang="en-US" dirty="0"/>
-              <a:t>Might not be easy to eyeball fit as we can here – need to test (SVM).</a:t>
+              <a:t>Might not be easy to eyeball fit as we can here – need to test (in SVM…).</a:t>
             </a:r>
           </a:p>
           <a:p>
@@ -6775,6 +6783,13 @@
             <a:r>
               <a:rPr lang="en-US" dirty="0"/>
               <a:t>Basis ‘captures’ this pattern in model.</a:t>
+            </a:r>
+          </a:p>
+          <a:p>
+            <a:pPr lvl="1"/>
+            <a:r>
+              <a:rPr lang="en-US" dirty="0"/>
+              <a:t>Still have error, but not systemic error</a:t>
             </a:r>
           </a:p>
         </p:txBody>
@@ -8120,6 +8135,12 @@
               <a:t>Complex models have high variance. (Large trees)</a:t>
             </a:r>
           </a:p>
+          <a:p>
+            <a:r>
+              <a:rPr lang="en-US" dirty="0"/>
+              <a:t>Polynomial basis allows us to make a linear model capable of overfitting more – normally it’d have bias error from lack of learning.</a:t>
+            </a:r>
+          </a:p>
         </p:txBody>
       </p:sp>
       <p:pic>
@@ -8203,7 +8224,7 @@
           <p:cNvPr id="2" name="Title 1">
             <a:extLst>
               <a:ext uri="{FF2B5EF4-FFF2-40B4-BE49-F238E27FC236}">
-                <a16:creationId xmlns:a16="http://schemas.microsoft.com/office/drawing/2014/main" id="{044B3C14-0A48-E34F-AB78-E75B9592D8AA}"/>
+                <a16:creationId xmlns:a16="http://schemas.microsoft.com/office/drawing/2014/main" id="{EB4973C6-4158-D3F5-67E8-D85E7CE8762E}"/>
               </a:ext>
             </a:extLst>
           </p:cNvPr>
@@ -8221,7 +8242,7 @@
           <a:p>
             <a:r>
               <a:rPr lang="en-US" dirty="0"/>
-              <a:t>Bias Variance Tradeoff</a:t>
+              <a:t>Getting the balance</a:t>
             </a:r>
           </a:p>
         </p:txBody>
@@ -8231,7 +8252,7 @@
           <p:cNvPr id="3" name="Content Placeholder 2">
             <a:extLst>
               <a:ext uri="{FF2B5EF4-FFF2-40B4-BE49-F238E27FC236}">
-                <a16:creationId xmlns:a16="http://schemas.microsoft.com/office/drawing/2014/main" id="{BE60FE15-B605-AC42-93FE-B5C6E3844D6A}"/>
+                <a16:creationId xmlns:a16="http://schemas.microsoft.com/office/drawing/2014/main" id="{AC0A302A-8D57-3BF1-4149-C1A303A75520}"/>
               </a:ext>
             </a:extLst>
           </p:cNvPr>
@@ -8242,21 +8263,63 @@
             <p:ph idx="1"/>
           </p:nvPr>
         </p:nvSpPr>
-        <p:spPr/>
+        <p:spPr>
+          <a:xfrm>
+            <a:off x="5237205" y="1853754"/>
+            <a:ext cx="6954795" cy="4199727"/>
+          </a:xfrm>
+        </p:spPr>
         <p:txBody>
           <a:bodyPr/>
           <a:lstStyle/>
           <a:p>
-            <a:endParaRPr lang="en-US"/>
+            <a:r>
+              <a:rPr lang="en-US" dirty="0"/>
+              <a:t>We need a model that is large enough to learn the patterns in the data. </a:t>
+            </a:r>
+          </a:p>
+          <a:p>
+            <a:pPr lvl="1"/>
+            <a:r>
+              <a:rPr lang="en-US" dirty="0"/>
+              <a:t>Not enough parameters, the model can’t capture patterns. </a:t>
+            </a:r>
+          </a:p>
+          <a:p>
+            <a:pPr lvl="1"/>
+            <a:r>
+              <a:rPr lang="en-US" dirty="0"/>
+              <a:t>Too many parameters, likely to overfit the data. </a:t>
+            </a:r>
+          </a:p>
+          <a:p>
+            <a:r>
+              <a:rPr lang="en-US" dirty="0"/>
+              <a:t>I use these explanations to keep it straight:</a:t>
+            </a:r>
+          </a:p>
+          <a:p>
+            <a:pPr lvl="1"/>
+            <a:r>
+              <a:rPr lang="en-US" dirty="0"/>
+              <a:t>Bias – the model is too biased towards its preconceptions, so it doesn’t learn from data. (Reacts too little to training data). </a:t>
+            </a:r>
+          </a:p>
+          <a:p>
+            <a:pPr lvl="1"/>
+            <a:r>
+              <a:rPr lang="en-US" dirty="0"/>
+              <a:t>Variance – the model is too reactive to the data it sees, so its answers vary too much towards the training data. (Reacts too much to training data). </a:t>
+            </a:r>
           </a:p>
         </p:txBody>
       </p:sp>
       <p:pic>
         <p:nvPicPr>
-          <p:cNvPr id="4098" name="Picture 2" descr="Bias-Variance Tradeoff in Machine Learning">
-            <a:extLst>
-              <a:ext uri="{FF2B5EF4-FFF2-40B4-BE49-F238E27FC236}">
-                <a16:creationId xmlns:a16="http://schemas.microsoft.com/office/drawing/2014/main" id="{F47D1370-D60E-E143-A3F6-B04390585842}"/>
+          <p:cNvPr id="19458" name="Picture 2" descr="Combinations-of-Bias-Variance-(1">
+            <a:extLst>
+              <a:ext uri="{FF2B5EF4-FFF2-40B4-BE49-F238E27FC236}">
+                <a16:creationId xmlns:a16="http://schemas.microsoft.com/office/drawing/2014/main" id="{52BEE946-74CE-A59A-DC8C-6A19A7EEDD25}"/>
               </a:ext>
             </a:extLst>
           </p:cNvPr>
@@ -8265,7 +8328,7 @@
           </p:cNvPicPr>
           <p:nvPr/>
         </p:nvPicPr>
-        <p:blipFill rotWithShape="1">
+        <p:blipFill>
           <a:blip r:embed="rId2">
             <a:extLst>
               <a:ext uri="{28A0092B-C50C-407E-A947-70E740481C1C}">
@@ -8273,13 +8336,15 @@
               </a:ext>
             </a:extLst>
           </a:blip>
-          <a:srcRect t="4147"/>
-          <a:stretch/>
+          <a:srcRect/>
+          <a:stretch>
+            <a:fillRect/>
+          </a:stretch>
         </p:blipFill>
         <p:spPr bwMode="auto">
           <a:xfrm>
-            <a:off x="2354316" y="1569308"/>
-            <a:ext cx="7797800" cy="5551028"/>
+            <a:off x="232959" y="1853754"/>
+            <a:ext cx="5004246" cy="5004246"/>
           </a:xfrm>
           <a:prstGeom prst="rect">
             <a:avLst/>
@@ -8299,7 +8364,7 @@
     </p:spTree>
     <p:extLst>
       <p:ext uri="{BB962C8B-B14F-4D97-AF65-F5344CB8AC3E}">
-        <p14:creationId xmlns:p14="http://schemas.microsoft.com/office/powerpoint/2010/main" val="870501339"/>
+        <p14:creationId xmlns:p14="http://schemas.microsoft.com/office/powerpoint/2010/main" val="3138599078"/>
       </p:ext>
     </p:extLst>
   </p:cSld>
@@ -8331,7 +8396,7 @@
           <p:cNvPr id="2" name="Title 1">
             <a:extLst>
               <a:ext uri="{FF2B5EF4-FFF2-40B4-BE49-F238E27FC236}">
-                <a16:creationId xmlns:a16="http://schemas.microsoft.com/office/drawing/2014/main" id="{619C92F5-D063-594F-BED8-C9F8E5523234}"/>
+                <a16:creationId xmlns:a16="http://schemas.microsoft.com/office/drawing/2014/main" id="{044B3C14-0A48-E34F-AB78-E75B9592D8AA}"/>
               </a:ext>
             </a:extLst>
           </p:cNvPr>
@@ -8349,7 +8414,7 @@
           <a:p>
             <a:r>
               <a:rPr lang="en-US" dirty="0"/>
-              <a:t>Finding the balance</a:t>
+              <a:t>Bias Variance Tradeoff</a:t>
             </a:r>
           </a:p>
         </p:txBody>
@@ -8359,7 +8424,7 @@
           <p:cNvPr id="3" name="Content Placeholder 2">
             <a:extLst>
               <a:ext uri="{FF2B5EF4-FFF2-40B4-BE49-F238E27FC236}">
-                <a16:creationId xmlns:a16="http://schemas.microsoft.com/office/drawing/2014/main" id="{9834105C-1D55-8846-B8C2-3478547EF8F1}"/>
+                <a16:creationId xmlns:a16="http://schemas.microsoft.com/office/drawing/2014/main" id="{BE60FE15-B605-AC42-93FE-B5C6E3844D6A}"/>
               </a:ext>
             </a:extLst>
           </p:cNvPr>
@@ -8370,82 +8435,64 @@
             <p:ph idx="1"/>
           </p:nvPr>
         </p:nvSpPr>
-        <p:spPr>
-          <a:xfrm>
-            <a:off x="1451579" y="1938130"/>
-            <a:ext cx="9603275" cy="4115351"/>
-          </a:xfrm>
-        </p:spPr>
-        <p:txBody>
-          <a:bodyPr>
-            <a:normAutofit fontScale="92500" lnSpcReduction="20000"/>
-          </a:bodyPr>
-          <a:lstStyle/>
-          <a:p>
-            <a:r>
-              <a:rPr lang="en-US" dirty="0"/>
-              <a:t>ML algorithms are generally “greedy” – they’ll try to get as accurate as possible. </a:t>
-            </a:r>
-          </a:p>
-          <a:p>
-            <a:pPr lvl="1"/>
-            <a:r>
-              <a:rPr lang="en-US" dirty="0"/>
-              <a:t>E.g. a tree, without any limits, will try to make a model that perfectly fits training data. </a:t>
-            </a:r>
-          </a:p>
-          <a:p>
-            <a:r>
-              <a:rPr lang="en-US" dirty="0"/>
-              <a:t>Our goal is a model that is both accurate and generalizable. </a:t>
-            </a:r>
-          </a:p>
-          <a:p>
-            <a:r>
-              <a:rPr lang="en-US" dirty="0"/>
-              <a:t>We want this accuracy, but limit it to try to achieve the sweet spot.</a:t>
-            </a:r>
-          </a:p>
-          <a:p>
-            <a:r>
-              <a:rPr lang="en-US" dirty="0"/>
-              <a:t>How?</a:t>
-            </a:r>
-          </a:p>
-          <a:p>
-            <a:pPr lvl="1"/>
-            <a:r>
-              <a:rPr lang="en-US" dirty="0"/>
-              <a:t>Cross validation. </a:t>
-            </a:r>
-          </a:p>
-          <a:p>
-            <a:pPr lvl="1"/>
-            <a:r>
-              <a:rPr lang="en-US" dirty="0"/>
-              <a:t>Hyperparameter values with grid searching. </a:t>
-            </a:r>
-          </a:p>
-          <a:p>
-            <a:pPr lvl="1"/>
-            <a:r>
-              <a:rPr lang="en-US" dirty="0"/>
-              <a:t>Early stopping (big in neural networks).</a:t>
-            </a:r>
-          </a:p>
-          <a:p>
-            <a:pPr lvl="1"/>
-            <a:r>
-              <a:rPr lang="en-US" sz="3500" b="1" dirty="0"/>
-              <a:t>Regularization. (E.g. tree pruning and regularization in linear regression)…</a:t>
-            </a:r>
-          </a:p>
-        </p:txBody>
-      </p:sp>
+        <p:spPr/>
+        <p:txBody>
+          <a:bodyPr/>
+          <a:lstStyle/>
+          <a:p>
+            <a:endParaRPr lang="en-US"/>
+          </a:p>
+        </p:txBody>
+      </p:sp>
+      <p:pic>
+        <p:nvPicPr>
+          <p:cNvPr id="4098" name="Picture 2" descr="Bias-Variance Tradeoff in Machine Learning">
+            <a:extLst>
+              <a:ext uri="{FF2B5EF4-FFF2-40B4-BE49-F238E27FC236}">
+                <a16:creationId xmlns:a16="http://schemas.microsoft.com/office/drawing/2014/main" id="{F47D1370-D60E-E143-A3F6-B04390585842}"/>
+              </a:ext>
+            </a:extLst>
+          </p:cNvPr>
+          <p:cNvPicPr>
+            <a:picLocks noChangeAspect="1" noChangeArrowheads="1"/>
+          </p:cNvPicPr>
+          <p:nvPr/>
+        </p:nvPicPr>
+        <p:blipFill rotWithShape="1">
+          <a:blip r:embed="rId2">
+            <a:extLst>
+              <a:ext uri="{28A0092B-C50C-407E-A947-70E740481C1C}">
+                <a14:useLocalDpi xmlns:a14="http://schemas.microsoft.com/office/drawing/2010/main" val="0"/>
+              </a:ext>
+            </a:extLst>
+          </a:blip>
+          <a:srcRect t="4147"/>
+          <a:stretch/>
+        </p:blipFill>
+        <p:spPr bwMode="auto">
+          <a:xfrm>
+            <a:off x="2354316" y="1569308"/>
+            <a:ext cx="7797800" cy="5551028"/>
+          </a:xfrm>
+          <a:prstGeom prst="rect">
+            <a:avLst/>
+          </a:prstGeom>
+          <a:noFill/>
+          <a:extLst>
+            <a:ext uri="{909E8E84-426E-40DD-AFC4-6F175D3DCCD1}">
+              <a14:hiddenFill xmlns:a14="http://schemas.microsoft.com/office/drawing/2010/main">
+                <a:solidFill>
+                  <a:srgbClr val="FFFFFF"/>
+                </a:solidFill>
+              </a14:hiddenFill>
+            </a:ext>
+          </a:extLst>
+        </p:spPr>
+      </p:pic>
     </p:spTree>
     <p:extLst>
       <p:ext uri="{BB962C8B-B14F-4D97-AF65-F5344CB8AC3E}">
-        <p14:creationId xmlns:p14="http://schemas.microsoft.com/office/powerpoint/2010/main" val="3087082306"/>
+        <p14:creationId xmlns:p14="http://schemas.microsoft.com/office/powerpoint/2010/main" val="870501339"/>
       </p:ext>
     </p:extLst>
   </p:cSld>
@@ -8477,7 +8524,7 @@
           <p:cNvPr id="2" name="Title 1">
             <a:extLst>
               <a:ext uri="{FF2B5EF4-FFF2-40B4-BE49-F238E27FC236}">
-                <a16:creationId xmlns:a16="http://schemas.microsoft.com/office/drawing/2014/main" id="{6BE05F88-1549-33BA-CC96-A487DA773841}"/>
+                <a16:creationId xmlns:a16="http://schemas.microsoft.com/office/drawing/2014/main" id="{619C92F5-D063-594F-BED8-C9F8E5523234}"/>
               </a:ext>
             </a:extLst>
           </p:cNvPr>
@@ -8495,7 +8542,7 @@
           <a:p>
             <a:r>
               <a:rPr lang="en-US" dirty="0"/>
-              <a:t>Regularization</a:t>
+              <a:t>Finding the balance</a:t>
             </a:r>
           </a:p>
         </p:txBody>
@@ -8505,7 +8552,7 @@
           <p:cNvPr id="3" name="Content Placeholder 2">
             <a:extLst>
               <a:ext uri="{FF2B5EF4-FFF2-40B4-BE49-F238E27FC236}">
-                <a16:creationId xmlns:a16="http://schemas.microsoft.com/office/drawing/2014/main" id="{B0F5B101-1F57-1A7E-8CD3-99C62AFC5961}"/>
+                <a16:creationId xmlns:a16="http://schemas.microsoft.com/office/drawing/2014/main" id="{9834105C-1D55-8846-B8C2-3478547EF8F1}"/>
               </a:ext>
             </a:extLst>
           </p:cNvPr>
@@ -8516,66 +8563,82 @@
             <p:ph idx="1"/>
           </p:nvPr>
         </p:nvSpPr>
-        <p:spPr/>
-        <p:txBody>
-          <a:bodyPr/>
-          <a:lstStyle/>
-          <a:p>
-            <a:endParaRPr lang="en-US"/>
-          </a:p>
-        </p:txBody>
-      </p:sp>
-      <p:pic>
-        <p:nvPicPr>
-          <p:cNvPr id="4098" name="Picture 2" descr="Metamucil Sugar Free Psyllium Fiber Powder, Orange, 36.8 oz. | Rite Aid">
-            <a:extLst>
-              <a:ext uri="{FF2B5EF4-FFF2-40B4-BE49-F238E27FC236}">
-                <a16:creationId xmlns:a16="http://schemas.microsoft.com/office/drawing/2014/main" id="{C68713DC-9F05-AA5F-D978-7E615EEEA681}"/>
-              </a:ext>
-            </a:extLst>
-          </p:cNvPr>
-          <p:cNvPicPr>
-            <a:picLocks noChangeAspect="1" noChangeArrowheads="1"/>
-          </p:cNvPicPr>
-          <p:nvPr/>
-        </p:nvPicPr>
-        <p:blipFill>
-          <a:blip r:embed="rId2">
-            <a:extLst>
-              <a:ext uri="{28A0092B-C50C-407E-A947-70E740481C1C}">
-                <a14:useLocalDpi xmlns:a14="http://schemas.microsoft.com/office/drawing/2010/main" val="0"/>
-              </a:ext>
-            </a:extLst>
-          </a:blip>
-          <a:srcRect/>
-          <a:stretch>
-            <a:fillRect/>
-          </a:stretch>
-        </p:blipFill>
-        <p:spPr bwMode="auto">
-          <a:xfrm>
-            <a:off x="4570466" y="2262823"/>
-            <a:ext cx="3365500" cy="3365500"/>
-          </a:xfrm>
-          <a:prstGeom prst="rect">
-            <a:avLst/>
-          </a:prstGeom>
-          <a:noFill/>
-          <a:extLst>
-            <a:ext uri="{909E8E84-426E-40DD-AFC4-6F175D3DCCD1}">
-              <a14:hiddenFill xmlns:a14="http://schemas.microsoft.com/office/drawing/2010/main">
-                <a:solidFill>
-                  <a:srgbClr val="FFFFFF"/>
-                </a:solidFill>
-              </a14:hiddenFill>
-            </a:ext>
-          </a:extLst>
-        </p:spPr>
-      </p:pic>
+        <p:spPr>
+          <a:xfrm>
+            <a:off x="1451579" y="1938130"/>
+            <a:ext cx="9603275" cy="4115351"/>
+          </a:xfrm>
+        </p:spPr>
+        <p:txBody>
+          <a:bodyPr>
+            <a:normAutofit fontScale="92500" lnSpcReduction="20000"/>
+          </a:bodyPr>
+          <a:lstStyle/>
+          <a:p>
+            <a:r>
+              <a:rPr lang="en-US" dirty="0"/>
+              <a:t>ML algorithms are generally “greedy” – they’ll try to get as accurate as possible. </a:t>
+            </a:r>
+          </a:p>
+          <a:p>
+            <a:pPr lvl="1"/>
+            <a:r>
+              <a:rPr lang="en-US" dirty="0"/>
+              <a:t>E.g. a tree, without any limits, will try to make a model that perfectly fits training data. </a:t>
+            </a:r>
+          </a:p>
+          <a:p>
+            <a:r>
+              <a:rPr lang="en-US" dirty="0"/>
+              <a:t>Our goal is a model that is both accurate and generalizable. </a:t>
+            </a:r>
+          </a:p>
+          <a:p>
+            <a:r>
+              <a:rPr lang="en-US" dirty="0"/>
+              <a:t>We want this accuracy, but limit it to try to achieve the sweet spot.</a:t>
+            </a:r>
+          </a:p>
+          <a:p>
+            <a:r>
+              <a:rPr lang="en-US" dirty="0"/>
+              <a:t>How?</a:t>
+            </a:r>
+          </a:p>
+          <a:p>
+            <a:pPr lvl="1"/>
+            <a:r>
+              <a:rPr lang="en-US" dirty="0"/>
+              <a:t>Cross validation. </a:t>
+            </a:r>
+          </a:p>
+          <a:p>
+            <a:pPr lvl="1"/>
+            <a:r>
+              <a:rPr lang="en-US" dirty="0"/>
+              <a:t>Hyperparameter values with grid searching. </a:t>
+            </a:r>
+          </a:p>
+          <a:p>
+            <a:pPr lvl="1"/>
+            <a:r>
+              <a:rPr lang="en-US" dirty="0"/>
+              <a:t>Early stopping (big in neural networks).</a:t>
+            </a:r>
+          </a:p>
+          <a:p>
+            <a:pPr lvl="1"/>
+            <a:r>
+              <a:rPr lang="en-US" sz="3500" b="1" dirty="0"/>
+              <a:t>Regularization. (E.g. tree pruning and regularization in linear regression)…</a:t>
+            </a:r>
+          </a:p>
+        </p:txBody>
+      </p:sp>
     </p:spTree>
     <p:extLst>
       <p:ext uri="{BB962C8B-B14F-4D97-AF65-F5344CB8AC3E}">
-        <p14:creationId xmlns:p14="http://schemas.microsoft.com/office/powerpoint/2010/main" val="3600530791"/>
+        <p14:creationId xmlns:p14="http://schemas.microsoft.com/office/powerpoint/2010/main" val="3087082306"/>
       </p:ext>
     </p:extLst>
   </p:cSld>
@@ -8607,7 +8670,7 @@
           <p:cNvPr id="2" name="Title 1">
             <a:extLst>
               <a:ext uri="{FF2B5EF4-FFF2-40B4-BE49-F238E27FC236}">
-                <a16:creationId xmlns:a16="http://schemas.microsoft.com/office/drawing/2014/main" id="{3E33F207-3EBA-DF10-FB51-9255AD8A0FD0}"/>
+                <a16:creationId xmlns:a16="http://schemas.microsoft.com/office/drawing/2014/main" id="{6BE05F88-1549-33BA-CC96-A487DA773841}"/>
               </a:ext>
             </a:extLst>
           </p:cNvPr>
@@ -8625,7 +8688,7 @@
           <a:p>
             <a:r>
               <a:rPr lang="en-US" dirty="0"/>
-              <a:t>Tree Regularization - CCP Alpha Pruning</a:t>
+              <a:t>Regularization</a:t>
             </a:r>
           </a:p>
         </p:txBody>
@@ -8635,7 +8698,7 @@
           <p:cNvPr id="3" name="Content Placeholder 2">
             <a:extLst>
               <a:ext uri="{FF2B5EF4-FFF2-40B4-BE49-F238E27FC236}">
-                <a16:creationId xmlns:a16="http://schemas.microsoft.com/office/drawing/2014/main" id="{093DEA8B-A838-1ED1-32AF-84910C136C6B}"/>
+                <a16:creationId xmlns:a16="http://schemas.microsoft.com/office/drawing/2014/main" id="{B0F5B101-1F57-1A7E-8CD3-99C62AFC5961}"/>
               </a:ext>
             </a:extLst>
           </p:cNvPr>
@@ -8646,63 +8709,21 @@
             <p:ph idx="1"/>
           </p:nvPr>
         </p:nvSpPr>
-        <p:spPr>
-          <a:xfrm>
-            <a:off x="5066271" y="1853754"/>
-            <a:ext cx="6956854" cy="4199727"/>
-          </a:xfrm>
-        </p:spPr>
-        <p:txBody>
-          <a:bodyPr>
-            <a:normAutofit fontScale="92500"/>
-          </a:bodyPr>
-          <a:lstStyle/>
-          <a:p>
-            <a:r>
-              <a:rPr lang="en-US" sz="2400" dirty="0"/>
-              <a:t>We saw regularization with trees – CCP Alpha pruning. </a:t>
-            </a:r>
-          </a:p>
-          <a:p>
-            <a:r>
-              <a:rPr lang="en-US" sz="2400" dirty="0"/>
-              <a:t>This worked by adding a penalty to the calculation of if the tree should split a node. </a:t>
-            </a:r>
-          </a:p>
-          <a:p>
-            <a:pPr lvl="1"/>
-            <a:r>
-              <a:rPr lang="en-US" sz="2000" dirty="0"/>
-              <a:t>The “error” increases as the model grows. (The penalty part of the error). </a:t>
-            </a:r>
-          </a:p>
-          <a:p>
-            <a:pPr lvl="1"/>
-            <a:r>
-              <a:rPr lang="en-US" sz="2000" dirty="0"/>
-              <a:t>A tree is better by being smaller, or more accurate. </a:t>
-            </a:r>
-          </a:p>
-          <a:p>
-            <a:r>
-              <a:rPr lang="en-US" sz="2200" dirty="0"/>
-              <a:t>Any growth must be ‘justified’ by overcoming the penalty for making the model larger. </a:t>
-            </a:r>
-          </a:p>
-          <a:p>
-            <a:r>
-              <a:rPr lang="en-US" sz="2200" dirty="0"/>
-              <a:t>The tree wants to grow, regularization constrains that growth.</a:t>
-            </a:r>
+        <p:spPr/>
+        <p:txBody>
+          <a:bodyPr/>
+          <a:lstStyle/>
+          <a:p>
+            <a:endParaRPr lang="en-US"/>
           </a:p>
         </p:txBody>
       </p:sp>
       <p:pic>
         <p:nvPicPr>
-          <p:cNvPr id="5122" name="Picture 2" descr="Understanding Decision Trees and Cost Complexity Pruning | by Sumiran |  Medium">
-            <a:extLst>
-              <a:ext uri="{FF2B5EF4-FFF2-40B4-BE49-F238E27FC236}">
-                <a16:creationId xmlns:a16="http://schemas.microsoft.com/office/drawing/2014/main" id="{4296D870-A564-DE30-8E59-1CDFAAB10183}"/>
+          <p:cNvPr id="4098" name="Picture 2" descr="Metamucil Sugar Free Psyllium Fiber Powder, Orange, 36.8 oz. | Rite Aid">
+            <a:extLst>
+              <a:ext uri="{FF2B5EF4-FFF2-40B4-BE49-F238E27FC236}">
+                <a16:creationId xmlns:a16="http://schemas.microsoft.com/office/drawing/2014/main" id="{C68713DC-9F05-AA5F-D978-7E615EEEA681}"/>
               </a:ext>
             </a:extLst>
           </p:cNvPr>
@@ -8726,8 +8747,8 @@
         </p:blipFill>
         <p:spPr bwMode="auto">
           <a:xfrm>
-            <a:off x="112587" y="2286240"/>
-            <a:ext cx="4953683" cy="2384537"/>
+            <a:off x="3955627" y="2015732"/>
+            <a:ext cx="4595177" cy="4595177"/>
           </a:xfrm>
           <a:prstGeom prst="rect">
             <a:avLst/>
@@ -8747,7 +8768,7 @@
     </p:spTree>
     <p:extLst>
       <p:ext uri="{BB962C8B-B14F-4D97-AF65-F5344CB8AC3E}">
-        <p14:creationId xmlns:p14="http://schemas.microsoft.com/office/powerpoint/2010/main" val="1097993042"/>
+        <p14:creationId xmlns:p14="http://schemas.microsoft.com/office/powerpoint/2010/main" val="3600530791"/>
       </p:ext>
     </p:extLst>
   </p:cSld>
@@ -8779,7 +8800,7 @@
           <p:cNvPr id="2" name="Title 1">
             <a:extLst>
               <a:ext uri="{FF2B5EF4-FFF2-40B4-BE49-F238E27FC236}">
-                <a16:creationId xmlns:a16="http://schemas.microsoft.com/office/drawing/2014/main" id="{66042784-5EB5-CB47-AFD4-16602CE0D9F8}"/>
+                <a16:creationId xmlns:a16="http://schemas.microsoft.com/office/drawing/2014/main" id="{3E33F207-3EBA-DF10-FB51-9255AD8A0FD0}"/>
               </a:ext>
             </a:extLst>
           </p:cNvPr>
@@ -8797,7 +8818,7 @@
           <a:p>
             <a:r>
               <a:rPr lang="en-US" dirty="0"/>
-              <a:t>Recall - Regression Coefficients</a:t>
+              <a:t>Tree Regularization - CCP Alpha Pruning</a:t>
             </a:r>
           </a:p>
         </p:txBody>
@@ -8807,7 +8828,7 @@
           <p:cNvPr id="3" name="Content Placeholder 2">
             <a:extLst>
               <a:ext uri="{FF2B5EF4-FFF2-40B4-BE49-F238E27FC236}">
-                <a16:creationId xmlns:a16="http://schemas.microsoft.com/office/drawing/2014/main" id="{7B39445E-A84C-BA43-9326-CF3597F5158B}"/>
+                <a16:creationId xmlns:a16="http://schemas.microsoft.com/office/drawing/2014/main" id="{093DEA8B-A838-1ED1-32AF-84910C136C6B}"/>
               </a:ext>
             </a:extLst>
           </p:cNvPr>
@@ -8820,65 +8841,106 @@
         </p:nvSpPr>
         <p:spPr>
           <a:xfrm>
-            <a:off x="1451579" y="2015732"/>
-            <a:ext cx="9603275" cy="3957685"/>
-          </a:xfrm>
-        </p:spPr>
-        <p:txBody>
-          <a:bodyPr/>
-          <a:lstStyle/>
-          <a:p>
-            <a:r>
-              <a:rPr lang="en-US" dirty="0"/>
-              <a:t>The regression process, closed form or gradient descent, finds coefficients. </a:t>
-            </a:r>
-          </a:p>
-          <a:p>
-            <a:pPr lvl="1"/>
-            <a:r>
-              <a:rPr lang="en-US" dirty="0"/>
-              <a:t>E.g. y = m1*x1 + m2*x2 +…. B</a:t>
-            </a:r>
-          </a:p>
-          <a:p>
-            <a:pPr lvl="1"/>
-            <a:r>
-              <a:rPr lang="en-US" dirty="0"/>
-              <a:t>The process determines those m values, and the b. </a:t>
-            </a:r>
-          </a:p>
-          <a:p>
-            <a:r>
-              <a:rPr lang="en-US" dirty="0"/>
-              <a:t>The larger a coefficient is, the more impact that term has in the prediction. </a:t>
-            </a:r>
-          </a:p>
-          <a:p>
-            <a:r>
-              <a:rPr lang="en-US" dirty="0"/>
-              <a:t>The algorithm finds these coefficients by determining what set of them minimizes the squared residuals. </a:t>
-            </a:r>
-          </a:p>
-          <a:p>
-            <a:pPr lvl="1"/>
-            <a:r>
-              <a:rPr lang="en-US" dirty="0"/>
-              <a:t>Our new friend the cost function!</a:t>
-            </a:r>
-          </a:p>
-          <a:p>
-            <a:pPr lvl="1"/>
-            <a:r>
-              <a:rPr lang="en-US" dirty="0"/>
-              <a:t>Gradient descent looks for the best set of coefficients it can find. </a:t>
-            </a:r>
-          </a:p>
-        </p:txBody>
-      </p:sp>
+            <a:off x="5066271" y="1853754"/>
+            <a:ext cx="6956854" cy="4199727"/>
+          </a:xfrm>
+        </p:spPr>
+        <p:txBody>
+          <a:bodyPr>
+            <a:normAutofit fontScale="92500"/>
+          </a:bodyPr>
+          <a:lstStyle/>
+          <a:p>
+            <a:r>
+              <a:rPr lang="en-US" sz="2400" dirty="0"/>
+              <a:t>We saw regularization with trees – CCP Alpha pruning. </a:t>
+            </a:r>
+          </a:p>
+          <a:p>
+            <a:r>
+              <a:rPr lang="en-US" sz="2400" dirty="0"/>
+              <a:t>This worked by adding a penalty to the calculation of if the tree should split a node. </a:t>
+            </a:r>
+          </a:p>
+          <a:p>
+            <a:pPr lvl="1"/>
+            <a:r>
+              <a:rPr lang="en-US" sz="2000" dirty="0"/>
+              <a:t>The “error” increases as the model grows. (The penalty part of the error). </a:t>
+            </a:r>
+          </a:p>
+          <a:p>
+            <a:pPr lvl="1"/>
+            <a:r>
+              <a:rPr lang="en-US" sz="2000" dirty="0"/>
+              <a:t>A tree is better by being smaller, or more accurate. </a:t>
+            </a:r>
+          </a:p>
+          <a:p>
+            <a:r>
+              <a:rPr lang="en-US" sz="2200" dirty="0"/>
+              <a:t>Any growth must be ‘justified’ by overcoming the penalty for making the model larger. </a:t>
+            </a:r>
+          </a:p>
+          <a:p>
+            <a:r>
+              <a:rPr lang="en-US" sz="2200" dirty="0"/>
+              <a:t>The tree wants to grow, regularization constrains that growth.</a:t>
+            </a:r>
+          </a:p>
+        </p:txBody>
+      </p:sp>
+      <p:pic>
+        <p:nvPicPr>
+          <p:cNvPr id="5122" name="Picture 2" descr="Understanding Decision Trees and Cost Complexity Pruning | by Sumiran |  Medium">
+            <a:extLst>
+              <a:ext uri="{FF2B5EF4-FFF2-40B4-BE49-F238E27FC236}">
+                <a16:creationId xmlns:a16="http://schemas.microsoft.com/office/drawing/2014/main" id="{4296D870-A564-DE30-8E59-1CDFAAB10183}"/>
+              </a:ext>
+            </a:extLst>
+          </p:cNvPr>
+          <p:cNvPicPr>
+            <a:picLocks noChangeAspect="1" noChangeArrowheads="1"/>
+          </p:cNvPicPr>
+          <p:nvPr/>
+        </p:nvPicPr>
+        <p:blipFill>
+          <a:blip r:embed="rId2">
+            <a:extLst>
+              <a:ext uri="{28A0092B-C50C-407E-A947-70E740481C1C}">
+                <a14:useLocalDpi xmlns:a14="http://schemas.microsoft.com/office/drawing/2010/main" val="0"/>
+              </a:ext>
+            </a:extLst>
+          </a:blip>
+          <a:srcRect/>
+          <a:stretch>
+            <a:fillRect/>
+          </a:stretch>
+        </p:blipFill>
+        <p:spPr bwMode="auto">
+          <a:xfrm>
+            <a:off x="112587" y="2286240"/>
+            <a:ext cx="4953683" cy="2384537"/>
+          </a:xfrm>
+          <a:prstGeom prst="rect">
+            <a:avLst/>
+          </a:prstGeom>
+          <a:noFill/>
+          <a:extLst>
+            <a:ext uri="{909E8E84-426E-40DD-AFC4-6F175D3DCCD1}">
+              <a14:hiddenFill xmlns:a14="http://schemas.microsoft.com/office/drawing/2010/main">
+                <a:solidFill>
+                  <a:srgbClr val="FFFFFF"/>
+                </a:solidFill>
+              </a14:hiddenFill>
+            </a:ext>
+          </a:extLst>
+        </p:spPr>
+      </p:pic>
     </p:spTree>
     <p:extLst>
       <p:ext uri="{BB962C8B-B14F-4D97-AF65-F5344CB8AC3E}">
-        <p14:creationId xmlns:p14="http://schemas.microsoft.com/office/powerpoint/2010/main" val="1375418648"/>
+        <p14:creationId xmlns:p14="http://schemas.microsoft.com/office/powerpoint/2010/main" val="1097993042"/>
       </p:ext>
     </p:extLst>
   </p:cSld>
@@ -8910,6 +8972,143 @@
           <p:cNvPr id="2" name="Title 1">
             <a:extLst>
               <a:ext uri="{FF2B5EF4-FFF2-40B4-BE49-F238E27FC236}">
+                <a16:creationId xmlns:a16="http://schemas.microsoft.com/office/drawing/2014/main" id="{66042784-5EB5-CB47-AFD4-16602CE0D9F8}"/>
+              </a:ext>
+            </a:extLst>
+          </p:cNvPr>
+          <p:cNvSpPr>
+            <a:spLocks noGrp="1"/>
+          </p:cNvSpPr>
+          <p:nvPr>
+            <p:ph type="title"/>
+          </p:nvPr>
+        </p:nvSpPr>
+        <p:spPr/>
+        <p:txBody>
+          <a:bodyPr/>
+          <a:lstStyle/>
+          <a:p>
+            <a:r>
+              <a:rPr lang="en-US" dirty="0"/>
+              <a:t>Recall - Regression Coefficients</a:t>
+            </a:r>
+          </a:p>
+        </p:txBody>
+      </p:sp>
+      <p:sp>
+        <p:nvSpPr>
+          <p:cNvPr id="3" name="Content Placeholder 2">
+            <a:extLst>
+              <a:ext uri="{FF2B5EF4-FFF2-40B4-BE49-F238E27FC236}">
+                <a16:creationId xmlns:a16="http://schemas.microsoft.com/office/drawing/2014/main" id="{7B39445E-A84C-BA43-9326-CF3597F5158B}"/>
+              </a:ext>
+            </a:extLst>
+          </p:cNvPr>
+          <p:cNvSpPr>
+            <a:spLocks noGrp="1"/>
+          </p:cNvSpPr>
+          <p:nvPr>
+            <p:ph idx="1"/>
+          </p:nvPr>
+        </p:nvSpPr>
+        <p:spPr>
+          <a:xfrm>
+            <a:off x="1451579" y="1853754"/>
+            <a:ext cx="9603275" cy="4199727"/>
+          </a:xfrm>
+        </p:spPr>
+        <p:txBody>
+          <a:bodyPr/>
+          <a:lstStyle/>
+          <a:p>
+            <a:r>
+              <a:rPr lang="en-US" dirty="0"/>
+              <a:t>The regression process, closed form or gradient descent, finds coefficients. </a:t>
+            </a:r>
+          </a:p>
+          <a:p>
+            <a:pPr lvl="1"/>
+            <a:r>
+              <a:rPr lang="en-US" dirty="0"/>
+              <a:t>E.g. y = m1*x1 + m2*x2 +…. B</a:t>
+            </a:r>
+          </a:p>
+          <a:p>
+            <a:pPr lvl="1"/>
+            <a:r>
+              <a:rPr lang="en-US" dirty="0"/>
+              <a:t>The process determines those m values, and the b. </a:t>
+            </a:r>
+          </a:p>
+          <a:p>
+            <a:r>
+              <a:rPr lang="en-US" dirty="0"/>
+              <a:t>The larger a coefficient is, the more impact that term has in the prediction. </a:t>
+            </a:r>
+          </a:p>
+          <a:p>
+            <a:r>
+              <a:rPr lang="en-US" dirty="0"/>
+              <a:t>The algorithm finds these coefficients by determining what set of them minimizes the squared residuals. </a:t>
+            </a:r>
+          </a:p>
+          <a:p>
+            <a:pPr lvl="1"/>
+            <a:r>
+              <a:rPr lang="en-US" dirty="0"/>
+              <a:t>Our new friend the cost function!</a:t>
+            </a:r>
+          </a:p>
+          <a:p>
+            <a:pPr lvl="1"/>
+            <a:r>
+              <a:rPr lang="en-US" dirty="0"/>
+              <a:t>Gradient descent looks for the best set of coefficients it can find. </a:t>
+            </a:r>
+          </a:p>
+          <a:p>
+            <a:r>
+              <a:rPr lang="en-US" dirty="0"/>
+              <a:t>The coefficients are the parameters – the thing that changes to ‘hold’ the learning. </a:t>
+            </a:r>
+          </a:p>
+        </p:txBody>
+      </p:sp>
+    </p:spTree>
+    <p:extLst>
+      <p:ext uri="{BB962C8B-B14F-4D97-AF65-F5344CB8AC3E}">
+        <p14:creationId xmlns:p14="http://schemas.microsoft.com/office/powerpoint/2010/main" val="1375418648"/>
+      </p:ext>
+    </p:extLst>
+  </p:cSld>
+  <p:clrMapOvr>
+    <a:masterClrMapping/>
+  </p:clrMapOvr>
+</p:sld>
+</file>
+
+<file path=ppt/slides/slide39.xml><?xml version="1.0" encoding="utf-8"?>
+<p:sld xmlns:a="http://schemas.openxmlformats.org/drawingml/2006/main" xmlns:r="http://schemas.openxmlformats.org/officeDocument/2006/relationships" xmlns:p="http://schemas.openxmlformats.org/presentationml/2006/main">
+  <p:cSld>
+    <p:spTree>
+      <p:nvGrpSpPr>
+        <p:cNvPr id="1" name=""/>
+        <p:cNvGrpSpPr/>
+        <p:nvPr/>
+      </p:nvGrpSpPr>
+      <p:grpSpPr>
+        <a:xfrm>
+          <a:off x="0" y="0"/>
+          <a:ext cx="0" cy="0"/>
+          <a:chOff x="0" y="0"/>
+          <a:chExt cx="0" cy="0"/>
+        </a:xfrm>
+      </p:grpSpPr>
+      <p:sp>
+        <p:nvSpPr>
+          <p:cNvPr id="2" name="Title 1">
+            <a:extLst>
+              <a:ext uri="{FF2B5EF4-FFF2-40B4-BE49-F238E27FC236}">
                 <a16:creationId xmlns:a16="http://schemas.microsoft.com/office/drawing/2014/main" id="{9B4F2059-D369-7142-9F54-290684D5010A}"/>
               </a:ext>
             </a:extLst>
@@ -9036,7 +9235,153 @@
 </p:sld>
 </file>
 
-<file path=ppt/slides/slide39.xml><?xml version="1.0" encoding="utf-8"?>
+<file path=ppt/slides/slide4.xml><?xml version="1.0" encoding="utf-8"?>
+<p:sld xmlns:a="http://schemas.openxmlformats.org/drawingml/2006/main" xmlns:r="http://schemas.openxmlformats.org/officeDocument/2006/relationships" xmlns:p="http://schemas.openxmlformats.org/presentationml/2006/main" show="0">
+  <p:cSld>
+    <p:spTree>
+      <p:nvGrpSpPr>
+        <p:cNvPr id="1" name=""/>
+        <p:cNvGrpSpPr/>
+        <p:nvPr/>
+      </p:nvGrpSpPr>
+      <p:grpSpPr>
+        <a:xfrm>
+          <a:off x="0" y="0"/>
+          <a:ext cx="0" cy="0"/>
+          <a:chOff x="0" y="0"/>
+          <a:chExt cx="0" cy="0"/>
+        </a:xfrm>
+      </p:grpSpPr>
+      <p:sp>
+        <p:nvSpPr>
+          <p:cNvPr id="2" name="Title 1">
+            <a:extLst>
+              <a:ext uri="{FF2B5EF4-FFF2-40B4-BE49-F238E27FC236}">
+                <a16:creationId xmlns:a16="http://schemas.microsoft.com/office/drawing/2014/main" id="{0F585C85-34A0-EC37-E779-D5A783D5488A}"/>
+              </a:ext>
+            </a:extLst>
+          </p:cNvPr>
+          <p:cNvSpPr>
+            <a:spLocks noGrp="1"/>
+          </p:cNvSpPr>
+          <p:nvPr>
+            <p:ph type="title"/>
+          </p:nvPr>
+        </p:nvSpPr>
+        <p:spPr/>
+        <p:txBody>
+          <a:bodyPr/>
+          <a:lstStyle/>
+          <a:p>
+            <a:r>
+              <a:rPr lang="en-US" dirty="0"/>
+              <a:t>Missing Completely at Random</a:t>
+            </a:r>
+          </a:p>
+        </p:txBody>
+      </p:sp>
+      <p:sp>
+        <p:nvSpPr>
+          <p:cNvPr id="3" name="Content Placeholder 2">
+            <a:extLst>
+              <a:ext uri="{FF2B5EF4-FFF2-40B4-BE49-F238E27FC236}">
+                <a16:creationId xmlns:a16="http://schemas.microsoft.com/office/drawing/2014/main" id="{FBDCBE3B-A7C9-1071-294F-584E717589F5}"/>
+              </a:ext>
+            </a:extLst>
+          </p:cNvPr>
+          <p:cNvSpPr>
+            <a:spLocks noGrp="1"/>
+          </p:cNvSpPr>
+          <p:nvPr>
+            <p:ph idx="1"/>
+          </p:nvPr>
+        </p:nvSpPr>
+        <p:spPr>
+          <a:xfrm>
+            <a:off x="1222513" y="1853754"/>
+            <a:ext cx="10058400" cy="4199727"/>
+          </a:xfrm>
+        </p:spPr>
+        <p:txBody>
+          <a:bodyPr>
+            <a:normAutofit lnSpcReduction="10000"/>
+          </a:bodyPr>
+          <a:lstStyle/>
+          <a:p>
+            <a:r>
+              <a:rPr lang="en-US" dirty="0"/>
+              <a:t>This is the simplest – an assumption that missing data is randomly distributed. </a:t>
+            </a:r>
+          </a:p>
+          <a:p>
+            <a:r>
+              <a:rPr lang="en-US" dirty="0"/>
+              <a:t>There is no connection between the values in data and if it is missing. </a:t>
+            </a:r>
+          </a:p>
+          <a:p>
+            <a:r>
+              <a:rPr lang="en-US" dirty="0"/>
+              <a:t>This is the best candidate for deletion:</a:t>
+            </a:r>
+          </a:p>
+          <a:p>
+            <a:pPr lvl="1"/>
+            <a:r>
+              <a:rPr lang="en-US" dirty="0"/>
+              <a:t>The randomness means that losing some data doesn’t impact results. </a:t>
+            </a:r>
+          </a:p>
+          <a:p>
+            <a:pPr lvl="1"/>
+            <a:r>
+              <a:rPr lang="en-US" dirty="0"/>
+              <a:t>The only real concern is sample size – in large datasets deletion is easier. </a:t>
+            </a:r>
+          </a:p>
+          <a:p>
+            <a:pPr lvl="1"/>
+            <a:r>
+              <a:rPr lang="en-US" dirty="0"/>
+              <a:t>If we shrink a large dataset by 10% (or more) or something, nothing really changes in the model. </a:t>
+            </a:r>
+          </a:p>
+          <a:p>
+            <a:r>
+              <a:rPr lang="en-US" dirty="0"/>
+              <a:t>If a column is missing a lot of data, we may be better of deleting that column. </a:t>
+            </a:r>
+          </a:p>
+          <a:p>
+            <a:pPr lvl="1"/>
+            <a:r>
+              <a:rPr lang="en-US" dirty="0"/>
+              <a:t>This varies depending on the exact data, and what is missing. </a:t>
+            </a:r>
+          </a:p>
+          <a:p>
+            <a:pPr lvl="1"/>
+            <a:r>
+              <a:rPr lang="en-US" dirty="0"/>
+              <a:t>Rule of thumb, if it is about 20% or so, start considering – though more missing values than you’d think might be ok in terms of results. </a:t>
+            </a:r>
+          </a:p>
+        </p:txBody>
+      </p:sp>
+    </p:spTree>
+    <p:extLst>
+      <p:ext uri="{BB962C8B-B14F-4D97-AF65-F5344CB8AC3E}">
+        <p14:creationId xmlns:p14="http://schemas.microsoft.com/office/powerpoint/2010/main" val="346494241"/>
+      </p:ext>
+    </p:extLst>
+  </p:cSld>
+  <p:clrMapOvr>
+    <a:masterClrMapping/>
+  </p:clrMapOvr>
+</p:sld>
+</file>
+
+<file path=ppt/slides/slide40.xml><?xml version="1.0" encoding="utf-8"?>
 <p:sld xmlns:a="http://schemas.openxmlformats.org/drawingml/2006/main" xmlns:r="http://schemas.openxmlformats.org/officeDocument/2006/relationships" xmlns:p="http://schemas.openxmlformats.org/presentationml/2006/main">
   <p:cSld>
     <p:bg>
@@ -9313,7 +9658,7 @@
         <p:spPr>
           <a:xfrm>
             <a:off x="926757" y="2015732"/>
-            <a:ext cx="4697036" cy="3450613"/>
+            <a:ext cx="4697036" cy="4037747"/>
           </a:xfrm>
         </p:spPr>
         <p:txBody>
@@ -9337,6 +9682,19 @@
             <a:r>
               <a:rPr lang="en-US" dirty="0"/>
               <a:t>Elastic net is just some proportional (the ratio is an HP) blend of the two. </a:t>
+            </a:r>
+          </a:p>
+          <a:p>
+            <a:r>
+              <a:rPr lang="en-US" dirty="0"/>
+              <a:t>Algorithm minimizes the entire formula.</a:t>
+            </a:r>
+          </a:p>
+          <a:p>
+            <a:pPr lvl="1"/>
+            <a:r>
+              <a:rPr lang="en-US" dirty="0"/>
+              <a:t>I.e. the w (param value) that gives the lowest total error. </a:t>
             </a:r>
           </a:p>
         </p:txBody>
@@ -9498,282 +9856,6 @@
 </p:sld>
 </file>
 
-<file path=ppt/slides/slide4.xml><?xml version="1.0" encoding="utf-8"?>
-<p:sld xmlns:a="http://schemas.openxmlformats.org/drawingml/2006/main" xmlns:r="http://schemas.openxmlformats.org/officeDocument/2006/relationships" xmlns:p="http://schemas.openxmlformats.org/presentationml/2006/main" show="0">
-  <p:cSld>
-    <p:spTree>
-      <p:nvGrpSpPr>
-        <p:cNvPr id="1" name=""/>
-        <p:cNvGrpSpPr/>
-        <p:nvPr/>
-      </p:nvGrpSpPr>
-      <p:grpSpPr>
-        <a:xfrm>
-          <a:off x="0" y="0"/>
-          <a:ext cx="0" cy="0"/>
-          <a:chOff x="0" y="0"/>
-          <a:chExt cx="0" cy="0"/>
-        </a:xfrm>
-      </p:grpSpPr>
-      <p:sp>
-        <p:nvSpPr>
-          <p:cNvPr id="2" name="Title 1">
-            <a:extLst>
-              <a:ext uri="{FF2B5EF4-FFF2-40B4-BE49-F238E27FC236}">
-                <a16:creationId xmlns:a16="http://schemas.microsoft.com/office/drawing/2014/main" id="{0F585C85-34A0-EC37-E779-D5A783D5488A}"/>
-              </a:ext>
-            </a:extLst>
-          </p:cNvPr>
-          <p:cNvSpPr>
-            <a:spLocks noGrp="1"/>
-          </p:cNvSpPr>
-          <p:nvPr>
-            <p:ph type="title"/>
-          </p:nvPr>
-        </p:nvSpPr>
-        <p:spPr/>
-        <p:txBody>
-          <a:bodyPr/>
-          <a:lstStyle/>
-          <a:p>
-            <a:r>
-              <a:rPr lang="en-US" dirty="0"/>
-              <a:t>Missing Completely at Random</a:t>
-            </a:r>
-          </a:p>
-        </p:txBody>
-      </p:sp>
-      <p:sp>
-        <p:nvSpPr>
-          <p:cNvPr id="3" name="Content Placeholder 2">
-            <a:extLst>
-              <a:ext uri="{FF2B5EF4-FFF2-40B4-BE49-F238E27FC236}">
-                <a16:creationId xmlns:a16="http://schemas.microsoft.com/office/drawing/2014/main" id="{FBDCBE3B-A7C9-1071-294F-584E717589F5}"/>
-              </a:ext>
-            </a:extLst>
-          </p:cNvPr>
-          <p:cNvSpPr>
-            <a:spLocks noGrp="1"/>
-          </p:cNvSpPr>
-          <p:nvPr>
-            <p:ph idx="1"/>
-          </p:nvPr>
-        </p:nvSpPr>
-        <p:spPr>
-          <a:xfrm>
-            <a:off x="1222513" y="1853754"/>
-            <a:ext cx="10058400" cy="4199727"/>
-          </a:xfrm>
-        </p:spPr>
-        <p:txBody>
-          <a:bodyPr>
-            <a:normAutofit lnSpcReduction="10000"/>
-          </a:bodyPr>
-          <a:lstStyle/>
-          <a:p>
-            <a:r>
-              <a:rPr lang="en-US" dirty="0"/>
-              <a:t>This is the simplest – an assumption that missing data is randomly distributed. </a:t>
-            </a:r>
-          </a:p>
-          <a:p>
-            <a:r>
-              <a:rPr lang="en-US" dirty="0"/>
-              <a:t>There is no connection between the values in data and if it is missing. </a:t>
-            </a:r>
-          </a:p>
-          <a:p>
-            <a:r>
-              <a:rPr lang="en-US" dirty="0"/>
-              <a:t>This is the best candidate for deletion:</a:t>
-            </a:r>
-          </a:p>
-          <a:p>
-            <a:pPr lvl="1"/>
-            <a:r>
-              <a:rPr lang="en-US" dirty="0"/>
-              <a:t>The randomness means that losing some data doesn’t impact results. </a:t>
-            </a:r>
-          </a:p>
-          <a:p>
-            <a:pPr lvl="1"/>
-            <a:r>
-              <a:rPr lang="en-US" dirty="0"/>
-              <a:t>The only real concern is sample size – in large datasets deletion is easier. </a:t>
-            </a:r>
-          </a:p>
-          <a:p>
-            <a:pPr lvl="1"/>
-            <a:r>
-              <a:rPr lang="en-US" dirty="0"/>
-              <a:t>If we shrink a large dataset by 10% (or more) or something, nothing really changes in the model. </a:t>
-            </a:r>
-          </a:p>
-          <a:p>
-            <a:r>
-              <a:rPr lang="en-US" dirty="0"/>
-              <a:t>If a column is missing a lot of data, we may be better of deleting that column. </a:t>
-            </a:r>
-          </a:p>
-          <a:p>
-            <a:pPr lvl="1"/>
-            <a:r>
-              <a:rPr lang="en-US" dirty="0"/>
-              <a:t>This varies depending on the exact data, and what is missing. </a:t>
-            </a:r>
-          </a:p>
-          <a:p>
-            <a:pPr lvl="1"/>
-            <a:r>
-              <a:rPr lang="en-US" dirty="0"/>
-              <a:t>Rule of thumb, if it is about 20% or so, start considering – though more missing values than you’d think might be ok in terms of results. </a:t>
-            </a:r>
-          </a:p>
-        </p:txBody>
-      </p:sp>
-    </p:spTree>
-    <p:extLst>
-      <p:ext uri="{BB962C8B-B14F-4D97-AF65-F5344CB8AC3E}">
-        <p14:creationId xmlns:p14="http://schemas.microsoft.com/office/powerpoint/2010/main" val="346494241"/>
-      </p:ext>
-    </p:extLst>
-  </p:cSld>
-  <p:clrMapOvr>
-    <a:masterClrMapping/>
-  </p:clrMapOvr>
-</p:sld>
-</file>
-
-<file path=ppt/slides/slide40.xml><?xml version="1.0" encoding="utf-8"?>
-<p:sld xmlns:a="http://schemas.openxmlformats.org/drawingml/2006/main" xmlns:r="http://schemas.openxmlformats.org/officeDocument/2006/relationships" xmlns:p="http://schemas.openxmlformats.org/presentationml/2006/main">
-  <p:cSld>
-    <p:spTree>
-      <p:nvGrpSpPr>
-        <p:cNvPr id="1" name=""/>
-        <p:cNvGrpSpPr/>
-        <p:nvPr/>
-      </p:nvGrpSpPr>
-      <p:grpSpPr>
-        <a:xfrm>
-          <a:off x="0" y="0"/>
-          <a:ext cx="0" cy="0"/>
-          <a:chOff x="0" y="0"/>
-          <a:chExt cx="0" cy="0"/>
-        </a:xfrm>
-      </p:grpSpPr>
-      <p:sp>
-        <p:nvSpPr>
-          <p:cNvPr id="2" name="Title 1">
-            <a:extLst>
-              <a:ext uri="{FF2B5EF4-FFF2-40B4-BE49-F238E27FC236}">
-                <a16:creationId xmlns:a16="http://schemas.microsoft.com/office/drawing/2014/main" id="{781B095A-1ED3-9549-923B-8DF3BC4910F4}"/>
-              </a:ext>
-            </a:extLst>
-          </p:cNvPr>
-          <p:cNvSpPr>
-            <a:spLocks noGrp="1"/>
-          </p:cNvSpPr>
-          <p:nvPr>
-            <p:ph type="title"/>
-          </p:nvPr>
-        </p:nvSpPr>
-        <p:spPr/>
-        <p:txBody>
-          <a:bodyPr/>
-          <a:lstStyle/>
-          <a:p>
-            <a:r>
-              <a:rPr lang="en-US" dirty="0"/>
-              <a:t>Cost and Loss</a:t>
-            </a:r>
-          </a:p>
-        </p:txBody>
-      </p:sp>
-      <p:sp>
-        <p:nvSpPr>
-          <p:cNvPr id="3" name="Content Placeholder 2">
-            <a:extLst>
-              <a:ext uri="{FF2B5EF4-FFF2-40B4-BE49-F238E27FC236}">
-                <a16:creationId xmlns:a16="http://schemas.microsoft.com/office/drawing/2014/main" id="{E8BB28E1-8077-78D9-F634-1265417DD79A}"/>
-              </a:ext>
-            </a:extLst>
-          </p:cNvPr>
-          <p:cNvSpPr>
-            <a:spLocks noGrp="1"/>
-          </p:cNvSpPr>
-          <p:nvPr>
-            <p:ph idx="1"/>
-          </p:nvPr>
-        </p:nvSpPr>
-        <p:spPr>
-          <a:xfrm>
-            <a:off x="1451579" y="2015732"/>
-            <a:ext cx="9603275" cy="4037749"/>
-          </a:xfrm>
-        </p:spPr>
-        <p:txBody>
-          <a:bodyPr/>
-          <a:lstStyle/>
-          <a:p>
-            <a:r>
-              <a:rPr lang="en-US" dirty="0"/>
-              <a:t>The cost function is what the model is optimizing to. </a:t>
-            </a:r>
-          </a:p>
-          <a:p>
-            <a:pPr lvl="1"/>
-            <a:r>
-              <a:rPr lang="en-US" dirty="0"/>
-              <a:t>We generally use MSE and log-loss, but could be almost anything. </a:t>
-            </a:r>
-          </a:p>
-          <a:p>
-            <a:r>
-              <a:rPr lang="en-US" dirty="0"/>
-              <a:t>Cost is often referred to as loss (and a loss function). </a:t>
-            </a:r>
-          </a:p>
-          <a:p>
-            <a:r>
-              <a:rPr lang="en-US" dirty="0"/>
-              <a:t>The two are pretty much interchange in common usage, but technically different:</a:t>
-            </a:r>
-          </a:p>
-          <a:p>
-            <a:pPr lvl="1"/>
-            <a:r>
-              <a:rPr lang="en-US" dirty="0"/>
-              <a:t>Loss is one example – i.e. there’s this much loss in one prediction. </a:t>
-            </a:r>
-          </a:p>
-          <a:p>
-            <a:pPr lvl="1"/>
-            <a:r>
-              <a:rPr lang="en-US" dirty="0"/>
-              <a:t>Cost is the entire dataset – there’s this much loss in all predictions.  </a:t>
-            </a:r>
-          </a:p>
-          <a:p>
-            <a:r>
-              <a:rPr lang="en-US" dirty="0"/>
-              <a:t>Some books, and especially the internet, will use them interchangeably – that’s fine. </a:t>
-            </a:r>
-          </a:p>
-        </p:txBody>
-      </p:sp>
-    </p:spTree>
-    <p:extLst>
-      <p:ext uri="{BB962C8B-B14F-4D97-AF65-F5344CB8AC3E}">
-        <p14:creationId xmlns:p14="http://schemas.microsoft.com/office/powerpoint/2010/main" val="1301914117"/>
-      </p:ext>
-    </p:extLst>
-  </p:cSld>
-  <p:clrMapOvr>
-    <a:masterClrMapping/>
-  </p:clrMapOvr>
-</p:sld>
-</file>
-
 <file path=ppt/slides/slide41.xml><?xml version="1.0" encoding="utf-8"?>
 <p:sld xmlns:a="http://schemas.openxmlformats.org/drawingml/2006/main" xmlns:r="http://schemas.openxmlformats.org/officeDocument/2006/relationships" xmlns:p="http://schemas.openxmlformats.org/presentationml/2006/main">
   <p:cSld>
@@ -9796,7 +9878,7 @@
           <p:cNvPr id="2" name="Title 1">
             <a:extLst>
               <a:ext uri="{FF2B5EF4-FFF2-40B4-BE49-F238E27FC236}">
-                <a16:creationId xmlns:a16="http://schemas.microsoft.com/office/drawing/2014/main" id="{540F449E-4BB2-68D2-1F65-393A369D8049}"/>
+                <a16:creationId xmlns:a16="http://schemas.microsoft.com/office/drawing/2014/main" id="{781B095A-1ED3-9549-923B-8DF3BC4910F4}"/>
               </a:ext>
             </a:extLst>
           </p:cNvPr>
@@ -9807,101 +9889,94 @@
             <p:ph type="title"/>
           </p:nvPr>
         </p:nvSpPr>
+        <p:spPr/>
+        <p:txBody>
+          <a:bodyPr/>
+          <a:lstStyle/>
+          <a:p>
+            <a:r>
+              <a:rPr lang="en-US" dirty="0"/>
+              <a:t>Cost and Loss</a:t>
+            </a:r>
+          </a:p>
+        </p:txBody>
+      </p:sp>
+      <p:sp>
+        <p:nvSpPr>
+          <p:cNvPr id="3" name="Content Placeholder 2">
+            <a:extLst>
+              <a:ext uri="{FF2B5EF4-FFF2-40B4-BE49-F238E27FC236}">
+                <a16:creationId xmlns:a16="http://schemas.microsoft.com/office/drawing/2014/main" id="{E8BB28E1-8077-78D9-F634-1265417DD79A}"/>
+              </a:ext>
+            </a:extLst>
+          </p:cNvPr>
+          <p:cNvSpPr>
+            <a:spLocks noGrp="1"/>
+          </p:cNvSpPr>
+          <p:nvPr>
+            <p:ph idx="1"/>
+          </p:nvPr>
+        </p:nvSpPr>
         <p:spPr>
           <a:xfrm>
-            <a:off x="266828" y="2524562"/>
-            <a:ext cx="3719385" cy="2432951"/>
-          </a:xfrm>
-        </p:spPr>
-        <p:txBody>
-          <a:bodyPr>
-            <a:normAutofit/>
-          </a:bodyPr>
-          <a:lstStyle/>
-          <a:p>
-            <a:r>
-              <a:rPr lang="en-US" dirty="0"/>
-              <a:t>More Regularization = Less Learning</a:t>
-            </a:r>
-          </a:p>
-        </p:txBody>
-      </p:sp>
-      <p:sp>
-        <p:nvSpPr>
-          <p:cNvPr id="3" name="Content Placeholder 2">
-            <a:extLst>
-              <a:ext uri="{FF2B5EF4-FFF2-40B4-BE49-F238E27FC236}">
-                <a16:creationId xmlns:a16="http://schemas.microsoft.com/office/drawing/2014/main" id="{D3EAC0FB-23ED-491D-8031-D5767FE6073D}"/>
-              </a:ext>
-            </a:extLst>
-          </p:cNvPr>
-          <p:cNvSpPr>
-            <a:spLocks noGrp="1"/>
-          </p:cNvSpPr>
-          <p:nvPr>
-            <p:ph idx="1"/>
-          </p:nvPr>
-        </p:nvSpPr>
-        <p:spPr/>
+            <a:off x="1451579" y="2015732"/>
+            <a:ext cx="9603275" cy="4037749"/>
+          </a:xfrm>
+        </p:spPr>
         <p:txBody>
           <a:bodyPr/>
           <a:lstStyle/>
           <a:p>
-            <a:endParaRPr lang="en-US"/>
-          </a:p>
-        </p:txBody>
-      </p:sp>
-      <p:pic>
-        <p:nvPicPr>
-          <p:cNvPr id="15366" name="Picture 6">
-            <a:extLst>
-              <a:ext uri="{FF2B5EF4-FFF2-40B4-BE49-F238E27FC236}">
-                <a16:creationId xmlns:a16="http://schemas.microsoft.com/office/drawing/2014/main" id="{0AEB519F-6C8A-211D-AA7D-96992928B08C}"/>
-              </a:ext>
-            </a:extLst>
-          </p:cNvPr>
-          <p:cNvPicPr>
-            <a:picLocks noChangeAspect="1" noChangeArrowheads="1"/>
-          </p:cNvPicPr>
-          <p:nvPr/>
-        </p:nvPicPr>
-        <p:blipFill>
-          <a:blip r:embed="rId2">
-            <a:extLst>
-              <a:ext uri="{28A0092B-C50C-407E-A947-70E740481C1C}">
-                <a14:useLocalDpi xmlns:a14="http://schemas.microsoft.com/office/drawing/2010/main" val="0"/>
-              </a:ext>
-            </a:extLst>
-          </a:blip>
-          <a:srcRect/>
-          <a:stretch>
-            <a:fillRect/>
-          </a:stretch>
-        </p:blipFill>
-        <p:spPr bwMode="auto">
-          <a:xfrm>
-            <a:off x="3986213" y="0"/>
-            <a:ext cx="8205787" cy="6858000"/>
-          </a:xfrm>
-          <a:prstGeom prst="rect">
-            <a:avLst/>
-          </a:prstGeom>
-          <a:noFill/>
-          <a:extLst>
-            <a:ext uri="{909E8E84-426E-40DD-AFC4-6F175D3DCCD1}">
-              <a14:hiddenFill xmlns:a14="http://schemas.microsoft.com/office/drawing/2010/main">
-                <a:solidFill>
-                  <a:srgbClr val="FFFFFF"/>
-                </a:solidFill>
-              </a14:hiddenFill>
-            </a:ext>
-          </a:extLst>
-        </p:spPr>
-      </p:pic>
+            <a:r>
+              <a:rPr lang="en-US" dirty="0"/>
+              <a:t>The cost function is what the model is optimizing to. </a:t>
+            </a:r>
+          </a:p>
+          <a:p>
+            <a:pPr lvl="1"/>
+            <a:r>
+              <a:rPr lang="en-US" dirty="0"/>
+              <a:t>We generally use MSE and log-loss, but could be almost anything. </a:t>
+            </a:r>
+          </a:p>
+          <a:p>
+            <a:r>
+              <a:rPr lang="en-US" dirty="0"/>
+              <a:t>Cost is often referred to as loss (and a loss function). </a:t>
+            </a:r>
+          </a:p>
+          <a:p>
+            <a:r>
+              <a:rPr lang="en-US" dirty="0"/>
+              <a:t>The two are pretty much interchange in common usage, but technically different:</a:t>
+            </a:r>
+          </a:p>
+          <a:p>
+            <a:pPr lvl="1"/>
+            <a:r>
+              <a:rPr lang="en-US" dirty="0"/>
+              <a:t>Loss is one example – i.e. there’s this much loss in one prediction. </a:t>
+            </a:r>
+          </a:p>
+          <a:p>
+            <a:pPr lvl="1"/>
+            <a:r>
+              <a:rPr lang="en-US" dirty="0"/>
+              <a:t>Cost is the entire dataset – there’s this much loss in all predictions.  </a:t>
+            </a:r>
+          </a:p>
+          <a:p>
+            <a:r>
+              <a:rPr lang="en-US" dirty="0"/>
+              <a:t>Some books, and especially the internet, will use them interchangeably – that’s fine. </a:t>
+            </a:r>
+          </a:p>
+        </p:txBody>
+      </p:sp>
     </p:spTree>
     <p:extLst>
       <p:ext uri="{BB962C8B-B14F-4D97-AF65-F5344CB8AC3E}">
-        <p14:creationId xmlns:p14="http://schemas.microsoft.com/office/powerpoint/2010/main" val="1864072105"/>
+        <p14:creationId xmlns:p14="http://schemas.microsoft.com/office/powerpoint/2010/main" val="1301914117"/>
       </p:ext>
     </p:extLst>
   </p:cSld>
@@ -9933,7 +10008,7 @@
           <p:cNvPr id="2" name="Title 1">
             <a:extLst>
               <a:ext uri="{FF2B5EF4-FFF2-40B4-BE49-F238E27FC236}">
-                <a16:creationId xmlns:a16="http://schemas.microsoft.com/office/drawing/2014/main" id="{BF80F527-FEAC-6046-A64E-489FD1E6AAD1}"/>
+                <a16:creationId xmlns:a16="http://schemas.microsoft.com/office/drawing/2014/main" id="{540F449E-4BB2-68D2-1F65-393A369D8049}"/>
               </a:ext>
             </a:extLst>
           </p:cNvPr>
@@ -9944,114 +10019,56 @@
             <p:ph type="title"/>
           </p:nvPr>
         </p:nvSpPr>
+        <p:spPr>
+          <a:xfrm>
+            <a:off x="266828" y="2524562"/>
+            <a:ext cx="3719385" cy="2432951"/>
+          </a:xfrm>
+        </p:spPr>
+        <p:txBody>
+          <a:bodyPr>
+            <a:normAutofit/>
+          </a:bodyPr>
+          <a:lstStyle/>
+          <a:p>
+            <a:r>
+              <a:rPr lang="en-US" dirty="0"/>
+              <a:t>More Regularization = Less Learning</a:t>
+            </a:r>
+          </a:p>
+        </p:txBody>
+      </p:sp>
+      <p:sp>
+        <p:nvSpPr>
+          <p:cNvPr id="3" name="Content Placeholder 2">
+            <a:extLst>
+              <a:ext uri="{FF2B5EF4-FFF2-40B4-BE49-F238E27FC236}">
+                <a16:creationId xmlns:a16="http://schemas.microsoft.com/office/drawing/2014/main" id="{D3EAC0FB-23ED-491D-8031-D5767FE6073D}"/>
+              </a:ext>
+            </a:extLst>
+          </p:cNvPr>
+          <p:cNvSpPr>
+            <a:spLocks noGrp="1"/>
+          </p:cNvSpPr>
+          <p:nvPr>
+            <p:ph idx="1"/>
+          </p:nvPr>
+        </p:nvSpPr>
         <p:spPr/>
         <p:txBody>
           <a:bodyPr/>
           <a:lstStyle/>
           <a:p>
-            <a:r>
-              <a:rPr lang="en-US" dirty="0"/>
-              <a:t>Loss and you!</a:t>
-            </a:r>
-          </a:p>
-        </p:txBody>
-      </p:sp>
-      <p:sp>
-        <p:nvSpPr>
-          <p:cNvPr id="3" name="Content Placeholder 2">
-            <a:extLst>
-              <a:ext uri="{FF2B5EF4-FFF2-40B4-BE49-F238E27FC236}">
-                <a16:creationId xmlns:a16="http://schemas.microsoft.com/office/drawing/2014/main" id="{8452B686-2CF2-7B51-7F5B-6F4D9F74F52C}"/>
-              </a:ext>
-            </a:extLst>
-          </p:cNvPr>
-          <p:cNvSpPr>
-            <a:spLocks noGrp="1"/>
-          </p:cNvSpPr>
-          <p:nvPr>
-            <p:ph idx="1"/>
-          </p:nvPr>
-        </p:nvSpPr>
-        <p:spPr>
-          <a:xfrm>
-            <a:off x="210065" y="1853754"/>
-            <a:ext cx="10844789" cy="4199727"/>
-          </a:xfrm>
-        </p:spPr>
-        <p:txBody>
-          <a:bodyPr/>
-          <a:lstStyle/>
-          <a:p>
-            <a:r>
-              <a:rPr lang="en-US" dirty="0"/>
-              <a:t>This cost function is key to machine learning. </a:t>
-            </a:r>
-          </a:p>
-          <a:p>
-            <a:pPr lvl="1"/>
-            <a:r>
-              <a:rPr lang="en-US" dirty="0"/>
-              <a:t>The cost function defines the ‘goodness’ of a model. </a:t>
-            </a:r>
-          </a:p>
-          <a:p>
-            <a:pPr lvl="1"/>
-            <a:r>
-              <a:rPr lang="en-US" dirty="0"/>
-              <a:t>The algorithm tries to maximize that metric of goodness. </a:t>
-            </a:r>
-          </a:p>
-          <a:p>
-            <a:r>
-              <a:rPr lang="en-US" dirty="0"/>
-              <a:t>In a tree the cost was the entropy or </a:t>
-            </a:r>
-            <a:r>
-              <a:rPr lang="en-US" dirty="0" err="1"/>
-              <a:t>gini</a:t>
-            </a:r>
-            <a:r>
-              <a:rPr lang="en-US" dirty="0"/>
-              <a:t> – the algorithm tries to minimize. </a:t>
-            </a:r>
-          </a:p>
-          <a:p>
-            <a:r>
-              <a:rPr lang="en-US" dirty="0"/>
-              <a:t>In a linear regression the cost is (usually) MSE – the algorithm tries to minimize. </a:t>
-            </a:r>
-          </a:p>
-          <a:p>
-            <a:r>
-              <a:rPr lang="en-US" dirty="0"/>
-              <a:t>In a regularized model, the processes stay the same, but the cost function changes. </a:t>
-            </a:r>
-          </a:p>
-          <a:p>
-            <a:pPr lvl="1"/>
-            <a:r>
-              <a:rPr lang="en-US" dirty="0"/>
-              <a:t>The optimization is for the lowest ‘total cost’ – i.e. cost + penalty. </a:t>
-            </a:r>
-          </a:p>
-          <a:p>
-            <a:r>
-              <a:rPr lang="en-US" dirty="0"/>
-              <a:t>This buffers the model adapting to the data – it directly slows learning (and overfitting). </a:t>
-            </a:r>
-          </a:p>
-          <a:p>
-            <a:pPr lvl="1"/>
-            <a:endParaRPr lang="en-US" dirty="0"/>
+            <a:endParaRPr lang="en-US"/>
           </a:p>
         </p:txBody>
       </p:sp>
       <p:pic>
         <p:nvPicPr>
-          <p:cNvPr id="7172" name="Picture 4" descr="ML Series 7: Regularization in Regression: Tackling Overfitting for  Enhanced Model Performance | by Sahin Ahmed, Data Scientist | Medium">
-            <a:extLst>
-              <a:ext uri="{FF2B5EF4-FFF2-40B4-BE49-F238E27FC236}">
-                <a16:creationId xmlns:a16="http://schemas.microsoft.com/office/drawing/2014/main" id="{2823B13D-8CAD-A108-90F3-08896B6627D4}"/>
+          <p:cNvPr id="15366" name="Picture 6">
+            <a:extLst>
+              <a:ext uri="{FF2B5EF4-FFF2-40B4-BE49-F238E27FC236}">
+                <a16:creationId xmlns:a16="http://schemas.microsoft.com/office/drawing/2014/main" id="{0AEB519F-6C8A-211D-AA7D-96992928B08C}"/>
               </a:ext>
             </a:extLst>
           </p:cNvPr>
@@ -10060,7 +10077,7 @@
           </p:cNvPicPr>
           <p:nvPr/>
         </p:nvPicPr>
-        <p:blipFill rotWithShape="1">
+        <p:blipFill>
           <a:blip r:embed="rId2">
             <a:extLst>
               <a:ext uri="{28A0092B-C50C-407E-A947-70E740481C1C}">
@@ -10068,13 +10085,15 @@
               </a:ext>
             </a:extLst>
           </a:blip>
-          <a:srcRect l="6082" t="8829" r="9760" b="6307"/>
-          <a:stretch/>
+          <a:srcRect/>
+          <a:stretch>
+            <a:fillRect/>
+          </a:stretch>
         </p:blipFill>
         <p:spPr bwMode="auto">
           <a:xfrm>
-            <a:off x="6734408" y="0"/>
-            <a:ext cx="5457592" cy="3138616"/>
+            <a:off x="3986213" y="0"/>
+            <a:ext cx="8205787" cy="6858000"/>
           </a:xfrm>
           <a:prstGeom prst="rect">
             <a:avLst/>
@@ -10094,7 +10113,7 @@
     </p:spTree>
     <p:extLst>
       <p:ext uri="{BB962C8B-B14F-4D97-AF65-F5344CB8AC3E}">
-        <p14:creationId xmlns:p14="http://schemas.microsoft.com/office/powerpoint/2010/main" val="2532818083"/>
+        <p14:creationId xmlns:p14="http://schemas.microsoft.com/office/powerpoint/2010/main" val="1864072105"/>
       </p:ext>
     </p:extLst>
   </p:cSld>
@@ -10107,30 +10126,6 @@
 <file path=ppt/slides/slide43.xml><?xml version="1.0" encoding="utf-8"?>
 <p:sld xmlns:a="http://schemas.openxmlformats.org/drawingml/2006/main" xmlns:r="http://schemas.openxmlformats.org/officeDocument/2006/relationships" xmlns:p="http://schemas.openxmlformats.org/presentationml/2006/main">
   <p:cSld>
-    <p:bg>
-      <p:bgPr>
-        <a:gradFill rotWithShape="1">
-          <a:gsLst>
-            <a:gs pos="0">
-              <a:schemeClr val="bg2">
-                <a:tint val="94000"/>
-                <a:satMod val="80000"/>
-                <a:lumMod val="106000"/>
-              </a:schemeClr>
-            </a:gs>
-            <a:gs pos="100000">
-              <a:schemeClr val="bg2">
-                <a:shade val="80000"/>
-              </a:schemeClr>
-            </a:gs>
-          </a:gsLst>
-          <a:path path="circle">
-            <a:fillToRect l="43000" r="43000" b="100000"/>
-          </a:path>
-        </a:gradFill>
-        <a:effectLst/>
-      </p:bgPr>
-    </p:bg>
     <p:spTree>
       <p:nvGrpSpPr>
         <p:cNvPr id="1" name=""/>
@@ -10145,393 +10140,137 @@
           <a:chExt cx="0" cy="0"/>
         </a:xfrm>
       </p:grpSpPr>
-      <p:sp useBgFill="1">
-        <p:nvSpPr>
-          <p:cNvPr id="5126" name="Rectangle 72">
-            <a:extLst>
-              <a:ext uri="{FF2B5EF4-FFF2-40B4-BE49-F238E27FC236}">
-                <a16:creationId xmlns:a16="http://schemas.microsoft.com/office/drawing/2014/main" id="{35C3D674-3D59-4E93-80CA-0C0A9095E816}"/>
-              </a:ext>
-              <a:ext uri="{C183D7F6-B498-43B3-948B-1728B52AA6E4}">
-                <adec:decorative xmlns:adec="http://schemas.microsoft.com/office/drawing/2017/decorative" val="1"/>
-              </a:ext>
-            </a:extLst>
-          </p:cNvPr>
-          <p:cNvSpPr>
-            <a:spLocks noGrp="1" noRot="1" noChangeAspect="1" noMove="1" noResize="1" noEditPoints="1" noAdjustHandles="1" noChangeArrowheads="1" noChangeShapeType="1" noTextEdit="1"/>
-          </p:cNvSpPr>
-          <p:nvPr>
-            <p:extLst>
-              <p:ext uri="{386F3935-93C4-4BCD-93E2-E3B085C9AB24}">
-                <p16:designElem xmlns:p16="http://schemas.microsoft.com/office/powerpoint/2015/main" val="1"/>
-              </p:ext>
-            </p:extLst>
+      <p:sp>
+        <p:nvSpPr>
+          <p:cNvPr id="2" name="Title 1">
+            <a:extLst>
+              <a:ext uri="{FF2B5EF4-FFF2-40B4-BE49-F238E27FC236}">
+                <a16:creationId xmlns:a16="http://schemas.microsoft.com/office/drawing/2014/main" id="{BF80F527-FEAC-6046-A64E-489FD1E6AAD1}"/>
+              </a:ext>
+            </a:extLst>
+          </p:cNvPr>
+          <p:cNvSpPr>
+            <a:spLocks noGrp="1"/>
+          </p:cNvSpPr>
+          <p:nvPr>
+            <p:ph type="title"/>
+          </p:nvPr>
+        </p:nvSpPr>
+        <p:spPr/>
+        <p:txBody>
+          <a:bodyPr/>
+          <a:lstStyle/>
+          <a:p>
+            <a:r>
+              <a:rPr lang="en-US" dirty="0"/>
+              <a:t>Loss and you!</a:t>
+            </a:r>
+          </a:p>
+        </p:txBody>
+      </p:sp>
+      <p:sp>
+        <p:nvSpPr>
+          <p:cNvPr id="3" name="Content Placeholder 2">
+            <a:extLst>
+              <a:ext uri="{FF2B5EF4-FFF2-40B4-BE49-F238E27FC236}">
+                <a16:creationId xmlns:a16="http://schemas.microsoft.com/office/drawing/2014/main" id="{8452B686-2CF2-7B51-7F5B-6F4D9F74F52C}"/>
+              </a:ext>
+            </a:extLst>
+          </p:cNvPr>
+          <p:cNvSpPr>
+            <a:spLocks noGrp="1"/>
+          </p:cNvSpPr>
+          <p:nvPr>
+            <p:ph idx="1"/>
           </p:nvPr>
         </p:nvSpPr>
         <p:spPr>
           <a:xfrm>
-            <a:off x="2" y="0"/>
-            <a:ext cx="12191695" cy="6858000"/>
-          </a:xfrm>
-          <a:prstGeom prst="rect">
-            <a:avLst/>
-          </a:prstGeom>
-          <a:ln>
-            <a:noFill/>
-          </a:ln>
-        </p:spPr>
-        <p:style>
-          <a:lnRef idx="2">
-            <a:schemeClr val="accent1">
-              <a:shade val="50000"/>
-            </a:schemeClr>
-          </a:lnRef>
-          <a:fillRef idx="1">
-            <a:schemeClr val="accent1"/>
-          </a:fillRef>
-          <a:effectRef idx="0">
-            <a:schemeClr val="accent1"/>
-          </a:effectRef>
-          <a:fontRef idx="minor">
-            <a:schemeClr val="lt1"/>
-          </a:fontRef>
-        </p:style>
-        <p:txBody>
-          <a:bodyPr rtlCol="0" anchor="ctr"/>
-          <a:lstStyle/>
-          <a:p>
-            <a:pPr algn="ctr"/>
-            <a:endParaRPr lang="en-US"/>
-          </a:p>
-        </p:txBody>
-      </p:sp>
-      <p:cxnSp>
-        <p:nvCxnSpPr>
-          <p:cNvPr id="5127" name="Straight Connector 74">
-            <a:extLst>
-              <a:ext uri="{FF2B5EF4-FFF2-40B4-BE49-F238E27FC236}">
-                <a16:creationId xmlns:a16="http://schemas.microsoft.com/office/drawing/2014/main" id="{C884B8F8-FDC9-498B-9960-5D7260AFCB03}"/>
-              </a:ext>
-              <a:ext uri="{C183D7F6-B498-43B3-948B-1728B52AA6E4}">
-                <adec:decorative xmlns:adec="http://schemas.microsoft.com/office/drawing/2017/decorative" val="1"/>
-              </a:ext>
-            </a:extLst>
-          </p:cNvPr>
-          <p:cNvCxnSpPr>
-            <a:cxnSpLocks noGrp="1" noRot="1" noChangeAspect="1" noMove="1" noResize="1" noEditPoints="1" noAdjustHandles="1" noChangeArrowheads="1" noChangeShapeType="1"/>
-          </p:cNvCxnSpPr>
-          <p:nvPr>
-            <p:extLst>
-              <p:ext uri="{386F3935-93C4-4BCD-93E2-E3B085C9AB24}">
-                <p16:designElem xmlns:p16="http://schemas.microsoft.com/office/powerpoint/2015/main" val="1"/>
-              </p:ext>
-            </p:extLst>
-          </p:nvPr>
-        </p:nvCxnSpPr>
-        <p:spPr>
-          <a:xfrm>
-            <a:off x="1453896" y="1847088"/>
-            <a:ext cx="4177373" cy="0"/>
-          </a:xfrm>
-          <a:prstGeom prst="line">
-            <a:avLst/>
-          </a:prstGeom>
-          <a:ln w="31750"/>
-        </p:spPr>
-        <p:style>
-          <a:lnRef idx="3">
-            <a:schemeClr val="accent1"/>
-          </a:lnRef>
-          <a:fillRef idx="0">
-            <a:schemeClr val="accent1"/>
-          </a:fillRef>
-          <a:effectRef idx="2">
-            <a:schemeClr val="accent1"/>
-          </a:effectRef>
-          <a:fontRef idx="minor">
-            <a:schemeClr val="tx1"/>
-          </a:fontRef>
-        </p:style>
-      </p:cxnSp>
-      <p:sp>
-        <p:nvSpPr>
-          <p:cNvPr id="2" name="Title 1">
-            <a:extLst>
-              <a:ext uri="{FF2B5EF4-FFF2-40B4-BE49-F238E27FC236}">
-                <a16:creationId xmlns:a16="http://schemas.microsoft.com/office/drawing/2014/main" id="{96CC8F21-D58A-FE48-B1F1-005E1809A8D5}"/>
-              </a:ext>
-            </a:extLst>
-          </p:cNvPr>
-          <p:cNvSpPr>
-            <a:spLocks noGrp="1"/>
-          </p:cNvSpPr>
-          <p:nvPr>
-            <p:ph type="title"/>
-          </p:nvPr>
-        </p:nvSpPr>
-        <p:spPr>
-          <a:xfrm>
-            <a:off x="111212" y="804520"/>
-            <a:ext cx="2803130" cy="1049235"/>
-          </a:xfrm>
-        </p:spPr>
-        <p:txBody>
-          <a:bodyPr>
-            <a:normAutofit fontScale="90000"/>
-          </a:bodyPr>
-          <a:lstStyle/>
-          <a:p>
-            <a:r>
-              <a:rPr lang="en-US" sz="2200" dirty="0"/>
-              <a:t>Result – not optimal solution, compromised Solution</a:t>
-            </a:r>
-          </a:p>
-        </p:txBody>
-      </p:sp>
-      <p:sp>
-        <p:nvSpPr>
-          <p:cNvPr id="5128" name="Rectangle 76">
-            <a:extLst>
-              <a:ext uri="{FF2B5EF4-FFF2-40B4-BE49-F238E27FC236}">
-                <a16:creationId xmlns:a16="http://schemas.microsoft.com/office/drawing/2014/main" id="{EF2A81E1-BCBE-426B-8C09-33274E69409D}"/>
-              </a:ext>
-              <a:ext uri="{C183D7F6-B498-43B3-948B-1728B52AA6E4}">
-                <adec:decorative xmlns:adec="http://schemas.microsoft.com/office/drawing/2017/decorative" val="1"/>
-              </a:ext>
-            </a:extLst>
-          </p:cNvPr>
-          <p:cNvSpPr>
-            <a:spLocks noGrp="1" noRot="1" noChangeAspect="1" noMove="1" noResize="1" noEditPoints="1" noAdjustHandles="1" noChangeArrowheads="1" noChangeShapeType="1" noTextEdit="1"/>
-          </p:cNvSpPr>
-          <p:nvPr>
-            <p:extLst>
-              <p:ext uri="{386F3935-93C4-4BCD-93E2-E3B085C9AB24}">
-                <p16:designElem xmlns:p16="http://schemas.microsoft.com/office/powerpoint/2015/main" val="1"/>
-              </p:ext>
-            </p:extLst>
-          </p:nvPr>
-        </p:nvSpPr>
-        <p:spPr>
-          <a:xfrm>
-            <a:off x="0" y="2019476"/>
-            <a:ext cx="12192000" cy="4105941"/>
-          </a:xfrm>
-          <a:prstGeom prst="rect">
-            <a:avLst/>
-          </a:prstGeom>
-          <a:gradFill flip="none" rotWithShape="1">
-            <a:gsLst>
-              <a:gs pos="0">
-                <a:schemeClr val="bg2">
-                  <a:alpha val="0"/>
-                </a:schemeClr>
-              </a:gs>
-              <a:gs pos="100000">
-                <a:schemeClr val="bg2"/>
-              </a:gs>
-            </a:gsLst>
-            <a:lin ang="5400000" scaled="0"/>
-            <a:tileRect/>
-          </a:gradFill>
-          <a:ln>
-            <a:noFill/>
-          </a:ln>
-        </p:spPr>
-        <p:style>
-          <a:lnRef idx="2">
-            <a:schemeClr val="accent1">
-              <a:shade val="50000"/>
-            </a:schemeClr>
-          </a:lnRef>
-          <a:fillRef idx="1">
-            <a:schemeClr val="accent1"/>
-          </a:fillRef>
-          <a:effectRef idx="0">
-            <a:schemeClr val="accent1"/>
-          </a:effectRef>
-          <a:fontRef idx="minor">
-            <a:schemeClr val="lt1"/>
-          </a:fontRef>
-        </p:style>
-        <p:txBody>
-          <a:bodyPr rtlCol="0" anchor="ctr"/>
-          <a:lstStyle/>
-          <a:p>
-            <a:pPr lvl="0" algn="ctr"/>
-            <a:endParaRPr lang="en-US"/>
-          </a:p>
-        </p:txBody>
-      </p:sp>
-      <p:sp>
-        <p:nvSpPr>
-          <p:cNvPr id="3" name="Content Placeholder 2">
-            <a:extLst>
-              <a:ext uri="{FF2B5EF4-FFF2-40B4-BE49-F238E27FC236}">
-                <a16:creationId xmlns:a16="http://schemas.microsoft.com/office/drawing/2014/main" id="{AD0854AD-7BD4-BB45-A58B-ECA626D8D9D3}"/>
-              </a:ext>
-            </a:extLst>
-          </p:cNvPr>
-          <p:cNvSpPr>
-            <a:spLocks noGrp="1"/>
-          </p:cNvSpPr>
-          <p:nvPr>
-            <p:ph idx="1"/>
-          </p:nvPr>
-        </p:nvSpPr>
-        <p:spPr>
-          <a:xfrm>
-            <a:off x="111213" y="2421924"/>
-            <a:ext cx="4231972" cy="3631554"/>
-          </a:xfrm>
-        </p:spPr>
-        <p:txBody>
-          <a:bodyPr>
-            <a:normAutofit/>
-          </a:bodyPr>
-          <a:lstStyle/>
-          <a:p>
-            <a:r>
-              <a:rPr lang="en-US" dirty="0"/>
-              <a:t>There are two parameters in model.</a:t>
-            </a:r>
-          </a:p>
-          <a:p>
-            <a:r>
-              <a:rPr lang="en-US" dirty="0"/>
-              <a:t>The optimal MSE values are the dot. </a:t>
-            </a:r>
-          </a:p>
-          <a:p>
-            <a:r>
-              <a:rPr lang="en-US" dirty="0"/>
-              <a:t>The optimal penalty values are 0. </a:t>
-            </a:r>
-          </a:p>
-          <a:p>
-            <a:r>
-              <a:rPr lang="en-US" dirty="0"/>
-              <a:t>The algorithm increments both to be ‘worse’ (farther from optimal). </a:t>
-            </a:r>
-          </a:p>
-          <a:p>
-            <a:r>
-              <a:rPr lang="en-US" dirty="0"/>
-              <a:t>Where they meet is the solution – a value that satisfies each part. </a:t>
-            </a:r>
-          </a:p>
-          <a:p>
-            <a:pPr lvl="1"/>
-            <a:r>
-              <a:rPr lang="en-US" dirty="0"/>
-              <a:t>Best overall solution. </a:t>
-            </a:r>
+            <a:off x="210065" y="1853754"/>
+            <a:ext cx="10844789" cy="4199727"/>
+          </a:xfrm>
+        </p:spPr>
+        <p:txBody>
+          <a:bodyPr/>
+          <a:lstStyle/>
+          <a:p>
+            <a:r>
+              <a:rPr lang="en-US" dirty="0"/>
+              <a:t>This cost function is key to machine learning. </a:t>
+            </a:r>
+          </a:p>
+          <a:p>
+            <a:pPr lvl="1"/>
+            <a:r>
+              <a:rPr lang="en-US" dirty="0"/>
+              <a:t>The cost function defines the ‘goodness’ of a model. </a:t>
+            </a:r>
+          </a:p>
+          <a:p>
+            <a:pPr lvl="1"/>
+            <a:r>
+              <a:rPr lang="en-US" dirty="0"/>
+              <a:t>The algorithm tries to maximize that metric of goodness. </a:t>
+            </a:r>
+          </a:p>
+          <a:p>
+            <a:r>
+              <a:rPr lang="en-US" dirty="0"/>
+              <a:t>In a tree the cost was the entropy or </a:t>
+            </a:r>
+            <a:r>
+              <a:rPr lang="en-US" dirty="0" err="1"/>
+              <a:t>gini</a:t>
+            </a:r>
+            <a:r>
+              <a:rPr lang="en-US" dirty="0"/>
+              <a:t> – the algorithm tries to minimize. </a:t>
+            </a:r>
+          </a:p>
+          <a:p>
+            <a:r>
+              <a:rPr lang="en-US" dirty="0"/>
+              <a:t>In a linear regression the cost is (usually) MSE – the algorithm tries to minimize. </a:t>
+            </a:r>
+          </a:p>
+          <a:p>
+            <a:r>
+              <a:rPr lang="en-US" dirty="0"/>
+              <a:t>In a regularized model, the processes stay the same, but the cost function changes. </a:t>
+            </a:r>
+          </a:p>
+          <a:p>
+            <a:pPr lvl="1"/>
+            <a:r>
+              <a:rPr lang="en-US" dirty="0"/>
+              <a:t>The optimization is for the lowest ‘total cost’ – i.e. cost + penalty. </a:t>
+            </a:r>
+          </a:p>
+          <a:p>
+            <a:r>
+              <a:rPr lang="en-US" dirty="0"/>
+              <a:t>This buffers the model adapting to the data – it directly slows learning (and overfitting). </a:t>
+            </a:r>
+          </a:p>
+          <a:p>
+            <a:pPr lvl="1"/>
+            <a:r>
+              <a:rPr lang="en-US" dirty="0"/>
+              <a:t>Like in a tree – growth must decrease MSE more than it increases penalty. </a:t>
+            </a:r>
+          </a:p>
+          <a:p>
+            <a:pPr lvl="1"/>
+            <a:endParaRPr lang="en-US" dirty="0"/>
           </a:p>
         </p:txBody>
       </p:sp>
       <p:pic>
         <p:nvPicPr>
-          <p:cNvPr id="5129" name="Picture 78">
-            <a:extLst>
-              <a:ext uri="{FF2B5EF4-FFF2-40B4-BE49-F238E27FC236}">
-                <a16:creationId xmlns:a16="http://schemas.microsoft.com/office/drawing/2014/main" id="{39D1DDD4-5BB3-45BA-B9B3-06B62299AD79}"/>
-              </a:ext>
-              <a:ext uri="{C183D7F6-B498-43B3-948B-1728B52AA6E4}">
-                <adec:decorative xmlns:adec="http://schemas.microsoft.com/office/drawing/2017/decorative" val="1"/>
-              </a:ext>
-            </a:extLst>
-          </p:cNvPr>
-          <p:cNvPicPr>
-            <a:picLocks noGrp="1" noRot="1" noChangeAspect="1" noMove="1" noResize="1" noEditPoints="1" noAdjustHandles="1" noChangeArrowheads="1" noChangeShapeType="1" noCrop="1"/>
-          </p:cNvPicPr>
-          <p:nvPr>
-            <p:extLst>
-              <p:ext uri="{386F3935-93C4-4BCD-93E2-E3B085C9AB24}">
-                <p16:designElem xmlns:p16="http://schemas.microsoft.com/office/powerpoint/2015/main" val="1"/>
-              </p:ext>
-            </p:extLst>
-          </p:nvPr>
-        </p:nvPicPr>
-        <p:blipFill rotWithShape="1">
-          <a:blip r:embed="rId2">
-            <a:extLst>
-              <a:ext uri="{28A0092B-C50C-407E-A947-70E740481C1C}">
-                <a14:useLocalDpi xmlns:a14="http://schemas.microsoft.com/office/drawing/2010/main" val="0"/>
-              </a:ext>
-            </a:extLst>
-          </a:blip>
-          <a:srcRect t="1538" b="-1538"/>
-          <a:stretch/>
-        </p:blipFill>
-        <p:spPr bwMode="black">
-          <a:xfrm>
-            <a:off x="0" y="6126480"/>
-            <a:ext cx="12192000" cy="742950"/>
-          </a:xfrm>
-          <a:prstGeom prst="rect">
-            <a:avLst/>
-          </a:prstGeom>
-        </p:spPr>
-      </p:pic>
-      <p:cxnSp>
-        <p:nvCxnSpPr>
-          <p:cNvPr id="5130" name="Straight Connector 80">
-            <a:extLst>
-              <a:ext uri="{FF2B5EF4-FFF2-40B4-BE49-F238E27FC236}">
-                <a16:creationId xmlns:a16="http://schemas.microsoft.com/office/drawing/2014/main" id="{A24DAE64-2302-42EA-8239-F2F0775CA5AD}"/>
-              </a:ext>
-              <a:ext uri="{C183D7F6-B498-43B3-948B-1728B52AA6E4}">
-                <adec:decorative xmlns:adec="http://schemas.microsoft.com/office/drawing/2017/decorative" val="1"/>
-              </a:ext>
-            </a:extLst>
-          </p:cNvPr>
-          <p:cNvCxnSpPr>
-            <a:cxnSpLocks noGrp="1" noRot="1" noChangeAspect="1" noMove="1" noResize="1" noEditPoints="1" noAdjustHandles="1" noChangeArrowheads="1" noChangeShapeType="1"/>
-          </p:cNvCxnSpPr>
-          <p:nvPr>
-            <p:extLst>
-              <p:ext uri="{386F3935-93C4-4BCD-93E2-E3B085C9AB24}">
-                <p16:designElem xmlns:p16="http://schemas.microsoft.com/office/powerpoint/2015/main" val="1"/>
-              </p:ext>
-            </p:extLst>
-          </p:nvPr>
-        </p:nvCxnSpPr>
-        <p:spPr>
-          <a:xfrm>
-            <a:off x="0" y="6128413"/>
-            <a:ext cx="12192000" cy="0"/>
-          </a:xfrm>
-          <a:prstGeom prst="line">
-            <a:avLst/>
-          </a:prstGeom>
-          <a:ln w="12700">
-            <a:solidFill>
-              <a:srgbClr val="000001">
-                <a:alpha val="20000"/>
-              </a:srgbClr>
-            </a:solidFill>
-          </a:ln>
-        </p:spPr>
-        <p:style>
-          <a:lnRef idx="1">
-            <a:schemeClr val="accent1"/>
-          </a:lnRef>
-          <a:fillRef idx="0">
-            <a:schemeClr val="accent1"/>
-          </a:fillRef>
-          <a:effectRef idx="0">
-            <a:schemeClr val="accent1"/>
-          </a:effectRef>
-          <a:fontRef idx="minor">
-            <a:schemeClr val="tx1"/>
-          </a:fontRef>
-        </p:style>
-      </p:cxnSp>
-      <p:pic>
-        <p:nvPicPr>
-          <p:cNvPr id="5124" name="Picture 4" descr="A Deep Dive into Regularization. I was recently brushing up on basics of… |  by Divakar Kapil | uWaterloo Voice | Medium">
-            <a:extLst>
-              <a:ext uri="{FF2B5EF4-FFF2-40B4-BE49-F238E27FC236}">
-                <a16:creationId xmlns:a16="http://schemas.microsoft.com/office/drawing/2014/main" id="{FCDEF449-A0C2-5C4C-B805-9EBCCF9D5569}"/>
+          <p:cNvPr id="7172" name="Picture 4" descr="ML Series 7: Regularization in Regression: Tackling Overfitting for  Enhanced Model Performance | by Sahin Ahmed, Data Scientist | Medium">
+            <a:extLst>
+              <a:ext uri="{FF2B5EF4-FFF2-40B4-BE49-F238E27FC236}">
+                <a16:creationId xmlns:a16="http://schemas.microsoft.com/office/drawing/2014/main" id="{2823B13D-8CAD-A108-90F3-08896B6627D4}"/>
               </a:ext>
             </a:extLst>
           </p:cNvPr>
@@ -10541,19 +10280,20 @@
           <p:nvPr/>
         </p:nvPicPr>
         <p:blipFill rotWithShape="1">
-          <a:blip r:embed="rId3">
+          <a:blip r:embed="rId2">
             <a:extLst>
               <a:ext uri="{28A0092B-C50C-407E-A947-70E740481C1C}">
                 <a14:useLocalDpi xmlns:a14="http://schemas.microsoft.com/office/drawing/2010/main" val="0"/>
               </a:ext>
             </a:extLst>
           </a:blip>
+          <a:srcRect l="6082" t="8829" r="9760" b="6307"/>
           <a:stretch/>
         </p:blipFill>
         <p:spPr bwMode="auto">
           <a:xfrm>
-            <a:off x="4430363" y="1780531"/>
-            <a:ext cx="7799083" cy="5088899"/>
+            <a:off x="6734408" y="0"/>
+            <a:ext cx="5457592" cy="3138616"/>
           </a:xfrm>
           <a:prstGeom prst="rect">
             <a:avLst/>
@@ -10570,55 +10310,10 @@
           </a:extLst>
         </p:spPr>
       </p:pic>
-      <p:pic>
-        <p:nvPicPr>
-          <p:cNvPr id="4" name="Picture 4" descr="ML Series 7: Regularization in Regression: Tackling Overfitting for  Enhanced Model Performance | by Sahin Ahmed, Data Scientist | Medium">
-            <a:extLst>
-              <a:ext uri="{FF2B5EF4-FFF2-40B4-BE49-F238E27FC236}">
-                <a16:creationId xmlns:a16="http://schemas.microsoft.com/office/drawing/2014/main" id="{8669F4F8-0F78-24F3-38B5-163C6D763ED9}"/>
-              </a:ext>
-            </a:extLst>
-          </p:cNvPr>
-          <p:cNvPicPr>
-            <a:picLocks noChangeAspect="1" noChangeArrowheads="1"/>
-          </p:cNvPicPr>
-          <p:nvPr/>
-        </p:nvPicPr>
-        <p:blipFill rotWithShape="1">
-          <a:blip r:embed="rId4">
-            <a:extLst>
-              <a:ext uri="{28A0092B-C50C-407E-A947-70E740481C1C}">
-                <a14:useLocalDpi xmlns:a14="http://schemas.microsoft.com/office/drawing/2010/main" val="0"/>
-              </a:ext>
-            </a:extLst>
-          </a:blip>
-          <a:srcRect l="6082" t="20432" r="9760" b="6307"/>
-          <a:stretch/>
-        </p:blipFill>
-        <p:spPr bwMode="auto">
-          <a:xfrm>
-            <a:off x="3069513" y="-92134"/>
-            <a:ext cx="5123511" cy="2543640"/>
-          </a:xfrm>
-          <a:prstGeom prst="rect">
-            <a:avLst/>
-          </a:prstGeom>
-          <a:noFill/>
-          <a:extLst>
-            <a:ext uri="{909E8E84-426E-40DD-AFC4-6F175D3DCCD1}">
-              <a14:hiddenFill xmlns:a14="http://schemas.microsoft.com/office/drawing/2010/main">
-                <a:solidFill>
-                  <a:srgbClr val="FFFFFF"/>
-                </a:solidFill>
-              </a14:hiddenFill>
-            </a:ext>
-          </a:extLst>
-        </p:spPr>
-      </p:pic>
     </p:spTree>
     <p:extLst>
       <p:ext uri="{BB962C8B-B14F-4D97-AF65-F5344CB8AC3E}">
-        <p14:creationId xmlns:p14="http://schemas.microsoft.com/office/powerpoint/2010/main" val="2136274663"/>
+        <p14:creationId xmlns:p14="http://schemas.microsoft.com/office/powerpoint/2010/main" val="2532818083"/>
       </p:ext>
     </p:extLst>
   </p:cSld>
@@ -10669,12 +10364,120 @@
           <a:chExt cx="0" cy="0"/>
         </a:xfrm>
       </p:grpSpPr>
+      <p:sp useBgFill="1">
+        <p:nvSpPr>
+          <p:cNvPr id="5126" name="Rectangle 72">
+            <a:extLst>
+              <a:ext uri="{FF2B5EF4-FFF2-40B4-BE49-F238E27FC236}">
+                <a16:creationId xmlns:a16="http://schemas.microsoft.com/office/drawing/2014/main" id="{35C3D674-3D59-4E93-80CA-0C0A9095E816}"/>
+              </a:ext>
+              <a:ext uri="{C183D7F6-B498-43B3-948B-1728B52AA6E4}">
+                <adec:decorative xmlns:adec="http://schemas.microsoft.com/office/drawing/2017/decorative" val="1"/>
+              </a:ext>
+            </a:extLst>
+          </p:cNvPr>
+          <p:cNvSpPr>
+            <a:spLocks noGrp="1" noRot="1" noChangeAspect="1" noMove="1" noResize="1" noEditPoints="1" noAdjustHandles="1" noChangeArrowheads="1" noChangeShapeType="1" noTextEdit="1"/>
+          </p:cNvSpPr>
+          <p:nvPr>
+            <p:extLst>
+              <p:ext uri="{386F3935-93C4-4BCD-93E2-E3B085C9AB24}">
+                <p16:designElem xmlns:p16="http://schemas.microsoft.com/office/powerpoint/2015/main" val="1"/>
+              </p:ext>
+            </p:extLst>
+          </p:nvPr>
+        </p:nvSpPr>
+        <p:spPr>
+          <a:xfrm>
+            <a:off x="2" y="0"/>
+            <a:ext cx="12191695" cy="6858000"/>
+          </a:xfrm>
+          <a:prstGeom prst="rect">
+            <a:avLst/>
+          </a:prstGeom>
+          <a:ln>
+            <a:noFill/>
+          </a:ln>
+        </p:spPr>
+        <p:style>
+          <a:lnRef idx="2">
+            <a:schemeClr val="accent1">
+              <a:shade val="50000"/>
+            </a:schemeClr>
+          </a:lnRef>
+          <a:fillRef idx="1">
+            <a:schemeClr val="accent1"/>
+          </a:fillRef>
+          <a:effectRef idx="0">
+            <a:schemeClr val="accent1"/>
+          </a:effectRef>
+          <a:fontRef idx="minor">
+            <a:schemeClr val="lt1"/>
+          </a:fontRef>
+        </p:style>
+        <p:txBody>
+          <a:bodyPr rtlCol="0" anchor="ctr"/>
+          <a:lstStyle/>
+          <a:p>
+            <a:pPr algn="ctr"/>
+            <a:endParaRPr lang="en-US"/>
+          </a:p>
+        </p:txBody>
+      </p:sp>
+      <p:cxnSp>
+        <p:nvCxnSpPr>
+          <p:cNvPr id="5127" name="Straight Connector 74">
+            <a:extLst>
+              <a:ext uri="{FF2B5EF4-FFF2-40B4-BE49-F238E27FC236}">
+                <a16:creationId xmlns:a16="http://schemas.microsoft.com/office/drawing/2014/main" id="{C884B8F8-FDC9-498B-9960-5D7260AFCB03}"/>
+              </a:ext>
+              <a:ext uri="{C183D7F6-B498-43B3-948B-1728B52AA6E4}">
+                <adec:decorative xmlns:adec="http://schemas.microsoft.com/office/drawing/2017/decorative" val="1"/>
+              </a:ext>
+            </a:extLst>
+          </p:cNvPr>
+          <p:cNvCxnSpPr>
+            <a:cxnSpLocks noGrp="1" noRot="1" noChangeAspect="1" noMove="1" noResize="1" noEditPoints="1" noAdjustHandles="1" noChangeArrowheads="1" noChangeShapeType="1"/>
+          </p:cNvCxnSpPr>
+          <p:nvPr>
+            <p:extLst>
+              <p:ext uri="{386F3935-93C4-4BCD-93E2-E3B085C9AB24}">
+                <p16:designElem xmlns:p16="http://schemas.microsoft.com/office/powerpoint/2015/main" val="1"/>
+              </p:ext>
+            </p:extLst>
+          </p:nvPr>
+        </p:nvCxnSpPr>
+        <p:spPr>
+          <a:xfrm>
+            <a:off x="1453896" y="1847088"/>
+            <a:ext cx="4177373" cy="0"/>
+          </a:xfrm>
+          <a:prstGeom prst="line">
+            <a:avLst/>
+          </a:prstGeom>
+          <a:ln w="31750"/>
+        </p:spPr>
+        <p:style>
+          <a:lnRef idx="3">
+            <a:schemeClr val="accent1"/>
+          </a:lnRef>
+          <a:fillRef idx="0">
+            <a:schemeClr val="accent1"/>
+          </a:fillRef>
+          <a:effectRef idx="2">
+            <a:schemeClr val="accent1"/>
+          </a:effectRef>
+          <a:fontRef idx="minor">
+            <a:schemeClr val="tx1"/>
+          </a:fontRef>
+        </p:style>
+      </p:cxnSp>
       <p:sp>
         <p:nvSpPr>
           <p:cNvPr id="2" name="Title 1">
             <a:extLst>
               <a:ext uri="{FF2B5EF4-FFF2-40B4-BE49-F238E27FC236}">
-                <a16:creationId xmlns:a16="http://schemas.microsoft.com/office/drawing/2014/main" id="{C7DF7F3C-F6B4-0A01-C2B9-F5112CC39062}"/>
+                <a16:creationId xmlns:a16="http://schemas.microsoft.com/office/drawing/2014/main" id="{96CC8F21-D58A-FE48-B1F1-005E1809A8D5}"/>
               </a:ext>
             </a:extLst>
           </p:cNvPr>
@@ -10687,8 +10490,117 @@
         </p:nvSpPr>
         <p:spPr>
           <a:xfrm>
-            <a:off x="1451579" y="804519"/>
-            <a:ext cx="9603275" cy="1049235"/>
+            <a:off x="111212" y="804520"/>
+            <a:ext cx="2803130" cy="1049235"/>
+          </a:xfrm>
+        </p:spPr>
+        <p:txBody>
+          <a:bodyPr>
+            <a:normAutofit fontScale="90000"/>
+          </a:bodyPr>
+          <a:lstStyle/>
+          <a:p>
+            <a:r>
+              <a:rPr lang="en-US" sz="2200" dirty="0"/>
+              <a:t>Result – not optimal solution, compromised Solution</a:t>
+            </a:r>
+          </a:p>
+        </p:txBody>
+      </p:sp>
+      <p:sp>
+        <p:nvSpPr>
+          <p:cNvPr id="5128" name="Rectangle 76">
+            <a:extLst>
+              <a:ext uri="{FF2B5EF4-FFF2-40B4-BE49-F238E27FC236}">
+                <a16:creationId xmlns:a16="http://schemas.microsoft.com/office/drawing/2014/main" id="{EF2A81E1-BCBE-426B-8C09-33274E69409D}"/>
+              </a:ext>
+              <a:ext uri="{C183D7F6-B498-43B3-948B-1728B52AA6E4}">
+                <adec:decorative xmlns:adec="http://schemas.microsoft.com/office/drawing/2017/decorative" val="1"/>
+              </a:ext>
+            </a:extLst>
+          </p:cNvPr>
+          <p:cNvSpPr>
+            <a:spLocks noGrp="1" noRot="1" noChangeAspect="1" noMove="1" noResize="1" noEditPoints="1" noAdjustHandles="1" noChangeArrowheads="1" noChangeShapeType="1" noTextEdit="1"/>
+          </p:cNvSpPr>
+          <p:nvPr>
+            <p:extLst>
+              <p:ext uri="{386F3935-93C4-4BCD-93E2-E3B085C9AB24}">
+                <p16:designElem xmlns:p16="http://schemas.microsoft.com/office/powerpoint/2015/main" val="1"/>
+              </p:ext>
+            </p:extLst>
+          </p:nvPr>
+        </p:nvSpPr>
+        <p:spPr>
+          <a:xfrm>
+            <a:off x="0" y="2019476"/>
+            <a:ext cx="12192000" cy="4105941"/>
+          </a:xfrm>
+          <a:prstGeom prst="rect">
+            <a:avLst/>
+          </a:prstGeom>
+          <a:gradFill flip="none" rotWithShape="1">
+            <a:gsLst>
+              <a:gs pos="0">
+                <a:schemeClr val="bg2">
+                  <a:alpha val="0"/>
+                </a:schemeClr>
+              </a:gs>
+              <a:gs pos="100000">
+                <a:schemeClr val="bg2"/>
+              </a:gs>
+            </a:gsLst>
+            <a:lin ang="5400000" scaled="0"/>
+            <a:tileRect/>
+          </a:gradFill>
+          <a:ln>
+            <a:noFill/>
+          </a:ln>
+        </p:spPr>
+        <p:style>
+          <a:lnRef idx="2">
+            <a:schemeClr val="accent1">
+              <a:shade val="50000"/>
+            </a:schemeClr>
+          </a:lnRef>
+          <a:fillRef idx="1">
+            <a:schemeClr val="accent1"/>
+          </a:fillRef>
+          <a:effectRef idx="0">
+            <a:schemeClr val="accent1"/>
+          </a:effectRef>
+          <a:fontRef idx="minor">
+            <a:schemeClr val="lt1"/>
+          </a:fontRef>
+        </p:style>
+        <p:txBody>
+          <a:bodyPr rtlCol="0" anchor="ctr"/>
+          <a:lstStyle/>
+          <a:p>
+            <a:pPr lvl="0" algn="ctr"/>
+            <a:endParaRPr lang="en-US"/>
+          </a:p>
+        </p:txBody>
+      </p:sp>
+      <p:sp>
+        <p:nvSpPr>
+          <p:cNvPr id="3" name="Content Placeholder 2">
+            <a:extLst>
+              <a:ext uri="{FF2B5EF4-FFF2-40B4-BE49-F238E27FC236}">
+                <a16:creationId xmlns:a16="http://schemas.microsoft.com/office/drawing/2014/main" id="{AD0854AD-7BD4-BB45-A58B-ECA626D8D9D3}"/>
+              </a:ext>
+            </a:extLst>
+          </p:cNvPr>
+          <p:cNvSpPr>
+            <a:spLocks noGrp="1"/>
+          </p:cNvSpPr>
+          <p:nvPr>
+            <p:ph idx="1"/>
+          </p:nvPr>
+        </p:nvSpPr>
+        <p:spPr>
+          <a:xfrm>
+            <a:off x="111213" y="2421924"/>
+            <a:ext cx="4231972" cy="3631554"/>
           </a:xfrm>
         </p:spPr>
         <p:txBody>
@@ -10699,17 +10611,146 @@
           <a:p>
             <a:r>
               <a:rPr lang="en-US" dirty="0"/>
-              <a:t>Why Variable Selection</a:t>
+              <a:t>There are two parameters in model.</a:t>
+            </a:r>
+          </a:p>
+          <a:p>
+            <a:r>
+              <a:rPr lang="en-US" dirty="0"/>
+              <a:t>The optimal MSE values are the dot. </a:t>
+            </a:r>
+          </a:p>
+          <a:p>
+            <a:r>
+              <a:rPr lang="en-US" dirty="0"/>
+              <a:t>The optimal penalty values are 0. </a:t>
+            </a:r>
+          </a:p>
+          <a:p>
+            <a:r>
+              <a:rPr lang="en-US" dirty="0"/>
+              <a:t>The algorithm increments both to be ‘worse’ (farther from optimal). </a:t>
+            </a:r>
+          </a:p>
+          <a:p>
+            <a:r>
+              <a:rPr lang="en-US" dirty="0"/>
+              <a:t>Where they meet is the solution – a value that satisfies each part. </a:t>
+            </a:r>
+          </a:p>
+          <a:p>
+            <a:pPr lvl="1"/>
+            <a:r>
+              <a:rPr lang="en-US" dirty="0"/>
+              <a:t>Best overall solution. </a:t>
             </a:r>
           </a:p>
         </p:txBody>
       </p:sp>
       <p:pic>
         <p:nvPicPr>
-          <p:cNvPr id="16386" name="Picture 2">
-            <a:extLst>
-              <a:ext uri="{FF2B5EF4-FFF2-40B4-BE49-F238E27FC236}">
-                <a16:creationId xmlns:a16="http://schemas.microsoft.com/office/drawing/2014/main" id="{53449CCF-9A84-89D2-9D75-D4A89800E538}"/>
+          <p:cNvPr id="5129" name="Picture 78">
+            <a:extLst>
+              <a:ext uri="{FF2B5EF4-FFF2-40B4-BE49-F238E27FC236}">
+                <a16:creationId xmlns:a16="http://schemas.microsoft.com/office/drawing/2014/main" id="{39D1DDD4-5BB3-45BA-B9B3-06B62299AD79}"/>
+              </a:ext>
+              <a:ext uri="{C183D7F6-B498-43B3-948B-1728B52AA6E4}">
+                <adec:decorative xmlns:adec="http://schemas.microsoft.com/office/drawing/2017/decorative" val="1"/>
+              </a:ext>
+            </a:extLst>
+          </p:cNvPr>
+          <p:cNvPicPr>
+            <a:picLocks noGrp="1" noRot="1" noChangeAspect="1" noMove="1" noResize="1" noEditPoints="1" noAdjustHandles="1" noChangeArrowheads="1" noChangeShapeType="1" noCrop="1"/>
+          </p:cNvPicPr>
+          <p:nvPr>
+            <p:extLst>
+              <p:ext uri="{386F3935-93C4-4BCD-93E2-E3B085C9AB24}">
+                <p16:designElem xmlns:p16="http://schemas.microsoft.com/office/powerpoint/2015/main" val="1"/>
+              </p:ext>
+            </p:extLst>
+          </p:nvPr>
+        </p:nvPicPr>
+        <p:blipFill rotWithShape="1">
+          <a:blip r:embed="rId2">
+            <a:extLst>
+              <a:ext uri="{28A0092B-C50C-407E-A947-70E740481C1C}">
+                <a14:useLocalDpi xmlns:a14="http://schemas.microsoft.com/office/drawing/2010/main" val="0"/>
+              </a:ext>
+            </a:extLst>
+          </a:blip>
+          <a:srcRect t="1538" b="-1538"/>
+          <a:stretch/>
+        </p:blipFill>
+        <p:spPr bwMode="black">
+          <a:xfrm>
+            <a:off x="0" y="6126480"/>
+            <a:ext cx="12192000" cy="742950"/>
+          </a:xfrm>
+          <a:prstGeom prst="rect">
+            <a:avLst/>
+          </a:prstGeom>
+        </p:spPr>
+      </p:pic>
+      <p:cxnSp>
+        <p:nvCxnSpPr>
+          <p:cNvPr id="5130" name="Straight Connector 80">
+            <a:extLst>
+              <a:ext uri="{FF2B5EF4-FFF2-40B4-BE49-F238E27FC236}">
+                <a16:creationId xmlns:a16="http://schemas.microsoft.com/office/drawing/2014/main" id="{A24DAE64-2302-42EA-8239-F2F0775CA5AD}"/>
+              </a:ext>
+              <a:ext uri="{C183D7F6-B498-43B3-948B-1728B52AA6E4}">
+                <adec:decorative xmlns:adec="http://schemas.microsoft.com/office/drawing/2017/decorative" val="1"/>
+              </a:ext>
+            </a:extLst>
+          </p:cNvPr>
+          <p:cNvCxnSpPr>
+            <a:cxnSpLocks noGrp="1" noRot="1" noChangeAspect="1" noMove="1" noResize="1" noEditPoints="1" noAdjustHandles="1" noChangeArrowheads="1" noChangeShapeType="1"/>
+          </p:cNvCxnSpPr>
+          <p:nvPr>
+            <p:extLst>
+              <p:ext uri="{386F3935-93C4-4BCD-93E2-E3B085C9AB24}">
+                <p16:designElem xmlns:p16="http://schemas.microsoft.com/office/powerpoint/2015/main" val="1"/>
+              </p:ext>
+            </p:extLst>
+          </p:nvPr>
+        </p:nvCxnSpPr>
+        <p:spPr>
+          <a:xfrm>
+            <a:off x="0" y="6128413"/>
+            <a:ext cx="12192000" cy="0"/>
+          </a:xfrm>
+          <a:prstGeom prst="line">
+            <a:avLst/>
+          </a:prstGeom>
+          <a:ln w="12700">
+            <a:solidFill>
+              <a:srgbClr val="000001">
+                <a:alpha val="20000"/>
+              </a:srgbClr>
+            </a:solidFill>
+          </a:ln>
+        </p:spPr>
+        <p:style>
+          <a:lnRef idx="1">
+            <a:schemeClr val="accent1"/>
+          </a:lnRef>
+          <a:fillRef idx="0">
+            <a:schemeClr val="accent1"/>
+          </a:fillRef>
+          <a:effectRef idx="0">
+            <a:schemeClr val="accent1"/>
+          </a:effectRef>
+          <a:fontRef idx="minor">
+            <a:schemeClr val="tx1"/>
+          </a:fontRef>
+        </p:style>
+      </p:cxnSp>
+      <p:pic>
+        <p:nvPicPr>
+          <p:cNvPr id="5124" name="Picture 4" descr="A Deep Dive into Regularization. I was recently brushing up on basics of… |  by Divakar Kapil | uWaterloo Voice | Medium">
+            <a:extLst>
+              <a:ext uri="{FF2B5EF4-FFF2-40B4-BE49-F238E27FC236}">
+                <a16:creationId xmlns:a16="http://schemas.microsoft.com/office/drawing/2014/main" id="{FCDEF449-A0C2-5C4C-B805-9EBCCF9D5569}"/>
               </a:ext>
             </a:extLst>
           </p:cNvPr>
@@ -10718,22 +10759,20 @@
           </p:cNvPicPr>
           <p:nvPr/>
         </p:nvPicPr>
-        <p:blipFill>
-          <a:blip r:embed="rId2">
+        <p:blipFill rotWithShape="1">
+          <a:blip r:embed="rId3">
             <a:extLst>
               <a:ext uri="{28A0092B-C50C-407E-A947-70E740481C1C}">
                 <a14:useLocalDpi xmlns:a14="http://schemas.microsoft.com/office/drawing/2010/main" val="0"/>
               </a:ext>
             </a:extLst>
           </a:blip>
-          <a:stretch>
-            <a:fillRect/>
-          </a:stretch>
+          <a:stretch/>
         </p:blipFill>
         <p:spPr bwMode="auto">
           <a:xfrm>
-            <a:off x="16137" y="1989250"/>
-            <a:ext cx="7447344" cy="4189128"/>
+            <a:off x="4430363" y="1780531"/>
+            <a:ext cx="7799083" cy="5088899"/>
           </a:xfrm>
           <a:prstGeom prst="rect">
             <a:avLst/>
@@ -10750,6 +10789,186 @@
           </a:extLst>
         </p:spPr>
       </p:pic>
+      <p:pic>
+        <p:nvPicPr>
+          <p:cNvPr id="4" name="Picture 4" descr="ML Series 7: Regularization in Regression: Tackling Overfitting for  Enhanced Model Performance | by Sahin Ahmed, Data Scientist | Medium">
+            <a:extLst>
+              <a:ext uri="{FF2B5EF4-FFF2-40B4-BE49-F238E27FC236}">
+                <a16:creationId xmlns:a16="http://schemas.microsoft.com/office/drawing/2014/main" id="{8669F4F8-0F78-24F3-38B5-163C6D763ED9}"/>
+              </a:ext>
+            </a:extLst>
+          </p:cNvPr>
+          <p:cNvPicPr>
+            <a:picLocks noChangeAspect="1" noChangeArrowheads="1"/>
+          </p:cNvPicPr>
+          <p:nvPr/>
+        </p:nvPicPr>
+        <p:blipFill rotWithShape="1">
+          <a:blip r:embed="rId4">
+            <a:extLst>
+              <a:ext uri="{28A0092B-C50C-407E-A947-70E740481C1C}">
+                <a14:useLocalDpi xmlns:a14="http://schemas.microsoft.com/office/drawing/2010/main" val="0"/>
+              </a:ext>
+            </a:extLst>
+          </a:blip>
+          <a:srcRect l="6082" t="20432" r="9760" b="6307"/>
+          <a:stretch/>
+        </p:blipFill>
+        <p:spPr bwMode="auto">
+          <a:xfrm>
+            <a:off x="3069513" y="-92134"/>
+            <a:ext cx="5123511" cy="2543640"/>
+          </a:xfrm>
+          <a:prstGeom prst="rect">
+            <a:avLst/>
+          </a:prstGeom>
+          <a:noFill/>
+          <a:extLst>
+            <a:ext uri="{909E8E84-426E-40DD-AFC4-6F175D3DCCD1}">
+              <a14:hiddenFill xmlns:a14="http://schemas.microsoft.com/office/drawing/2010/main">
+                <a:solidFill>
+                  <a:srgbClr val="FFFFFF"/>
+                </a:solidFill>
+              </a14:hiddenFill>
+            </a:ext>
+          </a:extLst>
+        </p:spPr>
+      </p:pic>
+    </p:spTree>
+    <p:extLst>
+      <p:ext uri="{BB962C8B-B14F-4D97-AF65-F5344CB8AC3E}">
+        <p14:creationId xmlns:p14="http://schemas.microsoft.com/office/powerpoint/2010/main" val="2136274663"/>
+      </p:ext>
+    </p:extLst>
+  </p:cSld>
+  <p:clrMapOvr>
+    <a:masterClrMapping/>
+  </p:clrMapOvr>
+</p:sld>
+</file>
+
+<file path=ppt/slides/slide45.xml><?xml version="1.0" encoding="utf-8"?>
+<p:sld xmlns:a="http://schemas.openxmlformats.org/drawingml/2006/main" xmlns:r="http://schemas.openxmlformats.org/officeDocument/2006/relationships" xmlns:p="http://schemas.openxmlformats.org/presentationml/2006/main">
+  <p:cSld>
+    <p:bg>
+      <p:bgPr>
+        <a:gradFill rotWithShape="1">
+          <a:gsLst>
+            <a:gs pos="0">
+              <a:schemeClr val="bg2">
+                <a:tint val="94000"/>
+                <a:satMod val="80000"/>
+                <a:lumMod val="106000"/>
+              </a:schemeClr>
+            </a:gs>
+            <a:gs pos="100000">
+              <a:schemeClr val="bg2">
+                <a:shade val="80000"/>
+              </a:schemeClr>
+            </a:gs>
+          </a:gsLst>
+          <a:path path="circle">
+            <a:fillToRect l="43000" r="43000" b="100000"/>
+          </a:path>
+        </a:gradFill>
+        <a:effectLst/>
+      </p:bgPr>
+    </p:bg>
+    <p:spTree>
+      <p:nvGrpSpPr>
+        <p:cNvPr id="1" name=""/>
+        <p:cNvGrpSpPr/>
+        <p:nvPr/>
+      </p:nvGrpSpPr>
+      <p:grpSpPr>
+        <a:xfrm>
+          <a:off x="0" y="0"/>
+          <a:ext cx="0" cy="0"/>
+          <a:chOff x="0" y="0"/>
+          <a:chExt cx="0" cy="0"/>
+        </a:xfrm>
+      </p:grpSpPr>
+      <p:sp>
+        <p:nvSpPr>
+          <p:cNvPr id="2" name="Title 1">
+            <a:extLst>
+              <a:ext uri="{FF2B5EF4-FFF2-40B4-BE49-F238E27FC236}">
+                <a16:creationId xmlns:a16="http://schemas.microsoft.com/office/drawing/2014/main" id="{C7DF7F3C-F6B4-0A01-C2B9-F5112CC39062}"/>
+              </a:ext>
+            </a:extLst>
+          </p:cNvPr>
+          <p:cNvSpPr>
+            <a:spLocks noGrp="1"/>
+          </p:cNvSpPr>
+          <p:nvPr>
+            <p:ph type="title"/>
+          </p:nvPr>
+        </p:nvSpPr>
+        <p:spPr>
+          <a:xfrm>
+            <a:off x="1451579" y="804519"/>
+            <a:ext cx="9603275" cy="1049235"/>
+          </a:xfrm>
+        </p:spPr>
+        <p:txBody>
+          <a:bodyPr>
+            <a:normAutofit/>
+          </a:bodyPr>
+          <a:lstStyle/>
+          <a:p>
+            <a:r>
+              <a:rPr lang="en-US" dirty="0"/>
+              <a:t>Why Variable Selection</a:t>
+            </a:r>
+          </a:p>
+        </p:txBody>
+      </p:sp>
+      <p:pic>
+        <p:nvPicPr>
+          <p:cNvPr id="16386" name="Picture 2">
+            <a:extLst>
+              <a:ext uri="{FF2B5EF4-FFF2-40B4-BE49-F238E27FC236}">
+                <a16:creationId xmlns:a16="http://schemas.microsoft.com/office/drawing/2014/main" id="{53449CCF-9A84-89D2-9D75-D4A89800E538}"/>
+              </a:ext>
+            </a:extLst>
+          </p:cNvPr>
+          <p:cNvPicPr>
+            <a:picLocks noChangeAspect="1" noChangeArrowheads="1"/>
+          </p:cNvPicPr>
+          <p:nvPr/>
+        </p:nvPicPr>
+        <p:blipFill>
+          <a:blip r:embed="rId2">
+            <a:extLst>
+              <a:ext uri="{28A0092B-C50C-407E-A947-70E740481C1C}">
+                <a14:useLocalDpi xmlns:a14="http://schemas.microsoft.com/office/drawing/2010/main" val="0"/>
+              </a:ext>
+            </a:extLst>
+          </a:blip>
+          <a:stretch>
+            <a:fillRect/>
+          </a:stretch>
+        </p:blipFill>
+        <p:spPr bwMode="auto">
+          <a:xfrm>
+            <a:off x="102634" y="1925455"/>
+            <a:ext cx="7447344" cy="4189128"/>
+          </a:xfrm>
+          <a:prstGeom prst="rect">
+            <a:avLst/>
+          </a:prstGeom>
+          <a:noFill/>
+          <a:extLst>
+            <a:ext uri="{909E8E84-426E-40DD-AFC4-6F175D3DCCD1}">
+              <a14:hiddenFill xmlns:a14="http://schemas.microsoft.com/office/drawing/2010/main">
+                <a:solidFill>
+                  <a:srgbClr val="FFFFFF"/>
+                </a:solidFill>
+              </a14:hiddenFill>
+            </a:ext>
+          </a:extLst>
+        </p:spPr>
+      </p:pic>
       <p:sp>
         <p:nvSpPr>
           <p:cNvPr id="3" name="Content Placeholder 2">
@@ -10828,7 +11047,7 @@
 </p:sld>
 </file>
 
-<file path=ppt/slides/slide45.xml><?xml version="1.0" encoding="utf-8"?>
+<file path=ppt/slides/slide46.xml><?xml version="1.0" encoding="utf-8"?>
 <p:sld xmlns:a="http://schemas.openxmlformats.org/drawingml/2006/main" xmlns:r="http://schemas.openxmlformats.org/officeDocument/2006/relationships" xmlns:p="http://schemas.openxmlformats.org/presentationml/2006/main" show="0">
   <p:cSld>
     <p:spTree>
@@ -10946,7 +11165,7 @@
 </p:sld>
 </file>
 
-<file path=ppt/slides/slide46.xml><?xml version="1.0" encoding="utf-8"?>
+<file path=ppt/slides/slide47.xml><?xml version="1.0" encoding="utf-8"?>
 <p:sld xmlns:a="http://schemas.openxmlformats.org/drawingml/2006/main" xmlns:r="http://schemas.openxmlformats.org/officeDocument/2006/relationships" xmlns:p="http://schemas.openxmlformats.org/presentationml/2006/main">
   <p:cSld>
     <p:spTree>
@@ -11015,7 +11234,7 @@
         </p:spPr>
         <p:txBody>
           <a:bodyPr>
-            <a:normAutofit/>
+            <a:normAutofit lnSpcReduction="10000"/>
           </a:bodyPr>
           <a:lstStyle/>
           <a:p>
@@ -11025,9 +11244,16 @@
             </a:r>
           </a:p>
           <a:p>
+            <a:pPr lvl="1"/>
             <a:r>
               <a:rPr lang="en-US" dirty="0"/>
               <a:t>Very large coefficients are likely to be overfitted and exert excess influence on predictions.</a:t>
+            </a:r>
+          </a:p>
+          <a:p>
+            <a:r>
+              <a:rPr lang="en-US" dirty="0"/>
+              <a:t>We can make regression models larger and more capable, then limit overfit. </a:t>
             </a:r>
           </a:p>
           <a:p>
@@ -11096,7 +11322,7 @@
 </p:sld>
 </file>
 
-<file path=ppt/slides/slide47.xml><?xml version="1.0" encoding="utf-8"?>
+<file path=ppt/slides/slide48.xml><?xml version="1.0" encoding="utf-8"?>
 <p:sld xmlns:a="http://schemas.openxmlformats.org/drawingml/2006/main" xmlns:r="http://schemas.openxmlformats.org/officeDocument/2006/relationships" xmlns:p="http://schemas.openxmlformats.org/presentationml/2006/main">
   <p:cSld>
     <p:spTree>
